--- a/РПЗ/презентация_Кондрашова.pptx
+++ b/РПЗ/презентация_Кондрашова.pptx
@@ -5,29 +5,28 @@
     <p:sldMasterId id="2147483648" r:id="rId1"/>
   </p:sldMasterIdLst>
   <p:notesMasterIdLst>
-    <p:notesMasterId r:id="rId22"/>
+    <p:notesMasterId r:id="rId21"/>
   </p:notesMasterIdLst>
   <p:sldIdLst>
     <p:sldId id="256" r:id="rId2"/>
     <p:sldId id="258" r:id="rId3"/>
     <p:sldId id="270" r:id="rId4"/>
     <p:sldId id="286" r:id="rId5"/>
-    <p:sldId id="288" r:id="rId6"/>
-    <p:sldId id="287" r:id="rId7"/>
-    <p:sldId id="281" r:id="rId8"/>
-    <p:sldId id="292" r:id="rId9"/>
-    <p:sldId id="295" r:id="rId10"/>
-    <p:sldId id="296" r:id="rId11"/>
-    <p:sldId id="294" r:id="rId12"/>
-    <p:sldId id="297" r:id="rId13"/>
-    <p:sldId id="293" r:id="rId14"/>
-    <p:sldId id="285" r:id="rId15"/>
-    <p:sldId id="282" r:id="rId16"/>
-    <p:sldId id="289" r:id="rId17"/>
-    <p:sldId id="290" r:id="rId18"/>
-    <p:sldId id="291" r:id="rId19"/>
-    <p:sldId id="283" r:id="rId20"/>
-    <p:sldId id="280" r:id="rId21"/>
+    <p:sldId id="281" r:id="rId6"/>
+    <p:sldId id="298" r:id="rId7"/>
+    <p:sldId id="288" r:id="rId8"/>
+    <p:sldId id="287" r:id="rId9"/>
+    <p:sldId id="297" r:id="rId10"/>
+    <p:sldId id="285" r:id="rId11"/>
+    <p:sldId id="296" r:id="rId12"/>
+    <p:sldId id="293" r:id="rId13"/>
+    <p:sldId id="294" r:id="rId14"/>
+    <p:sldId id="282" r:id="rId15"/>
+    <p:sldId id="289" r:id="rId16"/>
+    <p:sldId id="290" r:id="rId17"/>
+    <p:sldId id="291" r:id="rId18"/>
+    <p:sldId id="283" r:id="rId19"/>
+    <p:sldId id="280" r:id="rId20"/>
   </p:sldIdLst>
   <p:sldSz cx="12192000" cy="6858000"/>
   <p:notesSz cx="6858000" cy="9144000"/>
@@ -228,7 +227,7 @@
             <a:fld id="{B24C1625-D5FD-4961-8EAB-1FA61EEA71E7}" type="datetimeFigureOut">
               <a:rPr lang="ru-RU" smtClean="0"/>
               <a:pPr/>
-              <a:t>02.06.2021</a:t>
+              <a:t>05.06.2021</a:t>
             </a:fld>
             <a:endParaRPr lang="ru-RU"/>
           </a:p>
@@ -496,6 +495,282 @@
 </p:notesMaster>
 </file>
 
+<file path=ppt/notesSlides/notesSlide1.xml><?xml version="1.0" encoding="utf-8"?>
+<p:notes xmlns:a="http://schemas.openxmlformats.org/drawingml/2006/main" xmlns:r="http://schemas.openxmlformats.org/officeDocument/2006/relationships" xmlns:p="http://schemas.openxmlformats.org/presentationml/2006/main">
+  <p:cSld>
+    <p:spTree>
+      <p:nvGrpSpPr>
+        <p:cNvPr id="1" name=""/>
+        <p:cNvGrpSpPr/>
+        <p:nvPr/>
+      </p:nvGrpSpPr>
+      <p:grpSpPr>
+        <a:xfrm>
+          <a:off x="0" y="0"/>
+          <a:ext cx="0" cy="0"/>
+          <a:chOff x="0" y="0"/>
+          <a:chExt cx="0" cy="0"/>
+        </a:xfrm>
+      </p:grpSpPr>
+      <p:sp>
+        <p:nvSpPr>
+          <p:cNvPr id="2" name="Образ слайда 1"/>
+          <p:cNvSpPr>
+            <a:spLocks noGrp="1" noRot="1" noChangeAspect="1"/>
+          </p:cNvSpPr>
+          <p:nvPr>
+            <p:ph type="sldImg"/>
+          </p:nvPr>
+        </p:nvSpPr>
+        <p:spPr/>
+      </p:sp>
+      <p:sp>
+        <p:nvSpPr>
+          <p:cNvPr id="3" name="Заметки 2"/>
+          <p:cNvSpPr>
+            <a:spLocks noGrp="1"/>
+          </p:cNvSpPr>
+          <p:nvPr>
+            <p:ph type="body" idx="1"/>
+          </p:nvPr>
+        </p:nvSpPr>
+        <p:spPr/>
+        <p:txBody>
+          <a:bodyPr/>
+          <a:lstStyle/>
+          <a:p>
+            <a:r>
+              <a:rPr lang="ru-RU" dirty="0"/>
+              <a:t>Наверное/ю надо бы </a:t>
+            </a:r>
+            <a:r>
+              <a:rPr lang="ru-RU" dirty="0" err="1"/>
+              <a:t>нач</a:t>
+            </a:r>
+            <a:r>
+              <a:rPr lang="ru-RU" dirty="0"/>
+              <a:t>/ формы</a:t>
+            </a:r>
+          </a:p>
+        </p:txBody>
+      </p:sp>
+      <p:sp>
+        <p:nvSpPr>
+          <p:cNvPr id="4" name="Номер слайда 3"/>
+          <p:cNvSpPr>
+            <a:spLocks noGrp="1"/>
+          </p:cNvSpPr>
+          <p:nvPr>
+            <p:ph type="sldNum" sz="quarter" idx="5"/>
+          </p:nvPr>
+        </p:nvSpPr>
+        <p:spPr/>
+        <p:txBody>
+          <a:bodyPr/>
+          <a:lstStyle/>
+          <a:p>
+            <a:fld id="{6289C4F5-5BFF-4154-922C-ABB746440172}" type="slidenum">
+              <a:rPr lang="ru-RU" smtClean="0"/>
+              <a:pPr/>
+              <a:t>7</a:t>
+            </a:fld>
+            <a:endParaRPr lang="ru-RU"/>
+          </a:p>
+        </p:txBody>
+      </p:sp>
+    </p:spTree>
+    <p:extLst>
+      <p:ext uri="{BB962C8B-B14F-4D97-AF65-F5344CB8AC3E}">
+        <p14:creationId xmlns:p14="http://schemas.microsoft.com/office/powerpoint/2010/main" val="305880302"/>
+      </p:ext>
+    </p:extLst>
+  </p:cSld>
+  <p:clrMapOvr>
+    <a:masterClrMapping/>
+  </p:clrMapOvr>
+</p:notes>
+</file>
+
+<file path=ppt/notesSlides/notesSlide2.xml><?xml version="1.0" encoding="utf-8"?>
+<p:notes xmlns:a="http://schemas.openxmlformats.org/drawingml/2006/main" xmlns:r="http://schemas.openxmlformats.org/officeDocument/2006/relationships" xmlns:p="http://schemas.openxmlformats.org/presentationml/2006/main">
+  <p:cSld>
+    <p:spTree>
+      <p:nvGrpSpPr>
+        <p:cNvPr id="1" name=""/>
+        <p:cNvGrpSpPr/>
+        <p:nvPr/>
+      </p:nvGrpSpPr>
+      <p:grpSpPr>
+        <a:xfrm>
+          <a:off x="0" y="0"/>
+          <a:ext cx="0" cy="0"/>
+          <a:chOff x="0" y="0"/>
+          <a:chExt cx="0" cy="0"/>
+        </a:xfrm>
+      </p:grpSpPr>
+      <p:sp>
+        <p:nvSpPr>
+          <p:cNvPr id="2" name="Образ слайда 1"/>
+          <p:cNvSpPr>
+            <a:spLocks noGrp="1" noRot="1" noChangeAspect="1"/>
+          </p:cNvSpPr>
+          <p:nvPr>
+            <p:ph type="sldImg"/>
+          </p:nvPr>
+        </p:nvSpPr>
+        <p:spPr/>
+      </p:sp>
+      <p:sp>
+        <p:nvSpPr>
+          <p:cNvPr id="3" name="Заметки 2"/>
+          <p:cNvSpPr>
+            <a:spLocks noGrp="1"/>
+          </p:cNvSpPr>
+          <p:nvPr>
+            <p:ph type="body" idx="1"/>
+          </p:nvPr>
+        </p:nvSpPr>
+        <p:spPr/>
+        <p:txBody>
+          <a:bodyPr/>
+          <a:lstStyle/>
+          <a:p>
+            <a:r>
+              <a:rPr lang="ru-RU" dirty="0" err="1"/>
+              <a:t>Тф-идф</a:t>
+            </a:r>
+            <a:r>
+              <a:rPr lang="ru-RU" dirty="0"/>
+              <a:t> – это терм-документная частота</a:t>
+            </a:r>
+          </a:p>
+        </p:txBody>
+      </p:sp>
+      <p:sp>
+        <p:nvSpPr>
+          <p:cNvPr id="4" name="Номер слайда 3"/>
+          <p:cNvSpPr>
+            <a:spLocks noGrp="1"/>
+          </p:cNvSpPr>
+          <p:nvPr>
+            <p:ph type="sldNum" sz="quarter" idx="5"/>
+          </p:nvPr>
+        </p:nvSpPr>
+        <p:spPr/>
+        <p:txBody>
+          <a:bodyPr/>
+          <a:lstStyle/>
+          <a:p>
+            <a:fld id="{6289C4F5-5BFF-4154-922C-ABB746440172}" type="slidenum">
+              <a:rPr lang="ru-RU" smtClean="0"/>
+              <a:pPr/>
+              <a:t>9</a:t>
+            </a:fld>
+            <a:endParaRPr lang="ru-RU"/>
+          </a:p>
+        </p:txBody>
+      </p:sp>
+    </p:spTree>
+    <p:extLst>
+      <p:ext uri="{BB962C8B-B14F-4D97-AF65-F5344CB8AC3E}">
+        <p14:creationId xmlns:p14="http://schemas.microsoft.com/office/powerpoint/2010/main" val="3101483182"/>
+      </p:ext>
+    </p:extLst>
+  </p:cSld>
+  <p:clrMapOvr>
+    <a:masterClrMapping/>
+  </p:clrMapOvr>
+</p:notes>
+</file>
+
+<file path=ppt/notesSlides/notesSlide3.xml><?xml version="1.0" encoding="utf-8"?>
+<p:notes xmlns:a="http://schemas.openxmlformats.org/drawingml/2006/main" xmlns:r="http://schemas.openxmlformats.org/officeDocument/2006/relationships" xmlns:p="http://schemas.openxmlformats.org/presentationml/2006/main">
+  <p:cSld>
+    <p:spTree>
+      <p:nvGrpSpPr>
+        <p:cNvPr id="1" name=""/>
+        <p:cNvGrpSpPr/>
+        <p:nvPr/>
+      </p:nvGrpSpPr>
+      <p:grpSpPr>
+        <a:xfrm>
+          <a:off x="0" y="0"/>
+          <a:ext cx="0" cy="0"/>
+          <a:chOff x="0" y="0"/>
+          <a:chExt cx="0" cy="0"/>
+        </a:xfrm>
+      </p:grpSpPr>
+      <p:sp>
+        <p:nvSpPr>
+          <p:cNvPr id="2" name="Образ слайда 1"/>
+          <p:cNvSpPr>
+            <a:spLocks noGrp="1" noRot="1" noChangeAspect="1"/>
+          </p:cNvSpPr>
+          <p:nvPr>
+            <p:ph type="sldImg"/>
+          </p:nvPr>
+        </p:nvSpPr>
+        <p:spPr/>
+      </p:sp>
+      <p:sp>
+        <p:nvSpPr>
+          <p:cNvPr id="3" name="Заметки 2"/>
+          <p:cNvSpPr>
+            <a:spLocks noGrp="1"/>
+          </p:cNvSpPr>
+          <p:nvPr>
+            <p:ph type="body" idx="1"/>
+          </p:nvPr>
+        </p:nvSpPr>
+        <p:spPr/>
+        <p:txBody>
+          <a:bodyPr/>
+          <a:lstStyle/>
+          <a:p>
+            <a:r>
+              <a:rPr lang="ru-RU" dirty="0"/>
+              <a:t>В табличке таймс шрифт</a:t>
+            </a:r>
+          </a:p>
+        </p:txBody>
+      </p:sp>
+      <p:sp>
+        <p:nvSpPr>
+          <p:cNvPr id="4" name="Номер слайда 3"/>
+          <p:cNvSpPr>
+            <a:spLocks noGrp="1"/>
+          </p:cNvSpPr>
+          <p:nvPr>
+            <p:ph type="sldNum" sz="quarter" idx="5"/>
+          </p:nvPr>
+        </p:nvSpPr>
+        <p:spPr/>
+        <p:txBody>
+          <a:bodyPr/>
+          <a:lstStyle/>
+          <a:p>
+            <a:fld id="{6289C4F5-5BFF-4154-922C-ABB746440172}" type="slidenum">
+              <a:rPr lang="ru-RU" smtClean="0"/>
+              <a:pPr/>
+              <a:t>13</a:t>
+            </a:fld>
+            <a:endParaRPr lang="ru-RU"/>
+          </a:p>
+        </p:txBody>
+      </p:sp>
+    </p:spTree>
+    <p:extLst>
+      <p:ext uri="{BB962C8B-B14F-4D97-AF65-F5344CB8AC3E}">
+        <p14:creationId xmlns:p14="http://schemas.microsoft.com/office/powerpoint/2010/main" val="2936264570"/>
+      </p:ext>
+    </p:extLst>
+  </p:cSld>
+  <p:clrMapOvr>
+    <a:masterClrMapping/>
+  </p:clrMapOvr>
+</p:notes>
+</file>
+
 <file path=ppt/slideLayouts/slideLayout1.xml><?xml version="1.0" encoding="utf-8"?>
 <p:sldLayout xmlns:a="http://schemas.openxmlformats.org/drawingml/2006/main" xmlns:r="http://schemas.openxmlformats.org/officeDocument/2006/relationships" xmlns:p="http://schemas.openxmlformats.org/presentationml/2006/main" type="title" preserve="1">
   <p:cSld name="Титульный слайд">
@@ -644,7 +919,7 @@
             <a:fld id="{703E3709-A417-4BA4-9DB9-C03B4C8BAA4E}" type="datetime1">
               <a:rPr lang="ru-RU" smtClean="0"/>
               <a:pPr/>
-              <a:t>02.06.2021</a:t>
+              <a:t>05.06.2021</a:t>
             </a:fld>
             <a:endParaRPr lang="ru-RU"/>
           </a:p>
@@ -844,7 +1119,7 @@
             <a:fld id="{E84E5E01-CA5B-494A-9C4C-0A4511EEFE60}" type="datetime1">
               <a:rPr lang="ru-RU" smtClean="0"/>
               <a:pPr/>
-              <a:t>02.06.2021</a:t>
+              <a:t>05.06.2021</a:t>
             </a:fld>
             <a:endParaRPr lang="ru-RU"/>
           </a:p>
@@ -1054,7 +1329,7 @@
             <a:fld id="{EC69EC0E-4C6D-4D35-9720-ED568FE3BC26}" type="datetime1">
               <a:rPr lang="ru-RU" smtClean="0"/>
               <a:pPr/>
-              <a:t>02.06.2021</a:t>
+              <a:t>05.06.2021</a:t>
             </a:fld>
             <a:endParaRPr lang="ru-RU"/>
           </a:p>
@@ -1254,7 +1529,7 @@
             <a:fld id="{BA3139B0-C124-44CF-B8D5-1CDD431F5F1F}" type="datetime1">
               <a:rPr lang="ru-RU" smtClean="0"/>
               <a:pPr/>
-              <a:t>02.06.2021</a:t>
+              <a:t>05.06.2021</a:t>
             </a:fld>
             <a:endParaRPr lang="ru-RU"/>
           </a:p>
@@ -1531,7 +1806,7 @@
             <a:fld id="{1D59D3DA-E4B9-44AC-A369-0B4DC908419D}" type="datetime1">
               <a:rPr lang="ru-RU" smtClean="0"/>
               <a:pPr/>
-              <a:t>02.06.2021</a:t>
+              <a:t>05.06.2021</a:t>
             </a:fld>
             <a:endParaRPr lang="ru-RU"/>
           </a:p>
@@ -1798,7 +2073,7 @@
             <a:fld id="{50A031DE-CB04-4870-9C75-1465DCB69FDB}" type="datetime1">
               <a:rPr lang="ru-RU" smtClean="0"/>
               <a:pPr/>
-              <a:t>02.06.2021</a:t>
+              <a:t>05.06.2021</a:t>
             </a:fld>
             <a:endParaRPr lang="ru-RU"/>
           </a:p>
@@ -2212,7 +2487,7 @@
             <a:fld id="{4FEFF6B4-3589-4899-AAF7-4B76B13265E9}" type="datetime1">
               <a:rPr lang="ru-RU" smtClean="0"/>
               <a:pPr/>
-              <a:t>02.06.2021</a:t>
+              <a:t>05.06.2021</a:t>
             </a:fld>
             <a:endParaRPr lang="ru-RU"/>
           </a:p>
@@ -2355,7 +2630,7 @@
             <a:fld id="{D891499A-FB2B-4995-8E9F-E0E46C8EE9B4}" type="datetime1">
               <a:rPr lang="ru-RU" smtClean="0"/>
               <a:pPr/>
-              <a:t>02.06.2021</a:t>
+              <a:t>05.06.2021</a:t>
             </a:fld>
             <a:endParaRPr lang="ru-RU"/>
           </a:p>
@@ -2470,7 +2745,7 @@
             <a:fld id="{A8980C0B-7E8C-4609-A955-3F89959A46DA}" type="datetime1">
               <a:rPr lang="ru-RU" smtClean="0"/>
               <a:pPr/>
-              <a:t>02.06.2021</a:t>
+              <a:t>05.06.2021</a:t>
             </a:fld>
             <a:endParaRPr lang="ru-RU"/>
           </a:p>
@@ -2783,7 +3058,7 @@
             <a:fld id="{BE84B986-6865-4485-BDE5-D57B9DC994D2}" type="datetime1">
               <a:rPr lang="ru-RU" smtClean="0"/>
               <a:pPr/>
-              <a:t>02.06.2021</a:t>
+              <a:t>05.06.2021</a:t>
             </a:fld>
             <a:endParaRPr lang="ru-RU"/>
           </a:p>
@@ -3073,7 +3348,7 @@
             <a:fld id="{16CB19F2-C561-4971-B3DE-FECD1D4FDC6E}" type="datetime1">
               <a:rPr lang="ru-RU" smtClean="0"/>
               <a:pPr/>
-              <a:t>02.06.2021</a:t>
+              <a:t>05.06.2021</a:t>
             </a:fld>
             <a:endParaRPr lang="ru-RU"/>
           </a:p>
@@ -3316,7 +3591,7 @@
             <a:fld id="{2F1403D6-804E-451C-A4C8-E9FBB80237BA}" type="datetime1">
               <a:rPr lang="ru-RU" smtClean="0"/>
               <a:pPr/>
-              <a:t>02.06.2021</a:t>
+              <a:t>05.06.2021</a:t>
             </a:fld>
             <a:endParaRPr lang="ru-RU"/>
           </a:p>
@@ -4026,7 +4301,7 @@
           <p:cNvPr id="2" name="Заголовок 1">
             <a:extLst>
               <a:ext uri="{FF2B5EF4-FFF2-40B4-BE49-F238E27FC236}">
-                <a16:creationId xmlns:a16="http://schemas.microsoft.com/office/drawing/2014/main" id="{68C510DA-43C2-BC42-9310-310510C61E15}"/>
+                <a16:creationId xmlns:a16="http://schemas.microsoft.com/office/drawing/2014/main" id="{5FBB8991-166F-486F-B1BE-57CF6CA9C6A5}"/>
               </a:ext>
             </a:extLst>
           </p:cNvPr>
@@ -4037,7 +4312,12 @@
             <p:ph type="title"/>
           </p:nvPr>
         </p:nvSpPr>
-        <p:spPr/>
+        <p:spPr>
+          <a:xfrm>
+            <a:off x="463139" y="365125"/>
+            <a:ext cx="11364684" cy="1325563"/>
+          </a:xfrm>
+        </p:spPr>
         <p:txBody>
           <a:bodyPr/>
           <a:lstStyle/>
@@ -4048,17 +4328,17 @@
                 <a:latin typeface="Times New Roman" panose="02020603050405020304" pitchFamily="18" charset="0"/>
                 <a:cs typeface="Times New Roman" panose="02020603050405020304" pitchFamily="18" charset="0"/>
               </a:rPr>
-              <a:t>Метод опорных векторов</a:t>
+              <a:t>Функциональная схема метода классификации</a:t>
             </a:r>
           </a:p>
         </p:txBody>
       </p:sp>
       <p:pic>
         <p:nvPicPr>
-          <p:cNvPr id="5" name="Объект 4">
-            <a:extLst>
-              <a:ext uri="{FF2B5EF4-FFF2-40B4-BE49-F238E27FC236}">
-                <a16:creationId xmlns:a16="http://schemas.microsoft.com/office/drawing/2014/main" id="{64474891-6B49-9944-93B0-FABBD81F638B}"/>
+          <p:cNvPr id="6" name="Объект 5">
+            <a:extLst>
+              <a:ext uri="{FF2B5EF4-FFF2-40B4-BE49-F238E27FC236}">
+                <a16:creationId xmlns:a16="http://schemas.microsoft.com/office/drawing/2014/main" id="{D6C52BFF-1998-B949-836D-5E8B4638CD4E}"/>
               </a:ext>
             </a:extLst>
           </p:cNvPr>
@@ -4083,17 +4363,17 @@
         </p:blipFill>
         <p:spPr>
           <a:xfrm>
-            <a:off x="3568785" y="1879699"/>
-            <a:ext cx="4795519" cy="4659213"/>
+            <a:off x="838200" y="1377538"/>
+            <a:ext cx="10145736" cy="5343937"/>
           </a:xfrm>
         </p:spPr>
       </p:pic>
       <p:sp>
         <p:nvSpPr>
-          <p:cNvPr id="6" name="Номер слайда 3">
-            <a:extLst>
-              <a:ext uri="{FF2B5EF4-FFF2-40B4-BE49-F238E27FC236}">
-                <a16:creationId xmlns:a16="http://schemas.microsoft.com/office/drawing/2014/main" id="{544A2D44-1D99-684E-BA2B-B691E201E977}"/>
+          <p:cNvPr id="4" name="Номер слайда 3">
+            <a:extLst>
+              <a:ext uri="{FF2B5EF4-FFF2-40B4-BE49-F238E27FC236}">
+                <a16:creationId xmlns:a16="http://schemas.microsoft.com/office/drawing/2014/main" id="{3690E022-ED8E-4C31-92F6-7E247E60D645}"/>
               </a:ext>
             </a:extLst>
           </p:cNvPr>
@@ -4104,12 +4384,7 @@
             <p:ph type="sldNum" sz="quarter" idx="12"/>
           </p:nvPr>
         </p:nvSpPr>
-        <p:spPr>
-          <a:xfrm>
-            <a:off x="8610600" y="6356350"/>
-            <a:ext cx="2743200" cy="365125"/>
-          </a:xfrm>
-        </p:spPr>
+        <p:spPr/>
         <p:txBody>
           <a:bodyPr vert="horz" lIns="91440" tIns="45720" rIns="91440" bIns="45720" rtlCol="0" anchor="ctr"/>
           <a:lstStyle/>
@@ -4125,7 +4400,7 @@
               <a:pPr/>
               <a:t>10</a:t>
             </a:fld>
-            <a:endParaRPr lang="ru-RU" sz="2400" dirty="0">
+            <a:endParaRPr lang="ru-RU" sz="2400">
               <a:solidFill>
                 <a:schemeClr val="tx1"/>
               </a:solidFill>
@@ -4138,7 +4413,7 @@
     </p:spTree>
     <p:extLst>
       <p:ext uri="{BB962C8B-B14F-4D97-AF65-F5344CB8AC3E}">
-        <p14:creationId xmlns:p14="http://schemas.microsoft.com/office/powerpoint/2010/main" val="4211479923"/>
+        <p14:creationId xmlns:p14="http://schemas.microsoft.com/office/powerpoint/2010/main" val="3024167899"/>
       </p:ext>
     </p:extLst>
   </p:cSld>
@@ -4192,158 +4467,52 @@
                 <a:latin typeface="Times New Roman" panose="02020603050405020304" pitchFamily="18" charset="0"/>
                 <a:cs typeface="Times New Roman" panose="02020603050405020304" pitchFamily="18" charset="0"/>
               </a:rPr>
-              <a:t>Обучающая выборка</a:t>
-            </a:r>
-          </a:p>
-        </p:txBody>
-      </p:sp>
-      <p:sp>
-        <p:nvSpPr>
-          <p:cNvPr id="3" name="Объект 2">
-            <a:extLst>
-              <a:ext uri="{FF2B5EF4-FFF2-40B4-BE49-F238E27FC236}">
-                <a16:creationId xmlns:a16="http://schemas.microsoft.com/office/drawing/2014/main" id="{2CA1D980-884A-AD4A-A267-4009569FB9A9}"/>
-              </a:ext>
-            </a:extLst>
-          </p:cNvPr>
-          <p:cNvSpPr>
-            <a:spLocks noGrp="1"/>
-          </p:cNvSpPr>
+              <a:t>Метод классификации опорных векторов</a:t>
+            </a:r>
+          </a:p>
+        </p:txBody>
+      </p:sp>
+      <p:pic>
+        <p:nvPicPr>
+          <p:cNvPr id="5" name="Объект 4">
+            <a:extLst>
+              <a:ext uri="{FF2B5EF4-FFF2-40B4-BE49-F238E27FC236}">
+                <a16:creationId xmlns:a16="http://schemas.microsoft.com/office/drawing/2014/main" id="{64474891-6B49-9944-93B0-FABBD81F638B}"/>
+              </a:ext>
+            </a:extLst>
+          </p:cNvPr>
+          <p:cNvPicPr>
+            <a:picLocks noGrp="1" noChangeAspect="1"/>
+          </p:cNvPicPr>
           <p:nvPr>
             <p:ph idx="1"/>
           </p:nvPr>
-        </p:nvSpPr>
+        </p:nvPicPr>
+        <p:blipFill>
+          <a:blip r:embed="rId2">
+            <a:extLst>
+              <a:ext uri="{28A0092B-C50C-407E-A947-70E740481C1C}">
+                <a14:useLocalDpi xmlns:a14="http://schemas.microsoft.com/office/drawing/2010/main" val="0"/>
+              </a:ext>
+            </a:extLst>
+          </a:blip>
+          <a:stretch>
+            <a:fillRect/>
+          </a:stretch>
+        </p:blipFill>
         <p:spPr>
           <a:xfrm>
-            <a:off x="419100" y="1618539"/>
-            <a:ext cx="5821680" cy="4355541"/>
+            <a:off x="3865669" y="1550952"/>
+            <a:ext cx="4470809" cy="4343732"/>
           </a:xfrm>
         </p:spPr>
-        <p:txBody>
-          <a:bodyPr>
-            <a:normAutofit/>
-          </a:bodyPr>
-          <a:lstStyle/>
-          <a:p>
-            <a:pPr marL="0" indent="0">
-              <a:lnSpc>
-                <a:spcPct val="100000"/>
-              </a:lnSpc>
-              <a:buNone/>
-            </a:pPr>
-            <a:r>
-              <a:rPr lang="ru-RU" sz="2400" dirty="0">
-                <a:latin typeface="Times New Roman" panose="02020603050405020304" pitchFamily="18" charset="0"/>
-                <a:cs typeface="Times New Roman" panose="02020603050405020304" pitchFamily="18" charset="0"/>
-              </a:rPr>
-              <a:t>Размеченный корпус документов состоит из произведений 5 авторов:</a:t>
-            </a:r>
-          </a:p>
-          <a:p>
-            <a:pPr>
-              <a:lnSpc>
-                <a:spcPct val="100000"/>
-              </a:lnSpc>
-            </a:pPr>
-            <a:r>
-              <a:rPr lang="ru-RU" sz="2400" dirty="0">
-                <a:latin typeface="Times New Roman" panose="02020603050405020304" pitchFamily="18" charset="0"/>
-                <a:cs typeface="Times New Roman" panose="02020603050405020304" pitchFamily="18" charset="0"/>
-              </a:rPr>
-              <a:t>Достоевский</a:t>
-            </a:r>
-          </a:p>
-          <a:p>
-            <a:pPr>
-              <a:lnSpc>
-                <a:spcPct val="100000"/>
-              </a:lnSpc>
-            </a:pPr>
-            <a:r>
-              <a:rPr lang="ru-RU" sz="2400" dirty="0">
-                <a:latin typeface="Times New Roman" panose="02020603050405020304" pitchFamily="18" charset="0"/>
-                <a:cs typeface="Times New Roman" panose="02020603050405020304" pitchFamily="18" charset="0"/>
-              </a:rPr>
-              <a:t>Горький</a:t>
-            </a:r>
-          </a:p>
-          <a:p>
-            <a:pPr>
-              <a:lnSpc>
-                <a:spcPct val="100000"/>
-              </a:lnSpc>
-            </a:pPr>
-            <a:r>
-              <a:rPr lang="ru-RU" sz="2400" dirty="0">
-                <a:latin typeface="Times New Roman" panose="02020603050405020304" pitchFamily="18" charset="0"/>
-                <a:cs typeface="Times New Roman" panose="02020603050405020304" pitchFamily="18" charset="0"/>
-              </a:rPr>
-              <a:t>Толстой</a:t>
-            </a:r>
-          </a:p>
-          <a:p>
-            <a:pPr>
-              <a:lnSpc>
-                <a:spcPct val="100000"/>
-              </a:lnSpc>
-            </a:pPr>
-            <a:r>
-              <a:rPr lang="ru-RU" sz="2400" dirty="0">
-                <a:latin typeface="Times New Roman" panose="02020603050405020304" pitchFamily="18" charset="0"/>
-                <a:cs typeface="Times New Roman" panose="02020603050405020304" pitchFamily="18" charset="0"/>
-              </a:rPr>
-              <a:t>Тургенев</a:t>
-            </a:r>
-          </a:p>
-          <a:p>
-            <a:pPr>
-              <a:lnSpc>
-                <a:spcPct val="100000"/>
-              </a:lnSpc>
-            </a:pPr>
-            <a:r>
-              <a:rPr lang="ru-RU" sz="2400" dirty="0">
-                <a:latin typeface="Times New Roman" panose="02020603050405020304" pitchFamily="18" charset="0"/>
-                <a:cs typeface="Times New Roman" panose="02020603050405020304" pitchFamily="18" charset="0"/>
-              </a:rPr>
-              <a:t>Чехов</a:t>
-            </a:r>
-          </a:p>
-          <a:p>
-            <a:pPr marL="0" indent="0">
-              <a:lnSpc>
-                <a:spcPct val="100000"/>
-              </a:lnSpc>
-              <a:buNone/>
-            </a:pPr>
-            <a:endParaRPr lang="ru-RU" sz="2400" dirty="0">
-              <a:latin typeface="Times New Roman" panose="02020603050405020304" pitchFamily="18" charset="0"/>
-              <a:cs typeface="Times New Roman" panose="02020603050405020304" pitchFamily="18" charset="0"/>
-            </a:endParaRPr>
-          </a:p>
-          <a:p>
-            <a:pPr marL="0" indent="0">
-              <a:lnSpc>
-                <a:spcPct val="100000"/>
-              </a:lnSpc>
-              <a:buNone/>
-            </a:pPr>
-            <a:r>
-              <a:rPr lang="ru-RU" sz="2400" dirty="0">
-                <a:latin typeface="Times New Roman" panose="02020603050405020304" pitchFamily="18" charset="0"/>
-                <a:cs typeface="Times New Roman" panose="02020603050405020304" pitchFamily="18" charset="0"/>
-              </a:rPr>
-              <a:t>По 30 произведений каждого автора</a:t>
-            </a:r>
-          </a:p>
-        </p:txBody>
-      </p:sp>
-      <p:sp>
-        <p:nvSpPr>
-          <p:cNvPr id="5" name="Номер слайда 4">
-            <a:extLst>
-              <a:ext uri="{FF2B5EF4-FFF2-40B4-BE49-F238E27FC236}">
-                <a16:creationId xmlns:a16="http://schemas.microsoft.com/office/drawing/2014/main" id="{9F3495B7-380D-924A-86A4-09BFB46C044B}"/>
+      </p:pic>
+      <p:sp>
+        <p:nvSpPr>
+          <p:cNvPr id="6" name="Номер слайда 3">
+            <a:extLst>
+              <a:ext uri="{FF2B5EF4-FFF2-40B4-BE49-F238E27FC236}">
+                <a16:creationId xmlns:a16="http://schemas.microsoft.com/office/drawing/2014/main" id="{544A2D44-1D99-684E-BA2B-B691E201E977}"/>
               </a:ext>
             </a:extLst>
           </p:cNvPr>
@@ -4361,634 +4530,72 @@
           </a:xfrm>
         </p:spPr>
         <p:txBody>
-          <a:bodyPr/>
+          <a:bodyPr vert="horz" lIns="91440" tIns="45720" rIns="91440" bIns="45720" rtlCol="0" anchor="ctr"/>
           <a:lstStyle/>
           <a:p>
-            <a:fld id="{6BB697E3-DD58-B344-99E6-BC7A3ED9A2AD}" type="slidenum">
+            <a:fld id="{8B784E8A-7D10-4AAF-929C-959B71E0249E}" type="slidenum">
               <a:rPr lang="ru-RU" sz="2400" smtClean="0">
                 <a:solidFill>
                   <a:schemeClr val="tx1"/>
                 </a:solidFill>
-                <a:latin typeface="Times New Roman" panose="02020603050405020304" pitchFamily="18" charset="0"/>
-                <a:cs typeface="Times New Roman" panose="02020603050405020304" pitchFamily="18" charset="0"/>
-              </a:rPr>
+                <a:latin typeface="Times New Roman" pitchFamily="18" charset="0"/>
+                <a:cs typeface="Times New Roman" pitchFamily="18" charset="0"/>
+              </a:rPr>
+              <a:pPr/>
               <a:t>11</a:t>
             </a:fld>
             <a:endParaRPr lang="ru-RU" sz="2400" dirty="0">
               <a:solidFill>
                 <a:schemeClr val="tx1"/>
               </a:solidFill>
-              <a:latin typeface="Times New Roman" panose="02020603050405020304" pitchFamily="18" charset="0"/>
-              <a:cs typeface="Times New Roman" panose="02020603050405020304" pitchFamily="18" charset="0"/>
+              <a:latin typeface="Times New Roman" pitchFamily="18" charset="0"/>
+              <a:cs typeface="Times New Roman" pitchFamily="18" charset="0"/>
             </a:endParaRPr>
           </a:p>
         </p:txBody>
       </p:sp>
       <p:sp>
         <p:nvSpPr>
-          <p:cNvPr id="6" name="Объект 2">
-            <a:extLst>
-              <a:ext uri="{FF2B5EF4-FFF2-40B4-BE49-F238E27FC236}">
-                <a16:creationId xmlns:a16="http://schemas.microsoft.com/office/drawing/2014/main" id="{BB8B3D16-07CE-F941-83DC-8DFD8F31D531}"/>
-              </a:ext>
-            </a:extLst>
-          </p:cNvPr>
-          <p:cNvSpPr txBox="1">
-            <a:spLocks/>
-          </p:cNvSpPr>
+          <p:cNvPr id="3" name="TextBox 2">
+            <a:extLst>
+              <a:ext uri="{FF2B5EF4-FFF2-40B4-BE49-F238E27FC236}">
+                <a16:creationId xmlns:a16="http://schemas.microsoft.com/office/drawing/2014/main" id="{37ADA07F-31A4-A14A-8F44-3E0B66AD95CE}"/>
+              </a:ext>
+            </a:extLst>
+          </p:cNvPr>
+          <p:cNvSpPr txBox="1"/>
           <p:nvPr/>
         </p:nvSpPr>
         <p:spPr>
           <a:xfrm>
-            <a:off x="6659880" y="1618539"/>
-            <a:ext cx="4846320" cy="2918930"/>
+            <a:off x="1521029" y="6077247"/>
+            <a:ext cx="10094026" cy="461665"/>
           </a:xfrm>
           <a:prstGeom prst="rect">
             <a:avLst/>
           </a:prstGeom>
+          <a:noFill/>
         </p:spPr>
         <p:txBody>
-          <a:bodyPr vert="horz" lIns="91440" tIns="45720" rIns="91440" bIns="45720" rtlCol="0">
-            <a:normAutofit/>
+          <a:bodyPr wrap="square" rtlCol="0">
+            <a:spAutoFit/>
           </a:bodyPr>
-          <a:lstStyle>
-            <a:lvl1pPr marL="228600" indent="-228600" algn="l" defTabSz="914400" rtl="0" eaLnBrk="1" latinLnBrk="0" hangingPunct="1">
-              <a:lnSpc>
-                <a:spcPct val="90000"/>
-              </a:lnSpc>
-              <a:spcBef>
-                <a:spcPts val="1000"/>
-              </a:spcBef>
-              <a:buFont typeface="Arial" panose="020B0604020202020204" pitchFamily="34" charset="0"/>
-              <a:buChar char="•"/>
-              <a:defRPr sz="2800" kern="1200">
-                <a:solidFill>
-                  <a:schemeClr val="tx1"/>
-                </a:solidFill>
-                <a:latin typeface="+mn-lt"/>
-                <a:ea typeface="+mn-ea"/>
-                <a:cs typeface="+mn-cs"/>
-              </a:defRPr>
-            </a:lvl1pPr>
-            <a:lvl2pPr marL="685800" indent="-228600" algn="l" defTabSz="914400" rtl="0" eaLnBrk="1" latinLnBrk="0" hangingPunct="1">
-              <a:lnSpc>
-                <a:spcPct val="90000"/>
-              </a:lnSpc>
-              <a:spcBef>
-                <a:spcPts val="500"/>
-              </a:spcBef>
-              <a:buFont typeface="Arial" panose="020B0604020202020204" pitchFamily="34" charset="0"/>
-              <a:buChar char="•"/>
-              <a:defRPr sz="2400" kern="1200">
-                <a:solidFill>
-                  <a:schemeClr val="tx1"/>
-                </a:solidFill>
-                <a:latin typeface="+mn-lt"/>
-                <a:ea typeface="+mn-ea"/>
-                <a:cs typeface="+mn-cs"/>
-              </a:defRPr>
-            </a:lvl2pPr>
-            <a:lvl3pPr marL="1143000" indent="-228600" algn="l" defTabSz="914400" rtl="0" eaLnBrk="1" latinLnBrk="0" hangingPunct="1">
-              <a:lnSpc>
-                <a:spcPct val="90000"/>
-              </a:lnSpc>
-              <a:spcBef>
-                <a:spcPts val="500"/>
-              </a:spcBef>
-              <a:buFont typeface="Arial" panose="020B0604020202020204" pitchFamily="34" charset="0"/>
-              <a:buChar char="•"/>
-              <a:defRPr sz="2000" kern="1200">
-                <a:solidFill>
-                  <a:schemeClr val="tx1"/>
-                </a:solidFill>
-                <a:latin typeface="+mn-lt"/>
-                <a:ea typeface="+mn-ea"/>
-                <a:cs typeface="+mn-cs"/>
-              </a:defRPr>
-            </a:lvl3pPr>
-            <a:lvl4pPr marL="1600200" indent="-228600" algn="l" defTabSz="914400" rtl="0" eaLnBrk="1" latinLnBrk="0" hangingPunct="1">
-              <a:lnSpc>
-                <a:spcPct val="90000"/>
-              </a:lnSpc>
-              <a:spcBef>
-                <a:spcPts val="500"/>
-              </a:spcBef>
-              <a:buFont typeface="Arial" panose="020B0604020202020204" pitchFamily="34" charset="0"/>
-              <a:buChar char="•"/>
-              <a:defRPr sz="1800" kern="1200">
-                <a:solidFill>
-                  <a:schemeClr val="tx1"/>
-                </a:solidFill>
-                <a:latin typeface="+mn-lt"/>
-                <a:ea typeface="+mn-ea"/>
-                <a:cs typeface="+mn-cs"/>
-              </a:defRPr>
-            </a:lvl4pPr>
-            <a:lvl5pPr marL="2057400" indent="-228600" algn="l" defTabSz="914400" rtl="0" eaLnBrk="1" latinLnBrk="0" hangingPunct="1">
-              <a:lnSpc>
-                <a:spcPct val="90000"/>
-              </a:lnSpc>
-              <a:spcBef>
-                <a:spcPts val="500"/>
-              </a:spcBef>
-              <a:buFont typeface="Arial" panose="020B0604020202020204" pitchFamily="34" charset="0"/>
-              <a:buChar char="•"/>
-              <a:defRPr sz="1800" kern="1200">
-                <a:solidFill>
-                  <a:schemeClr val="tx1"/>
-                </a:solidFill>
-                <a:latin typeface="+mn-lt"/>
-                <a:ea typeface="+mn-ea"/>
-                <a:cs typeface="+mn-cs"/>
-              </a:defRPr>
-            </a:lvl5pPr>
-            <a:lvl6pPr marL="2514600" indent="-228600" algn="l" defTabSz="914400" rtl="0" eaLnBrk="1" latinLnBrk="0" hangingPunct="1">
-              <a:lnSpc>
-                <a:spcPct val="90000"/>
-              </a:lnSpc>
-              <a:spcBef>
-                <a:spcPts val="500"/>
-              </a:spcBef>
-              <a:buFont typeface="Arial" panose="020B0604020202020204" pitchFamily="34" charset="0"/>
-              <a:buChar char="•"/>
-              <a:defRPr sz="1800" kern="1200">
-                <a:solidFill>
-                  <a:schemeClr val="tx1"/>
-                </a:solidFill>
-                <a:latin typeface="+mn-lt"/>
-                <a:ea typeface="+mn-ea"/>
-                <a:cs typeface="+mn-cs"/>
-              </a:defRPr>
-            </a:lvl6pPr>
-            <a:lvl7pPr marL="2971800" indent="-228600" algn="l" defTabSz="914400" rtl="0" eaLnBrk="1" latinLnBrk="0" hangingPunct="1">
-              <a:lnSpc>
-                <a:spcPct val="90000"/>
-              </a:lnSpc>
-              <a:spcBef>
-                <a:spcPts val="500"/>
-              </a:spcBef>
-              <a:buFont typeface="Arial" panose="020B0604020202020204" pitchFamily="34" charset="0"/>
-              <a:buChar char="•"/>
-              <a:defRPr sz="1800" kern="1200">
-                <a:solidFill>
-                  <a:schemeClr val="tx1"/>
-                </a:solidFill>
-                <a:latin typeface="+mn-lt"/>
-                <a:ea typeface="+mn-ea"/>
-                <a:cs typeface="+mn-cs"/>
-              </a:defRPr>
-            </a:lvl7pPr>
-            <a:lvl8pPr marL="3429000" indent="-228600" algn="l" defTabSz="914400" rtl="0" eaLnBrk="1" latinLnBrk="0" hangingPunct="1">
-              <a:lnSpc>
-                <a:spcPct val="90000"/>
-              </a:lnSpc>
-              <a:spcBef>
-                <a:spcPts val="500"/>
-              </a:spcBef>
-              <a:buFont typeface="Arial" panose="020B0604020202020204" pitchFamily="34" charset="0"/>
-              <a:buChar char="•"/>
-              <a:defRPr sz="1800" kern="1200">
-                <a:solidFill>
-                  <a:schemeClr val="tx1"/>
-                </a:solidFill>
-                <a:latin typeface="+mn-lt"/>
-                <a:ea typeface="+mn-ea"/>
-                <a:cs typeface="+mn-cs"/>
-              </a:defRPr>
-            </a:lvl8pPr>
-            <a:lvl9pPr marL="3886200" indent="-228600" algn="l" defTabSz="914400" rtl="0" eaLnBrk="1" latinLnBrk="0" hangingPunct="1">
-              <a:lnSpc>
-                <a:spcPct val="90000"/>
-              </a:lnSpc>
-              <a:spcBef>
-                <a:spcPts val="500"/>
-              </a:spcBef>
-              <a:buFont typeface="Arial" panose="020B0604020202020204" pitchFamily="34" charset="0"/>
-              <a:buChar char="•"/>
-              <a:defRPr sz="1800" kern="1200">
-                <a:solidFill>
-                  <a:schemeClr val="tx1"/>
-                </a:solidFill>
-                <a:latin typeface="+mn-lt"/>
-                <a:ea typeface="+mn-ea"/>
-                <a:cs typeface="+mn-cs"/>
-              </a:defRPr>
-            </a:lvl9pPr>
-          </a:lstStyle>
-          <a:p>
-            <a:pPr marL="0" indent="0">
-              <a:lnSpc>
-                <a:spcPct val="100000"/>
-              </a:lnSpc>
-              <a:buFont typeface="Arial" panose="020B0604020202020204" pitchFamily="34" charset="0"/>
-              <a:buNone/>
-            </a:pPr>
+          <a:lstStyle/>
+          <a:p>
             <a:r>
               <a:rPr lang="ru-RU" sz="2400" dirty="0">
                 <a:latin typeface="Times New Roman" panose="02020603050405020304" pitchFamily="18" charset="0"/>
                 <a:cs typeface="Times New Roman" panose="02020603050405020304" pitchFamily="18" charset="0"/>
               </a:rPr>
-              <a:t>Процесс обработки текста:</a:t>
-            </a:r>
-          </a:p>
-          <a:p>
-            <a:pPr>
-              <a:lnSpc>
-                <a:spcPct val="100000"/>
-              </a:lnSpc>
-            </a:pPr>
-            <a:r>
-              <a:rPr lang="ru-RU" sz="2400" dirty="0" err="1">
-                <a:latin typeface="Times New Roman" panose="02020603050405020304" pitchFamily="18" charset="0"/>
-                <a:cs typeface="Times New Roman" panose="02020603050405020304" pitchFamily="18" charset="0"/>
-              </a:rPr>
-              <a:t>Токенизация</a:t>
-            </a:r>
-            <a:endParaRPr lang="ru-RU" sz="2400" dirty="0">
-              <a:latin typeface="Times New Roman" panose="02020603050405020304" pitchFamily="18" charset="0"/>
-              <a:cs typeface="Times New Roman" panose="02020603050405020304" pitchFamily="18" charset="0"/>
-            </a:endParaRPr>
-          </a:p>
-          <a:p>
-            <a:pPr>
-              <a:lnSpc>
-                <a:spcPct val="100000"/>
-              </a:lnSpc>
-            </a:pPr>
-            <a:r>
-              <a:rPr lang="ru-RU" sz="2400" dirty="0" err="1">
-                <a:latin typeface="Times New Roman" panose="02020603050405020304" pitchFamily="18" charset="0"/>
-                <a:cs typeface="Times New Roman" panose="02020603050405020304" pitchFamily="18" charset="0"/>
-              </a:rPr>
-              <a:t>Лемматизация</a:t>
-            </a:r>
-            <a:endParaRPr lang="ru-RU" sz="2400" dirty="0">
-              <a:latin typeface="Times New Roman" panose="02020603050405020304" pitchFamily="18" charset="0"/>
-              <a:cs typeface="Times New Roman" panose="02020603050405020304" pitchFamily="18" charset="0"/>
-            </a:endParaRPr>
-          </a:p>
-          <a:p>
-            <a:pPr>
-              <a:lnSpc>
-                <a:spcPct val="100000"/>
-              </a:lnSpc>
-            </a:pPr>
-            <a:r>
-              <a:rPr lang="ru-RU" sz="2400" dirty="0">
-                <a:latin typeface="Times New Roman" panose="02020603050405020304" pitchFamily="18" charset="0"/>
-                <a:cs typeface="Times New Roman" panose="02020603050405020304" pitchFamily="18" charset="0"/>
-              </a:rPr>
-              <a:t>Выделение </a:t>
-            </a:r>
-            <a:r>
-              <a:rPr lang="en-US" sz="2400" dirty="0">
-                <a:latin typeface="Times New Roman" panose="02020603050405020304" pitchFamily="18" charset="0"/>
-                <a:cs typeface="Times New Roman" panose="02020603050405020304" pitchFamily="18" charset="0"/>
-              </a:rPr>
-              <a:t>N-</a:t>
-            </a:r>
-            <a:r>
-              <a:rPr lang="ru-RU" sz="2400" dirty="0">
-                <a:latin typeface="Times New Roman" panose="02020603050405020304" pitchFamily="18" charset="0"/>
-                <a:cs typeface="Times New Roman" panose="02020603050405020304" pitchFamily="18" charset="0"/>
-              </a:rPr>
-              <a:t>грамм </a:t>
-            </a:r>
-          </a:p>
-          <a:p>
-            <a:pPr>
-              <a:lnSpc>
-                <a:spcPct val="100000"/>
-              </a:lnSpc>
-            </a:pPr>
-            <a:r>
-              <a:rPr lang="ru-RU" sz="2400" dirty="0">
-                <a:latin typeface="Times New Roman" panose="02020603050405020304" pitchFamily="18" charset="0"/>
-                <a:cs typeface="Times New Roman" panose="02020603050405020304" pitchFamily="18" charset="0"/>
-              </a:rPr>
-              <a:t>Определение частей речи</a:t>
-            </a:r>
-          </a:p>
-          <a:p>
-            <a:pPr>
-              <a:lnSpc>
-                <a:spcPct val="100000"/>
-              </a:lnSpc>
-            </a:pPr>
-            <a:endParaRPr lang="ru-RU" dirty="0">
-              <a:latin typeface="Times New Roman" panose="02020603050405020304" pitchFamily="18" charset="0"/>
-              <a:cs typeface="Times New Roman" panose="02020603050405020304" pitchFamily="18" charset="0"/>
-            </a:endParaRPr>
-          </a:p>
-        </p:txBody>
-      </p:sp>
-      <mc:AlternateContent xmlns:mc="http://schemas.openxmlformats.org/markup-compatibility/2006">
-        <mc:Choice xmlns:a14="http://schemas.microsoft.com/office/drawing/2010/main" Requires="a14">
-          <p:sp>
-            <p:nvSpPr>
-              <p:cNvPr id="7" name="Номер слайда 3">
-                <a:extLst>
-                  <a:ext uri="{FF2B5EF4-FFF2-40B4-BE49-F238E27FC236}">
-                    <a16:creationId xmlns:a16="http://schemas.microsoft.com/office/drawing/2014/main" id="{3892B8FB-0563-314D-9191-B95D85E19E1B}"/>
-                  </a:ext>
-                </a:extLst>
-              </p:cNvPr>
-              <p:cNvSpPr txBox="1">
-                <a:spLocks/>
-              </p:cNvSpPr>
-              <p:nvPr/>
-            </p:nvSpPr>
-            <p:spPr>
-              <a:xfrm>
-                <a:off x="5867400" y="4385069"/>
-                <a:ext cx="6195060" cy="1818881"/>
-              </a:xfrm>
-              <a:prstGeom prst="rect">
-                <a:avLst/>
-              </a:prstGeom>
-            </p:spPr>
-            <p:txBody>
-              <a:bodyPr vert="horz" lIns="91440" tIns="45720" rIns="91440" bIns="45720" rtlCol="0" anchor="ctr"/>
-              <a:lstStyle>
-                <a:defPPr>
-                  <a:defRPr lang="ru-RU"/>
-                </a:defPPr>
-                <a:lvl1pPr marL="0" algn="r" defTabSz="914400" rtl="0" eaLnBrk="1" latinLnBrk="0" hangingPunct="1">
-                  <a:defRPr sz="1200" kern="1200">
-                    <a:solidFill>
-                      <a:schemeClr val="tx1">
-                        <a:tint val="75000"/>
-                      </a:schemeClr>
-                    </a:solidFill>
-                    <a:latin typeface="+mn-lt"/>
-                    <a:ea typeface="+mn-ea"/>
-                    <a:cs typeface="+mn-cs"/>
-                  </a:defRPr>
-                </a:lvl1pPr>
-                <a:lvl2pPr marL="457200" algn="l" defTabSz="914400" rtl="0" eaLnBrk="1" latinLnBrk="0" hangingPunct="1">
-                  <a:defRPr sz="1800" kern="1200">
-                    <a:solidFill>
-                      <a:schemeClr val="tx1"/>
-                    </a:solidFill>
-                    <a:latin typeface="+mn-lt"/>
-                    <a:ea typeface="+mn-ea"/>
-                    <a:cs typeface="+mn-cs"/>
-                  </a:defRPr>
-                </a:lvl2pPr>
-                <a:lvl3pPr marL="914400" algn="l" defTabSz="914400" rtl="0" eaLnBrk="1" latinLnBrk="0" hangingPunct="1">
-                  <a:defRPr sz="1800" kern="1200">
-                    <a:solidFill>
-                      <a:schemeClr val="tx1"/>
-                    </a:solidFill>
-                    <a:latin typeface="+mn-lt"/>
-                    <a:ea typeface="+mn-ea"/>
-                    <a:cs typeface="+mn-cs"/>
-                  </a:defRPr>
-                </a:lvl3pPr>
-                <a:lvl4pPr marL="1371600" algn="l" defTabSz="914400" rtl="0" eaLnBrk="1" latinLnBrk="0" hangingPunct="1">
-                  <a:defRPr sz="1800" kern="1200">
-                    <a:solidFill>
-                      <a:schemeClr val="tx1"/>
-                    </a:solidFill>
-                    <a:latin typeface="+mn-lt"/>
-                    <a:ea typeface="+mn-ea"/>
-                    <a:cs typeface="+mn-cs"/>
-                  </a:defRPr>
-                </a:lvl4pPr>
-                <a:lvl5pPr marL="1828800" algn="l" defTabSz="914400" rtl="0" eaLnBrk="1" latinLnBrk="0" hangingPunct="1">
-                  <a:defRPr sz="1800" kern="1200">
-                    <a:solidFill>
-                      <a:schemeClr val="tx1"/>
-                    </a:solidFill>
-                    <a:latin typeface="+mn-lt"/>
-                    <a:ea typeface="+mn-ea"/>
-                    <a:cs typeface="+mn-cs"/>
-                  </a:defRPr>
-                </a:lvl5pPr>
-                <a:lvl6pPr marL="2286000" algn="l" defTabSz="914400" rtl="0" eaLnBrk="1" latinLnBrk="0" hangingPunct="1">
-                  <a:defRPr sz="1800" kern="1200">
-                    <a:solidFill>
-                      <a:schemeClr val="tx1"/>
-                    </a:solidFill>
-                    <a:latin typeface="+mn-lt"/>
-                    <a:ea typeface="+mn-ea"/>
-                    <a:cs typeface="+mn-cs"/>
-                  </a:defRPr>
-                </a:lvl6pPr>
-                <a:lvl7pPr marL="2743200" algn="l" defTabSz="914400" rtl="0" eaLnBrk="1" latinLnBrk="0" hangingPunct="1">
-                  <a:defRPr sz="1800" kern="1200">
-                    <a:solidFill>
-                      <a:schemeClr val="tx1"/>
-                    </a:solidFill>
-                    <a:latin typeface="+mn-lt"/>
-                    <a:ea typeface="+mn-ea"/>
-                    <a:cs typeface="+mn-cs"/>
-                  </a:defRPr>
-                </a:lvl7pPr>
-                <a:lvl8pPr marL="3200400" algn="l" defTabSz="914400" rtl="0" eaLnBrk="1" latinLnBrk="0" hangingPunct="1">
-                  <a:defRPr sz="1800" kern="1200">
-                    <a:solidFill>
-                      <a:schemeClr val="tx1"/>
-                    </a:solidFill>
-                    <a:latin typeface="+mn-lt"/>
-                    <a:ea typeface="+mn-ea"/>
-                    <a:cs typeface="+mn-cs"/>
-                  </a:defRPr>
-                </a:lvl8pPr>
-                <a:lvl9pPr marL="3657600" algn="l" defTabSz="914400" rtl="0" eaLnBrk="1" latinLnBrk="0" hangingPunct="1">
-                  <a:defRPr sz="1800" kern="1200">
-                    <a:solidFill>
-                      <a:schemeClr val="tx1"/>
-                    </a:solidFill>
-                    <a:latin typeface="+mn-lt"/>
-                    <a:ea typeface="+mn-ea"/>
-                    <a:cs typeface="+mn-cs"/>
-                  </a:defRPr>
-                </a:lvl9pPr>
-              </a:lstStyle>
-              <a:p>
-                <a:pPr algn="l"/>
-                <a14:m>
-                  <m:oMath xmlns:m="http://schemas.openxmlformats.org/officeDocument/2006/math">
-                    <m:r>
-                      <a:rPr lang="ru-RU" sz="2400" b="0" i="1" smtClean="0">
-                        <a:solidFill>
-                          <a:schemeClr val="tx1"/>
-                        </a:solidFill>
-                        <a:latin typeface="Cambria Math" panose="02040503050406030204" pitchFamily="18" charset="0"/>
-                        <a:cs typeface="Times New Roman" pitchFamily="18" charset="0"/>
-                      </a:rPr>
-                      <m:t>            </m:t>
-                    </m:r>
-                    <m:r>
-                      <a:rPr lang="en-US" sz="2400" b="0" i="1" smtClean="0">
-                        <a:solidFill>
-                          <a:schemeClr val="tx1"/>
-                        </a:solidFill>
-                        <a:latin typeface="Cambria Math" panose="02040503050406030204" pitchFamily="18" charset="0"/>
-                        <a:cs typeface="Times New Roman" pitchFamily="18" charset="0"/>
-                      </a:rPr>
-                      <m:t>𝑁</m:t>
-                    </m:r>
-                    <m:r>
-                      <a:rPr lang="en-US" sz="2400" b="0" i="1" smtClean="0">
-                        <a:solidFill>
-                          <a:schemeClr val="tx1"/>
-                        </a:solidFill>
-                        <a:latin typeface="Cambria Math" panose="02040503050406030204" pitchFamily="18" charset="0"/>
-                        <a:ea typeface="Cambria Math" panose="02040503050406030204" pitchFamily="18" charset="0"/>
-                        <a:cs typeface="Times New Roman" pitchFamily="18" charset="0"/>
-                      </a:rPr>
-                      <m:t>∈</m:t>
-                    </m:r>
-                  </m:oMath>
-                </a14:m>
-                <a:r>
-                  <a:rPr lang="en-US" sz="2400" dirty="0">
-                    <a:solidFill>
-                      <a:schemeClr val="tx1"/>
-                    </a:solidFill>
-                    <a:latin typeface="Times New Roman" pitchFamily="18" charset="0"/>
-                    <a:cs typeface="Times New Roman" pitchFamily="18" charset="0"/>
-                  </a:rPr>
-                  <a:t> [2, 6]</a:t>
-                </a:r>
-              </a:p>
-              <a:p>
-                <a:pPr algn="l"/>
-                <a:endParaRPr lang="ru-RU" sz="2400" dirty="0">
-                  <a:solidFill>
-                    <a:schemeClr val="tx1"/>
-                  </a:solidFill>
-                  <a:latin typeface="Times New Roman" pitchFamily="18" charset="0"/>
-                  <a:cs typeface="Times New Roman" pitchFamily="18" charset="0"/>
-                </a:endParaRPr>
-              </a:p>
-              <a:p>
-                <a:pPr algn="l"/>
-                <a:r>
-                  <a:rPr lang="ru-RU" sz="2400" dirty="0">
-                    <a:solidFill>
-                      <a:schemeClr val="tx1"/>
-                    </a:solidFill>
-                    <a:latin typeface="Times New Roman" pitchFamily="18" charset="0"/>
-                    <a:cs typeface="Times New Roman" pitchFamily="18" charset="0"/>
-                  </a:rPr>
-                  <a:t>Итог: </a:t>
-                </a:r>
-                <a:r>
-                  <a:rPr lang="en-US" sz="2400" dirty="0">
-                    <a:solidFill>
-                      <a:schemeClr val="tx1"/>
-                    </a:solidFill>
-                    <a:latin typeface="Times New Roman" pitchFamily="18" charset="0"/>
-                    <a:cs typeface="Times New Roman" pitchFamily="18" charset="0"/>
-                  </a:rPr>
-                  <a:t>5 </a:t>
-                </a:r>
-                <a:r>
-                  <a:rPr lang="ru-RU" sz="2400" dirty="0">
-                    <a:solidFill>
-                      <a:schemeClr val="tx1"/>
-                    </a:solidFill>
-                    <a:latin typeface="Times New Roman" pitchFamily="18" charset="0"/>
-                    <a:cs typeface="Times New Roman" pitchFamily="18" charset="0"/>
-                  </a:rPr>
-                  <a:t>выборок из 150 текстов, представленных в виде </a:t>
-                </a:r>
-                <a:r>
-                  <a:rPr lang="ru-RU" sz="2400" dirty="0" err="1">
-                    <a:solidFill>
-                      <a:schemeClr val="tx1"/>
-                    </a:solidFill>
-                    <a:latin typeface="Times New Roman" pitchFamily="18" charset="0"/>
-                    <a:cs typeface="Times New Roman" pitchFamily="18" charset="0"/>
-                  </a:rPr>
-                  <a:t>частеречных</a:t>
-                </a:r>
-                <a:r>
-                  <a:rPr lang="ru-RU" sz="2400" dirty="0">
-                    <a:solidFill>
-                      <a:schemeClr val="tx1"/>
-                    </a:solidFill>
-                    <a:latin typeface="Times New Roman" pitchFamily="18" charset="0"/>
-                    <a:cs typeface="Times New Roman" pitchFamily="18" charset="0"/>
-                  </a:rPr>
-                  <a:t> </a:t>
-                </a:r>
-                <a:r>
-                  <a:rPr lang="en-US" sz="2400" dirty="0">
-                    <a:solidFill>
-                      <a:schemeClr val="tx1"/>
-                    </a:solidFill>
-                    <a:latin typeface="Times New Roman" pitchFamily="18" charset="0"/>
-                    <a:cs typeface="Times New Roman" pitchFamily="18" charset="0"/>
-                  </a:rPr>
-                  <a:t>N-</a:t>
-                </a:r>
-                <a:r>
-                  <a:rPr lang="ru-RU" sz="2400" dirty="0">
-                    <a:solidFill>
-                      <a:schemeClr val="tx1"/>
-                    </a:solidFill>
-                    <a:latin typeface="Times New Roman" pitchFamily="18" charset="0"/>
-                    <a:cs typeface="Times New Roman" pitchFamily="18" charset="0"/>
-                  </a:rPr>
-                  <a:t>грамм</a:t>
-                </a:r>
-              </a:p>
-            </p:txBody>
-          </p:sp>
-        </mc:Choice>
-        <mc:Fallback>
-          <p:sp>
-            <p:nvSpPr>
-              <p:cNvPr id="7" name="Номер слайда 3">
-                <a:extLst>
-                  <a:ext uri="{FF2B5EF4-FFF2-40B4-BE49-F238E27FC236}">
-                    <a16:creationId xmlns:a16="http://schemas.microsoft.com/office/drawing/2014/main" id="{3892B8FB-0563-314D-9191-B95D85E19E1B}"/>
-                  </a:ext>
-                </a:extLst>
-              </p:cNvPr>
-              <p:cNvSpPr txBox="1">
-                <a:spLocks noRot="1" noChangeAspect="1" noMove="1" noResize="1" noEditPoints="1" noAdjustHandles="1" noChangeArrowheads="1" noChangeShapeType="1" noTextEdit="1"/>
-              </p:cNvSpPr>
-              <p:nvPr/>
-            </p:nvSpPr>
-            <p:spPr>
-              <a:xfrm>
-                <a:off x="5867400" y="4385069"/>
-                <a:ext cx="6195060" cy="1818881"/>
-              </a:xfrm>
-              <a:prstGeom prst="rect">
-                <a:avLst/>
-              </a:prstGeom>
-              <a:blipFill>
-                <a:blip r:embed="rId2"/>
-                <a:stretch>
-                  <a:fillRect l="-1431" r="-204" b="-690"/>
-                </a:stretch>
-              </a:blipFill>
-            </p:spPr>
-            <p:txBody>
-              <a:bodyPr/>
-              <a:lstStyle/>
-              <a:p>
-                <a:r>
-                  <a:rPr lang="ru-RU">
-                    <a:noFill/>
-                  </a:rPr>
-                  <a:t> </a:t>
-                </a:r>
-              </a:p>
-            </p:txBody>
-          </p:sp>
-        </mc:Fallback>
-      </mc:AlternateContent>
+              <a:t>Метод максимизирует ширину полосы зазора между двумя классами</a:t>
+            </a:r>
+          </a:p>
+        </p:txBody>
+      </p:sp>
     </p:spTree>
     <p:extLst>
       <p:ext uri="{BB962C8B-B14F-4D97-AF65-F5344CB8AC3E}">
-        <p14:creationId xmlns:p14="http://schemas.microsoft.com/office/powerpoint/2010/main" val="1270335204"/>
+        <p14:creationId xmlns:p14="http://schemas.microsoft.com/office/powerpoint/2010/main" val="4211479923"/>
       </p:ext>
     </p:extLst>
   </p:cSld>
@@ -5042,940 +4649,6 @@
                 <a:latin typeface="Times New Roman" panose="02020603050405020304" pitchFamily="18" charset="0"/>
                 <a:cs typeface="Times New Roman" panose="02020603050405020304" pitchFamily="18" charset="0"/>
               </a:rPr>
-              <a:t>Извлечение признаков из текста</a:t>
-            </a:r>
-          </a:p>
-        </p:txBody>
-      </p:sp>
-      <p:sp>
-        <p:nvSpPr>
-          <p:cNvPr id="6" name="Номер слайда 3">
-            <a:extLst>
-              <a:ext uri="{FF2B5EF4-FFF2-40B4-BE49-F238E27FC236}">
-                <a16:creationId xmlns:a16="http://schemas.microsoft.com/office/drawing/2014/main" id="{544A2D44-1D99-684E-BA2B-B691E201E977}"/>
-              </a:ext>
-            </a:extLst>
-          </p:cNvPr>
-          <p:cNvSpPr>
-            <a:spLocks noGrp="1"/>
-          </p:cNvSpPr>
-          <p:nvPr>
-            <p:ph type="sldNum" sz="quarter" idx="12"/>
-          </p:nvPr>
-        </p:nvSpPr>
-        <p:spPr>
-          <a:xfrm>
-            <a:off x="8610600" y="6356350"/>
-            <a:ext cx="2743200" cy="365125"/>
-          </a:xfrm>
-        </p:spPr>
-        <p:txBody>
-          <a:bodyPr vert="horz" lIns="91440" tIns="45720" rIns="91440" bIns="45720" rtlCol="0" anchor="ctr"/>
-          <a:lstStyle/>
-          <a:p>
-            <a:fld id="{8B784E8A-7D10-4AAF-929C-959B71E0249E}" type="slidenum">
-              <a:rPr lang="ru-RU" sz="2400" smtClean="0">
-                <a:solidFill>
-                  <a:schemeClr val="tx1"/>
-                </a:solidFill>
-                <a:latin typeface="Times New Roman" pitchFamily="18" charset="0"/>
-                <a:cs typeface="Times New Roman" pitchFamily="18" charset="0"/>
-              </a:rPr>
-              <a:pPr/>
-              <a:t>12</a:t>
-            </a:fld>
-            <a:endParaRPr lang="ru-RU" sz="2400" dirty="0">
-              <a:solidFill>
-                <a:schemeClr val="tx1"/>
-              </a:solidFill>
-              <a:latin typeface="Times New Roman" pitchFamily="18" charset="0"/>
-              <a:cs typeface="Times New Roman" pitchFamily="18" charset="0"/>
-            </a:endParaRPr>
-          </a:p>
-        </p:txBody>
-      </p:sp>
-      <p:pic>
-        <p:nvPicPr>
-          <p:cNvPr id="11" name="Рисунок 10">
-            <a:extLst>
-              <a:ext uri="{FF2B5EF4-FFF2-40B4-BE49-F238E27FC236}">
-                <a16:creationId xmlns:a16="http://schemas.microsoft.com/office/drawing/2014/main" id="{1EEB965E-21A1-0448-8E0D-F41A143A054D}"/>
-              </a:ext>
-            </a:extLst>
-          </p:cNvPr>
-          <p:cNvPicPr>
-            <a:picLocks noChangeAspect="1"/>
-          </p:cNvPicPr>
-          <p:nvPr/>
-        </p:nvPicPr>
-        <p:blipFill rotWithShape="1">
-          <a:blip r:embed="rId2"/>
-          <a:srcRect t="9811"/>
-          <a:stretch/>
-        </p:blipFill>
-        <p:spPr>
-          <a:xfrm>
-            <a:off x="838200" y="2244373"/>
-            <a:ext cx="1866900" cy="572700"/>
-          </a:xfrm>
-          <a:prstGeom prst="rect">
-            <a:avLst/>
-          </a:prstGeom>
-        </p:spPr>
-      </p:pic>
-      <p:pic>
-        <p:nvPicPr>
-          <p:cNvPr id="12" name="Рисунок 11">
-            <a:extLst>
-              <a:ext uri="{FF2B5EF4-FFF2-40B4-BE49-F238E27FC236}">
-                <a16:creationId xmlns:a16="http://schemas.microsoft.com/office/drawing/2014/main" id="{AABA7C3C-4D1D-6046-8002-5056C4ED6B25}"/>
-              </a:ext>
-            </a:extLst>
-          </p:cNvPr>
-          <p:cNvPicPr>
-            <a:picLocks noChangeAspect="1"/>
-          </p:cNvPicPr>
-          <p:nvPr/>
-        </p:nvPicPr>
-        <p:blipFill rotWithShape="1">
-          <a:blip r:embed="rId3"/>
-          <a:srcRect t="3215" b="12039"/>
-          <a:stretch/>
-        </p:blipFill>
-        <p:spPr>
-          <a:xfrm>
-            <a:off x="7234195" y="2206599"/>
-            <a:ext cx="2387600" cy="635000"/>
-          </a:xfrm>
-          <a:prstGeom prst="rect">
-            <a:avLst/>
-          </a:prstGeom>
-        </p:spPr>
-      </p:pic>
-      <mc:AlternateContent xmlns:mc="http://schemas.openxmlformats.org/markup-compatibility/2006">
-        <mc:Choice xmlns:a14="http://schemas.microsoft.com/office/drawing/2010/main" Requires="a14">
-          <p:sp>
-            <p:nvSpPr>
-              <p:cNvPr id="13" name="Прямоугольник 12">
-                <a:extLst>
-                  <a:ext uri="{FF2B5EF4-FFF2-40B4-BE49-F238E27FC236}">
-                    <a16:creationId xmlns:a16="http://schemas.microsoft.com/office/drawing/2014/main" id="{4EFD70B9-64B8-7C47-842F-05DE36E3D8A6}"/>
-                  </a:ext>
-                </a:extLst>
-              </p:cNvPr>
-              <p:cNvSpPr/>
-              <p:nvPr/>
-            </p:nvSpPr>
-            <p:spPr>
-              <a:xfrm>
-                <a:off x="838200" y="3022873"/>
-                <a:ext cx="5066654" cy="1015663"/>
-              </a:xfrm>
-              <a:prstGeom prst="rect">
-                <a:avLst/>
-              </a:prstGeom>
-            </p:spPr>
-            <p:txBody>
-              <a:bodyPr wrap="square">
-                <a:spAutoFit/>
-              </a:bodyPr>
-              <a:lstStyle/>
-              <a:p>
-                <a14:m>
-                  <m:oMath xmlns:m="http://schemas.openxmlformats.org/officeDocument/2006/math">
-                    <m:r>
-                      <a:rPr lang="ru-RU" sz="2000" i="1">
-                        <a:latin typeface="Cambria Math" panose="02040503050406030204" pitchFamily="18" charset="0"/>
-                      </a:rPr>
-                      <m:t>г</m:t>
-                    </m:r>
-                    <m:r>
-                      <a:rPr lang="ru-RU" sz="2000" b="0" i="1" smtClean="0">
-                        <a:effectLst/>
-                        <a:latin typeface="Cambria Math" panose="02040503050406030204" pitchFamily="18" charset="0"/>
-                      </a:rPr>
-                      <m:t>де </m:t>
-                    </m:r>
-                    <m:sSub>
-                      <m:sSubPr>
-                        <m:ctrlPr>
-                          <a:rPr lang="ru-RU" sz="2000" i="1">
-                            <a:effectLst/>
-                            <a:latin typeface="Cambria Math" panose="02040503050406030204" pitchFamily="18" charset="0"/>
-                          </a:rPr>
-                        </m:ctrlPr>
-                      </m:sSubPr>
-                      <m:e>
-                        <m:r>
-                          <a:rPr lang="ru-RU" sz="2000" i="1">
-                            <a:latin typeface="Cambria Math" panose="02040503050406030204" pitchFamily="18" charset="0"/>
-                            <a:ea typeface="Times New Roman" panose="02020603050405020304" pitchFamily="18" charset="0"/>
-                            <a:cs typeface="Times New Roman" panose="02020603050405020304" pitchFamily="18" charset="0"/>
-                          </a:rPr>
-                          <m:t>𝑛</m:t>
-                        </m:r>
-                      </m:e>
-                      <m:sub>
-                        <m:r>
-                          <a:rPr lang="ru-RU" sz="2000" i="1">
-                            <a:latin typeface="Cambria Math" panose="02040503050406030204" pitchFamily="18" charset="0"/>
-                            <a:ea typeface="Times New Roman" panose="02020603050405020304" pitchFamily="18" charset="0"/>
-                            <a:cs typeface="Times New Roman" panose="02020603050405020304" pitchFamily="18" charset="0"/>
-                          </a:rPr>
-                          <m:t>𝑡</m:t>
-                        </m:r>
-                      </m:sub>
-                    </m:sSub>
-                  </m:oMath>
-                </a14:m>
-                <a:r>
-                  <a:rPr lang="ru-RU" sz="2000" dirty="0">
-                    <a:latin typeface="Times New Roman" panose="02020603050405020304" pitchFamily="18" charset="0"/>
-                    <a:ea typeface="Times New Roman" panose="02020603050405020304" pitchFamily="18" charset="0"/>
-                  </a:rPr>
-                  <a:t> – количество вхождений термина </a:t>
-                </a:r>
-                <a14:m>
-                  <m:oMath xmlns:m="http://schemas.openxmlformats.org/officeDocument/2006/math">
-                    <m:r>
-                      <a:rPr lang="ru-RU" sz="2000" i="1">
-                        <a:latin typeface="Cambria Math" panose="02040503050406030204" pitchFamily="18" charset="0"/>
-                        <a:ea typeface="Times New Roman" panose="02020603050405020304" pitchFamily="18" charset="0"/>
-                        <a:cs typeface="Times New Roman" panose="02020603050405020304" pitchFamily="18" charset="0"/>
-                      </a:rPr>
-                      <m:t>𝑡</m:t>
-                    </m:r>
-                  </m:oMath>
-                </a14:m>
-                <a:r>
-                  <a:rPr lang="ru-RU" sz="2000" dirty="0">
-                    <a:latin typeface="Times New Roman" panose="02020603050405020304" pitchFamily="18" charset="0"/>
-                    <a:ea typeface="Times New Roman" panose="02020603050405020304" pitchFamily="18" charset="0"/>
-                  </a:rPr>
-                  <a:t> в документ</a:t>
-                </a:r>
-                <a:endParaRPr lang="en-US" sz="2000" dirty="0">
-                  <a:latin typeface="Times New Roman" panose="02020603050405020304" pitchFamily="18" charset="0"/>
-                  <a:ea typeface="Times New Roman" panose="02020603050405020304" pitchFamily="18" charset="0"/>
-                </a:endParaRPr>
-              </a:p>
-              <a:p>
-                <a14:m>
-                  <m:oMath xmlns:m="http://schemas.openxmlformats.org/officeDocument/2006/math">
-                    <m:nary>
-                      <m:naryPr>
-                        <m:chr m:val="∑"/>
-                        <m:limLoc m:val="undOvr"/>
-                        <m:supHide m:val="on"/>
-                        <m:ctrlPr>
-                          <a:rPr lang="ru-RU" sz="2000" i="1">
-                            <a:effectLst/>
-                            <a:latin typeface="Cambria Math" panose="02040503050406030204" pitchFamily="18" charset="0"/>
-                          </a:rPr>
-                        </m:ctrlPr>
-                      </m:naryPr>
-                      <m:sub>
-                        <m:r>
-                          <a:rPr lang="en-US" sz="2000" i="1">
-                            <a:latin typeface="Cambria Math" panose="02040503050406030204" pitchFamily="18" charset="0"/>
-                            <a:ea typeface="Times New Roman" panose="02020603050405020304" pitchFamily="18" charset="0"/>
-                            <a:cs typeface="Times New Roman" panose="02020603050405020304" pitchFamily="18" charset="0"/>
-                          </a:rPr>
-                          <m:t>𝑘</m:t>
-                        </m:r>
-                      </m:sub>
-                      <m:sup/>
-                      <m:e>
-                        <m:sSub>
-                          <m:sSubPr>
-                            <m:ctrlPr>
-                              <a:rPr lang="ru-RU" sz="2000" i="1">
-                                <a:effectLst/>
-                                <a:latin typeface="Cambria Math" panose="02040503050406030204" pitchFamily="18" charset="0"/>
-                              </a:rPr>
-                            </m:ctrlPr>
-                          </m:sSubPr>
-                          <m:e>
-                            <m:r>
-                              <a:rPr lang="en-US" sz="2000" i="1">
-                                <a:latin typeface="Cambria Math" panose="02040503050406030204" pitchFamily="18" charset="0"/>
-                                <a:ea typeface="Times New Roman" panose="02020603050405020304" pitchFamily="18" charset="0"/>
-                                <a:cs typeface="Times New Roman" panose="02020603050405020304" pitchFamily="18" charset="0"/>
-                              </a:rPr>
-                              <m:t>𝑛</m:t>
-                            </m:r>
-                          </m:e>
-                          <m:sub>
-                            <m:r>
-                              <a:rPr lang="en-US" sz="2000" i="1">
-                                <a:latin typeface="Cambria Math" panose="02040503050406030204" pitchFamily="18" charset="0"/>
-                                <a:ea typeface="Times New Roman" panose="02020603050405020304" pitchFamily="18" charset="0"/>
-                                <a:cs typeface="Times New Roman" panose="02020603050405020304" pitchFamily="18" charset="0"/>
-                              </a:rPr>
-                              <m:t>𝑘</m:t>
-                            </m:r>
-                          </m:sub>
-                        </m:sSub>
-                      </m:e>
-                    </m:nary>
-                  </m:oMath>
-                </a14:m>
-                <a:r>
-                  <a:rPr lang="ru-RU" sz="2000" dirty="0">
-                    <a:latin typeface="Times New Roman" panose="02020603050405020304" pitchFamily="18" charset="0"/>
-                    <a:ea typeface="Times New Roman" panose="02020603050405020304" pitchFamily="18" charset="0"/>
-                  </a:rPr>
-                  <a:t> – общее </a:t>
-                </a:r>
-                <a:r>
-                  <a:rPr lang="ru-RU" sz="2000" dirty="0">
-                    <a:latin typeface="Times New Roman" panose="02020603050405020304" pitchFamily="18" charset="0"/>
-                    <a:ea typeface="Times New Roman" panose="02020603050405020304" pitchFamily="18" charset="0"/>
-                    <a:cs typeface="Times New Roman" panose="02020603050405020304" pitchFamily="18" charset="0"/>
-                  </a:rPr>
-                  <a:t>количество слов в документе</a:t>
-                </a:r>
-                <a:r>
-                  <a:rPr lang="ru-RU" sz="2000" dirty="0">
-                    <a:effectLst/>
-                    <a:latin typeface="Times New Roman" panose="02020603050405020304" pitchFamily="18" charset="0"/>
-                    <a:cs typeface="Times New Roman" panose="02020603050405020304" pitchFamily="18" charset="0"/>
-                  </a:rPr>
-                  <a:t> </a:t>
-                </a:r>
-                <a:endParaRPr lang="ru-RU" sz="2000" dirty="0">
-                  <a:latin typeface="Times New Roman" panose="02020603050405020304" pitchFamily="18" charset="0"/>
-                  <a:cs typeface="Times New Roman" panose="02020603050405020304" pitchFamily="18" charset="0"/>
-                </a:endParaRPr>
-              </a:p>
-            </p:txBody>
-          </p:sp>
-        </mc:Choice>
-        <mc:Fallback>
-          <p:sp>
-            <p:nvSpPr>
-              <p:cNvPr id="13" name="Прямоугольник 12">
-                <a:extLst>
-                  <a:ext uri="{FF2B5EF4-FFF2-40B4-BE49-F238E27FC236}">
-                    <a16:creationId xmlns:a16="http://schemas.microsoft.com/office/drawing/2014/main" id="{4EFD70B9-64B8-7C47-842F-05DE36E3D8A6}"/>
-                  </a:ext>
-                </a:extLst>
-              </p:cNvPr>
-              <p:cNvSpPr>
-                <a:spLocks noRot="1" noChangeAspect="1" noMove="1" noResize="1" noEditPoints="1" noAdjustHandles="1" noChangeArrowheads="1" noChangeShapeType="1" noTextEdit="1"/>
-              </p:cNvSpPr>
-              <p:nvPr/>
-            </p:nvSpPr>
-            <p:spPr>
-              <a:xfrm>
-                <a:off x="838200" y="3022873"/>
-                <a:ext cx="5066654" cy="1015663"/>
-              </a:xfrm>
-              <a:prstGeom prst="rect">
-                <a:avLst/>
-              </a:prstGeom>
-              <a:blipFill>
-                <a:blip r:embed="rId4"/>
-                <a:stretch>
-                  <a:fillRect l="-7250" t="-2469" b="-69136"/>
-                </a:stretch>
-              </a:blipFill>
-            </p:spPr>
-            <p:txBody>
-              <a:bodyPr/>
-              <a:lstStyle/>
-              <a:p>
-                <a:r>
-                  <a:rPr lang="ru-RU">
-                    <a:noFill/>
-                  </a:rPr>
-                  <a:t> </a:t>
-                </a:r>
-              </a:p>
-            </p:txBody>
-          </p:sp>
-        </mc:Fallback>
-      </mc:AlternateContent>
-      <mc:AlternateContent xmlns:mc="http://schemas.openxmlformats.org/markup-compatibility/2006">
-        <mc:Choice xmlns:a14="http://schemas.microsoft.com/office/drawing/2010/main" Requires="a14">
-          <p:sp>
-            <p:nvSpPr>
-              <p:cNvPr id="14" name="Прямоугольник 13">
-                <a:extLst>
-                  <a:ext uri="{FF2B5EF4-FFF2-40B4-BE49-F238E27FC236}">
-                    <a16:creationId xmlns:a16="http://schemas.microsoft.com/office/drawing/2014/main" id="{FE9659C3-1A5E-F643-B4C4-2942B5F6207F}"/>
-                  </a:ext>
-                </a:extLst>
-              </p:cNvPr>
-              <p:cNvSpPr/>
-              <p:nvPr/>
-            </p:nvSpPr>
-            <p:spPr>
-              <a:xfrm>
-                <a:off x="7234195" y="2998904"/>
-                <a:ext cx="4420530" cy="1015663"/>
-              </a:xfrm>
-              <a:prstGeom prst="rect">
-                <a:avLst/>
-              </a:prstGeom>
-            </p:spPr>
-            <p:txBody>
-              <a:bodyPr wrap="square">
-                <a:spAutoFit/>
-              </a:bodyPr>
-              <a:lstStyle/>
-              <a:p>
-                <a:pPr algn="just"/>
-                <a14:m>
-                  <m:oMath xmlns:m="http://schemas.openxmlformats.org/officeDocument/2006/math">
-                    <m:r>
-                      <a:rPr lang="ru-RU" sz="2000" i="1">
-                        <a:latin typeface="Cambria Math" panose="02040503050406030204" pitchFamily="18" charset="0"/>
-                        <a:ea typeface="Times New Roman" panose="02020603050405020304" pitchFamily="18" charset="0"/>
-                      </a:rPr>
-                      <m:t>г</m:t>
-                    </m:r>
-                    <m:r>
-                      <a:rPr lang="ru-RU" sz="2000" b="0" i="1" smtClean="0">
-                        <a:latin typeface="Cambria Math" panose="02040503050406030204" pitchFamily="18" charset="0"/>
-                        <a:ea typeface="Times New Roman" panose="02020603050405020304" pitchFamily="18" charset="0"/>
-                      </a:rPr>
-                      <m:t>де </m:t>
-                    </m:r>
-                    <m:d>
-                      <m:dPr>
-                        <m:begChr m:val="|"/>
-                        <m:endChr m:val="|"/>
-                        <m:ctrlPr>
-                          <a:rPr lang="ru-RU" sz="2000" i="1">
-                            <a:latin typeface="Cambria Math" panose="02040503050406030204" pitchFamily="18" charset="0"/>
-                            <a:ea typeface="Times New Roman" panose="02020603050405020304" pitchFamily="18" charset="0"/>
-                          </a:rPr>
-                        </m:ctrlPr>
-                      </m:dPr>
-                      <m:e>
-                        <m:r>
-                          <a:rPr lang="en-US" sz="2000" i="1">
-                            <a:latin typeface="Cambria Math" panose="02040503050406030204" pitchFamily="18" charset="0"/>
-                            <a:ea typeface="Times New Roman" panose="02020603050405020304" pitchFamily="18" charset="0"/>
-                          </a:rPr>
-                          <m:t>𝐷</m:t>
-                        </m:r>
-                      </m:e>
-                    </m:d>
-                  </m:oMath>
-                </a14:m>
-                <a:r>
-                  <a:rPr lang="ru-RU" sz="2000" dirty="0">
-                    <a:latin typeface="Times New Roman" panose="02020603050405020304" pitchFamily="18" charset="0"/>
-                    <a:ea typeface="Times New Roman" panose="02020603050405020304" pitchFamily="18" charset="0"/>
-                  </a:rPr>
-                  <a:t> – количество документов</a:t>
-                </a:r>
-                <a:endParaRPr lang="en-US" sz="2000" dirty="0">
-                  <a:latin typeface="Times New Roman" panose="02020603050405020304" pitchFamily="18" charset="0"/>
-                  <a:ea typeface="Times New Roman" panose="02020603050405020304" pitchFamily="18" charset="0"/>
-                </a:endParaRPr>
-              </a:p>
-              <a:p>
-                <a:pPr algn="just"/>
-                <a14:m>
-                  <m:oMath xmlns:m="http://schemas.openxmlformats.org/officeDocument/2006/math">
-                    <m:d>
-                      <m:dPr>
-                        <m:begChr m:val="|"/>
-                        <m:endChr m:val="|"/>
-                        <m:ctrlPr>
-                          <a:rPr lang="ru-RU" sz="2000" i="1">
-                            <a:latin typeface="Cambria Math" panose="02040503050406030204" pitchFamily="18" charset="0"/>
-                            <a:ea typeface="Times New Roman" panose="02020603050405020304" pitchFamily="18" charset="0"/>
-                          </a:rPr>
-                        </m:ctrlPr>
-                      </m:dPr>
-                      <m:e>
-                        <m:sSub>
-                          <m:sSubPr>
-                            <m:ctrlPr>
-                              <a:rPr lang="ru-RU" sz="2000" i="1">
-                                <a:latin typeface="Cambria Math" panose="02040503050406030204" pitchFamily="18" charset="0"/>
-                                <a:ea typeface="Times New Roman" panose="02020603050405020304" pitchFamily="18" charset="0"/>
-                              </a:rPr>
-                            </m:ctrlPr>
-                          </m:sSubPr>
-                          <m:e>
-                            <m:r>
-                              <a:rPr lang="en-US" sz="2000" i="1">
-                                <a:latin typeface="Cambria Math" panose="02040503050406030204" pitchFamily="18" charset="0"/>
-                                <a:ea typeface="Times New Roman" panose="02020603050405020304" pitchFamily="18" charset="0"/>
-                              </a:rPr>
-                              <m:t>𝐷</m:t>
-                            </m:r>
-                          </m:e>
-                          <m:sub>
-                            <m:r>
-                              <a:rPr lang="en-US" sz="2000" i="1">
-                                <a:latin typeface="Cambria Math" panose="02040503050406030204" pitchFamily="18" charset="0"/>
-                                <a:ea typeface="Times New Roman" panose="02020603050405020304" pitchFamily="18" charset="0"/>
-                              </a:rPr>
-                              <m:t>𝑖</m:t>
-                            </m:r>
-                          </m:sub>
-                        </m:sSub>
-                        <m:r>
-                          <a:rPr lang="ru-RU" sz="2000" i="1">
-                            <a:latin typeface="Cambria Math" panose="02040503050406030204" pitchFamily="18" charset="0"/>
-                            <a:ea typeface="Times New Roman" panose="02020603050405020304" pitchFamily="18" charset="0"/>
-                          </a:rPr>
-                          <m:t>∈</m:t>
-                        </m:r>
-                        <m:r>
-                          <a:rPr lang="en-US" sz="2000" i="1">
-                            <a:latin typeface="Cambria Math" panose="02040503050406030204" pitchFamily="18" charset="0"/>
-                            <a:ea typeface="Times New Roman" panose="02020603050405020304" pitchFamily="18" charset="0"/>
-                          </a:rPr>
-                          <m:t>𝐷</m:t>
-                        </m:r>
-                      </m:e>
-                    </m:d>
-                  </m:oMath>
-                </a14:m>
-                <a:r>
-                  <a:rPr lang="en-US" sz="2000" dirty="0">
-                    <a:latin typeface="Times New Roman" panose="02020603050405020304" pitchFamily="18" charset="0"/>
-                    <a:ea typeface="Times New Roman" panose="02020603050405020304" pitchFamily="18" charset="0"/>
-                  </a:rPr>
-                  <a:t> </a:t>
-                </a:r>
-                <a:r>
-                  <a:rPr lang="ru-RU" sz="2000" dirty="0">
-                    <a:latin typeface="Times New Roman" panose="02020603050405020304" pitchFamily="18" charset="0"/>
-                    <a:ea typeface="Times New Roman" panose="02020603050405020304" pitchFamily="18" charset="0"/>
-                  </a:rPr>
-                  <a:t>– число документов, где </a:t>
-                </a:r>
-                <a14:m>
-                  <m:oMath xmlns:m="http://schemas.openxmlformats.org/officeDocument/2006/math">
-                    <m:sSub>
-                      <m:sSubPr>
-                        <m:ctrlPr>
-                          <a:rPr lang="ru-RU" sz="2000" i="1">
-                            <a:latin typeface="Cambria Math" panose="02040503050406030204" pitchFamily="18" charset="0"/>
-                            <a:ea typeface="Times New Roman" panose="02020603050405020304" pitchFamily="18" charset="0"/>
-                          </a:rPr>
-                        </m:ctrlPr>
-                      </m:sSubPr>
-                      <m:e>
-                        <m:r>
-                          <a:rPr lang="ru-RU" sz="2000" i="1">
-                            <a:latin typeface="Cambria Math" panose="02040503050406030204" pitchFamily="18" charset="0"/>
-                            <a:ea typeface="Times New Roman" panose="02020603050405020304" pitchFamily="18" charset="0"/>
-                          </a:rPr>
-                          <m:t>𝑡</m:t>
-                        </m:r>
-                      </m:e>
-                      <m:sub>
-                        <m:r>
-                          <a:rPr lang="ru-RU" sz="2000" i="1">
-                            <a:latin typeface="Cambria Math" panose="02040503050406030204" pitchFamily="18" charset="0"/>
-                            <a:ea typeface="Times New Roman" panose="02020603050405020304" pitchFamily="18" charset="0"/>
-                          </a:rPr>
-                          <m:t>𝑖</m:t>
-                        </m:r>
-                      </m:sub>
-                    </m:sSub>
-                  </m:oMath>
-                </a14:m>
-                <a:r>
-                  <a:rPr lang="ru-RU" sz="2000" dirty="0">
-                    <a:latin typeface="Times New Roman" panose="02020603050405020304" pitchFamily="18" charset="0"/>
-                    <a:ea typeface="Times New Roman" panose="02020603050405020304" pitchFamily="18" charset="0"/>
-                  </a:rPr>
-                  <a:t> встретилось хотя бы один раз</a:t>
-                </a:r>
-              </a:p>
-            </p:txBody>
-          </p:sp>
-        </mc:Choice>
-        <mc:Fallback>
-          <p:sp>
-            <p:nvSpPr>
-              <p:cNvPr id="14" name="Прямоугольник 13">
-                <a:extLst>
-                  <a:ext uri="{FF2B5EF4-FFF2-40B4-BE49-F238E27FC236}">
-                    <a16:creationId xmlns:a16="http://schemas.microsoft.com/office/drawing/2014/main" id="{FE9659C3-1A5E-F643-B4C4-2942B5F6207F}"/>
-                  </a:ext>
-                </a:extLst>
-              </p:cNvPr>
-              <p:cNvSpPr>
-                <a:spLocks noRot="1" noChangeAspect="1" noMove="1" noResize="1" noEditPoints="1" noAdjustHandles="1" noChangeArrowheads="1" noChangeShapeType="1" noTextEdit="1"/>
-              </p:cNvSpPr>
-              <p:nvPr/>
-            </p:nvSpPr>
-            <p:spPr>
-              <a:xfrm>
-                <a:off x="7234195" y="2998904"/>
-                <a:ext cx="4420530" cy="1015663"/>
-              </a:xfrm>
-              <a:prstGeom prst="rect">
-                <a:avLst/>
-              </a:prstGeom>
-              <a:blipFill>
-                <a:blip r:embed="rId5"/>
-                <a:stretch>
-                  <a:fillRect l="-1433" t="-2469" b="-9877"/>
-                </a:stretch>
-              </a:blipFill>
-            </p:spPr>
-            <p:txBody>
-              <a:bodyPr/>
-              <a:lstStyle/>
-              <a:p>
-                <a:r>
-                  <a:rPr lang="ru-RU">
-                    <a:noFill/>
-                  </a:rPr>
-                  <a:t> </a:t>
-                </a:r>
-              </a:p>
-            </p:txBody>
-          </p:sp>
-        </mc:Fallback>
-      </mc:AlternateContent>
-      <p:sp>
-        <p:nvSpPr>
-          <p:cNvPr id="23" name="Объект 2">
-            <a:extLst>
-              <a:ext uri="{FF2B5EF4-FFF2-40B4-BE49-F238E27FC236}">
-                <a16:creationId xmlns:a16="http://schemas.microsoft.com/office/drawing/2014/main" id="{92DF7FC3-0CC9-BC43-B0AE-AABE1A64010F}"/>
-              </a:ext>
-            </a:extLst>
-          </p:cNvPr>
-          <p:cNvSpPr>
-            <a:spLocks noGrp="1"/>
-          </p:cNvSpPr>
-          <p:nvPr>
-            <p:ph idx="1"/>
-          </p:nvPr>
-        </p:nvSpPr>
-        <p:spPr>
-          <a:xfrm>
-            <a:off x="838200" y="1562584"/>
-            <a:ext cx="10515600" cy="676835"/>
-          </a:xfrm>
-        </p:spPr>
-        <p:txBody>
-          <a:bodyPr>
-            <a:normAutofit/>
-          </a:bodyPr>
-          <a:lstStyle/>
-          <a:p>
-            <a:pPr marL="0" indent="0">
-              <a:lnSpc>
-                <a:spcPct val="110000"/>
-              </a:lnSpc>
-              <a:buNone/>
-            </a:pPr>
-            <a:r>
-              <a:rPr lang="ru-RU" sz="2400" dirty="0">
-                <a:latin typeface="Times New Roman" panose="02020603050405020304" pitchFamily="18" charset="0"/>
-                <a:cs typeface="Times New Roman" panose="02020603050405020304" pitchFamily="18" charset="0"/>
-              </a:rPr>
-              <a:t>Документ представляется в виде вектора признаков</a:t>
-            </a:r>
-          </a:p>
-        </p:txBody>
-      </p:sp>
-      <p:pic>
-        <p:nvPicPr>
-          <p:cNvPr id="24" name="Google Shape;113;p21">
-            <a:extLst>
-              <a:ext uri="{FF2B5EF4-FFF2-40B4-BE49-F238E27FC236}">
-                <a16:creationId xmlns:a16="http://schemas.microsoft.com/office/drawing/2014/main" id="{DFAA8C2D-52A0-984B-A811-8F7857273437}"/>
-              </a:ext>
-            </a:extLst>
-          </p:cNvPr>
-          <p:cNvPicPr preferRelativeResize="0"/>
-          <p:nvPr/>
-        </p:nvPicPr>
-        <p:blipFill>
-          <a:blip r:embed="rId6">
-            <a:alphaModFix/>
-          </a:blip>
-          <a:stretch>
-            <a:fillRect/>
-          </a:stretch>
-        </p:blipFill>
-        <p:spPr>
-          <a:xfrm>
-            <a:off x="3860369" y="4598091"/>
-            <a:ext cx="4115939" cy="447797"/>
-          </a:xfrm>
-          <a:prstGeom prst="rect">
-            <a:avLst/>
-          </a:prstGeom>
-          <a:noFill/>
-          <a:ln>
-            <a:noFill/>
-          </a:ln>
-        </p:spPr>
-      </p:pic>
-      <mc:AlternateContent xmlns:mc="http://schemas.openxmlformats.org/markup-compatibility/2006">
-        <mc:Choice xmlns:a14="http://schemas.microsoft.com/office/drawing/2010/main" Requires="a14">
-          <p:sp>
-            <p:nvSpPr>
-              <p:cNvPr id="25" name="Прямоугольник 24">
-                <a:extLst>
-                  <a:ext uri="{FF2B5EF4-FFF2-40B4-BE49-F238E27FC236}">
-                    <a16:creationId xmlns:a16="http://schemas.microsoft.com/office/drawing/2014/main" id="{5CB14CA8-EA6D-2742-B2B0-ACC6E080B3DC}"/>
-                  </a:ext>
-                </a:extLst>
-              </p:cNvPr>
-              <p:cNvSpPr/>
-              <p:nvPr/>
-            </p:nvSpPr>
-            <p:spPr>
-              <a:xfrm>
-                <a:off x="3860369" y="5263227"/>
-                <a:ext cx="4772186" cy="1015663"/>
-              </a:xfrm>
-              <a:prstGeom prst="rect">
-                <a:avLst/>
-              </a:prstGeom>
-            </p:spPr>
-            <p:txBody>
-              <a:bodyPr wrap="square">
-                <a:spAutoFit/>
-              </a:bodyPr>
-              <a:lstStyle/>
-              <a:p>
-                <a14:m>
-                  <m:oMath xmlns:m="http://schemas.openxmlformats.org/officeDocument/2006/math">
-                    <m:r>
-                      <a:rPr lang="ru-RU" sz="2000" i="1">
-                        <a:latin typeface="Cambria Math" panose="02040503050406030204" pitchFamily="18" charset="0"/>
-                        <a:ea typeface="Times New Roman" panose="02020603050405020304" pitchFamily="18" charset="0"/>
-                      </a:rPr>
-                      <m:t>г</m:t>
-                    </m:r>
-                    <m:r>
-                      <a:rPr lang="ru-RU" sz="2000" b="0" i="1" smtClean="0">
-                        <a:latin typeface="Cambria Math" panose="02040503050406030204" pitchFamily="18" charset="0"/>
-                        <a:ea typeface="Times New Roman" panose="02020603050405020304" pitchFamily="18" charset="0"/>
-                      </a:rPr>
-                      <m:t>де </m:t>
-                    </m:r>
-                    <m:r>
-                      <a:rPr lang="ru-RU" sz="2000" i="1">
-                        <a:latin typeface="Cambria Math" panose="02040503050406030204" pitchFamily="18" charset="0"/>
-                        <a:ea typeface="Times New Roman" panose="02020603050405020304" pitchFamily="18" charset="0"/>
-                      </a:rPr>
-                      <m:t>𝑡</m:t>
-                    </m:r>
-                  </m:oMath>
-                </a14:m>
-                <a:r>
-                  <a:rPr lang="ru-RU" sz="2000" dirty="0">
-                    <a:latin typeface="Times New Roman" panose="02020603050405020304" pitchFamily="18" charset="0"/>
-                    <a:ea typeface="Times New Roman" panose="02020603050405020304" pitchFamily="18" charset="0"/>
-                  </a:rPr>
-                  <a:t> </a:t>
-                </a:r>
-                <a:r>
-                  <a:rPr lang="en-US" sz="2000" dirty="0">
-                    <a:latin typeface="Times New Roman" panose="02020603050405020304" pitchFamily="18" charset="0"/>
-                    <a:ea typeface="Times New Roman" panose="02020603050405020304" pitchFamily="18" charset="0"/>
-                  </a:rPr>
-                  <a:t>– </a:t>
-                </a:r>
-                <a:r>
-                  <a:rPr lang="ru-RU" sz="2000" dirty="0">
-                    <a:latin typeface="Times New Roman" panose="02020603050405020304" pitchFamily="18" charset="0"/>
-                    <a:ea typeface="Times New Roman" panose="02020603050405020304" pitchFamily="18" charset="0"/>
-                  </a:rPr>
-                  <a:t>термин </a:t>
-                </a:r>
-              </a:p>
-              <a:p>
-                <a14:m>
-                  <m:oMath xmlns:m="http://schemas.openxmlformats.org/officeDocument/2006/math">
-                    <m:r>
-                      <a:rPr lang="ru-RU" sz="2000" i="1">
-                        <a:latin typeface="Cambria Math" panose="02040503050406030204" pitchFamily="18" charset="0"/>
-                        <a:ea typeface="Times New Roman" panose="02020603050405020304" pitchFamily="18" charset="0"/>
-                      </a:rPr>
-                      <m:t>𝐷</m:t>
-                    </m:r>
-                  </m:oMath>
-                </a14:m>
-                <a:r>
-                  <a:rPr lang="ru-RU" sz="2000" dirty="0">
-                    <a:latin typeface="Times New Roman" panose="02020603050405020304" pitchFamily="18" charset="0"/>
-                    <a:ea typeface="Times New Roman" panose="02020603050405020304" pitchFamily="18" charset="0"/>
-                  </a:rPr>
-                  <a:t> </a:t>
-                </a:r>
-                <a:r>
-                  <a:rPr lang="en-US" sz="2000" dirty="0">
-                    <a:latin typeface="Times New Roman" panose="02020603050405020304" pitchFamily="18" charset="0"/>
-                    <a:ea typeface="Times New Roman" panose="02020603050405020304" pitchFamily="18" charset="0"/>
-                  </a:rPr>
-                  <a:t>– </a:t>
-                </a:r>
-                <a:r>
-                  <a:rPr lang="ru-RU" sz="2000" dirty="0">
-                    <a:latin typeface="Times New Roman" panose="02020603050405020304" pitchFamily="18" charset="0"/>
-                    <a:ea typeface="Times New Roman" panose="02020603050405020304" pitchFamily="18" charset="0"/>
-                  </a:rPr>
-                  <a:t>коллекция документов</a:t>
-                </a:r>
-              </a:p>
-              <a:p>
-                <a14:m>
-                  <m:oMath xmlns:m="http://schemas.openxmlformats.org/officeDocument/2006/math">
-                    <m:r>
-                      <a:rPr lang="en-US" sz="2000" i="1">
-                        <a:latin typeface="Cambria Math" panose="02040503050406030204" pitchFamily="18" charset="0"/>
-                        <a:ea typeface="Times New Roman" panose="02020603050405020304" pitchFamily="18" charset="0"/>
-                      </a:rPr>
-                      <m:t>𝑑</m:t>
-                    </m:r>
-                  </m:oMath>
-                </a14:m>
-                <a:r>
-                  <a:rPr lang="en-US" sz="2000" dirty="0">
-                    <a:latin typeface="Times New Roman" panose="02020603050405020304" pitchFamily="18" charset="0"/>
-                    <a:ea typeface="Times New Roman" panose="02020603050405020304" pitchFamily="18" charset="0"/>
-                  </a:rPr>
-                  <a:t> </a:t>
-                </a:r>
-                <a:r>
-                  <a:rPr lang="ru-RU" sz="2000" dirty="0">
-                    <a:latin typeface="Times New Roman" panose="02020603050405020304" pitchFamily="18" charset="0"/>
-                    <a:ea typeface="Times New Roman" panose="02020603050405020304" pitchFamily="18" charset="0"/>
-                  </a:rPr>
-                  <a:t>– документ из коллекции </a:t>
-                </a:r>
-                <a14:m>
-                  <m:oMath xmlns:m="http://schemas.openxmlformats.org/officeDocument/2006/math">
-                    <m:r>
-                      <a:rPr lang="ru-RU" sz="2000" i="1">
-                        <a:latin typeface="Cambria Math" panose="02040503050406030204" pitchFamily="18" charset="0"/>
-                        <a:ea typeface="Times New Roman" panose="02020603050405020304" pitchFamily="18" charset="0"/>
-                      </a:rPr>
-                      <m:t>𝐷</m:t>
-                    </m:r>
-                  </m:oMath>
-                </a14:m>
-                <a:endParaRPr lang="ru-RU" sz="2000" dirty="0">
-                  <a:latin typeface="Times New Roman" panose="02020603050405020304" pitchFamily="18" charset="0"/>
-                  <a:ea typeface="Times New Roman" panose="02020603050405020304" pitchFamily="18" charset="0"/>
-                </a:endParaRPr>
-              </a:p>
-            </p:txBody>
-          </p:sp>
-        </mc:Choice>
-        <mc:Fallback>
-          <p:sp>
-            <p:nvSpPr>
-              <p:cNvPr id="25" name="Прямоугольник 24">
-                <a:extLst>
-                  <a:ext uri="{FF2B5EF4-FFF2-40B4-BE49-F238E27FC236}">
-                    <a16:creationId xmlns:a16="http://schemas.microsoft.com/office/drawing/2014/main" id="{5CB14CA8-EA6D-2742-B2B0-ACC6E080B3DC}"/>
-                  </a:ext>
-                </a:extLst>
-              </p:cNvPr>
-              <p:cNvSpPr>
-                <a:spLocks noRot="1" noChangeAspect="1" noMove="1" noResize="1" noEditPoints="1" noAdjustHandles="1" noChangeArrowheads="1" noChangeShapeType="1" noTextEdit="1"/>
-              </p:cNvSpPr>
-              <p:nvPr/>
-            </p:nvSpPr>
-            <p:spPr>
-              <a:xfrm>
-                <a:off x="3860369" y="5263227"/>
-                <a:ext cx="4772186" cy="1015663"/>
-              </a:xfrm>
-              <a:prstGeom prst="rect">
-                <a:avLst/>
-              </a:prstGeom>
-              <a:blipFill>
-                <a:blip r:embed="rId7"/>
-                <a:stretch>
-                  <a:fillRect t="-2469" b="-9877"/>
-                </a:stretch>
-              </a:blipFill>
-            </p:spPr>
-            <p:txBody>
-              <a:bodyPr/>
-              <a:lstStyle/>
-              <a:p>
-                <a:r>
-                  <a:rPr lang="ru-RU">
-                    <a:noFill/>
-                  </a:rPr>
-                  <a:t> </a:t>
-                </a:r>
-              </a:p>
-            </p:txBody>
-          </p:sp>
-        </mc:Fallback>
-      </mc:AlternateContent>
-    </p:spTree>
-    <p:extLst>
-      <p:ext uri="{BB962C8B-B14F-4D97-AF65-F5344CB8AC3E}">
-        <p14:creationId xmlns:p14="http://schemas.microsoft.com/office/powerpoint/2010/main" val="2350653239"/>
-      </p:ext>
-    </p:extLst>
-  </p:cSld>
-  <p:clrMapOvr>
-    <a:masterClrMapping/>
-  </p:clrMapOvr>
-</p:sld>
-</file>
-
-<file path=ppt/slides/slide13.xml><?xml version="1.0" encoding="utf-8"?>
-<p:sld xmlns:a="http://schemas.openxmlformats.org/drawingml/2006/main" xmlns:r="http://schemas.openxmlformats.org/officeDocument/2006/relationships" xmlns:p="http://schemas.openxmlformats.org/presentationml/2006/main">
-  <p:cSld>
-    <p:spTree>
-      <p:nvGrpSpPr>
-        <p:cNvPr id="1" name=""/>
-        <p:cNvGrpSpPr/>
-        <p:nvPr/>
-      </p:nvGrpSpPr>
-      <p:grpSpPr>
-        <a:xfrm>
-          <a:off x="0" y="0"/>
-          <a:ext cx="0" cy="0"/>
-          <a:chOff x="0" y="0"/>
-          <a:chExt cx="0" cy="0"/>
-        </a:xfrm>
-      </p:grpSpPr>
-      <p:sp>
-        <p:nvSpPr>
-          <p:cNvPr id="2" name="Заголовок 1">
-            <a:extLst>
-              <a:ext uri="{FF2B5EF4-FFF2-40B4-BE49-F238E27FC236}">
-                <a16:creationId xmlns:a16="http://schemas.microsoft.com/office/drawing/2014/main" id="{68C510DA-43C2-BC42-9310-310510C61E15}"/>
-              </a:ext>
-            </a:extLst>
-          </p:cNvPr>
-          <p:cNvSpPr>
-            <a:spLocks noGrp="1"/>
-          </p:cNvSpPr>
-          <p:nvPr>
-            <p:ph type="title"/>
-          </p:nvPr>
-        </p:nvSpPr>
-        <p:spPr/>
-        <p:txBody>
-          <a:bodyPr/>
-          <a:lstStyle/>
-          <a:p>
-            <a:pPr algn="ctr"/>
-            <a:r>
-              <a:rPr lang="ru-RU" dirty="0">
-                <a:latin typeface="Times New Roman" panose="02020603050405020304" pitchFamily="18" charset="0"/>
-                <a:cs typeface="Times New Roman" panose="02020603050405020304" pitchFamily="18" charset="0"/>
-              </a:rPr>
               <a:t>Используемые метрики качества</a:t>
             </a:r>
           </a:p>
@@ -6168,7 +4841,7 @@
           <a:p>
             <a:fld id="{6BB697E3-DD58-B344-99E6-BC7A3ED9A2AD}" type="slidenum">
               <a:rPr lang="ru-RU" smtClean="0"/>
-              <a:t>13</a:t>
+              <a:t>12</a:t>
             </a:fld>
             <a:endParaRPr lang="ru-RU"/>
           </a:p>
@@ -6210,8 +4883,8 @@
           </a:prstGeom>
         </p:spPr>
       </p:pic>
-      <mc:AlternateContent xmlns:mc="http://schemas.openxmlformats.org/markup-compatibility/2006">
-        <mc:Choice xmlns:a14="http://schemas.microsoft.com/office/drawing/2010/main" Requires="a14">
+      <mc:AlternateContent xmlns:mc="http://schemas.openxmlformats.org/markup-compatibility/2006" xmlns:a14="http://schemas.microsoft.com/office/drawing/2010/main">
+        <mc:Choice Requires="a14">
           <p:sp>
             <p:nvSpPr>
               <p:cNvPr id="7" name="TextBox 6">
@@ -6240,6 +4913,7 @@
               </a:bodyPr>
               <a:lstStyle/>
               <a:p>
+                <a:pPr/>
                 <a14:m>
                   <m:oMathPara xmlns:m="http://schemas.openxmlformats.org/officeDocument/2006/math">
                     <m:oMathParaPr>
@@ -6303,7 +4977,7 @@
             </p:txBody>
           </p:sp>
         </mc:Choice>
-        <mc:Fallback>
+        <mc:Fallback xmlns="">
           <p:sp>
             <p:nvSpPr>
               <p:cNvPr id="7" name="TextBox 6">
@@ -6348,8 +5022,8 @@
           </p:sp>
         </mc:Fallback>
       </mc:AlternateContent>
-      <mc:AlternateContent xmlns:mc="http://schemas.openxmlformats.org/markup-compatibility/2006">
-        <mc:Choice xmlns:a14="http://schemas.microsoft.com/office/drawing/2010/main" Requires="a14">
+      <mc:AlternateContent xmlns:mc="http://schemas.openxmlformats.org/markup-compatibility/2006" xmlns:a14="http://schemas.microsoft.com/office/drawing/2010/main">
+        <mc:Choice Requires="a14">
           <p:sp>
             <p:nvSpPr>
               <p:cNvPr id="8" name="TextBox 7">
@@ -6378,6 +5052,7 @@
               </a:bodyPr>
               <a:lstStyle/>
               <a:p>
+                <a:pPr/>
                 <a14:m>
                   <m:oMathPara xmlns:m="http://schemas.openxmlformats.org/officeDocument/2006/math">
                     <m:oMathParaPr>
@@ -6441,7 +5116,7 @@
             </p:txBody>
           </p:sp>
         </mc:Choice>
-        <mc:Fallback>
+        <mc:Fallback xmlns="">
           <p:sp>
             <p:nvSpPr>
               <p:cNvPr id="8" name="TextBox 7">
@@ -6486,8 +5161,8 @@
           </p:sp>
         </mc:Fallback>
       </mc:AlternateContent>
-      <mc:AlternateContent xmlns:mc="http://schemas.openxmlformats.org/markup-compatibility/2006">
-        <mc:Choice xmlns:a14="http://schemas.microsoft.com/office/drawing/2010/main" Requires="a14">
+      <mc:AlternateContent xmlns:mc="http://schemas.openxmlformats.org/markup-compatibility/2006" xmlns:a14="http://schemas.microsoft.com/office/drawing/2010/main">
+        <mc:Choice Requires="a14">
           <p:sp>
             <p:nvSpPr>
               <p:cNvPr id="9" name="TextBox 8">
@@ -6516,6 +5191,7 @@
               </a:bodyPr>
               <a:lstStyle/>
               <a:p>
+                <a:pPr/>
                 <a14:m>
                   <m:oMathPara xmlns:m="http://schemas.openxmlformats.org/officeDocument/2006/math">
                     <m:oMathParaPr>
@@ -6523,44 +5199,62 @@
                     </m:oMathParaPr>
                     <m:oMath xmlns:m="http://schemas.openxmlformats.org/officeDocument/2006/math">
                       <m:r>
-                        <a:rPr lang="ru-RU" sz="2000" i="1"/>
+                        <a:rPr lang="ru-RU" sz="2000" i="1">
+                          <a:latin typeface="Cambria Math" panose="02040503050406030204" pitchFamily="18" charset="0"/>
+                        </a:rPr>
                         <m:t>𝐹</m:t>
                       </m:r>
                       <m:r>
-                        <a:rPr lang="ru-RU" sz="2000" i="1"/>
+                        <a:rPr lang="ru-RU" sz="2000" i="1">
+                          <a:latin typeface="Cambria Math" panose="02040503050406030204" pitchFamily="18" charset="0"/>
+                        </a:rPr>
                         <m:t>=2</m:t>
                       </m:r>
                       <m:f>
                         <m:fPr>
                           <m:ctrlPr>
-                            <a:rPr lang="ru-RU" sz="2000" i="1"/>
+                            <a:rPr lang="ru-RU" sz="2000" i="1">
+                              <a:latin typeface="Cambria Math" panose="02040503050406030204" pitchFamily="18" charset="0"/>
+                            </a:rPr>
                           </m:ctrlPr>
                         </m:fPr>
                         <m:num>
                           <m:r>
-                            <a:rPr lang="ru-RU" sz="2000" i="1"/>
+                            <a:rPr lang="ru-RU" sz="2000" i="1">
+                              <a:latin typeface="Cambria Math" panose="02040503050406030204" pitchFamily="18" charset="0"/>
+                            </a:rPr>
                             <m:t>𝑃𝑟𝑒𝑐𝑖𝑠𝑖𝑜𝑛</m:t>
                           </m:r>
                           <m:r>
-                            <a:rPr lang="ru-RU" sz="2000" i="1"/>
+                            <a:rPr lang="ru-RU" sz="2000" i="1">
+                              <a:latin typeface="Cambria Math" panose="02040503050406030204" pitchFamily="18" charset="0"/>
+                            </a:rPr>
                             <m:t>×</m:t>
                           </m:r>
                           <m:r>
-                            <a:rPr lang="ru-RU" sz="2000" i="1"/>
+                            <a:rPr lang="ru-RU" sz="2000" i="1">
+                              <a:latin typeface="Cambria Math" panose="02040503050406030204" pitchFamily="18" charset="0"/>
+                            </a:rPr>
                             <m:t>𝑅𝑒𝑐𝑎𝑙𝑙</m:t>
                           </m:r>
                         </m:num>
                         <m:den>
                           <m:r>
-                            <a:rPr lang="ru-RU" sz="2000" i="1"/>
+                            <a:rPr lang="ru-RU" sz="2000" i="1">
+                              <a:latin typeface="Cambria Math" panose="02040503050406030204" pitchFamily="18" charset="0"/>
+                            </a:rPr>
                             <m:t>𝑃𝑟𝑒𝑐𝑖𝑠𝑖𝑜𝑛</m:t>
                           </m:r>
                           <m:r>
-                            <a:rPr lang="ru-RU" sz="2000" i="1"/>
+                            <a:rPr lang="ru-RU" sz="2000" i="1">
+                              <a:latin typeface="Cambria Math" panose="02040503050406030204" pitchFamily="18" charset="0"/>
+                            </a:rPr>
                             <m:t>+</m:t>
                           </m:r>
                           <m:r>
-                            <a:rPr lang="ru-RU" sz="2000" i="1"/>
+                            <a:rPr lang="ru-RU" sz="2000" i="1">
+                              <a:latin typeface="Cambria Math" panose="02040503050406030204" pitchFamily="18" charset="0"/>
+                            </a:rPr>
                             <m:t>𝑅𝑒𝑐𝑎𝑙𝑙</m:t>
                           </m:r>
                         </m:den>
@@ -6573,7 +5267,7 @@
             </p:txBody>
           </p:sp>
         </mc:Choice>
-        <mc:Fallback>
+        <mc:Fallback xmlns="">
           <p:sp>
             <p:nvSpPr>
               <p:cNvPr id="9" name="TextBox 8">
@@ -6750,7 +5444,7 @@
                 <a:cs typeface="Times New Roman" pitchFamily="18" charset="0"/>
               </a:rPr>
               <a:pPr/>
-              <a:t>13</a:t>
+              <a:t>12</a:t>
             </a:fld>
             <a:endParaRPr lang="ru-RU" sz="2400" dirty="0">
               <a:solidFill>
@@ -6766,6 +5460,1046 @@
     <p:extLst>
       <p:ext uri="{BB962C8B-B14F-4D97-AF65-F5344CB8AC3E}">
         <p14:creationId xmlns:p14="http://schemas.microsoft.com/office/powerpoint/2010/main" val="3507773334"/>
+      </p:ext>
+    </p:extLst>
+  </p:cSld>
+  <p:clrMapOvr>
+    <a:masterClrMapping/>
+  </p:clrMapOvr>
+</p:sld>
+</file>
+
+<file path=ppt/slides/slide13.xml><?xml version="1.0" encoding="utf-8"?>
+<p:sld xmlns:a="http://schemas.openxmlformats.org/drawingml/2006/main" xmlns:r="http://schemas.openxmlformats.org/officeDocument/2006/relationships" xmlns:p="http://schemas.openxmlformats.org/presentationml/2006/main">
+  <p:cSld>
+    <p:spTree>
+      <p:nvGrpSpPr>
+        <p:cNvPr id="1" name=""/>
+        <p:cNvGrpSpPr/>
+        <p:nvPr/>
+      </p:nvGrpSpPr>
+      <p:grpSpPr>
+        <a:xfrm>
+          <a:off x="0" y="0"/>
+          <a:ext cx="0" cy="0"/>
+          <a:chOff x="0" y="0"/>
+          <a:chExt cx="0" cy="0"/>
+        </a:xfrm>
+      </p:grpSpPr>
+      <p:sp>
+        <p:nvSpPr>
+          <p:cNvPr id="2" name="Заголовок 1">
+            <a:extLst>
+              <a:ext uri="{FF2B5EF4-FFF2-40B4-BE49-F238E27FC236}">
+                <a16:creationId xmlns:a16="http://schemas.microsoft.com/office/drawing/2014/main" id="{68C510DA-43C2-BC42-9310-310510C61E15}"/>
+              </a:ext>
+            </a:extLst>
+          </p:cNvPr>
+          <p:cNvSpPr>
+            <a:spLocks noGrp="1"/>
+          </p:cNvSpPr>
+          <p:nvPr>
+            <p:ph type="title"/>
+          </p:nvPr>
+        </p:nvSpPr>
+        <p:spPr/>
+        <p:txBody>
+          <a:bodyPr/>
+          <a:lstStyle/>
+          <a:p>
+            <a:pPr algn="ctr"/>
+            <a:r>
+              <a:rPr lang="ru-RU" dirty="0">
+                <a:latin typeface="Times New Roman" panose="02020603050405020304" pitchFamily="18" charset="0"/>
+                <a:cs typeface="Times New Roman" panose="02020603050405020304" pitchFamily="18" charset="0"/>
+              </a:rPr>
+              <a:t>Обучающая выборка</a:t>
+            </a:r>
+          </a:p>
+        </p:txBody>
+      </p:sp>
+      <mc:AlternateContent xmlns:mc="http://schemas.openxmlformats.org/markup-compatibility/2006" xmlns:a14="http://schemas.microsoft.com/office/drawing/2010/main">
+        <mc:Choice Requires="a14">
+          <p:sp>
+            <p:nvSpPr>
+              <p:cNvPr id="3" name="Объект 2">
+                <a:extLst>
+                  <a:ext uri="{FF2B5EF4-FFF2-40B4-BE49-F238E27FC236}">
+                    <a16:creationId xmlns:a16="http://schemas.microsoft.com/office/drawing/2014/main" id="{2CA1D980-884A-AD4A-A267-4009569FB9A9}"/>
+                  </a:ext>
+                </a:extLst>
+              </p:cNvPr>
+              <p:cNvSpPr>
+                <a:spLocks noGrp="1"/>
+              </p:cNvSpPr>
+              <p:nvPr>
+                <p:ph idx="1"/>
+              </p:nvPr>
+            </p:nvSpPr>
+            <p:spPr>
+              <a:xfrm>
+                <a:off x="419100" y="1520042"/>
+                <a:ext cx="5821680" cy="5201433"/>
+              </a:xfrm>
+            </p:spPr>
+            <p:txBody>
+              <a:bodyPr>
+                <a:normAutofit lnSpcReduction="10000"/>
+              </a:bodyPr>
+              <a:lstStyle/>
+              <a:p>
+                <a:pPr marL="0" indent="0">
+                  <a:lnSpc>
+                    <a:spcPct val="100000"/>
+                  </a:lnSpc>
+                  <a:buNone/>
+                </a:pPr>
+                <a:r>
+                  <a:rPr lang="ru-RU" sz="2400" dirty="0">
+                    <a:latin typeface="Times New Roman" panose="02020603050405020304" pitchFamily="18" charset="0"/>
+                    <a:cs typeface="Times New Roman" panose="02020603050405020304" pitchFamily="18" charset="0"/>
+                  </a:rPr>
+                  <a:t>Размеченный корпус документов состоит из произведений 5 авторов:</a:t>
+                </a:r>
+              </a:p>
+              <a:p>
+                <a:pPr>
+                  <a:lnSpc>
+                    <a:spcPct val="100000"/>
+                  </a:lnSpc>
+                </a:pPr>
+                <a:r>
+                  <a:rPr lang="ru-RU" sz="2400" dirty="0">
+                    <a:latin typeface="Times New Roman" panose="02020603050405020304" pitchFamily="18" charset="0"/>
+                    <a:cs typeface="Times New Roman" panose="02020603050405020304" pitchFamily="18" charset="0"/>
+                  </a:rPr>
+                  <a:t>Достоевский, Горький, Толстой, Тургенев, Чехов</a:t>
+                </a:r>
+              </a:p>
+              <a:p>
+                <a:pPr marL="0" indent="0">
+                  <a:lnSpc>
+                    <a:spcPct val="100000"/>
+                  </a:lnSpc>
+                  <a:buNone/>
+                </a:pPr>
+                <a:endParaRPr lang="ru-RU" sz="2400" dirty="0">
+                  <a:latin typeface="Times New Roman" panose="02020603050405020304" pitchFamily="18" charset="0"/>
+                  <a:cs typeface="Times New Roman" panose="02020603050405020304" pitchFamily="18" charset="0"/>
+                </a:endParaRPr>
+              </a:p>
+              <a:p>
+                <a:pPr marL="0" indent="0">
+                  <a:lnSpc>
+                    <a:spcPct val="100000"/>
+                  </a:lnSpc>
+                  <a:buNone/>
+                </a:pPr>
+                <a:r>
+                  <a:rPr lang="ru-RU" sz="2400" dirty="0">
+                    <a:latin typeface="Times New Roman" panose="02020603050405020304" pitchFamily="18" charset="0"/>
+                    <a:cs typeface="Times New Roman" panose="02020603050405020304" pitchFamily="18" charset="0"/>
+                  </a:rPr>
+                  <a:t>По 30 произведений каждого автора</a:t>
+                </a:r>
+              </a:p>
+              <a:p>
+                <a:pPr marL="0" indent="0">
+                  <a:lnSpc>
+                    <a:spcPct val="100000"/>
+                  </a:lnSpc>
+                  <a:buNone/>
+                </a:pPr>
+                <a:endParaRPr lang="ru-RU" sz="2400" dirty="0">
+                  <a:latin typeface="Times New Roman" panose="02020603050405020304" pitchFamily="18" charset="0"/>
+                  <a:cs typeface="Times New Roman" panose="02020603050405020304" pitchFamily="18" charset="0"/>
+                </a:endParaRPr>
+              </a:p>
+              <a:p>
+                <a:pPr marL="0" indent="0">
+                  <a:lnSpc>
+                    <a:spcPct val="100000"/>
+                  </a:lnSpc>
+                  <a:buNone/>
+                </a:pPr>
+                <a14:m>
+                  <m:oMath xmlns:m="http://schemas.openxmlformats.org/officeDocument/2006/math">
+                    <m:r>
+                      <a:rPr lang="en-US" sz="2400" i="1">
+                        <a:latin typeface="Cambria Math" panose="02040503050406030204" pitchFamily="18" charset="0"/>
+                        <a:cs typeface="Times New Roman" pitchFamily="18" charset="0"/>
+                      </a:rPr>
+                      <m:t>𝑁</m:t>
+                    </m:r>
+                    <m:r>
+                      <a:rPr lang="en-US" sz="2400" i="1">
+                        <a:latin typeface="Cambria Math" panose="02040503050406030204" pitchFamily="18" charset="0"/>
+                        <a:ea typeface="Cambria Math" panose="02040503050406030204" pitchFamily="18" charset="0"/>
+                        <a:cs typeface="Times New Roman" pitchFamily="18" charset="0"/>
+                      </a:rPr>
+                      <m:t>∈</m:t>
+                    </m:r>
+                  </m:oMath>
+                </a14:m>
+                <a:r>
+                  <a:rPr lang="en-US" sz="2400" dirty="0">
+                    <a:latin typeface="Times New Roman" pitchFamily="18" charset="0"/>
+                    <a:cs typeface="Times New Roman" pitchFamily="18" charset="0"/>
+                  </a:rPr>
+                  <a:t> [2, 6]</a:t>
+                </a:r>
+                <a:endParaRPr lang="ru-RU" sz="2400" dirty="0">
+                  <a:latin typeface="Times New Roman" pitchFamily="18" charset="0"/>
+                  <a:cs typeface="Times New Roman" pitchFamily="18" charset="0"/>
+                </a:endParaRPr>
+              </a:p>
+              <a:p>
+                <a:pPr marL="0" indent="0">
+                  <a:lnSpc>
+                    <a:spcPct val="100000"/>
+                  </a:lnSpc>
+                  <a:buNone/>
+                </a:pPr>
+                <a:endParaRPr lang="ru-RU" sz="2400" dirty="0">
+                  <a:latin typeface="Times New Roman" pitchFamily="18" charset="0"/>
+                  <a:cs typeface="Times New Roman" pitchFamily="18" charset="0"/>
+                </a:endParaRPr>
+              </a:p>
+              <a:p>
+                <a:pPr marL="0" indent="0">
+                  <a:lnSpc>
+                    <a:spcPct val="100000"/>
+                  </a:lnSpc>
+                  <a:buNone/>
+                </a:pPr>
+                <a:r>
+                  <a:rPr lang="ru-RU" sz="2400" dirty="0">
+                    <a:latin typeface="Times New Roman" pitchFamily="18" charset="0"/>
+                    <a:cs typeface="Times New Roman" pitchFamily="18" charset="0"/>
+                  </a:rPr>
+                  <a:t>Итог: </a:t>
+                </a:r>
+                <a:r>
+                  <a:rPr lang="en-US" sz="2400" dirty="0">
+                    <a:latin typeface="Times New Roman" pitchFamily="18" charset="0"/>
+                    <a:cs typeface="Times New Roman" pitchFamily="18" charset="0"/>
+                  </a:rPr>
+                  <a:t>5 </a:t>
+                </a:r>
+                <a:r>
+                  <a:rPr lang="ru-RU" sz="2400" dirty="0">
+                    <a:latin typeface="Times New Roman" pitchFamily="18" charset="0"/>
+                    <a:cs typeface="Times New Roman" pitchFamily="18" charset="0"/>
+                  </a:rPr>
+                  <a:t>выборок из 150 текстов, представленных в виде </a:t>
+                </a:r>
+                <a:r>
+                  <a:rPr lang="ru-RU" sz="2400" dirty="0" err="1">
+                    <a:latin typeface="Times New Roman" pitchFamily="18" charset="0"/>
+                    <a:cs typeface="Times New Roman" pitchFamily="18" charset="0"/>
+                  </a:rPr>
+                  <a:t>частеречных</a:t>
+                </a:r>
+                <a:r>
+                  <a:rPr lang="ru-RU" sz="2400" dirty="0">
+                    <a:latin typeface="Times New Roman" pitchFamily="18" charset="0"/>
+                    <a:cs typeface="Times New Roman" pitchFamily="18" charset="0"/>
+                  </a:rPr>
+                  <a:t> </a:t>
+                </a:r>
+                <a:r>
+                  <a:rPr lang="en-US" sz="2400" dirty="0">
+                    <a:latin typeface="Times New Roman" pitchFamily="18" charset="0"/>
+                    <a:cs typeface="Times New Roman" pitchFamily="18" charset="0"/>
+                  </a:rPr>
+                  <a:t>N-</a:t>
+                </a:r>
+                <a:r>
+                  <a:rPr lang="ru-RU" sz="2400" dirty="0">
+                    <a:latin typeface="Times New Roman" pitchFamily="18" charset="0"/>
+                    <a:cs typeface="Times New Roman" pitchFamily="18" charset="0"/>
+                  </a:rPr>
+                  <a:t>грамм</a:t>
+                </a:r>
+              </a:p>
+              <a:p>
+                <a:pPr marL="0" indent="0">
+                  <a:lnSpc>
+                    <a:spcPct val="100000"/>
+                  </a:lnSpc>
+                  <a:buNone/>
+                </a:pPr>
+                <a:endParaRPr lang="en-US" sz="2400" dirty="0">
+                  <a:latin typeface="Times New Roman" pitchFamily="18" charset="0"/>
+                  <a:cs typeface="Times New Roman" pitchFamily="18" charset="0"/>
+                </a:endParaRPr>
+              </a:p>
+              <a:p>
+                <a:pPr marL="0" indent="0">
+                  <a:lnSpc>
+                    <a:spcPct val="100000"/>
+                  </a:lnSpc>
+                  <a:buNone/>
+                </a:pPr>
+                <a:endParaRPr lang="ru-RU" sz="2400" dirty="0">
+                  <a:latin typeface="Times New Roman" panose="02020603050405020304" pitchFamily="18" charset="0"/>
+                  <a:cs typeface="Times New Roman" panose="02020603050405020304" pitchFamily="18" charset="0"/>
+                </a:endParaRPr>
+              </a:p>
+            </p:txBody>
+          </p:sp>
+        </mc:Choice>
+        <mc:Fallback xmlns="">
+          <p:sp>
+            <p:nvSpPr>
+              <p:cNvPr id="3" name="Объект 2">
+                <a:extLst>
+                  <a:ext uri="{FF2B5EF4-FFF2-40B4-BE49-F238E27FC236}">
+                    <a16:creationId xmlns:a16="http://schemas.microsoft.com/office/drawing/2014/main" id="{2CA1D980-884A-AD4A-A267-4009569FB9A9}"/>
+                  </a:ext>
+                </a:extLst>
+              </p:cNvPr>
+              <p:cNvSpPr>
+                <a:spLocks noGrp="1" noRot="1" noChangeAspect="1" noMove="1" noResize="1" noEditPoints="1" noAdjustHandles="1" noChangeArrowheads="1" noChangeShapeType="1" noTextEdit="1"/>
+              </p:cNvSpPr>
+              <p:nvPr>
+                <p:ph idx="1"/>
+              </p:nvPr>
+            </p:nvSpPr>
+            <p:spPr>
+              <a:xfrm>
+                <a:off x="419100" y="1520042"/>
+                <a:ext cx="5821680" cy="5201433"/>
+              </a:xfrm>
+              <a:blipFill>
+                <a:blip r:embed="rId3"/>
+                <a:stretch>
+                  <a:fillRect l="-1525" t="-1956"/>
+                </a:stretch>
+              </a:blipFill>
+            </p:spPr>
+            <p:txBody>
+              <a:bodyPr/>
+              <a:lstStyle/>
+              <a:p>
+                <a:r>
+                  <a:rPr lang="ru-RU">
+                    <a:noFill/>
+                  </a:rPr>
+                  <a:t> </a:t>
+                </a:r>
+              </a:p>
+            </p:txBody>
+          </p:sp>
+        </mc:Fallback>
+      </mc:AlternateContent>
+      <p:sp>
+        <p:nvSpPr>
+          <p:cNvPr id="5" name="Номер слайда 4">
+            <a:extLst>
+              <a:ext uri="{FF2B5EF4-FFF2-40B4-BE49-F238E27FC236}">
+                <a16:creationId xmlns:a16="http://schemas.microsoft.com/office/drawing/2014/main" id="{9F3495B7-380D-924A-86A4-09BFB46C044B}"/>
+              </a:ext>
+            </a:extLst>
+          </p:cNvPr>
+          <p:cNvSpPr>
+            <a:spLocks noGrp="1"/>
+          </p:cNvSpPr>
+          <p:nvPr>
+            <p:ph type="sldNum" sz="quarter" idx="12"/>
+          </p:nvPr>
+        </p:nvSpPr>
+        <p:spPr>
+          <a:xfrm>
+            <a:off x="8610600" y="6356350"/>
+            <a:ext cx="2743200" cy="365125"/>
+          </a:xfrm>
+        </p:spPr>
+        <p:txBody>
+          <a:bodyPr/>
+          <a:lstStyle/>
+          <a:p>
+            <a:fld id="{6BB697E3-DD58-B344-99E6-BC7A3ED9A2AD}" type="slidenum">
+              <a:rPr lang="ru-RU" sz="2400" smtClean="0">
+                <a:solidFill>
+                  <a:schemeClr val="tx1"/>
+                </a:solidFill>
+                <a:latin typeface="Times New Roman" panose="02020603050405020304" pitchFamily="18" charset="0"/>
+                <a:cs typeface="Times New Roman" panose="02020603050405020304" pitchFamily="18" charset="0"/>
+              </a:rPr>
+              <a:t>13</a:t>
+            </a:fld>
+            <a:endParaRPr lang="ru-RU" sz="2400" dirty="0">
+              <a:solidFill>
+                <a:schemeClr val="tx1"/>
+              </a:solidFill>
+              <a:latin typeface="Times New Roman" panose="02020603050405020304" pitchFamily="18" charset="0"/>
+              <a:cs typeface="Times New Roman" panose="02020603050405020304" pitchFamily="18" charset="0"/>
+            </a:endParaRPr>
+          </a:p>
+        </p:txBody>
+      </p:sp>
+      <p:graphicFrame>
+        <p:nvGraphicFramePr>
+          <p:cNvPr id="4" name="Таблица 3">
+            <a:extLst>
+              <a:ext uri="{FF2B5EF4-FFF2-40B4-BE49-F238E27FC236}">
+                <a16:creationId xmlns:a16="http://schemas.microsoft.com/office/drawing/2014/main" id="{C6169070-1989-4244-9C92-9AEC02EB8804}"/>
+              </a:ext>
+            </a:extLst>
+          </p:cNvPr>
+          <p:cNvGraphicFramePr>
+            <a:graphicFrameLocks noGrp="1"/>
+          </p:cNvGraphicFramePr>
+          <p:nvPr>
+            <p:extLst>
+              <p:ext uri="{D42A27DB-BD31-4B8C-83A1-F6EECF244321}">
+                <p14:modId xmlns:p14="http://schemas.microsoft.com/office/powerpoint/2010/main" val="821766391"/>
+              </p:ext>
+            </p:extLst>
+          </p:nvPr>
+        </p:nvGraphicFramePr>
+        <p:xfrm>
+          <a:off x="6607572" y="2256524"/>
+          <a:ext cx="4765031" cy="3004244"/>
+        </p:xfrm>
+        <a:graphic>
+          <a:graphicData uri="http://schemas.openxmlformats.org/drawingml/2006/table">
+            <a:tbl>
+              <a:tblPr firstRow="1" firstCol="1" bandRow="1">
+                <a:tableStyleId>{5940675A-B579-460E-94D1-54222C63F5DA}</a:tableStyleId>
+              </a:tblPr>
+              <a:tblGrid>
+                <a:gridCol w="1438950">
+                  <a:extLst>
+                    <a:ext uri="{9D8B030D-6E8A-4147-A177-3AD203B41FA5}">
+                      <a16:colId xmlns:a16="http://schemas.microsoft.com/office/drawing/2014/main" val="176708557"/>
+                    </a:ext>
+                  </a:extLst>
+                </a:gridCol>
+                <a:gridCol w="3326081">
+                  <a:extLst>
+                    <a:ext uri="{9D8B030D-6E8A-4147-A177-3AD203B41FA5}">
+                      <a16:colId xmlns:a16="http://schemas.microsoft.com/office/drawing/2014/main" val="2327730402"/>
+                    </a:ext>
+                  </a:extLst>
+                </a:gridCol>
+              </a:tblGrid>
+              <a:tr h="894449">
+                <a:tc>
+                  <a:txBody>
+                    <a:bodyPr/>
+                    <a:lstStyle/>
+                    <a:p>
+                      <a:pPr algn="l">
+                        <a:lnSpc>
+                          <a:spcPct val="150000"/>
+                        </a:lnSpc>
+                        <a:spcAft>
+                          <a:spcPts val="0"/>
+                        </a:spcAft>
+                      </a:pPr>
+                      <a:r>
+                        <a:rPr lang="ru-RU" sz="1800" dirty="0">
+                          <a:effectLst/>
+                          <a:latin typeface="Times New Roman" panose="02020603050405020304" pitchFamily="18" charset="0"/>
+                          <a:cs typeface="Times New Roman" panose="02020603050405020304" pitchFamily="18" charset="0"/>
+                        </a:rPr>
+                        <a:t>Значение </a:t>
+                      </a:r>
+                      <a:r>
+                        <a:rPr lang="en-US" sz="1800" dirty="0">
+                          <a:effectLst/>
+                          <a:latin typeface="Times New Roman" panose="02020603050405020304" pitchFamily="18" charset="0"/>
+                          <a:cs typeface="Times New Roman" panose="02020603050405020304" pitchFamily="18" charset="0"/>
+                        </a:rPr>
+                        <a:t>N</a:t>
+                      </a:r>
+                      <a:endParaRPr lang="ru-RU" sz="1600" dirty="0">
+                        <a:effectLst/>
+                        <a:latin typeface="Times New Roman" panose="02020603050405020304" pitchFamily="18" charset="0"/>
+                        <a:ea typeface="Times New Roman" panose="02020603050405020304" pitchFamily="18" charset="0"/>
+                        <a:cs typeface="Times New Roman" panose="02020603050405020304" pitchFamily="18" charset="0"/>
+                      </a:endParaRPr>
+                    </a:p>
+                  </a:txBody>
+                  <a:tcPr marL="68580" marR="68580" marT="0" marB="0"/>
+                </a:tc>
+                <a:tc>
+                  <a:txBody>
+                    <a:bodyPr/>
+                    <a:lstStyle/>
+                    <a:p>
+                      <a:pPr algn="l">
+                        <a:lnSpc>
+                          <a:spcPct val="150000"/>
+                        </a:lnSpc>
+                        <a:spcAft>
+                          <a:spcPts val="0"/>
+                        </a:spcAft>
+                      </a:pPr>
+                      <a:r>
+                        <a:rPr lang="ru-RU" sz="1800" dirty="0">
+                          <a:effectLst/>
+                          <a:latin typeface="Times New Roman" panose="02020603050405020304" pitchFamily="18" charset="0"/>
+                          <a:cs typeface="Times New Roman" panose="02020603050405020304" pitchFamily="18" charset="0"/>
+                        </a:rPr>
+                        <a:t>Объём корпуса </a:t>
+                      </a:r>
+                      <a:br>
+                        <a:rPr lang="ru-RU" sz="1800" dirty="0">
+                          <a:effectLst/>
+                          <a:latin typeface="Times New Roman" panose="02020603050405020304" pitchFamily="18" charset="0"/>
+                          <a:cs typeface="Times New Roman" panose="02020603050405020304" pitchFamily="18" charset="0"/>
+                        </a:rPr>
+                      </a:br>
+                      <a:r>
+                        <a:rPr lang="ru-RU" sz="1800" dirty="0">
+                          <a:effectLst/>
+                          <a:latin typeface="Times New Roman" panose="02020603050405020304" pitchFamily="18" charset="0"/>
+                          <a:cs typeface="Times New Roman" panose="02020603050405020304" pitchFamily="18" charset="0"/>
+                        </a:rPr>
+                        <a:t>(количество </a:t>
+                      </a:r>
+                      <a:r>
+                        <a:rPr lang="en-US" sz="1800" dirty="0">
+                          <a:effectLst/>
+                          <a:latin typeface="Times New Roman" panose="02020603050405020304" pitchFamily="18" charset="0"/>
+                          <a:cs typeface="Times New Roman" panose="02020603050405020304" pitchFamily="18" charset="0"/>
+                        </a:rPr>
+                        <a:t>N</a:t>
+                      </a:r>
+                      <a:r>
+                        <a:rPr lang="ru-RU" sz="1800" dirty="0">
+                          <a:effectLst/>
+                          <a:latin typeface="Times New Roman" panose="02020603050405020304" pitchFamily="18" charset="0"/>
+                          <a:cs typeface="Times New Roman" panose="02020603050405020304" pitchFamily="18" charset="0"/>
+                        </a:rPr>
+                        <a:t>-грамм)</a:t>
+                      </a:r>
+                      <a:endParaRPr lang="ru-RU" sz="1600" dirty="0">
+                        <a:effectLst/>
+                        <a:latin typeface="Times New Roman" panose="02020603050405020304" pitchFamily="18" charset="0"/>
+                        <a:ea typeface="Times New Roman" panose="02020603050405020304" pitchFamily="18" charset="0"/>
+                        <a:cs typeface="Times New Roman" panose="02020603050405020304" pitchFamily="18" charset="0"/>
+                      </a:endParaRPr>
+                    </a:p>
+                  </a:txBody>
+                  <a:tcPr marL="68580" marR="68580" marT="0" marB="0"/>
+                </a:tc>
+                <a:extLst>
+                  <a:ext uri="{0D108BD9-81ED-4DB2-BD59-A6C34878D82A}">
+                    <a16:rowId xmlns:a16="http://schemas.microsoft.com/office/drawing/2014/main" val="556798136"/>
+                  </a:ext>
+                </a:extLst>
+              </a:tr>
+              <a:tr h="421959">
+                <a:tc>
+                  <a:txBody>
+                    <a:bodyPr/>
+                    <a:lstStyle/>
+                    <a:p>
+                      <a:pPr algn="just">
+                        <a:lnSpc>
+                          <a:spcPct val="150000"/>
+                        </a:lnSpc>
+                        <a:spcAft>
+                          <a:spcPts val="0"/>
+                        </a:spcAft>
+                      </a:pPr>
+                      <a:r>
+                        <a:rPr lang="ru-RU" sz="1800">
+                          <a:effectLst/>
+                          <a:latin typeface="Times New Roman" panose="02020603050405020304" pitchFamily="18" charset="0"/>
+                          <a:cs typeface="Times New Roman" panose="02020603050405020304" pitchFamily="18" charset="0"/>
+                        </a:rPr>
+                        <a:t>2</a:t>
+                      </a:r>
+                      <a:endParaRPr lang="ru-RU" sz="1600">
+                        <a:effectLst/>
+                        <a:latin typeface="Times New Roman" panose="02020603050405020304" pitchFamily="18" charset="0"/>
+                        <a:ea typeface="Times New Roman" panose="02020603050405020304" pitchFamily="18" charset="0"/>
+                        <a:cs typeface="Times New Roman" panose="02020603050405020304" pitchFamily="18" charset="0"/>
+                      </a:endParaRPr>
+                    </a:p>
+                  </a:txBody>
+                  <a:tcPr marL="68580" marR="68580" marT="0" marB="0"/>
+                </a:tc>
+                <a:tc>
+                  <a:txBody>
+                    <a:bodyPr/>
+                    <a:lstStyle/>
+                    <a:p>
+                      <a:pPr algn="just">
+                        <a:lnSpc>
+                          <a:spcPct val="150000"/>
+                        </a:lnSpc>
+                        <a:spcAft>
+                          <a:spcPts val="0"/>
+                        </a:spcAft>
+                      </a:pPr>
+                      <a:r>
+                        <a:rPr lang="ru-RU" sz="1800" dirty="0">
+                          <a:effectLst/>
+                          <a:latin typeface="Times New Roman" panose="02020603050405020304" pitchFamily="18" charset="0"/>
+                          <a:cs typeface="Times New Roman" panose="02020603050405020304" pitchFamily="18" charset="0"/>
+                        </a:rPr>
+                        <a:t>2</a:t>
+                      </a:r>
+                      <a:r>
+                        <a:rPr lang="en-US" sz="1800" dirty="0">
+                          <a:effectLst/>
+                          <a:latin typeface="Times New Roman" panose="02020603050405020304" pitchFamily="18" charset="0"/>
+                          <a:cs typeface="Times New Roman" panose="02020603050405020304" pitchFamily="18" charset="0"/>
+                        </a:rPr>
+                        <a:t> </a:t>
+                      </a:r>
+                      <a:r>
+                        <a:rPr lang="ru-RU" sz="1800" dirty="0">
+                          <a:effectLst/>
+                          <a:latin typeface="Times New Roman" panose="02020603050405020304" pitchFamily="18" charset="0"/>
+                          <a:cs typeface="Times New Roman" panose="02020603050405020304" pitchFamily="18" charset="0"/>
+                        </a:rPr>
+                        <a:t>972</a:t>
+                      </a:r>
+                      <a:r>
+                        <a:rPr lang="en-US" sz="1800" dirty="0">
+                          <a:effectLst/>
+                          <a:latin typeface="Times New Roman" panose="02020603050405020304" pitchFamily="18" charset="0"/>
+                          <a:cs typeface="Times New Roman" panose="02020603050405020304" pitchFamily="18" charset="0"/>
+                        </a:rPr>
+                        <a:t> </a:t>
+                      </a:r>
+                      <a:r>
+                        <a:rPr lang="ru-RU" sz="1800" dirty="0">
+                          <a:effectLst/>
+                          <a:latin typeface="Times New Roman" panose="02020603050405020304" pitchFamily="18" charset="0"/>
+                          <a:cs typeface="Times New Roman" panose="02020603050405020304" pitchFamily="18" charset="0"/>
+                        </a:rPr>
+                        <a:t>956</a:t>
+                      </a:r>
+                      <a:endParaRPr lang="ru-RU" sz="1600" dirty="0">
+                        <a:effectLst/>
+                        <a:latin typeface="Times New Roman" panose="02020603050405020304" pitchFamily="18" charset="0"/>
+                        <a:ea typeface="Times New Roman" panose="02020603050405020304" pitchFamily="18" charset="0"/>
+                        <a:cs typeface="Times New Roman" panose="02020603050405020304" pitchFamily="18" charset="0"/>
+                      </a:endParaRPr>
+                    </a:p>
+                  </a:txBody>
+                  <a:tcPr marL="68580" marR="68580" marT="0" marB="0"/>
+                </a:tc>
+                <a:extLst>
+                  <a:ext uri="{0D108BD9-81ED-4DB2-BD59-A6C34878D82A}">
+                    <a16:rowId xmlns:a16="http://schemas.microsoft.com/office/drawing/2014/main" val="1808409169"/>
+                  </a:ext>
+                </a:extLst>
+              </a:tr>
+              <a:tr h="421959">
+                <a:tc>
+                  <a:txBody>
+                    <a:bodyPr/>
+                    <a:lstStyle/>
+                    <a:p>
+                      <a:pPr algn="just">
+                        <a:lnSpc>
+                          <a:spcPct val="150000"/>
+                        </a:lnSpc>
+                        <a:spcAft>
+                          <a:spcPts val="0"/>
+                        </a:spcAft>
+                      </a:pPr>
+                      <a:r>
+                        <a:rPr lang="ru-RU" sz="1800">
+                          <a:effectLst/>
+                          <a:latin typeface="Times New Roman" panose="02020603050405020304" pitchFamily="18" charset="0"/>
+                          <a:cs typeface="Times New Roman" panose="02020603050405020304" pitchFamily="18" charset="0"/>
+                        </a:rPr>
+                        <a:t>3</a:t>
+                      </a:r>
+                      <a:endParaRPr lang="ru-RU" sz="1600">
+                        <a:effectLst/>
+                        <a:latin typeface="Times New Roman" panose="02020603050405020304" pitchFamily="18" charset="0"/>
+                        <a:ea typeface="Times New Roman" panose="02020603050405020304" pitchFamily="18" charset="0"/>
+                        <a:cs typeface="Times New Roman" panose="02020603050405020304" pitchFamily="18" charset="0"/>
+                      </a:endParaRPr>
+                    </a:p>
+                  </a:txBody>
+                  <a:tcPr marL="68580" marR="68580" marT="0" marB="0"/>
+                </a:tc>
+                <a:tc>
+                  <a:txBody>
+                    <a:bodyPr/>
+                    <a:lstStyle/>
+                    <a:p>
+                      <a:pPr algn="just">
+                        <a:lnSpc>
+                          <a:spcPct val="150000"/>
+                        </a:lnSpc>
+                        <a:spcAft>
+                          <a:spcPts val="0"/>
+                        </a:spcAft>
+                      </a:pPr>
+                      <a:r>
+                        <a:rPr lang="ru-RU" sz="1800" dirty="0">
+                          <a:effectLst/>
+                          <a:latin typeface="Times New Roman" panose="02020603050405020304" pitchFamily="18" charset="0"/>
+                          <a:cs typeface="Times New Roman" panose="02020603050405020304" pitchFamily="18" charset="0"/>
+                        </a:rPr>
+                        <a:t>2</a:t>
+                      </a:r>
+                      <a:r>
+                        <a:rPr lang="en-US" sz="1800" dirty="0">
+                          <a:effectLst/>
+                          <a:latin typeface="Times New Roman" panose="02020603050405020304" pitchFamily="18" charset="0"/>
+                          <a:cs typeface="Times New Roman" panose="02020603050405020304" pitchFamily="18" charset="0"/>
+                        </a:rPr>
+                        <a:t> </a:t>
+                      </a:r>
+                      <a:r>
+                        <a:rPr lang="ru-RU" sz="1800" dirty="0">
+                          <a:effectLst/>
+                          <a:latin typeface="Times New Roman" panose="02020603050405020304" pitchFamily="18" charset="0"/>
+                          <a:cs typeface="Times New Roman" panose="02020603050405020304" pitchFamily="18" charset="0"/>
+                        </a:rPr>
+                        <a:t>789</a:t>
+                      </a:r>
+                      <a:r>
+                        <a:rPr lang="en-US" sz="1800" dirty="0">
+                          <a:effectLst/>
+                          <a:latin typeface="Times New Roman" panose="02020603050405020304" pitchFamily="18" charset="0"/>
+                          <a:cs typeface="Times New Roman" panose="02020603050405020304" pitchFamily="18" charset="0"/>
+                        </a:rPr>
+                        <a:t> </a:t>
+                      </a:r>
+                      <a:r>
+                        <a:rPr lang="ru-RU" sz="1800" dirty="0">
+                          <a:effectLst/>
+                          <a:latin typeface="Times New Roman" panose="02020603050405020304" pitchFamily="18" charset="0"/>
+                          <a:cs typeface="Times New Roman" panose="02020603050405020304" pitchFamily="18" charset="0"/>
+                        </a:rPr>
+                        <a:t>053</a:t>
+                      </a:r>
+                      <a:endParaRPr lang="ru-RU" sz="1600" dirty="0">
+                        <a:effectLst/>
+                        <a:latin typeface="Times New Roman" panose="02020603050405020304" pitchFamily="18" charset="0"/>
+                        <a:ea typeface="Times New Roman" panose="02020603050405020304" pitchFamily="18" charset="0"/>
+                        <a:cs typeface="Times New Roman" panose="02020603050405020304" pitchFamily="18" charset="0"/>
+                      </a:endParaRPr>
+                    </a:p>
+                  </a:txBody>
+                  <a:tcPr marL="68580" marR="68580" marT="0" marB="0"/>
+                </a:tc>
+                <a:extLst>
+                  <a:ext uri="{0D108BD9-81ED-4DB2-BD59-A6C34878D82A}">
+                    <a16:rowId xmlns:a16="http://schemas.microsoft.com/office/drawing/2014/main" val="2648008652"/>
+                  </a:ext>
+                </a:extLst>
+              </a:tr>
+              <a:tr h="421959">
+                <a:tc>
+                  <a:txBody>
+                    <a:bodyPr/>
+                    <a:lstStyle/>
+                    <a:p>
+                      <a:pPr algn="just">
+                        <a:lnSpc>
+                          <a:spcPct val="150000"/>
+                        </a:lnSpc>
+                        <a:spcAft>
+                          <a:spcPts val="0"/>
+                        </a:spcAft>
+                      </a:pPr>
+                      <a:r>
+                        <a:rPr lang="ru-RU" sz="1800">
+                          <a:effectLst/>
+                          <a:latin typeface="Times New Roman" panose="02020603050405020304" pitchFamily="18" charset="0"/>
+                          <a:cs typeface="Times New Roman" panose="02020603050405020304" pitchFamily="18" charset="0"/>
+                        </a:rPr>
+                        <a:t>4</a:t>
+                      </a:r>
+                      <a:endParaRPr lang="ru-RU" sz="1600">
+                        <a:effectLst/>
+                        <a:latin typeface="Times New Roman" panose="02020603050405020304" pitchFamily="18" charset="0"/>
+                        <a:ea typeface="Times New Roman" panose="02020603050405020304" pitchFamily="18" charset="0"/>
+                        <a:cs typeface="Times New Roman" panose="02020603050405020304" pitchFamily="18" charset="0"/>
+                      </a:endParaRPr>
+                    </a:p>
+                  </a:txBody>
+                  <a:tcPr marL="68580" marR="68580" marT="0" marB="0"/>
+                </a:tc>
+                <a:tc>
+                  <a:txBody>
+                    <a:bodyPr/>
+                    <a:lstStyle/>
+                    <a:p>
+                      <a:pPr algn="just">
+                        <a:lnSpc>
+                          <a:spcPct val="150000"/>
+                        </a:lnSpc>
+                        <a:spcAft>
+                          <a:spcPts val="0"/>
+                        </a:spcAft>
+                      </a:pPr>
+                      <a:r>
+                        <a:rPr lang="ru-RU" sz="1800" dirty="0">
+                          <a:effectLst/>
+                          <a:latin typeface="Times New Roman" panose="02020603050405020304" pitchFamily="18" charset="0"/>
+                          <a:cs typeface="Times New Roman" panose="02020603050405020304" pitchFamily="18" charset="0"/>
+                        </a:rPr>
+                        <a:t>2</a:t>
+                      </a:r>
+                      <a:r>
+                        <a:rPr lang="en-US" sz="1800" dirty="0">
+                          <a:effectLst/>
+                          <a:latin typeface="Times New Roman" panose="02020603050405020304" pitchFamily="18" charset="0"/>
+                          <a:cs typeface="Times New Roman" panose="02020603050405020304" pitchFamily="18" charset="0"/>
+                        </a:rPr>
+                        <a:t> </a:t>
+                      </a:r>
+                      <a:r>
+                        <a:rPr lang="ru-RU" sz="1800" dirty="0">
+                          <a:effectLst/>
+                          <a:latin typeface="Times New Roman" panose="02020603050405020304" pitchFamily="18" charset="0"/>
+                          <a:cs typeface="Times New Roman" panose="02020603050405020304" pitchFamily="18" charset="0"/>
+                        </a:rPr>
+                        <a:t>606</a:t>
+                      </a:r>
+                      <a:r>
+                        <a:rPr lang="en-US" sz="1800" dirty="0">
+                          <a:effectLst/>
+                          <a:latin typeface="Times New Roman" panose="02020603050405020304" pitchFamily="18" charset="0"/>
+                          <a:cs typeface="Times New Roman" panose="02020603050405020304" pitchFamily="18" charset="0"/>
+                        </a:rPr>
+                        <a:t> </a:t>
+                      </a:r>
+                      <a:r>
+                        <a:rPr lang="ru-RU" sz="1800" dirty="0">
+                          <a:effectLst/>
+                          <a:latin typeface="Times New Roman" panose="02020603050405020304" pitchFamily="18" charset="0"/>
+                          <a:cs typeface="Times New Roman" panose="02020603050405020304" pitchFamily="18" charset="0"/>
+                        </a:rPr>
+                        <a:t>454</a:t>
+                      </a:r>
+                      <a:endParaRPr lang="ru-RU" sz="1600" dirty="0">
+                        <a:effectLst/>
+                        <a:latin typeface="Times New Roman" panose="02020603050405020304" pitchFamily="18" charset="0"/>
+                        <a:ea typeface="Times New Roman" panose="02020603050405020304" pitchFamily="18" charset="0"/>
+                        <a:cs typeface="Times New Roman" panose="02020603050405020304" pitchFamily="18" charset="0"/>
+                      </a:endParaRPr>
+                    </a:p>
+                  </a:txBody>
+                  <a:tcPr marL="68580" marR="68580" marT="0" marB="0"/>
+                </a:tc>
+                <a:extLst>
+                  <a:ext uri="{0D108BD9-81ED-4DB2-BD59-A6C34878D82A}">
+                    <a16:rowId xmlns:a16="http://schemas.microsoft.com/office/drawing/2014/main" val="2589470210"/>
+                  </a:ext>
+                </a:extLst>
+              </a:tr>
+              <a:tr h="421959">
+                <a:tc>
+                  <a:txBody>
+                    <a:bodyPr/>
+                    <a:lstStyle/>
+                    <a:p>
+                      <a:pPr algn="just">
+                        <a:lnSpc>
+                          <a:spcPct val="150000"/>
+                        </a:lnSpc>
+                        <a:spcAft>
+                          <a:spcPts val="0"/>
+                        </a:spcAft>
+                      </a:pPr>
+                      <a:r>
+                        <a:rPr lang="ru-RU" sz="1800">
+                          <a:effectLst/>
+                          <a:latin typeface="Times New Roman" panose="02020603050405020304" pitchFamily="18" charset="0"/>
+                          <a:cs typeface="Times New Roman" panose="02020603050405020304" pitchFamily="18" charset="0"/>
+                        </a:rPr>
+                        <a:t>5</a:t>
+                      </a:r>
+                      <a:endParaRPr lang="ru-RU" sz="1600">
+                        <a:effectLst/>
+                        <a:latin typeface="Times New Roman" panose="02020603050405020304" pitchFamily="18" charset="0"/>
+                        <a:ea typeface="Times New Roman" panose="02020603050405020304" pitchFamily="18" charset="0"/>
+                        <a:cs typeface="Times New Roman" panose="02020603050405020304" pitchFamily="18" charset="0"/>
+                      </a:endParaRPr>
+                    </a:p>
+                  </a:txBody>
+                  <a:tcPr marL="68580" marR="68580" marT="0" marB="0"/>
+                </a:tc>
+                <a:tc>
+                  <a:txBody>
+                    <a:bodyPr/>
+                    <a:lstStyle/>
+                    <a:p>
+                      <a:pPr algn="just">
+                        <a:lnSpc>
+                          <a:spcPct val="150000"/>
+                        </a:lnSpc>
+                        <a:spcAft>
+                          <a:spcPts val="0"/>
+                        </a:spcAft>
+                      </a:pPr>
+                      <a:r>
+                        <a:rPr lang="ru-RU" sz="1800" dirty="0">
+                          <a:effectLst/>
+                          <a:latin typeface="Times New Roman" panose="02020603050405020304" pitchFamily="18" charset="0"/>
+                          <a:cs typeface="Times New Roman" panose="02020603050405020304" pitchFamily="18" charset="0"/>
+                        </a:rPr>
+                        <a:t>2</a:t>
+                      </a:r>
+                      <a:r>
+                        <a:rPr lang="en-US" sz="1800" dirty="0">
+                          <a:effectLst/>
+                          <a:latin typeface="Times New Roman" panose="02020603050405020304" pitchFamily="18" charset="0"/>
+                          <a:cs typeface="Times New Roman" panose="02020603050405020304" pitchFamily="18" charset="0"/>
+                        </a:rPr>
+                        <a:t> </a:t>
+                      </a:r>
+                      <a:r>
+                        <a:rPr lang="ru-RU" sz="1800" dirty="0">
+                          <a:effectLst/>
+                          <a:latin typeface="Times New Roman" panose="02020603050405020304" pitchFamily="18" charset="0"/>
+                          <a:cs typeface="Times New Roman" panose="02020603050405020304" pitchFamily="18" charset="0"/>
+                        </a:rPr>
+                        <a:t>429</a:t>
+                      </a:r>
+                      <a:r>
+                        <a:rPr lang="en-US" sz="1800" dirty="0">
+                          <a:effectLst/>
+                          <a:latin typeface="Times New Roman" panose="02020603050405020304" pitchFamily="18" charset="0"/>
+                          <a:cs typeface="Times New Roman" panose="02020603050405020304" pitchFamily="18" charset="0"/>
+                        </a:rPr>
+                        <a:t> </a:t>
+                      </a:r>
+                      <a:r>
+                        <a:rPr lang="ru-RU" sz="1800" dirty="0">
+                          <a:effectLst/>
+                          <a:latin typeface="Times New Roman" panose="02020603050405020304" pitchFamily="18" charset="0"/>
+                          <a:cs typeface="Times New Roman" panose="02020603050405020304" pitchFamily="18" charset="0"/>
+                        </a:rPr>
+                        <a:t>961</a:t>
+                      </a:r>
+                      <a:endParaRPr lang="ru-RU" sz="1600" dirty="0">
+                        <a:effectLst/>
+                        <a:latin typeface="Times New Roman" panose="02020603050405020304" pitchFamily="18" charset="0"/>
+                        <a:ea typeface="Times New Roman" panose="02020603050405020304" pitchFamily="18" charset="0"/>
+                        <a:cs typeface="Times New Roman" panose="02020603050405020304" pitchFamily="18" charset="0"/>
+                      </a:endParaRPr>
+                    </a:p>
+                  </a:txBody>
+                  <a:tcPr marL="68580" marR="68580" marT="0" marB="0"/>
+                </a:tc>
+                <a:extLst>
+                  <a:ext uri="{0D108BD9-81ED-4DB2-BD59-A6C34878D82A}">
+                    <a16:rowId xmlns:a16="http://schemas.microsoft.com/office/drawing/2014/main" val="2074651187"/>
+                  </a:ext>
+                </a:extLst>
+              </a:tr>
+              <a:tr h="421959">
+                <a:tc>
+                  <a:txBody>
+                    <a:bodyPr/>
+                    <a:lstStyle/>
+                    <a:p>
+                      <a:pPr algn="just">
+                        <a:lnSpc>
+                          <a:spcPct val="150000"/>
+                        </a:lnSpc>
+                        <a:spcAft>
+                          <a:spcPts val="0"/>
+                        </a:spcAft>
+                      </a:pPr>
+                      <a:r>
+                        <a:rPr lang="ru-RU" sz="1800">
+                          <a:effectLst/>
+                          <a:latin typeface="Times New Roman" panose="02020603050405020304" pitchFamily="18" charset="0"/>
+                          <a:cs typeface="Times New Roman" panose="02020603050405020304" pitchFamily="18" charset="0"/>
+                        </a:rPr>
+                        <a:t>6</a:t>
+                      </a:r>
+                      <a:endParaRPr lang="ru-RU" sz="1600">
+                        <a:effectLst/>
+                        <a:latin typeface="Times New Roman" panose="02020603050405020304" pitchFamily="18" charset="0"/>
+                        <a:ea typeface="Times New Roman" panose="02020603050405020304" pitchFamily="18" charset="0"/>
+                        <a:cs typeface="Times New Roman" panose="02020603050405020304" pitchFamily="18" charset="0"/>
+                      </a:endParaRPr>
+                    </a:p>
+                  </a:txBody>
+                  <a:tcPr marL="68580" marR="68580" marT="0" marB="0"/>
+                </a:tc>
+                <a:tc>
+                  <a:txBody>
+                    <a:bodyPr/>
+                    <a:lstStyle/>
+                    <a:p>
+                      <a:pPr algn="just">
+                        <a:lnSpc>
+                          <a:spcPct val="150000"/>
+                        </a:lnSpc>
+                        <a:spcAft>
+                          <a:spcPts val="0"/>
+                        </a:spcAft>
+                      </a:pPr>
+                      <a:r>
+                        <a:rPr lang="ru-RU" sz="1800" dirty="0">
+                          <a:effectLst/>
+                          <a:latin typeface="Times New Roman" panose="02020603050405020304" pitchFamily="18" charset="0"/>
+                          <a:cs typeface="Times New Roman" panose="02020603050405020304" pitchFamily="18" charset="0"/>
+                        </a:rPr>
+                        <a:t>2</a:t>
+                      </a:r>
+                      <a:r>
+                        <a:rPr lang="en-US" sz="1800" dirty="0">
+                          <a:effectLst/>
+                          <a:latin typeface="Times New Roman" panose="02020603050405020304" pitchFamily="18" charset="0"/>
+                          <a:cs typeface="Times New Roman" panose="02020603050405020304" pitchFamily="18" charset="0"/>
+                        </a:rPr>
+                        <a:t> </a:t>
+                      </a:r>
+                      <a:r>
+                        <a:rPr lang="ru-RU" sz="1800" dirty="0">
+                          <a:effectLst/>
+                          <a:latin typeface="Times New Roman" panose="02020603050405020304" pitchFamily="18" charset="0"/>
+                          <a:cs typeface="Times New Roman" panose="02020603050405020304" pitchFamily="18" charset="0"/>
+                        </a:rPr>
+                        <a:t>264</a:t>
+                      </a:r>
+                      <a:r>
+                        <a:rPr lang="en-US" sz="1800" dirty="0">
+                          <a:effectLst/>
+                          <a:latin typeface="Times New Roman" panose="02020603050405020304" pitchFamily="18" charset="0"/>
+                          <a:cs typeface="Times New Roman" panose="02020603050405020304" pitchFamily="18" charset="0"/>
+                        </a:rPr>
+                        <a:t> </a:t>
+                      </a:r>
+                      <a:r>
+                        <a:rPr lang="ru-RU" sz="1800" dirty="0">
+                          <a:effectLst/>
+                          <a:latin typeface="Times New Roman" panose="02020603050405020304" pitchFamily="18" charset="0"/>
+                          <a:cs typeface="Times New Roman" panose="02020603050405020304" pitchFamily="18" charset="0"/>
+                        </a:rPr>
+                        <a:t>315</a:t>
+                      </a:r>
+                    </a:p>
+                  </a:txBody>
+                  <a:tcPr marL="68580" marR="68580" marT="0" marB="0"/>
+                </a:tc>
+                <a:extLst>
+                  <a:ext uri="{0D108BD9-81ED-4DB2-BD59-A6C34878D82A}">
+                    <a16:rowId xmlns:a16="http://schemas.microsoft.com/office/drawing/2014/main" val="1704411555"/>
+                  </a:ext>
+                </a:extLst>
+              </a:tr>
+            </a:tbl>
+          </a:graphicData>
+        </a:graphic>
+      </p:graphicFrame>
+    </p:spTree>
+    <p:extLst>
+      <p:ext uri="{BB962C8B-B14F-4D97-AF65-F5344CB8AC3E}">
+        <p14:creationId xmlns:p14="http://schemas.microsoft.com/office/powerpoint/2010/main" val="1270335204"/>
       </p:ext>
     </p:extLst>
   </p:cSld>
@@ -6819,46 +6553,11 @@
                 <a:latin typeface="Times New Roman" panose="02020603050405020304" pitchFamily="18" charset="0"/>
                 <a:cs typeface="Times New Roman" panose="02020603050405020304" pitchFamily="18" charset="0"/>
               </a:rPr>
-              <a:t>Функциональная модель метода классификации</a:t>
-            </a:r>
-          </a:p>
-        </p:txBody>
-      </p:sp>
-      <p:pic>
-        <p:nvPicPr>
-          <p:cNvPr id="6" name="Объект 5">
-            <a:extLst>
-              <a:ext uri="{FF2B5EF4-FFF2-40B4-BE49-F238E27FC236}">
-                <a16:creationId xmlns:a16="http://schemas.microsoft.com/office/drawing/2014/main" id="{D6C52BFF-1998-B949-836D-5E8B4638CD4E}"/>
-              </a:ext>
-            </a:extLst>
-          </p:cNvPr>
-          <p:cNvPicPr>
-            <a:picLocks noGrp="1" noChangeAspect="1"/>
-          </p:cNvPicPr>
-          <p:nvPr>
-            <p:ph idx="1"/>
-          </p:nvPr>
-        </p:nvPicPr>
-        <p:blipFill>
-          <a:blip r:embed="rId2">
-            <a:extLst>
-              <a:ext uri="{28A0092B-C50C-407E-A947-70E740481C1C}">
-                <a14:useLocalDpi xmlns:a14="http://schemas.microsoft.com/office/drawing/2010/main" val="0"/>
-              </a:ext>
-            </a:extLst>
-          </a:blip>
-          <a:stretch>
-            <a:fillRect/>
-          </a:stretch>
-        </p:blipFill>
-        <p:spPr>
-          <a:xfrm>
-            <a:off x="1817618" y="1825625"/>
-            <a:ext cx="8969513" cy="4724400"/>
-          </a:xfrm>
-        </p:spPr>
-      </p:pic>
+              <a:t>Структура ПО</a:t>
+            </a:r>
+          </a:p>
+        </p:txBody>
+      </p:sp>
       <p:sp>
         <p:nvSpPr>
           <p:cNvPr id="4" name="Номер слайда 3">
@@ -6901,10 +6600,46 @@
           </a:p>
         </p:txBody>
       </p:sp>
+      <p:pic>
+        <p:nvPicPr>
+          <p:cNvPr id="8" name="Рисунок 7">
+            <a:extLst>
+              <a:ext uri="{FF2B5EF4-FFF2-40B4-BE49-F238E27FC236}">
+                <a16:creationId xmlns:a16="http://schemas.microsoft.com/office/drawing/2014/main" id="{DA1A6480-0195-1849-A4E1-798E31807000}"/>
+              </a:ext>
+            </a:extLst>
+          </p:cNvPr>
+          <p:cNvPicPr>
+            <a:picLocks noChangeAspect="1"/>
+          </p:cNvPicPr>
+          <p:nvPr/>
+        </p:nvPicPr>
+        <p:blipFill>
+          <a:blip r:embed="rId2">
+            <a:extLst>
+              <a:ext uri="{28A0092B-C50C-407E-A947-70E740481C1C}">
+                <a14:useLocalDpi xmlns:a14="http://schemas.microsoft.com/office/drawing/2010/main" val="0"/>
+              </a:ext>
+            </a:extLst>
+          </a:blip>
+          <a:stretch>
+            <a:fillRect/>
+          </a:stretch>
+        </p:blipFill>
+        <p:spPr>
+          <a:xfrm>
+            <a:off x="2822437" y="1365662"/>
+            <a:ext cx="6540272" cy="5355813"/>
+          </a:xfrm>
+          <a:prstGeom prst="rect">
+            <a:avLst/>
+          </a:prstGeom>
+        </p:spPr>
+      </p:pic>
     </p:spTree>
     <p:extLst>
       <p:ext uri="{BB962C8B-B14F-4D97-AF65-F5344CB8AC3E}">
-        <p14:creationId xmlns:p14="http://schemas.microsoft.com/office/powerpoint/2010/main" val="3024167899"/>
+        <p14:creationId xmlns:p14="http://schemas.microsoft.com/office/powerpoint/2010/main" val="4219940291"/>
       </p:ext>
     </p:extLst>
   </p:cSld>
@@ -6958,146 +6693,6 @@
                 <a:latin typeface="Times New Roman" panose="02020603050405020304" pitchFamily="18" charset="0"/>
                 <a:cs typeface="Times New Roman" panose="02020603050405020304" pitchFamily="18" charset="0"/>
               </a:rPr>
-              <a:t>Структура ПО</a:t>
-            </a:r>
-          </a:p>
-        </p:txBody>
-      </p:sp>
-      <p:sp>
-        <p:nvSpPr>
-          <p:cNvPr id="4" name="Номер слайда 3">
-            <a:extLst>
-              <a:ext uri="{FF2B5EF4-FFF2-40B4-BE49-F238E27FC236}">
-                <a16:creationId xmlns:a16="http://schemas.microsoft.com/office/drawing/2014/main" id="{3690E022-ED8E-4C31-92F6-7E247E60D645}"/>
-              </a:ext>
-            </a:extLst>
-          </p:cNvPr>
-          <p:cNvSpPr>
-            <a:spLocks noGrp="1"/>
-          </p:cNvSpPr>
-          <p:nvPr>
-            <p:ph type="sldNum" sz="quarter" idx="12"/>
-          </p:nvPr>
-        </p:nvSpPr>
-        <p:spPr/>
-        <p:txBody>
-          <a:bodyPr vert="horz" lIns="91440" tIns="45720" rIns="91440" bIns="45720" rtlCol="0" anchor="ctr"/>
-          <a:lstStyle/>
-          <a:p>
-            <a:fld id="{8B784E8A-7D10-4AAF-929C-959B71E0249E}" type="slidenum">
-              <a:rPr lang="ru-RU" sz="2400" smtClean="0">
-                <a:solidFill>
-                  <a:schemeClr val="tx1"/>
-                </a:solidFill>
-                <a:latin typeface="Times New Roman" pitchFamily="18" charset="0"/>
-                <a:cs typeface="Times New Roman" pitchFamily="18" charset="0"/>
-              </a:rPr>
-              <a:pPr/>
-              <a:t>15</a:t>
-            </a:fld>
-            <a:endParaRPr lang="ru-RU" sz="2400">
-              <a:solidFill>
-                <a:schemeClr val="tx1"/>
-              </a:solidFill>
-              <a:latin typeface="Times New Roman" pitchFamily="18" charset="0"/>
-              <a:cs typeface="Times New Roman" pitchFamily="18" charset="0"/>
-            </a:endParaRPr>
-          </a:p>
-        </p:txBody>
-      </p:sp>
-      <p:pic>
-        <p:nvPicPr>
-          <p:cNvPr id="6" name="Рисунок 5">
-            <a:extLst>
-              <a:ext uri="{FF2B5EF4-FFF2-40B4-BE49-F238E27FC236}">
-                <a16:creationId xmlns:a16="http://schemas.microsoft.com/office/drawing/2014/main" id="{6B144770-D805-744E-854C-1AA02AC61C42}"/>
-              </a:ext>
-            </a:extLst>
-          </p:cNvPr>
-          <p:cNvPicPr>
-            <a:picLocks noChangeAspect="1"/>
-          </p:cNvPicPr>
-          <p:nvPr/>
-        </p:nvPicPr>
-        <p:blipFill>
-          <a:blip r:embed="rId2">
-            <a:extLst>
-              <a:ext uri="{28A0092B-C50C-407E-A947-70E740481C1C}">
-                <a14:useLocalDpi xmlns:a14="http://schemas.microsoft.com/office/drawing/2010/main" val="0"/>
-              </a:ext>
-            </a:extLst>
-          </a:blip>
-          <a:stretch>
-            <a:fillRect/>
-          </a:stretch>
-        </p:blipFill>
-        <p:spPr>
-          <a:xfrm>
-            <a:off x="3457575" y="1462148"/>
-            <a:ext cx="5655428" cy="4930373"/>
-          </a:xfrm>
-          <a:prstGeom prst="rect">
-            <a:avLst/>
-          </a:prstGeom>
-        </p:spPr>
-      </p:pic>
-    </p:spTree>
-    <p:extLst>
-      <p:ext uri="{BB962C8B-B14F-4D97-AF65-F5344CB8AC3E}">
-        <p14:creationId xmlns:p14="http://schemas.microsoft.com/office/powerpoint/2010/main" val="4219940291"/>
-      </p:ext>
-    </p:extLst>
-  </p:cSld>
-  <p:clrMapOvr>
-    <a:masterClrMapping/>
-  </p:clrMapOvr>
-</p:sld>
-</file>
-
-<file path=ppt/slides/slide16.xml><?xml version="1.0" encoding="utf-8"?>
-<p:sld xmlns:a="http://schemas.openxmlformats.org/drawingml/2006/main" xmlns:r="http://schemas.openxmlformats.org/officeDocument/2006/relationships" xmlns:p="http://schemas.openxmlformats.org/presentationml/2006/main">
-  <p:cSld>
-    <p:spTree>
-      <p:nvGrpSpPr>
-        <p:cNvPr id="1" name=""/>
-        <p:cNvGrpSpPr/>
-        <p:nvPr/>
-      </p:nvGrpSpPr>
-      <p:grpSpPr>
-        <a:xfrm>
-          <a:off x="0" y="0"/>
-          <a:ext cx="0" cy="0"/>
-          <a:chOff x="0" y="0"/>
-          <a:chExt cx="0" cy="0"/>
-        </a:xfrm>
-      </p:grpSpPr>
-      <p:sp>
-        <p:nvSpPr>
-          <p:cNvPr id="2" name="Заголовок 1">
-            <a:extLst>
-              <a:ext uri="{FF2B5EF4-FFF2-40B4-BE49-F238E27FC236}">
-                <a16:creationId xmlns:a16="http://schemas.microsoft.com/office/drawing/2014/main" id="{5FBB8991-166F-486F-B1BE-57CF6CA9C6A5}"/>
-              </a:ext>
-            </a:extLst>
-          </p:cNvPr>
-          <p:cNvSpPr>
-            <a:spLocks noGrp="1"/>
-          </p:cNvSpPr>
-          <p:nvPr>
-            <p:ph type="title"/>
-          </p:nvPr>
-        </p:nvSpPr>
-        <p:spPr/>
-        <p:txBody>
-          <a:bodyPr/>
-          <a:lstStyle/>
-          <a:p>
-            <a:pPr algn="ctr"/>
-            <a:r>
-              <a:rPr lang="ru-RU" dirty="0">
-                <a:latin typeface="Times New Roman" panose="02020603050405020304" pitchFamily="18" charset="0"/>
-                <a:cs typeface="Times New Roman" panose="02020603050405020304" pitchFamily="18" charset="0"/>
-              </a:rPr>
               <a:t>Исследование зависимости классификации от значения </a:t>
             </a:r>
             <a:r>
@@ -7148,11 +6743,18 @@
               </a:lnSpc>
             </a:pPr>
             <a:r>
+              <a:rPr lang="ru-RU" sz="2000" dirty="0">
+                <a:latin typeface="Times New Roman" panose="02020603050405020304" pitchFamily="18" charset="0"/>
+                <a:cs typeface="Times New Roman" panose="02020603050405020304" pitchFamily="18" charset="0"/>
+              </a:rPr>
+              <a:t>5</a:t>
+            </a:r>
+            <a:r>
               <a:rPr lang="en-US" sz="2000" dirty="0">
                 <a:latin typeface="Times New Roman" panose="02020603050405020304" pitchFamily="18" charset="0"/>
                 <a:cs typeface="Times New Roman" panose="02020603050405020304" pitchFamily="18" charset="0"/>
               </a:rPr>
-              <a:t>6 </a:t>
+              <a:t> </a:t>
             </a:r>
             <a:r>
               <a:rPr lang="ru-RU" sz="2000" dirty="0">
@@ -7286,7 +6888,7 @@
                 <a:cs typeface="Times New Roman" pitchFamily="18" charset="0"/>
               </a:rPr>
               <a:pPr/>
-              <a:t>16</a:t>
+              <a:t>15</a:t>
             </a:fld>
             <a:endParaRPr lang="ru-RU" sz="2400">
               <a:solidFill>
@@ -7383,6 +6985,225 @@
 </p:sld>
 </file>
 
+<file path=ppt/slides/slide16.xml><?xml version="1.0" encoding="utf-8"?>
+<p:sld xmlns:a="http://schemas.openxmlformats.org/drawingml/2006/main" xmlns:r="http://schemas.openxmlformats.org/officeDocument/2006/relationships" xmlns:p="http://schemas.openxmlformats.org/presentationml/2006/main">
+  <p:cSld>
+    <p:spTree>
+      <p:nvGrpSpPr>
+        <p:cNvPr id="1" name=""/>
+        <p:cNvGrpSpPr/>
+        <p:nvPr/>
+      </p:nvGrpSpPr>
+      <p:grpSpPr>
+        <a:xfrm>
+          <a:off x="0" y="0"/>
+          <a:ext cx="0" cy="0"/>
+          <a:chOff x="0" y="0"/>
+          <a:chExt cx="0" cy="0"/>
+        </a:xfrm>
+      </p:grpSpPr>
+      <p:sp>
+        <p:nvSpPr>
+          <p:cNvPr id="2" name="Заголовок 1">
+            <a:extLst>
+              <a:ext uri="{FF2B5EF4-FFF2-40B4-BE49-F238E27FC236}">
+                <a16:creationId xmlns:a16="http://schemas.microsoft.com/office/drawing/2014/main" id="{5FBB8991-166F-486F-B1BE-57CF6CA9C6A5}"/>
+              </a:ext>
+            </a:extLst>
+          </p:cNvPr>
+          <p:cNvSpPr>
+            <a:spLocks noGrp="1"/>
+          </p:cNvSpPr>
+          <p:nvPr>
+            <p:ph type="title"/>
+          </p:nvPr>
+        </p:nvSpPr>
+        <p:spPr/>
+        <p:txBody>
+          <a:bodyPr/>
+          <a:lstStyle/>
+          <a:p>
+            <a:pPr algn="ctr"/>
+            <a:r>
+              <a:rPr lang="ru-RU" dirty="0">
+                <a:latin typeface="Times New Roman" panose="02020603050405020304" pitchFamily="18" charset="0"/>
+                <a:cs typeface="Times New Roman" panose="02020603050405020304" pitchFamily="18" charset="0"/>
+              </a:rPr>
+              <a:t>Исследование зависимости классификации от удаления стоп-слов</a:t>
+            </a:r>
+          </a:p>
+        </p:txBody>
+      </p:sp>
+      <p:sp>
+        <p:nvSpPr>
+          <p:cNvPr id="3" name="Объект 2">
+            <a:extLst>
+              <a:ext uri="{FF2B5EF4-FFF2-40B4-BE49-F238E27FC236}">
+                <a16:creationId xmlns:a16="http://schemas.microsoft.com/office/drawing/2014/main" id="{89D16F59-D2A5-42EA-93FB-B81940FFEE9A}"/>
+              </a:ext>
+            </a:extLst>
+          </p:cNvPr>
+          <p:cNvSpPr>
+            <a:spLocks noGrp="1"/>
+          </p:cNvSpPr>
+          <p:nvPr>
+            <p:ph idx="1"/>
+          </p:nvPr>
+        </p:nvSpPr>
+        <p:spPr>
+          <a:xfrm>
+            <a:off x="838199" y="1825625"/>
+            <a:ext cx="10929079" cy="580691"/>
+          </a:xfrm>
+        </p:spPr>
+        <p:txBody>
+          <a:bodyPr>
+            <a:normAutofit/>
+          </a:bodyPr>
+          <a:lstStyle/>
+          <a:p>
+            <a:pPr>
+              <a:lnSpc>
+                <a:spcPct val="110000"/>
+              </a:lnSpc>
+            </a:pPr>
+            <a:r>
+              <a:rPr lang="ru-RU" sz="1900" dirty="0">
+                <a:latin typeface="Times New Roman" panose="02020603050405020304" pitchFamily="18" charset="0"/>
+                <a:cs typeface="Times New Roman" panose="02020603050405020304" pitchFamily="18" charset="0"/>
+              </a:rPr>
+              <a:t>Из исходных текстов были удалены стоп-слова</a:t>
+            </a:r>
+          </a:p>
+        </p:txBody>
+      </p:sp>
+      <p:sp>
+        <p:nvSpPr>
+          <p:cNvPr id="4" name="Номер слайда 3">
+            <a:extLst>
+              <a:ext uri="{FF2B5EF4-FFF2-40B4-BE49-F238E27FC236}">
+                <a16:creationId xmlns:a16="http://schemas.microsoft.com/office/drawing/2014/main" id="{3690E022-ED8E-4C31-92F6-7E247E60D645}"/>
+              </a:ext>
+            </a:extLst>
+          </p:cNvPr>
+          <p:cNvSpPr>
+            <a:spLocks noGrp="1"/>
+          </p:cNvSpPr>
+          <p:nvPr>
+            <p:ph type="sldNum" sz="quarter" idx="12"/>
+          </p:nvPr>
+        </p:nvSpPr>
+        <p:spPr/>
+        <p:txBody>
+          <a:bodyPr vert="horz" lIns="91440" tIns="45720" rIns="91440" bIns="45720" rtlCol="0" anchor="ctr"/>
+          <a:lstStyle/>
+          <a:p>
+            <a:fld id="{8B784E8A-7D10-4AAF-929C-959B71E0249E}" type="slidenum">
+              <a:rPr lang="ru-RU" sz="2400" smtClean="0">
+                <a:solidFill>
+                  <a:schemeClr val="tx1"/>
+                </a:solidFill>
+                <a:latin typeface="Times New Roman" pitchFamily="18" charset="0"/>
+                <a:cs typeface="Times New Roman" pitchFamily="18" charset="0"/>
+              </a:rPr>
+              <a:pPr/>
+              <a:t>16</a:t>
+            </a:fld>
+            <a:endParaRPr lang="ru-RU" sz="2400">
+              <a:solidFill>
+                <a:schemeClr val="tx1"/>
+              </a:solidFill>
+              <a:latin typeface="Times New Roman" pitchFamily="18" charset="0"/>
+              <a:cs typeface="Times New Roman" pitchFamily="18" charset="0"/>
+            </a:endParaRPr>
+          </a:p>
+        </p:txBody>
+      </p:sp>
+      <p:pic>
+        <p:nvPicPr>
+          <p:cNvPr id="6" name="Рисунок 5">
+            <a:extLst>
+              <a:ext uri="{FF2B5EF4-FFF2-40B4-BE49-F238E27FC236}">
+                <a16:creationId xmlns:a16="http://schemas.microsoft.com/office/drawing/2014/main" id="{FFFE6CA5-EF73-6F47-BDEF-A73F2AF1150D}"/>
+              </a:ext>
+            </a:extLst>
+          </p:cNvPr>
+          <p:cNvPicPr>
+            <a:picLocks noChangeAspect="1"/>
+          </p:cNvPicPr>
+          <p:nvPr/>
+        </p:nvPicPr>
+        <p:blipFill>
+          <a:blip r:embed="rId2">
+            <a:extLst>
+              <a:ext uri="{28A0092B-C50C-407E-A947-70E740481C1C}">
+                <a14:useLocalDpi xmlns:a14="http://schemas.microsoft.com/office/drawing/2010/main" val="0"/>
+              </a:ext>
+            </a:extLst>
+          </a:blip>
+          <a:stretch>
+            <a:fillRect/>
+          </a:stretch>
+        </p:blipFill>
+        <p:spPr>
+          <a:xfrm>
+            <a:off x="517357" y="2419386"/>
+            <a:ext cx="5338011" cy="4013039"/>
+          </a:xfrm>
+          <a:prstGeom prst="rect">
+            <a:avLst/>
+          </a:prstGeom>
+        </p:spPr>
+      </p:pic>
+      <p:pic>
+        <p:nvPicPr>
+          <p:cNvPr id="7" name="Рисунок 6">
+            <a:extLst>
+              <a:ext uri="{FF2B5EF4-FFF2-40B4-BE49-F238E27FC236}">
+                <a16:creationId xmlns:a16="http://schemas.microsoft.com/office/drawing/2014/main" id="{895BCC01-3005-B441-920E-10CAF2401415}"/>
+              </a:ext>
+            </a:extLst>
+          </p:cNvPr>
+          <p:cNvPicPr>
+            <a:picLocks noChangeAspect="1"/>
+          </p:cNvPicPr>
+          <p:nvPr/>
+        </p:nvPicPr>
+        <p:blipFill>
+          <a:blip r:embed="rId3">
+            <a:extLst>
+              <a:ext uri="{28A0092B-C50C-407E-A947-70E740481C1C}">
+                <a14:useLocalDpi xmlns:a14="http://schemas.microsoft.com/office/drawing/2010/main" val="0"/>
+              </a:ext>
+            </a:extLst>
+          </a:blip>
+          <a:stretch>
+            <a:fillRect/>
+          </a:stretch>
+        </p:blipFill>
+        <p:spPr>
+          <a:xfrm>
+            <a:off x="6068545" y="2364717"/>
+            <a:ext cx="5285255" cy="4033233"/>
+          </a:xfrm>
+          <a:prstGeom prst="rect">
+            <a:avLst/>
+          </a:prstGeom>
+        </p:spPr>
+      </p:pic>
+    </p:spTree>
+    <p:extLst>
+      <p:ext uri="{BB962C8B-B14F-4D97-AF65-F5344CB8AC3E}">
+        <p14:creationId xmlns:p14="http://schemas.microsoft.com/office/powerpoint/2010/main" val="3329869732"/>
+      </p:ext>
+    </p:extLst>
+  </p:cSld>
+  <p:clrMapOvr>
+    <a:masterClrMapping/>
+  </p:clrMapOvr>
+</p:sld>
+</file>
+
 <file path=ppt/slides/slide17.xml><?xml version="1.0" encoding="utf-8"?>
 <p:sld xmlns:a="http://schemas.openxmlformats.org/drawingml/2006/main" xmlns:r="http://schemas.openxmlformats.org/officeDocument/2006/relationships" xmlns:p="http://schemas.openxmlformats.org/presentationml/2006/main">
   <p:cSld>
@@ -7427,7 +7248,7 @@
                 <a:latin typeface="Times New Roman" panose="02020603050405020304" pitchFamily="18" charset="0"/>
                 <a:cs typeface="Times New Roman" panose="02020603050405020304" pitchFamily="18" charset="0"/>
               </a:rPr>
-              <a:t>Исследование зависимости классификации от удаления стоп-слов</a:t>
+              <a:t>Исследование зависимости классификации от морфологического анализа</a:t>
             </a:r>
           </a:p>
         </p:txBody>
@@ -7451,7 +7272,7 @@
         <p:spPr>
           <a:xfrm>
             <a:off x="838199" y="1825625"/>
-            <a:ext cx="10929079" cy="580691"/>
+            <a:ext cx="10929079" cy="420270"/>
           </a:xfrm>
         </p:spPr>
         <p:txBody>
@@ -7470,7 +7291,7 @@
                 <a:latin typeface="Times New Roman" panose="02020603050405020304" pitchFamily="18" charset="0"/>
                 <a:cs typeface="Times New Roman" panose="02020603050405020304" pitchFamily="18" charset="0"/>
               </a:rPr>
-              <a:t>Из исходных текстов были удалены стоп-слова</a:t>
+              <a:t>Был произведен морфологический анализ, не различающий личные глаголы и инфинитивы</a:t>
             </a:r>
           </a:p>
         </p:txBody>
@@ -7522,7 +7343,7 @@
           <p:cNvPr id="6" name="Рисунок 5">
             <a:extLst>
               <a:ext uri="{FF2B5EF4-FFF2-40B4-BE49-F238E27FC236}">
-                <a16:creationId xmlns:a16="http://schemas.microsoft.com/office/drawing/2014/main" id="{FFFE6CA5-EF73-6F47-BDEF-A73F2AF1150D}"/>
+                <a16:creationId xmlns:a16="http://schemas.microsoft.com/office/drawing/2014/main" id="{E76392A5-F3B0-0D4B-9BAC-531D1AA25FD6}"/>
               </a:ext>
             </a:extLst>
           </p:cNvPr>
@@ -7545,8 +7366,8 @@
         </p:blipFill>
         <p:spPr>
           <a:xfrm>
-            <a:off x="517357" y="2419386"/>
-            <a:ext cx="5338011" cy="4013039"/>
+            <a:off x="593632" y="2445876"/>
+            <a:ext cx="5323915" cy="3995308"/>
           </a:xfrm>
           <a:prstGeom prst="rect">
             <a:avLst/>
@@ -7555,10 +7376,10 @@
       </p:pic>
       <p:pic>
         <p:nvPicPr>
-          <p:cNvPr id="8" name="Рисунок 7">
-            <a:extLst>
-              <a:ext uri="{FF2B5EF4-FFF2-40B4-BE49-F238E27FC236}">
-                <a16:creationId xmlns:a16="http://schemas.microsoft.com/office/drawing/2014/main" id="{69E7368A-A56F-374C-9732-F1967C9AA77D}"/>
+          <p:cNvPr id="10" name="Рисунок 9">
+            <a:extLst>
+              <a:ext uri="{FF2B5EF4-FFF2-40B4-BE49-F238E27FC236}">
+                <a16:creationId xmlns:a16="http://schemas.microsoft.com/office/drawing/2014/main" id="{7D709E67-0FD6-CA40-8C72-70963A4C1FBC}"/>
               </a:ext>
             </a:extLst>
           </p:cNvPr>
@@ -7581,8 +7402,8 @@
         </p:blipFill>
         <p:spPr>
           <a:xfrm>
-            <a:off x="6120063" y="2406316"/>
-            <a:ext cx="5251112" cy="3950034"/>
+            <a:off x="6096000" y="2445876"/>
+            <a:ext cx="5361874" cy="3995308"/>
           </a:xfrm>
           <a:prstGeom prst="rect">
             <a:avLst/>
@@ -7592,7 +7413,7 @@
     </p:spTree>
     <p:extLst>
       <p:ext uri="{BB962C8B-B14F-4D97-AF65-F5344CB8AC3E}">
-        <p14:creationId xmlns:p14="http://schemas.microsoft.com/office/powerpoint/2010/main" val="3329869732"/>
+        <p14:creationId xmlns:p14="http://schemas.microsoft.com/office/powerpoint/2010/main" val="1579961573"/>
       </p:ext>
     </p:extLst>
   </p:cSld>
@@ -7646,7 +7467,7 @@
                 <a:latin typeface="Times New Roman" panose="02020603050405020304" pitchFamily="18" charset="0"/>
                 <a:cs typeface="Times New Roman" panose="02020603050405020304" pitchFamily="18" charset="0"/>
               </a:rPr>
-              <a:t>Исследование зависимости классификации от морфологического анализа</a:t>
+              <a:t>Заключение</a:t>
             </a:r>
           </a:p>
         </p:txBody>
@@ -7669,13 +7490,13 @@
         </p:nvSpPr>
         <p:spPr>
           <a:xfrm>
-            <a:off x="838199" y="1825625"/>
-            <a:ext cx="10929079" cy="420270"/>
+            <a:off x="838199" y="1690688"/>
+            <a:ext cx="10929079" cy="4860013"/>
           </a:xfrm>
         </p:spPr>
         <p:txBody>
           <a:bodyPr>
-            <a:normAutofit/>
+            <a:normAutofit fontScale="85000" lnSpcReduction="20000"/>
           </a:bodyPr>
           <a:lstStyle/>
           <a:p>
@@ -7685,12 +7506,129 @@
               </a:lnSpc>
             </a:pPr>
             <a:r>
-              <a:rPr lang="ru-RU" sz="1900" dirty="0">
-                <a:latin typeface="Times New Roman" panose="02020603050405020304" pitchFamily="18" charset="0"/>
-                <a:cs typeface="Times New Roman" panose="02020603050405020304" pitchFamily="18" charset="0"/>
-              </a:rPr>
-              <a:t>Был произведен морфологический анализ, не различающий личные глаголы и инфинитивы</a:t>
-            </a:r>
+              <a:rPr lang="ru-RU" dirty="0">
+                <a:latin typeface="Times New Roman" panose="02020603050405020304" pitchFamily="18" charset="0"/>
+                <a:cs typeface="Times New Roman" panose="02020603050405020304" pitchFamily="18" charset="0"/>
+              </a:rPr>
+              <a:t>Разработан метод определения признаков авторского стиля</a:t>
+            </a:r>
+          </a:p>
+          <a:p>
+            <a:r>
+              <a:rPr lang="ru-RU" dirty="0">
+                <a:latin typeface="Times New Roman" panose="02020603050405020304" pitchFamily="18" charset="0"/>
+                <a:cs typeface="Times New Roman" panose="02020603050405020304" pitchFamily="18" charset="0"/>
+              </a:rPr>
+              <a:t>Проанализирована предметная область</a:t>
+            </a:r>
+          </a:p>
+          <a:p>
+            <a:r>
+              <a:rPr lang="ru-RU" dirty="0">
+                <a:latin typeface="Times New Roman" panose="02020603050405020304" pitchFamily="18" charset="0"/>
+                <a:cs typeface="Times New Roman" panose="02020603050405020304" pitchFamily="18" charset="0"/>
+              </a:rPr>
+              <a:t>Сформулированы основные положения разрабатываемого метода определения признаков авторского стиля и использующего его метода классификации</a:t>
+            </a:r>
+          </a:p>
+          <a:p>
+            <a:r>
+              <a:rPr lang="ru-RU" dirty="0">
+                <a:latin typeface="Times New Roman" panose="02020603050405020304" pitchFamily="18" charset="0"/>
+                <a:cs typeface="Times New Roman" panose="02020603050405020304" pitchFamily="18" charset="0"/>
+              </a:rPr>
+              <a:t>Разработано ПО, реализующее метод</a:t>
+            </a:r>
+          </a:p>
+          <a:p>
+            <a:r>
+              <a:rPr lang="ru-RU" dirty="0">
+                <a:latin typeface="Times New Roman" panose="02020603050405020304" pitchFamily="18" charset="0"/>
+                <a:cs typeface="Times New Roman" panose="02020603050405020304" pitchFamily="18" charset="0"/>
+              </a:rPr>
+              <a:t>Проведено исследование разработанного метода</a:t>
+            </a:r>
+          </a:p>
+          <a:p>
+            <a:pPr marL="0" indent="0">
+              <a:lnSpc>
+                <a:spcPct val="110000"/>
+              </a:lnSpc>
+              <a:buNone/>
+            </a:pPr>
+            <a:endParaRPr lang="ru-RU" dirty="0">
+              <a:latin typeface="Times New Roman" panose="02020603050405020304" pitchFamily="18" charset="0"/>
+              <a:cs typeface="Times New Roman" panose="02020603050405020304" pitchFamily="18" charset="0"/>
+            </a:endParaRPr>
+          </a:p>
+          <a:p>
+            <a:pPr marL="0" indent="0">
+              <a:lnSpc>
+                <a:spcPct val="110000"/>
+              </a:lnSpc>
+              <a:buNone/>
+            </a:pPr>
+            <a:r>
+              <a:rPr lang="ru-RU" b="1" dirty="0">
+                <a:latin typeface="Times New Roman" panose="02020603050405020304" pitchFamily="18" charset="0"/>
+                <a:cs typeface="Times New Roman" panose="02020603050405020304" pitchFamily="18" charset="0"/>
+              </a:rPr>
+              <a:t>Дальнейшее развитие:</a:t>
+            </a:r>
+          </a:p>
+          <a:p>
+            <a:pPr>
+              <a:lnSpc>
+                <a:spcPct val="110000"/>
+              </a:lnSpc>
+            </a:pPr>
+            <a:r>
+              <a:rPr lang="ru-RU" dirty="0">
+                <a:latin typeface="Times New Roman" panose="02020603050405020304" pitchFamily="18" charset="0"/>
+                <a:cs typeface="Times New Roman" panose="02020603050405020304" pitchFamily="18" charset="0"/>
+              </a:rPr>
+              <a:t>Улучшение качества работы морфологического анализа текста</a:t>
+            </a:r>
+          </a:p>
+          <a:p>
+            <a:pPr>
+              <a:lnSpc>
+                <a:spcPct val="110000"/>
+              </a:lnSpc>
+            </a:pPr>
+            <a:r>
+              <a:rPr lang="ru-RU" dirty="0">
+                <a:latin typeface="Times New Roman" panose="02020603050405020304" pitchFamily="18" charset="0"/>
+                <a:cs typeface="Times New Roman" panose="02020603050405020304" pitchFamily="18" charset="0"/>
+              </a:rPr>
+              <a:t>Создания обучающей выборки, обеспечивающей получение более высоких значений метрик качества</a:t>
+            </a:r>
+          </a:p>
+          <a:p>
+            <a:pPr>
+              <a:lnSpc>
+                <a:spcPct val="110000"/>
+              </a:lnSpc>
+            </a:pPr>
+            <a:r>
+              <a:rPr lang="ru-RU" dirty="0">
+                <a:latin typeface="Times New Roman" panose="02020603050405020304" pitchFamily="18" charset="0"/>
+                <a:cs typeface="Times New Roman" panose="02020603050405020304" pitchFamily="18" charset="0"/>
+              </a:rPr>
+              <a:t>Ускорение работы метода</a:t>
+            </a:r>
+          </a:p>
+          <a:p>
+            <a:pPr marL="0" indent="0">
+              <a:lnSpc>
+                <a:spcPct val="110000"/>
+              </a:lnSpc>
+              <a:buNone/>
+            </a:pPr>
+            <a:endParaRPr lang="ru-RU" b="1" dirty="0">
+              <a:latin typeface="Times New Roman" panose="02020603050405020304" pitchFamily="18" charset="0"/>
+              <a:cs typeface="Times New Roman" panose="02020603050405020304" pitchFamily="18" charset="0"/>
+            </a:endParaRPr>
           </a:p>
         </p:txBody>
       </p:sp>
@@ -7736,82 +7674,10 @@
           </a:p>
         </p:txBody>
       </p:sp>
-      <p:pic>
-        <p:nvPicPr>
-          <p:cNvPr id="6" name="Рисунок 5">
-            <a:extLst>
-              <a:ext uri="{FF2B5EF4-FFF2-40B4-BE49-F238E27FC236}">
-                <a16:creationId xmlns:a16="http://schemas.microsoft.com/office/drawing/2014/main" id="{E76392A5-F3B0-0D4B-9BAC-531D1AA25FD6}"/>
-              </a:ext>
-            </a:extLst>
-          </p:cNvPr>
-          <p:cNvPicPr>
-            <a:picLocks noChangeAspect="1"/>
-          </p:cNvPicPr>
-          <p:nvPr/>
-        </p:nvPicPr>
-        <p:blipFill>
-          <a:blip r:embed="rId2">
-            <a:extLst>
-              <a:ext uri="{28A0092B-C50C-407E-A947-70E740481C1C}">
-                <a14:useLocalDpi xmlns:a14="http://schemas.microsoft.com/office/drawing/2010/main" val="0"/>
-              </a:ext>
-            </a:extLst>
-          </a:blip>
-          <a:stretch>
-            <a:fillRect/>
-          </a:stretch>
-        </p:blipFill>
-        <p:spPr>
-          <a:xfrm>
-            <a:off x="593632" y="2445876"/>
-            <a:ext cx="5323915" cy="3995308"/>
-          </a:xfrm>
-          <a:prstGeom prst="rect">
-            <a:avLst/>
-          </a:prstGeom>
-        </p:spPr>
-      </p:pic>
-      <p:pic>
-        <p:nvPicPr>
-          <p:cNvPr id="8" name="Рисунок 7">
-            <a:extLst>
-              <a:ext uri="{FF2B5EF4-FFF2-40B4-BE49-F238E27FC236}">
-                <a16:creationId xmlns:a16="http://schemas.microsoft.com/office/drawing/2014/main" id="{7B096E8A-2F41-9C49-BA48-B42AFF23FBE4}"/>
-              </a:ext>
-            </a:extLst>
-          </p:cNvPr>
-          <p:cNvPicPr>
-            <a:picLocks noChangeAspect="1"/>
-          </p:cNvPicPr>
-          <p:nvPr/>
-        </p:nvPicPr>
-        <p:blipFill>
-          <a:blip r:embed="rId3">
-            <a:extLst>
-              <a:ext uri="{28A0092B-C50C-407E-A947-70E740481C1C}">
-                <a14:useLocalDpi xmlns:a14="http://schemas.microsoft.com/office/drawing/2010/main" val="0"/>
-              </a:ext>
-            </a:extLst>
-          </a:blip>
-          <a:stretch>
-            <a:fillRect/>
-          </a:stretch>
-        </p:blipFill>
-        <p:spPr>
-          <a:xfrm>
-            <a:off x="6096000" y="2380832"/>
-            <a:ext cx="5436253" cy="4060352"/>
-          </a:xfrm>
-          <a:prstGeom prst="rect">
-            <a:avLst/>
-          </a:prstGeom>
-        </p:spPr>
-      </p:pic>
     </p:spTree>
     <p:extLst>
       <p:ext uri="{BB962C8B-B14F-4D97-AF65-F5344CB8AC3E}">
-        <p14:creationId xmlns:p14="http://schemas.microsoft.com/office/powerpoint/2010/main" val="1579961573"/>
+        <p14:creationId xmlns:p14="http://schemas.microsoft.com/office/powerpoint/2010/main" val="37535531"/>
       </p:ext>
     </p:extLst>
   </p:cSld>
@@ -7843,7 +7709,7 @@
           <p:cNvPr id="2" name="Заголовок 1">
             <a:extLst>
               <a:ext uri="{FF2B5EF4-FFF2-40B4-BE49-F238E27FC236}">
-                <a16:creationId xmlns:a16="http://schemas.microsoft.com/office/drawing/2014/main" id="{5FBB8991-166F-486F-B1BE-57CF6CA9C6A5}"/>
+                <a16:creationId xmlns:a16="http://schemas.microsoft.com/office/drawing/2014/main" id="{2EF7BDBA-1A10-4066-A3B8-594856391568}"/>
               </a:ext>
             </a:extLst>
           </p:cNvPr>
@@ -7865,174 +7731,97 @@
                 <a:latin typeface="Times New Roman" panose="02020603050405020304" pitchFamily="18" charset="0"/>
                 <a:cs typeface="Times New Roman" panose="02020603050405020304" pitchFamily="18" charset="0"/>
               </a:rPr>
-              <a:t>Заключение</a:t>
-            </a:r>
-          </a:p>
-        </p:txBody>
-      </p:sp>
-      <p:sp>
-        <p:nvSpPr>
-          <p:cNvPr id="3" name="Объект 2">
-            <a:extLst>
-              <a:ext uri="{FF2B5EF4-FFF2-40B4-BE49-F238E27FC236}">
-                <a16:creationId xmlns:a16="http://schemas.microsoft.com/office/drawing/2014/main" id="{89D16F59-D2A5-42EA-93FB-B81940FFEE9A}"/>
-              </a:ext>
-            </a:extLst>
-          </p:cNvPr>
-          <p:cNvSpPr>
-            <a:spLocks noGrp="1"/>
-          </p:cNvSpPr>
-          <p:nvPr>
-            <p:ph idx="1"/>
-          </p:nvPr>
-        </p:nvSpPr>
-        <p:spPr>
-          <a:xfrm>
-            <a:off x="838199" y="1690688"/>
-            <a:ext cx="10929079" cy="4860013"/>
-          </a:xfrm>
-        </p:spPr>
-        <p:txBody>
-          <a:bodyPr>
-            <a:normAutofit fontScale="92500" lnSpcReduction="20000"/>
-          </a:bodyPr>
-          <a:lstStyle/>
-          <a:p>
-            <a:pPr>
-              <a:lnSpc>
-                <a:spcPct val="110000"/>
-              </a:lnSpc>
-            </a:pPr>
-            <a:r>
-              <a:rPr lang="ru-RU" dirty="0">
-                <a:latin typeface="Times New Roman" panose="02020603050405020304" pitchFamily="18" charset="0"/>
-                <a:cs typeface="Times New Roman" panose="02020603050405020304" pitchFamily="18" charset="0"/>
-              </a:rPr>
-              <a:t>Поставленные задачи выполнены</a:t>
-            </a:r>
-          </a:p>
-          <a:p>
-            <a:pPr>
-              <a:lnSpc>
-                <a:spcPct val="110000"/>
-              </a:lnSpc>
-            </a:pPr>
-            <a:r>
-              <a:rPr lang="ru-RU" dirty="0">
-                <a:latin typeface="Times New Roman" panose="02020603050405020304" pitchFamily="18" charset="0"/>
-                <a:cs typeface="Times New Roman" panose="02020603050405020304" pitchFamily="18" charset="0"/>
-              </a:rPr>
-              <a:t>Разработан метод определения признаков авторского стиля</a:t>
-            </a:r>
-          </a:p>
-          <a:p>
-            <a:pPr>
-              <a:lnSpc>
-                <a:spcPct val="110000"/>
-              </a:lnSpc>
-            </a:pPr>
-            <a:r>
-              <a:rPr lang="ru-RU" dirty="0">
-                <a:latin typeface="Times New Roman" panose="02020603050405020304" pitchFamily="18" charset="0"/>
-                <a:cs typeface="Times New Roman" panose="02020603050405020304" pitchFamily="18" charset="0"/>
-              </a:rPr>
-              <a:t>Реализовано ПО, реализующее метод</a:t>
-            </a:r>
-          </a:p>
-          <a:p>
-            <a:pPr>
-              <a:lnSpc>
-                <a:spcPct val="110000"/>
-              </a:lnSpc>
-            </a:pPr>
-            <a:r>
-              <a:rPr lang="ru-RU" dirty="0">
-                <a:latin typeface="Times New Roman" panose="02020603050405020304" pitchFamily="18" charset="0"/>
-                <a:cs typeface="Times New Roman" panose="02020603050405020304" pitchFamily="18" charset="0"/>
-              </a:rPr>
-              <a:t>Проведено исследование метода</a:t>
-            </a:r>
-          </a:p>
-          <a:p>
-            <a:pPr marL="0" indent="0">
-              <a:lnSpc>
-                <a:spcPct val="110000"/>
-              </a:lnSpc>
-              <a:buNone/>
-            </a:pPr>
+              <a:t>Научные работы</a:t>
+            </a:r>
             <a:endParaRPr lang="ru-RU" dirty="0">
+              <a:solidFill>
+                <a:srgbClr val="FF0000"/>
+              </a:solidFill>
               <a:latin typeface="Times New Roman" panose="02020603050405020304" pitchFamily="18" charset="0"/>
               <a:cs typeface="Times New Roman" panose="02020603050405020304" pitchFamily="18" charset="0"/>
             </a:endParaRPr>
           </a:p>
-          <a:p>
-            <a:pPr marL="0" indent="0">
-              <a:lnSpc>
-                <a:spcPct val="110000"/>
-              </a:lnSpc>
-              <a:buNone/>
-            </a:pPr>
+        </p:txBody>
+      </p:sp>
+      <p:sp>
+        <p:nvSpPr>
+          <p:cNvPr id="3" name="Объект 2">
+            <a:extLst>
+              <a:ext uri="{FF2B5EF4-FFF2-40B4-BE49-F238E27FC236}">
+                <a16:creationId xmlns:a16="http://schemas.microsoft.com/office/drawing/2014/main" id="{A857D267-F777-45C3-8689-720B1EE95996}"/>
+              </a:ext>
+            </a:extLst>
+          </p:cNvPr>
+          <p:cNvSpPr>
+            <a:spLocks noGrp="1"/>
+          </p:cNvSpPr>
+          <p:nvPr>
+            <p:ph idx="1"/>
+          </p:nvPr>
+        </p:nvSpPr>
+        <p:spPr/>
+        <p:txBody>
+          <a:bodyPr/>
+          <a:lstStyle/>
+          <a:p>
+            <a:r>
+              <a:rPr lang="ru-RU" dirty="0">
+                <a:latin typeface="Times New Roman" panose="02020603050405020304" pitchFamily="18" charset="0"/>
+                <a:cs typeface="Times New Roman" panose="02020603050405020304" pitchFamily="18" charset="0"/>
+              </a:rPr>
+              <a:t>Принята в печать публикация «</a:t>
+            </a:r>
+            <a:r>
+              <a:rPr lang="en-US" b="1" dirty="0">
+                <a:latin typeface="Times New Roman" panose="02020603050405020304" pitchFamily="18" charset="0"/>
+                <a:cs typeface="Times New Roman" panose="02020603050405020304" pitchFamily="18" charset="0"/>
+              </a:rPr>
+              <a:t>TOWARDS A METHOD FOR DETERMINING SIGNS OF AUTHOR STYLE FOR TEXTS IN RUSSIAN</a:t>
+            </a:r>
+            <a:r>
+              <a:rPr lang="ru-RU" dirty="0">
+                <a:latin typeface="Times New Roman" panose="02020603050405020304" pitchFamily="18" charset="0"/>
+                <a:cs typeface="Times New Roman" panose="02020603050405020304" pitchFamily="18" charset="0"/>
+              </a:rPr>
+              <a:t>» в сборнике материалов Международной научно-практической конференции «</a:t>
+            </a:r>
+            <a:r>
+              <a:rPr lang="en-US" dirty="0">
+                <a:latin typeface="Times New Roman" panose="02020603050405020304" pitchFamily="18" charset="0"/>
+                <a:cs typeface="Times New Roman" panose="02020603050405020304" pitchFamily="18" charset="0"/>
+              </a:rPr>
+              <a:t>Information Innovative Technologies</a:t>
+            </a:r>
+            <a:r>
+              <a:rPr lang="ru-RU" dirty="0">
+                <a:latin typeface="Times New Roman" panose="02020603050405020304" pitchFamily="18" charset="0"/>
+                <a:cs typeface="Times New Roman" panose="02020603050405020304" pitchFamily="18" charset="0"/>
+              </a:rPr>
+              <a:t>» 2021 г., Прага (принято к публикации, РИНЦ)</a:t>
+            </a:r>
+          </a:p>
+          <a:p>
+            <a:r>
+              <a:rPr lang="ru-RU" dirty="0">
+                <a:latin typeface="Times New Roman" panose="02020603050405020304" pitchFamily="18" charset="0"/>
+                <a:cs typeface="Times New Roman" panose="02020603050405020304" pitchFamily="18" charset="0"/>
+              </a:rPr>
+              <a:t>Выступление на тему </a:t>
+            </a:r>
             <a:r>
               <a:rPr lang="ru-RU" b="1" dirty="0">
                 <a:latin typeface="Times New Roman" panose="02020603050405020304" pitchFamily="18" charset="0"/>
                 <a:cs typeface="Times New Roman" panose="02020603050405020304" pitchFamily="18" charset="0"/>
               </a:rPr>
-              <a:t>Дальнейшее развитие:</a:t>
-            </a:r>
-          </a:p>
-          <a:p>
-            <a:pPr>
-              <a:lnSpc>
-                <a:spcPct val="110000"/>
-              </a:lnSpc>
-            </a:pPr>
+              <a:t>«К методу определения признаков авторского стиля текстов на естественном языке» </a:t>
+            </a:r>
             <a:r>
               <a:rPr lang="ru-RU" dirty="0">
                 <a:latin typeface="Times New Roman" panose="02020603050405020304" pitchFamily="18" charset="0"/>
                 <a:cs typeface="Times New Roman" panose="02020603050405020304" pitchFamily="18" charset="0"/>
               </a:rPr>
-              <a:t>Улучшение качества работы морфологического анализа текста</a:t>
-            </a:r>
-          </a:p>
-          <a:p>
-            <a:pPr>
-              <a:lnSpc>
-                <a:spcPct val="110000"/>
-              </a:lnSpc>
-            </a:pPr>
-            <a:r>
-              <a:rPr lang="ru-RU" dirty="0">
-                <a:latin typeface="Times New Roman" panose="02020603050405020304" pitchFamily="18" charset="0"/>
-                <a:cs typeface="Times New Roman" panose="02020603050405020304" pitchFamily="18" charset="0"/>
-              </a:rPr>
-              <a:t>Создания обучающей выборки, обеспечивающей получение более высоких значений метрик качества</a:t>
-            </a:r>
-          </a:p>
-          <a:p>
-            <a:pPr>
-              <a:lnSpc>
-                <a:spcPct val="110000"/>
-              </a:lnSpc>
-            </a:pPr>
-            <a:r>
-              <a:rPr lang="ru-RU" dirty="0">
-                <a:latin typeface="Times New Roman" panose="02020603050405020304" pitchFamily="18" charset="0"/>
-                <a:cs typeface="Times New Roman" panose="02020603050405020304" pitchFamily="18" charset="0"/>
-              </a:rPr>
-              <a:t>Ускорение работы метода</a:t>
-            </a:r>
-          </a:p>
-          <a:p>
-            <a:pPr marL="0" indent="0">
-              <a:lnSpc>
-                <a:spcPct val="110000"/>
-              </a:lnSpc>
-              <a:buNone/>
-            </a:pPr>
-            <a:endParaRPr lang="ru-RU" b="1" dirty="0">
-              <a:latin typeface="Times New Roman" panose="02020603050405020304" pitchFamily="18" charset="0"/>
-              <a:cs typeface="Times New Roman" panose="02020603050405020304" pitchFamily="18" charset="0"/>
-            </a:endParaRPr>
+              <a:t>на студенческой конференции «Студенческая научная весна» 2021 г.</a:t>
+            </a:r>
           </a:p>
         </p:txBody>
       </p:sp>
@@ -8041,7 +7830,7 @@
           <p:cNvPr id="4" name="Номер слайда 3">
             <a:extLst>
               <a:ext uri="{FF2B5EF4-FFF2-40B4-BE49-F238E27FC236}">
-                <a16:creationId xmlns:a16="http://schemas.microsoft.com/office/drawing/2014/main" id="{3690E022-ED8E-4C31-92F6-7E247E60D645}"/>
+                <a16:creationId xmlns:a16="http://schemas.microsoft.com/office/drawing/2014/main" id="{0C7F7B11-7AB8-4C4D-9843-4D1870F5B2C5}"/>
               </a:ext>
             </a:extLst>
           </p:cNvPr>
@@ -8068,7 +7857,7 @@
               <a:pPr/>
               <a:t>19</a:t>
             </a:fld>
-            <a:endParaRPr lang="ru-RU" sz="2400">
+            <a:endParaRPr lang="ru-RU" sz="2400" dirty="0">
               <a:solidFill>
                 <a:schemeClr val="tx1"/>
               </a:solidFill>
@@ -8081,7 +7870,7 @@
     </p:spTree>
     <p:extLst>
       <p:ext uri="{BB962C8B-B14F-4D97-AF65-F5344CB8AC3E}">
-        <p14:creationId xmlns:p14="http://schemas.microsoft.com/office/powerpoint/2010/main" val="37535531"/>
+        <p14:creationId xmlns:p14="http://schemas.microsoft.com/office/powerpoint/2010/main" val="2575222840"/>
       </p:ext>
     </p:extLst>
   </p:cSld>
@@ -8164,7 +7953,7 @@
         </p:spPr>
         <p:txBody>
           <a:bodyPr>
-            <a:normAutofit lnSpcReduction="10000"/>
+            <a:normAutofit/>
           </a:bodyPr>
           <a:lstStyle/>
           <a:p>
@@ -8242,15 +8031,6 @@
                 <a:cs typeface="Times New Roman" panose="02020603050405020304" pitchFamily="18" charset="0"/>
               </a:rPr>
               <a:t>Провести исследование разработанного метода</a:t>
-            </a:r>
-          </a:p>
-          <a:p>
-            <a:r>
-              <a:rPr lang="ru-RU" dirty="0">
-                <a:latin typeface="Times New Roman" panose="02020603050405020304" pitchFamily="18" charset="0"/>
-                <a:cs typeface="Times New Roman" panose="02020603050405020304" pitchFamily="18" charset="0"/>
-              </a:rPr>
-              <a:t>Дать рекомендации о применимости</a:t>
             </a:r>
           </a:p>
         </p:txBody>
@@ -8301,192 +8081,6 @@
     <p:extLst>
       <p:ext uri="{BB962C8B-B14F-4D97-AF65-F5344CB8AC3E}">
         <p14:creationId xmlns:p14="http://schemas.microsoft.com/office/powerpoint/2010/main" val="2995219176"/>
-      </p:ext>
-    </p:extLst>
-  </p:cSld>
-  <p:clrMapOvr>
-    <a:masterClrMapping/>
-  </p:clrMapOvr>
-</p:sld>
-</file>
-
-<file path=ppt/slides/slide20.xml><?xml version="1.0" encoding="utf-8"?>
-<p:sld xmlns:a="http://schemas.openxmlformats.org/drawingml/2006/main" xmlns:r="http://schemas.openxmlformats.org/officeDocument/2006/relationships" xmlns:p="http://schemas.openxmlformats.org/presentationml/2006/main">
-  <p:cSld>
-    <p:spTree>
-      <p:nvGrpSpPr>
-        <p:cNvPr id="1" name=""/>
-        <p:cNvGrpSpPr/>
-        <p:nvPr/>
-      </p:nvGrpSpPr>
-      <p:grpSpPr>
-        <a:xfrm>
-          <a:off x="0" y="0"/>
-          <a:ext cx="0" cy="0"/>
-          <a:chOff x="0" y="0"/>
-          <a:chExt cx="0" cy="0"/>
-        </a:xfrm>
-      </p:grpSpPr>
-      <p:sp>
-        <p:nvSpPr>
-          <p:cNvPr id="2" name="Заголовок 1">
-            <a:extLst>
-              <a:ext uri="{FF2B5EF4-FFF2-40B4-BE49-F238E27FC236}">
-                <a16:creationId xmlns:a16="http://schemas.microsoft.com/office/drawing/2014/main" id="{2EF7BDBA-1A10-4066-A3B8-594856391568}"/>
-              </a:ext>
-            </a:extLst>
-          </p:cNvPr>
-          <p:cNvSpPr>
-            <a:spLocks noGrp="1"/>
-          </p:cNvSpPr>
-          <p:nvPr>
-            <p:ph type="title"/>
-          </p:nvPr>
-        </p:nvSpPr>
-        <p:spPr/>
-        <p:txBody>
-          <a:bodyPr/>
-          <a:lstStyle/>
-          <a:p>
-            <a:pPr algn="ctr"/>
-            <a:r>
-              <a:rPr lang="ru-RU" dirty="0">
-                <a:latin typeface="Times New Roman" panose="02020603050405020304" pitchFamily="18" charset="0"/>
-                <a:cs typeface="Times New Roman" panose="02020603050405020304" pitchFamily="18" charset="0"/>
-              </a:rPr>
-              <a:t>Научные работы</a:t>
-            </a:r>
-            <a:endParaRPr lang="ru-RU" dirty="0">
-              <a:solidFill>
-                <a:srgbClr val="FF0000"/>
-              </a:solidFill>
-              <a:latin typeface="Times New Roman" panose="02020603050405020304" pitchFamily="18" charset="0"/>
-              <a:cs typeface="Times New Roman" panose="02020603050405020304" pitchFamily="18" charset="0"/>
-            </a:endParaRPr>
-          </a:p>
-        </p:txBody>
-      </p:sp>
-      <p:sp>
-        <p:nvSpPr>
-          <p:cNvPr id="3" name="Объект 2">
-            <a:extLst>
-              <a:ext uri="{FF2B5EF4-FFF2-40B4-BE49-F238E27FC236}">
-                <a16:creationId xmlns:a16="http://schemas.microsoft.com/office/drawing/2014/main" id="{A857D267-F777-45C3-8689-720B1EE95996}"/>
-              </a:ext>
-            </a:extLst>
-          </p:cNvPr>
-          <p:cNvSpPr>
-            <a:spLocks noGrp="1"/>
-          </p:cNvSpPr>
-          <p:nvPr>
-            <p:ph idx="1"/>
-          </p:nvPr>
-        </p:nvSpPr>
-        <p:spPr/>
-        <p:txBody>
-          <a:bodyPr/>
-          <a:lstStyle/>
-          <a:p>
-            <a:pPr>
-              <a:buNone/>
-            </a:pPr>
-            <a:r>
-              <a:rPr lang="ru-RU" dirty="0">
-                <a:latin typeface="Times New Roman" panose="02020603050405020304" pitchFamily="18" charset="0"/>
-                <a:cs typeface="Times New Roman" panose="02020603050405020304" pitchFamily="18" charset="0"/>
-              </a:rPr>
-              <a:t>Принята в печать 1 публикация</a:t>
-            </a:r>
-            <a:endParaRPr lang="en-US" dirty="0">
-              <a:latin typeface="Times New Roman" panose="02020603050405020304" pitchFamily="18" charset="0"/>
-              <a:cs typeface="Times New Roman" panose="02020603050405020304" pitchFamily="18" charset="0"/>
-            </a:endParaRPr>
-          </a:p>
-          <a:p>
-            <a:r>
-              <a:rPr lang="ru-RU" dirty="0">
-                <a:latin typeface="Times New Roman" panose="02020603050405020304" pitchFamily="18" charset="0"/>
-                <a:cs typeface="Times New Roman" panose="02020603050405020304" pitchFamily="18" charset="0"/>
-              </a:rPr>
-              <a:t>Публикация «</a:t>
-            </a:r>
-            <a:r>
-              <a:rPr lang="en-US" b="1" dirty="0">
-                <a:latin typeface="Times New Roman" panose="02020603050405020304" pitchFamily="18" charset="0"/>
-                <a:cs typeface="Times New Roman" panose="02020603050405020304" pitchFamily="18" charset="0"/>
-              </a:rPr>
-              <a:t>TOWARDS A METHOD FOR DETERMINING SIGNS OF AUTHOR STYLE FOR TEXTS IN RUSSIAN</a:t>
-            </a:r>
-            <a:r>
-              <a:rPr lang="ru-RU" dirty="0">
-                <a:latin typeface="Times New Roman" panose="02020603050405020304" pitchFamily="18" charset="0"/>
-                <a:cs typeface="Times New Roman" panose="02020603050405020304" pitchFamily="18" charset="0"/>
-              </a:rPr>
-              <a:t>» в сборнике материалов Международной научно-практической конференции «</a:t>
-            </a:r>
-            <a:r>
-              <a:rPr lang="en-US" dirty="0">
-                <a:latin typeface="Times New Roman" panose="02020603050405020304" pitchFamily="18" charset="0"/>
-                <a:cs typeface="Times New Roman" panose="02020603050405020304" pitchFamily="18" charset="0"/>
-              </a:rPr>
-              <a:t>Information Innovative Technologies</a:t>
-            </a:r>
-            <a:r>
-              <a:rPr lang="ru-RU" dirty="0">
-                <a:latin typeface="Times New Roman" panose="02020603050405020304" pitchFamily="18" charset="0"/>
-                <a:cs typeface="Times New Roman" panose="02020603050405020304" pitchFamily="18" charset="0"/>
-              </a:rPr>
-              <a:t>» 2021 г., Прага (принято к публикации, РИНЦ)</a:t>
-            </a:r>
-          </a:p>
-        </p:txBody>
-      </p:sp>
-      <p:sp>
-        <p:nvSpPr>
-          <p:cNvPr id="4" name="Номер слайда 3">
-            <a:extLst>
-              <a:ext uri="{FF2B5EF4-FFF2-40B4-BE49-F238E27FC236}">
-                <a16:creationId xmlns:a16="http://schemas.microsoft.com/office/drawing/2014/main" id="{0C7F7B11-7AB8-4C4D-9843-4D1870F5B2C5}"/>
-              </a:ext>
-            </a:extLst>
-          </p:cNvPr>
-          <p:cNvSpPr>
-            <a:spLocks noGrp="1"/>
-          </p:cNvSpPr>
-          <p:nvPr>
-            <p:ph type="sldNum" sz="quarter" idx="12"/>
-          </p:nvPr>
-        </p:nvSpPr>
-        <p:spPr/>
-        <p:txBody>
-          <a:bodyPr vert="horz" lIns="91440" tIns="45720" rIns="91440" bIns="45720" rtlCol="0" anchor="ctr"/>
-          <a:lstStyle/>
-          <a:p>
-            <a:fld id="{8B784E8A-7D10-4AAF-929C-959B71E0249E}" type="slidenum">
-              <a:rPr lang="ru-RU" sz="2400" smtClean="0">
-                <a:solidFill>
-                  <a:schemeClr val="tx1"/>
-                </a:solidFill>
-                <a:latin typeface="Times New Roman" pitchFamily="18" charset="0"/>
-                <a:cs typeface="Times New Roman" pitchFamily="18" charset="0"/>
-              </a:rPr>
-              <a:pPr/>
-              <a:t>20</a:t>
-            </a:fld>
-            <a:endParaRPr lang="ru-RU" sz="2400" dirty="0">
-              <a:solidFill>
-                <a:schemeClr val="tx1"/>
-              </a:solidFill>
-              <a:latin typeface="Times New Roman" pitchFamily="18" charset="0"/>
-              <a:cs typeface="Times New Roman" pitchFamily="18" charset="0"/>
-            </a:endParaRPr>
-          </a:p>
-        </p:txBody>
-      </p:sp>
-    </p:spTree>
-    <p:extLst>
-      <p:ext uri="{BB962C8B-B14F-4D97-AF65-F5344CB8AC3E}">
-        <p14:creationId xmlns:p14="http://schemas.microsoft.com/office/powerpoint/2010/main" val="2575222840"/>
       </p:ext>
     </p:extLst>
   </p:cSld>
@@ -8749,13 +8343,13 @@
         </p:nvSpPr>
         <p:spPr>
           <a:xfrm>
-            <a:off x="838199" y="1825624"/>
-            <a:ext cx="10929079" cy="4895851"/>
+            <a:off x="676894" y="1825624"/>
+            <a:ext cx="11020301" cy="4895851"/>
           </a:xfrm>
         </p:spPr>
         <p:txBody>
           <a:bodyPr>
-            <a:normAutofit/>
+            <a:normAutofit fontScale="92500" lnSpcReduction="20000"/>
           </a:bodyPr>
           <a:lstStyle/>
           <a:p>
@@ -8766,11 +8360,18 @@
               <a:buNone/>
             </a:pPr>
             <a:r>
-              <a:rPr lang="ru-RU" u="sng" dirty="0">
-                <a:latin typeface="Times New Roman" panose="02020603050405020304" pitchFamily="18" charset="0"/>
-                <a:cs typeface="Times New Roman" panose="02020603050405020304" pitchFamily="18" charset="0"/>
-              </a:rPr>
-              <a:t>Метод полного синтаксического анализа</a:t>
+              <a:rPr lang="ru-RU" sz="2000" b="1" dirty="0">
+                <a:latin typeface="Times New Roman" panose="02020603050405020304" pitchFamily="18" charset="0"/>
+                <a:cs typeface="Times New Roman" panose="02020603050405020304" pitchFamily="18" charset="0"/>
+              </a:rPr>
+              <a:t>Метод полного синтаксического анализа </a:t>
+            </a:r>
+            <a:r>
+              <a:rPr lang="ru-RU" sz="2000" dirty="0">
+                <a:latin typeface="Times New Roman" panose="02020603050405020304" pitchFamily="18" charset="0"/>
+                <a:cs typeface="Times New Roman" panose="02020603050405020304" pitchFamily="18" charset="0"/>
+              </a:rPr>
+              <a:t>– требует вмешательства эксперта</a:t>
             </a:r>
           </a:p>
           <a:p>
@@ -8780,7 +8381,7 @@
               </a:lnSpc>
             </a:pPr>
             <a:r>
-              <a:rPr lang="ru-RU" dirty="0">
+              <a:rPr lang="ru-RU" sz="2000" dirty="0">
                 <a:latin typeface="Times New Roman" panose="02020603050405020304" pitchFamily="18" charset="0"/>
                 <a:cs typeface="Times New Roman" panose="02020603050405020304" pitchFamily="18" charset="0"/>
               </a:rPr>
@@ -8794,7 +8395,7 @@
               </a:lnSpc>
             </a:pPr>
             <a:r>
-              <a:rPr lang="ru-RU" dirty="0">
+              <a:rPr lang="ru-RU" sz="2000" dirty="0">
                 <a:latin typeface="Times New Roman" panose="02020603050405020304" pitchFamily="18" charset="0"/>
                 <a:cs typeface="Times New Roman" panose="02020603050405020304" pitchFamily="18" charset="0"/>
               </a:rPr>
@@ -8809,27 +8410,34 @@
               <a:buNone/>
             </a:pPr>
             <a:r>
-              <a:rPr lang="ru-RU" u="sng" dirty="0">
+              <a:rPr lang="ru-RU" sz="2000" b="1" dirty="0">
                 <a:latin typeface="Times New Roman" panose="02020603050405020304" pitchFamily="18" charset="0"/>
                 <a:cs typeface="Times New Roman" panose="02020603050405020304" pitchFamily="18" charset="0"/>
               </a:rPr>
               <a:t>Метод </a:t>
             </a:r>
             <a:r>
-              <a:rPr lang="ru-RU" u="sng" dirty="0" err="1">
+              <a:rPr lang="ru-RU" sz="2000" b="1" dirty="0" err="1">
                 <a:latin typeface="Times New Roman" panose="02020603050405020304" pitchFamily="18" charset="0"/>
                 <a:cs typeface="Times New Roman" panose="02020603050405020304" pitchFamily="18" charset="0"/>
               </a:rPr>
               <a:t>энтропийной</a:t>
             </a:r>
             <a:r>
-              <a:rPr lang="ru-RU" u="sng" dirty="0">
-                <a:latin typeface="Times New Roman" panose="02020603050405020304" pitchFamily="18" charset="0"/>
-                <a:cs typeface="Times New Roman" panose="02020603050405020304" pitchFamily="18" charset="0"/>
-              </a:rPr>
-              <a:t> классификации</a:t>
-            </a:r>
-            <a:endParaRPr lang="en-US" u="sng" dirty="0">
+              <a:rPr lang="ru-RU" sz="2000" b="1" dirty="0">
+                <a:latin typeface="Times New Roman" panose="02020603050405020304" pitchFamily="18" charset="0"/>
+                <a:cs typeface="Times New Roman" panose="02020603050405020304" pitchFamily="18" charset="0"/>
+              </a:rPr>
+              <a:t> классификации </a:t>
+            </a:r>
+            <a:r>
+              <a:rPr lang="ru-RU" sz="2000" dirty="0">
+                <a:latin typeface="Times New Roman" panose="02020603050405020304" pitchFamily="18" charset="0"/>
+                <a:cs typeface="Times New Roman" panose="02020603050405020304" pitchFamily="18" charset="0"/>
+              </a:rPr>
+              <a:t>– дает разные результаты на текстах разной длины с разными алгоритмами сжатия</a:t>
+            </a:r>
+            <a:endParaRPr lang="en-US" sz="2000" dirty="0">
               <a:latin typeface="Times New Roman" panose="02020603050405020304" pitchFamily="18" charset="0"/>
               <a:cs typeface="Times New Roman" panose="02020603050405020304" pitchFamily="18" charset="0"/>
             </a:endParaRPr>
@@ -8841,7 +8449,7 @@
               </a:lnSpc>
             </a:pPr>
             <a:r>
-              <a:rPr lang="ru-RU" dirty="0">
+              <a:rPr lang="ru-RU" sz="2000" dirty="0">
                 <a:latin typeface="Times New Roman" panose="02020603050405020304" pitchFamily="18" charset="0"/>
                 <a:cs typeface="Times New Roman" panose="02020603050405020304" pitchFamily="18" charset="0"/>
               </a:rPr>
@@ -8856,11 +8464,18 @@
               <a:buNone/>
             </a:pPr>
             <a:r>
-              <a:rPr lang="ru-RU" u="sng" dirty="0">
-                <a:latin typeface="Times New Roman" panose="02020603050405020304" pitchFamily="18" charset="0"/>
-                <a:cs typeface="Times New Roman" panose="02020603050405020304" pitchFamily="18" charset="0"/>
-              </a:rPr>
-              <a:t>Метод анализа длин слов</a:t>
+              <a:rPr lang="ru-RU" sz="2000" b="1" dirty="0">
+                <a:latin typeface="Times New Roman" panose="02020603050405020304" pitchFamily="18" charset="0"/>
+                <a:cs typeface="Times New Roman" panose="02020603050405020304" pitchFamily="18" charset="0"/>
+              </a:rPr>
+              <a:t>Метод анализа длин слов </a:t>
+            </a:r>
+            <a:r>
+              <a:rPr lang="ru-RU" sz="2000" dirty="0">
+                <a:latin typeface="Times New Roman" panose="02020603050405020304" pitchFamily="18" charset="0"/>
+                <a:cs typeface="Times New Roman" panose="02020603050405020304" pitchFamily="18" charset="0"/>
+              </a:rPr>
+              <a:t>– различает художественный, научный, публицистический, разговорный стили</a:t>
             </a:r>
           </a:p>
           <a:p>
@@ -8870,7 +8485,7 @@
               </a:lnSpc>
             </a:pPr>
             <a:r>
-              <a:rPr lang="ru-RU" dirty="0">
+              <a:rPr lang="ru-RU" sz="2000" dirty="0">
                 <a:latin typeface="Times New Roman" panose="02020603050405020304" pitchFamily="18" charset="0"/>
                 <a:cs typeface="Times New Roman" panose="02020603050405020304" pitchFamily="18" charset="0"/>
               </a:rPr>
@@ -8885,11 +8500,93 @@
               <a:buNone/>
             </a:pPr>
             <a:r>
-              <a:rPr lang="ru-RU" u="sng" dirty="0">
-                <a:latin typeface="Times New Roman" panose="02020603050405020304" pitchFamily="18" charset="0"/>
-                <a:cs typeface="Times New Roman" panose="02020603050405020304" pitchFamily="18" charset="0"/>
-              </a:rPr>
-              <a:t>Рекуррентные нейронные сети</a:t>
+              <a:rPr lang="ru-RU" sz="2000" b="1" dirty="0">
+                <a:latin typeface="Times New Roman" panose="02020603050405020304" pitchFamily="18" charset="0"/>
+                <a:cs typeface="Times New Roman" panose="02020603050405020304" pitchFamily="18" charset="0"/>
+              </a:rPr>
+              <a:t>Рекуррентные нейронные сети </a:t>
+            </a:r>
+            <a:r>
+              <a:rPr lang="ru-RU" sz="2000" dirty="0">
+                <a:latin typeface="Times New Roman" panose="02020603050405020304" pitchFamily="18" charset="0"/>
+                <a:cs typeface="Times New Roman" panose="02020603050405020304" pitchFamily="18" charset="0"/>
+              </a:rPr>
+              <a:t>– работает с последовательностями разной длины в зависимости от функции активации</a:t>
+            </a:r>
+            <a:endParaRPr lang="ru-RU" sz="2000" b="1" dirty="0">
+              <a:latin typeface="Times New Roman" panose="02020603050405020304" pitchFamily="18" charset="0"/>
+              <a:cs typeface="Times New Roman" panose="02020603050405020304" pitchFamily="18" charset="0"/>
+            </a:endParaRPr>
+          </a:p>
+          <a:p>
+            <a:pPr lvl="1">
+              <a:lnSpc>
+                <a:spcPct val="110000"/>
+              </a:lnSpc>
+            </a:pPr>
+            <a:r>
+              <a:rPr lang="ru-RU" sz="2000" dirty="0">
+                <a:latin typeface="Times New Roman" panose="02020603050405020304" pitchFamily="18" charset="0"/>
+                <a:cs typeface="Times New Roman" panose="02020603050405020304" pitchFamily="18" charset="0"/>
+              </a:rPr>
+              <a:t>Значение на выходном узле</a:t>
+            </a:r>
+          </a:p>
+          <a:p>
+            <a:pPr marL="0" indent="0">
+              <a:lnSpc>
+                <a:spcPct val="110000"/>
+              </a:lnSpc>
+              <a:buNone/>
+            </a:pPr>
+            <a:r>
+              <a:rPr lang="en-US" sz="2000" b="1" dirty="0">
+                <a:latin typeface="Times New Roman" panose="02020603050405020304" pitchFamily="18" charset="0"/>
+                <a:cs typeface="Times New Roman" panose="02020603050405020304" pitchFamily="18" charset="0"/>
+              </a:rPr>
+              <a:t>N-</a:t>
+            </a:r>
+            <a:r>
+              <a:rPr lang="ru-RU" sz="2000" b="1" dirty="0">
+                <a:latin typeface="Times New Roman" panose="02020603050405020304" pitchFamily="18" charset="0"/>
+                <a:cs typeface="Times New Roman" panose="02020603050405020304" pitchFamily="18" charset="0"/>
+              </a:rPr>
+              <a:t>граммы </a:t>
+            </a:r>
+            <a:r>
+              <a:rPr lang="ru-RU" sz="2000" dirty="0">
+                <a:latin typeface="Times New Roman" panose="02020603050405020304" pitchFamily="18" charset="0"/>
+                <a:cs typeface="Times New Roman" panose="02020603050405020304" pitchFamily="18" charset="0"/>
+              </a:rPr>
+              <a:t>– позволяет учитывать порядок слов</a:t>
+            </a:r>
+          </a:p>
+          <a:p>
+            <a:pPr lvl="1">
+              <a:lnSpc>
+                <a:spcPct val="110000"/>
+              </a:lnSpc>
+            </a:pPr>
+            <a:r>
+              <a:rPr lang="ru-RU" sz="2000" dirty="0">
+                <a:latin typeface="Times New Roman" panose="02020603050405020304" pitchFamily="18" charset="0"/>
+                <a:cs typeface="Times New Roman" panose="02020603050405020304" pitchFamily="18" charset="0"/>
+              </a:rPr>
+              <a:t>Частотное распределение </a:t>
+            </a:r>
+            <a:r>
+              <a:rPr lang="en-US" sz="2000" dirty="0">
+                <a:latin typeface="Times New Roman" panose="02020603050405020304" pitchFamily="18" charset="0"/>
+                <a:cs typeface="Times New Roman" panose="02020603050405020304" pitchFamily="18" charset="0"/>
+              </a:rPr>
+              <a:t>N-</a:t>
+            </a:r>
+            <a:r>
+              <a:rPr lang="ru-RU" sz="2000" dirty="0">
+                <a:latin typeface="Times New Roman" panose="02020603050405020304" pitchFamily="18" charset="0"/>
+                <a:cs typeface="Times New Roman" panose="02020603050405020304" pitchFamily="18" charset="0"/>
+              </a:rPr>
+              <a:t>грамм</a:t>
             </a:r>
           </a:p>
           <a:p>
@@ -9001,6 +8698,417 @@
           <a:p>
             <a:pPr algn="ctr"/>
             <a:r>
+              <a:rPr lang="ru-RU" dirty="0">
+                <a:latin typeface="Times New Roman" panose="02020603050405020304" pitchFamily="18" charset="0"/>
+                <a:cs typeface="Times New Roman" panose="02020603050405020304" pitchFamily="18" charset="0"/>
+              </a:rPr>
+              <a:t>Функциональная схема метода образования </a:t>
+            </a:r>
+            <a:r>
+              <a:rPr lang="ru-RU" dirty="0" err="1">
+                <a:latin typeface="Times New Roman" panose="02020603050405020304" pitchFamily="18" charset="0"/>
+                <a:cs typeface="Times New Roman" panose="02020603050405020304" pitchFamily="18" charset="0"/>
+              </a:rPr>
+              <a:t>частеречных</a:t>
+            </a:r>
+            <a:r>
+              <a:rPr lang="ru-RU" dirty="0">
+                <a:latin typeface="Times New Roman" panose="02020603050405020304" pitchFamily="18" charset="0"/>
+                <a:cs typeface="Times New Roman" panose="02020603050405020304" pitchFamily="18" charset="0"/>
+              </a:rPr>
+              <a:t> </a:t>
+            </a:r>
+            <a:r>
+              <a:rPr lang="en-US" dirty="0">
+                <a:latin typeface="Times New Roman" panose="02020603050405020304" pitchFamily="18" charset="0"/>
+                <a:cs typeface="Times New Roman" panose="02020603050405020304" pitchFamily="18" charset="0"/>
+              </a:rPr>
+              <a:t>N-</a:t>
+            </a:r>
+            <a:r>
+              <a:rPr lang="ru-RU" dirty="0">
+                <a:latin typeface="Times New Roman" panose="02020603050405020304" pitchFamily="18" charset="0"/>
+                <a:cs typeface="Times New Roman" panose="02020603050405020304" pitchFamily="18" charset="0"/>
+              </a:rPr>
+              <a:t>грамм</a:t>
+            </a:r>
+          </a:p>
+        </p:txBody>
+      </p:sp>
+      <p:pic>
+        <p:nvPicPr>
+          <p:cNvPr id="6" name="Объект 5">
+            <a:extLst>
+              <a:ext uri="{FF2B5EF4-FFF2-40B4-BE49-F238E27FC236}">
+                <a16:creationId xmlns:a16="http://schemas.microsoft.com/office/drawing/2014/main" id="{7BB95BA6-941F-0B49-9035-48ED6B2766D1}"/>
+              </a:ext>
+            </a:extLst>
+          </p:cNvPr>
+          <p:cNvPicPr>
+            <a:picLocks noGrp="1" noChangeAspect="1"/>
+          </p:cNvPicPr>
+          <p:nvPr>
+            <p:ph idx="1"/>
+          </p:nvPr>
+        </p:nvPicPr>
+        <p:blipFill>
+          <a:blip r:embed="rId2">
+            <a:extLst>
+              <a:ext uri="{28A0092B-C50C-407E-A947-70E740481C1C}">
+                <a14:useLocalDpi xmlns:a14="http://schemas.microsoft.com/office/drawing/2010/main" val="0"/>
+              </a:ext>
+            </a:extLst>
+          </a:blip>
+          <a:stretch>
+            <a:fillRect/>
+          </a:stretch>
+        </p:blipFill>
+        <p:spPr>
+          <a:xfrm>
+            <a:off x="1773324" y="1690688"/>
+            <a:ext cx="8653688" cy="5167312"/>
+          </a:xfrm>
+        </p:spPr>
+      </p:pic>
+      <p:sp>
+        <p:nvSpPr>
+          <p:cNvPr id="4" name="Номер слайда 3">
+            <a:extLst>
+              <a:ext uri="{FF2B5EF4-FFF2-40B4-BE49-F238E27FC236}">
+                <a16:creationId xmlns:a16="http://schemas.microsoft.com/office/drawing/2014/main" id="{3690E022-ED8E-4C31-92F6-7E247E60D645}"/>
+              </a:ext>
+            </a:extLst>
+          </p:cNvPr>
+          <p:cNvSpPr>
+            <a:spLocks noGrp="1"/>
+          </p:cNvSpPr>
+          <p:nvPr>
+            <p:ph type="sldNum" sz="quarter" idx="12"/>
+          </p:nvPr>
+        </p:nvSpPr>
+        <p:spPr/>
+        <p:txBody>
+          <a:bodyPr vert="horz" lIns="91440" tIns="45720" rIns="91440" bIns="45720" rtlCol="0" anchor="ctr"/>
+          <a:lstStyle/>
+          <a:p>
+            <a:fld id="{8B784E8A-7D10-4AAF-929C-959B71E0249E}" type="slidenum">
+              <a:rPr lang="ru-RU" sz="2400" smtClean="0">
+                <a:solidFill>
+                  <a:schemeClr val="tx1"/>
+                </a:solidFill>
+                <a:latin typeface="Times New Roman" pitchFamily="18" charset="0"/>
+                <a:cs typeface="Times New Roman" pitchFamily="18" charset="0"/>
+              </a:rPr>
+              <a:pPr/>
+              <a:t>5</a:t>
+            </a:fld>
+            <a:endParaRPr lang="ru-RU" sz="2400" dirty="0">
+              <a:solidFill>
+                <a:schemeClr val="tx1"/>
+              </a:solidFill>
+              <a:latin typeface="Times New Roman" pitchFamily="18" charset="0"/>
+              <a:cs typeface="Times New Roman" pitchFamily="18" charset="0"/>
+            </a:endParaRPr>
+          </a:p>
+        </p:txBody>
+      </p:sp>
+    </p:spTree>
+    <p:extLst>
+      <p:ext uri="{BB962C8B-B14F-4D97-AF65-F5344CB8AC3E}">
+        <p14:creationId xmlns:p14="http://schemas.microsoft.com/office/powerpoint/2010/main" val="3157492762"/>
+      </p:ext>
+    </p:extLst>
+  </p:cSld>
+  <p:clrMapOvr>
+    <a:masterClrMapping/>
+  </p:clrMapOvr>
+</p:sld>
+</file>
+
+<file path=ppt/slides/slide6.xml><?xml version="1.0" encoding="utf-8"?>
+<p:sld xmlns:a="http://schemas.openxmlformats.org/drawingml/2006/main" xmlns:r="http://schemas.openxmlformats.org/officeDocument/2006/relationships" xmlns:p="http://schemas.openxmlformats.org/presentationml/2006/main">
+  <p:cSld>
+    <p:spTree>
+      <p:nvGrpSpPr>
+        <p:cNvPr id="1" name=""/>
+        <p:cNvGrpSpPr/>
+        <p:nvPr/>
+      </p:nvGrpSpPr>
+      <p:grpSpPr>
+        <a:xfrm>
+          <a:off x="0" y="0"/>
+          <a:ext cx="0" cy="0"/>
+          <a:chOff x="0" y="0"/>
+          <a:chExt cx="0" cy="0"/>
+        </a:xfrm>
+      </p:grpSpPr>
+      <p:sp>
+        <p:nvSpPr>
+          <p:cNvPr id="2" name="Заголовок 1">
+            <a:extLst>
+              <a:ext uri="{FF2B5EF4-FFF2-40B4-BE49-F238E27FC236}">
+                <a16:creationId xmlns:a16="http://schemas.microsoft.com/office/drawing/2014/main" id="{5FBB8991-166F-486F-B1BE-57CF6CA9C6A5}"/>
+              </a:ext>
+            </a:extLst>
+          </p:cNvPr>
+          <p:cNvSpPr>
+            <a:spLocks noGrp="1"/>
+          </p:cNvSpPr>
+          <p:nvPr>
+            <p:ph type="title"/>
+          </p:nvPr>
+        </p:nvSpPr>
+        <p:spPr/>
+        <p:txBody>
+          <a:bodyPr/>
+          <a:lstStyle/>
+          <a:p>
+            <a:pPr algn="ctr"/>
+            <a:r>
+              <a:rPr lang="ru-RU" dirty="0">
+                <a:latin typeface="Times New Roman" panose="02020603050405020304" pitchFamily="18" charset="0"/>
+                <a:cs typeface="Times New Roman" panose="02020603050405020304" pitchFamily="18" charset="0"/>
+              </a:rPr>
+              <a:t>Этапы обработки текста</a:t>
+            </a:r>
+          </a:p>
+        </p:txBody>
+      </p:sp>
+      <p:sp>
+        <p:nvSpPr>
+          <p:cNvPr id="4" name="Номер слайда 3">
+            <a:extLst>
+              <a:ext uri="{FF2B5EF4-FFF2-40B4-BE49-F238E27FC236}">
+                <a16:creationId xmlns:a16="http://schemas.microsoft.com/office/drawing/2014/main" id="{3690E022-ED8E-4C31-92F6-7E247E60D645}"/>
+              </a:ext>
+            </a:extLst>
+          </p:cNvPr>
+          <p:cNvSpPr>
+            <a:spLocks noGrp="1"/>
+          </p:cNvSpPr>
+          <p:nvPr>
+            <p:ph type="sldNum" sz="quarter" idx="12"/>
+          </p:nvPr>
+        </p:nvSpPr>
+        <p:spPr/>
+        <p:txBody>
+          <a:bodyPr vert="horz" lIns="91440" tIns="45720" rIns="91440" bIns="45720" rtlCol="0" anchor="ctr"/>
+          <a:lstStyle/>
+          <a:p>
+            <a:fld id="{8B784E8A-7D10-4AAF-929C-959B71E0249E}" type="slidenum">
+              <a:rPr lang="ru-RU" sz="2400" smtClean="0">
+                <a:solidFill>
+                  <a:schemeClr val="tx1"/>
+                </a:solidFill>
+                <a:latin typeface="Times New Roman" pitchFamily="18" charset="0"/>
+                <a:cs typeface="Times New Roman" pitchFamily="18" charset="0"/>
+              </a:rPr>
+              <a:pPr/>
+              <a:t>6</a:t>
+            </a:fld>
+            <a:endParaRPr lang="ru-RU" sz="2400" dirty="0">
+              <a:solidFill>
+                <a:schemeClr val="tx1"/>
+              </a:solidFill>
+              <a:latin typeface="Times New Roman" pitchFamily="18" charset="0"/>
+              <a:cs typeface="Times New Roman" pitchFamily="18" charset="0"/>
+            </a:endParaRPr>
+          </a:p>
+        </p:txBody>
+      </p:sp>
+      <p:sp>
+        <p:nvSpPr>
+          <p:cNvPr id="5" name="Объект 4">
+            <a:extLst>
+              <a:ext uri="{FF2B5EF4-FFF2-40B4-BE49-F238E27FC236}">
+                <a16:creationId xmlns:a16="http://schemas.microsoft.com/office/drawing/2014/main" id="{97E5AAA8-7D72-BA4E-8ECE-51818FEEAD54}"/>
+              </a:ext>
+            </a:extLst>
+          </p:cNvPr>
+          <p:cNvSpPr>
+            <a:spLocks noGrp="1"/>
+          </p:cNvSpPr>
+          <p:nvPr>
+            <p:ph idx="1"/>
+          </p:nvPr>
+        </p:nvSpPr>
+        <p:spPr>
+          <a:xfrm>
+            <a:off x="838200" y="1825625"/>
+            <a:ext cx="10775868" cy="4076411"/>
+          </a:xfrm>
+        </p:spPr>
+        <p:txBody>
+          <a:bodyPr>
+            <a:normAutofit/>
+          </a:bodyPr>
+          <a:lstStyle/>
+          <a:p>
+            <a:r>
+              <a:rPr lang="ru-RU" dirty="0" err="1">
+                <a:latin typeface="Times New Roman" panose="02020603050405020304" pitchFamily="18" charset="0"/>
+                <a:cs typeface="Times New Roman" panose="02020603050405020304" pitchFamily="18" charset="0"/>
+              </a:rPr>
+              <a:t>Токенизация</a:t>
+            </a:r>
+            <a:r>
+              <a:rPr lang="ru-RU" dirty="0">
+                <a:latin typeface="Times New Roman" panose="02020603050405020304" pitchFamily="18" charset="0"/>
+                <a:cs typeface="Times New Roman" panose="02020603050405020304" pitchFamily="18" charset="0"/>
+              </a:rPr>
+              <a:t> – разбиение непрерывной строки на отдельные </a:t>
+            </a:r>
+            <a:r>
+              <a:rPr lang="ru-RU" dirty="0" err="1">
+                <a:latin typeface="Times New Roman" panose="02020603050405020304" pitchFamily="18" charset="0"/>
+                <a:cs typeface="Times New Roman" panose="02020603050405020304" pitchFamily="18" charset="0"/>
+              </a:rPr>
+              <a:t>токены</a:t>
+            </a:r>
+            <a:endParaRPr lang="ru-RU" dirty="0">
+              <a:latin typeface="Times New Roman" panose="02020603050405020304" pitchFamily="18" charset="0"/>
+              <a:cs typeface="Times New Roman" panose="02020603050405020304" pitchFamily="18" charset="0"/>
+            </a:endParaRPr>
+          </a:p>
+          <a:p>
+            <a:pPr marL="0" indent="0">
+              <a:buNone/>
+            </a:pPr>
+            <a:endParaRPr lang="ru-RU" dirty="0">
+              <a:latin typeface="Times New Roman" panose="02020603050405020304" pitchFamily="18" charset="0"/>
+              <a:cs typeface="Times New Roman" panose="02020603050405020304" pitchFamily="18" charset="0"/>
+            </a:endParaRPr>
+          </a:p>
+          <a:p>
+            <a:pPr>
+              <a:lnSpc>
+                <a:spcPct val="100000"/>
+              </a:lnSpc>
+            </a:pPr>
+            <a:r>
+              <a:rPr lang="ru-RU" dirty="0" err="1">
+                <a:latin typeface="Times New Roman" panose="02020603050405020304" pitchFamily="18" charset="0"/>
+                <a:cs typeface="Times New Roman" panose="02020603050405020304" pitchFamily="18" charset="0"/>
+              </a:rPr>
+              <a:t>Лемматизация</a:t>
+            </a:r>
+            <a:r>
+              <a:rPr lang="ru-RU" dirty="0">
+                <a:latin typeface="Times New Roman" panose="02020603050405020304" pitchFamily="18" charset="0"/>
+                <a:cs typeface="Times New Roman" panose="02020603050405020304" pitchFamily="18" charset="0"/>
+              </a:rPr>
+              <a:t> – приведение каждого слова к его начальной форме, основанное на использовании словарей</a:t>
+            </a:r>
+            <a:endParaRPr lang="en-US" dirty="0">
+              <a:latin typeface="Times New Roman" panose="02020603050405020304" pitchFamily="18" charset="0"/>
+              <a:cs typeface="Times New Roman" panose="02020603050405020304" pitchFamily="18" charset="0"/>
+            </a:endParaRPr>
+          </a:p>
+          <a:p>
+            <a:pPr lvl="1">
+              <a:lnSpc>
+                <a:spcPct val="100000"/>
+              </a:lnSpc>
+            </a:pPr>
+            <a:r>
+              <a:rPr lang="ru-RU" dirty="0">
+                <a:latin typeface="Times New Roman" panose="02020603050405020304" pitchFamily="18" charset="0"/>
+                <a:cs typeface="Times New Roman" panose="02020603050405020304" pitchFamily="18" charset="0"/>
+              </a:rPr>
+              <a:t>используется библиотека </a:t>
+            </a:r>
+            <a:r>
+              <a:rPr lang="en-US" dirty="0">
+                <a:latin typeface="Times New Roman" panose="02020603050405020304" pitchFamily="18" charset="0"/>
+                <a:cs typeface="Times New Roman" panose="02020603050405020304" pitchFamily="18" charset="0"/>
+              </a:rPr>
+              <a:t>pymorphy2</a:t>
+            </a:r>
+            <a:r>
+              <a:rPr lang="ru-RU" dirty="0">
+                <a:latin typeface="Times New Roman" panose="02020603050405020304" pitchFamily="18" charset="0"/>
+                <a:cs typeface="Times New Roman" panose="02020603050405020304" pitchFamily="18" charset="0"/>
+              </a:rPr>
+              <a:t> на основе словарей </a:t>
+            </a:r>
+            <a:r>
+              <a:rPr lang="en-US" dirty="0" err="1">
+                <a:latin typeface="Times New Roman" panose="02020603050405020304" pitchFamily="18" charset="0"/>
+                <a:cs typeface="Times New Roman" panose="02020603050405020304" pitchFamily="18" charset="0"/>
+              </a:rPr>
+              <a:t>OpenCorpora</a:t>
+            </a:r>
+            <a:endParaRPr lang="ru-RU" dirty="0">
+              <a:latin typeface="Times New Roman" panose="02020603050405020304" pitchFamily="18" charset="0"/>
+              <a:cs typeface="Times New Roman" panose="02020603050405020304" pitchFamily="18" charset="0"/>
+            </a:endParaRPr>
+          </a:p>
+          <a:p>
+            <a:pPr>
+              <a:lnSpc>
+                <a:spcPct val="100000"/>
+              </a:lnSpc>
+            </a:pPr>
+            <a:endParaRPr lang="ru-RU" dirty="0">
+              <a:latin typeface="Times New Roman" panose="02020603050405020304" pitchFamily="18" charset="0"/>
+              <a:cs typeface="Times New Roman" panose="02020603050405020304" pitchFamily="18" charset="0"/>
+            </a:endParaRPr>
+          </a:p>
+        </p:txBody>
+      </p:sp>
+    </p:spTree>
+    <p:extLst>
+      <p:ext uri="{BB962C8B-B14F-4D97-AF65-F5344CB8AC3E}">
+        <p14:creationId xmlns:p14="http://schemas.microsoft.com/office/powerpoint/2010/main" val="3413123625"/>
+      </p:ext>
+    </p:extLst>
+  </p:cSld>
+  <p:clrMapOvr>
+    <a:masterClrMapping/>
+  </p:clrMapOvr>
+</p:sld>
+</file>
+
+<file path=ppt/slides/slide7.xml><?xml version="1.0" encoding="utf-8"?>
+<p:sld xmlns:a="http://schemas.openxmlformats.org/drawingml/2006/main" xmlns:r="http://schemas.openxmlformats.org/officeDocument/2006/relationships" xmlns:p="http://schemas.openxmlformats.org/presentationml/2006/main">
+  <p:cSld>
+    <p:spTree>
+      <p:nvGrpSpPr>
+        <p:cNvPr id="1" name=""/>
+        <p:cNvGrpSpPr/>
+        <p:nvPr/>
+      </p:nvGrpSpPr>
+      <p:grpSpPr>
+        <a:xfrm>
+          <a:off x="0" y="0"/>
+          <a:ext cx="0" cy="0"/>
+          <a:chOff x="0" y="0"/>
+          <a:chExt cx="0" cy="0"/>
+        </a:xfrm>
+      </p:grpSpPr>
+      <p:sp>
+        <p:nvSpPr>
+          <p:cNvPr id="2" name="Заголовок 1">
+            <a:extLst>
+              <a:ext uri="{FF2B5EF4-FFF2-40B4-BE49-F238E27FC236}">
+                <a16:creationId xmlns:a16="http://schemas.microsoft.com/office/drawing/2014/main" id="{5FBB8991-166F-486F-B1BE-57CF6CA9C6A5}"/>
+              </a:ext>
+            </a:extLst>
+          </p:cNvPr>
+          <p:cNvSpPr>
+            <a:spLocks noGrp="1"/>
+          </p:cNvSpPr>
+          <p:nvPr>
+            <p:ph type="title"/>
+          </p:nvPr>
+        </p:nvSpPr>
+        <p:spPr/>
+        <p:txBody>
+          <a:bodyPr/>
+          <a:lstStyle/>
+          <a:p>
+            <a:pPr algn="ctr"/>
+            <a:r>
               <a:rPr lang="ru-RU" dirty="0" err="1">
                 <a:latin typeface="Times New Roman" panose="02020603050405020304" pitchFamily="18" charset="0"/>
                 <a:cs typeface="Times New Roman" panose="02020603050405020304" pitchFamily="18" charset="0"/>
@@ -9050,7 +9158,7 @@
         <p:spPr>
           <a:xfrm>
             <a:off x="838200" y="1504990"/>
-            <a:ext cx="10929079" cy="4725077"/>
+            <a:ext cx="10929079" cy="4955187"/>
           </a:xfrm>
         </p:spPr>
         <p:txBody>
@@ -9157,6 +9265,16 @@
               </a:rPr>
               <a:t>грамму</a:t>
             </a:r>
+            <a:br>
+              <a:rPr lang="ru-RU" sz="2400" dirty="0">
+                <a:latin typeface="Times New Roman" panose="02020603050405020304" pitchFamily="18" charset="0"/>
+                <a:cs typeface="Times New Roman" panose="02020603050405020304" pitchFamily="18" charset="0"/>
+              </a:rPr>
+            </a:br>
+            <a:endParaRPr lang="ru-RU" sz="2400" b="1" dirty="0">
+              <a:latin typeface="Times New Roman" panose="02020603050405020304" pitchFamily="18" charset="0"/>
+              <a:cs typeface="Times New Roman" panose="02020603050405020304" pitchFamily="18" charset="0"/>
+            </a:endParaRPr>
           </a:p>
           <a:p>
             <a:pPr marL="0" indent="0">
@@ -9165,10 +9283,13 @@
               </a:lnSpc>
               <a:buNone/>
             </a:pPr>
-            <a:endParaRPr lang="ru-RU" sz="2400" b="1" dirty="0">
-              <a:latin typeface="Times New Roman" panose="02020603050405020304" pitchFamily="18" charset="0"/>
-              <a:cs typeface="Times New Roman" panose="02020603050405020304" pitchFamily="18" charset="0"/>
-            </a:endParaRPr>
+            <a:r>
+              <a:rPr lang="ru-RU" sz="2400" dirty="0">
+                <a:latin typeface="Times New Roman" panose="02020603050405020304" pitchFamily="18" charset="0"/>
+                <a:cs typeface="Times New Roman" panose="02020603050405020304" pitchFamily="18" charset="0"/>
+              </a:rPr>
+              <a:t>Для предложения «Последовательность подряд идущих слов»</a:t>
+            </a:r>
           </a:p>
           <a:p>
             <a:pPr marL="0" indent="0">
@@ -9178,16 +9299,19 @@
               <a:buNone/>
             </a:pPr>
             <a:r>
+              <a:rPr lang="ru-RU" sz="2400" dirty="0" err="1">
+                <a:latin typeface="Times New Roman" panose="02020603050405020304" pitchFamily="18" charset="0"/>
+                <a:cs typeface="Times New Roman" panose="02020603050405020304" pitchFamily="18" charset="0"/>
+              </a:rPr>
+              <a:t>Лемматизация</a:t>
+            </a:r>
+            <a:r>
               <a:rPr lang="ru-RU" sz="2400" dirty="0">
                 <a:latin typeface="Times New Roman" panose="02020603050405020304" pitchFamily="18" charset="0"/>
                 <a:cs typeface="Times New Roman" panose="02020603050405020304" pitchFamily="18" charset="0"/>
               </a:rPr>
-              <a:t>Для предложения «Последовательность подряд идущих слов»:</a:t>
-            </a:r>
-            <a:endParaRPr lang="ru-RU" sz="2400" b="1" dirty="0">
-              <a:latin typeface="Times New Roman" panose="02020603050405020304" pitchFamily="18" charset="0"/>
-              <a:cs typeface="Times New Roman" panose="02020603050405020304" pitchFamily="18" charset="0"/>
-            </a:endParaRPr>
+              <a:t>: «Последовательность подряд идущий слово»</a:t>
+            </a:r>
           </a:p>
           <a:p>
             <a:pPr marL="0" indent="0">
@@ -9233,7 +9357,7 @@
                 <a:cs typeface="Times New Roman" pitchFamily="18" charset="0"/>
               </a:rPr>
               <a:pPr/>
-              <a:t>5</a:t>
+              <a:t>7</a:t>
             </a:fld>
             <a:endParaRPr lang="ru-RU" sz="2400">
               <a:solidFill>
@@ -9260,13 +9384,13 @@
           <p:nvPr>
             <p:extLst>
               <p:ext uri="{D42A27DB-BD31-4B8C-83A1-F6EECF244321}">
-                <p14:modId xmlns:p14="http://schemas.microsoft.com/office/powerpoint/2010/main" val="797141147"/>
+                <p14:modId xmlns:p14="http://schemas.microsoft.com/office/powerpoint/2010/main" val="1322200408"/>
               </p:ext>
             </p:extLst>
           </p:nvPr>
         </p:nvGraphicFramePr>
         <p:xfrm>
-          <a:off x="838200" y="3998154"/>
+          <a:off x="838200" y="4226836"/>
           <a:ext cx="10763992" cy="2129514"/>
         </p:xfrm>
         <a:graphic>
@@ -9386,7 +9510,7 @@
                           <a:latin typeface="Times New Roman" panose="02020603050405020304" pitchFamily="18" charset="0"/>
                           <a:cs typeface="Times New Roman" panose="02020603050405020304" pitchFamily="18" charset="0"/>
                         </a:rPr>
-                        <a:t>подряд идущих</a:t>
+                        <a:t>подряд идущий</a:t>
                       </a:r>
                       <a:r>
                         <a:rPr lang="en-US" sz="1800" dirty="0">
@@ -9419,7 +9543,7 @@
                           <a:latin typeface="Times New Roman" panose="02020603050405020304" pitchFamily="18" charset="0"/>
                           <a:cs typeface="Times New Roman" panose="02020603050405020304" pitchFamily="18" charset="0"/>
                         </a:rPr>
-                        <a:t>идущих слов</a:t>
+                        <a:t>идущий слово</a:t>
                       </a:r>
                       <a:r>
                         <a:rPr lang="en-US" sz="1800" dirty="0">
@@ -9514,7 +9638,7 @@
                           <a:latin typeface="Times New Roman" panose="02020603050405020304" pitchFamily="18" charset="0"/>
                           <a:cs typeface="Times New Roman" panose="02020603050405020304" pitchFamily="18" charset="0"/>
                         </a:rPr>
-                        <a:t>Последовательность подряд идущих</a:t>
+                        <a:t>Последовательность подряд идущий</a:t>
                       </a:r>
                       <a:r>
                         <a:rPr lang="en-US" sz="1800" dirty="0">
@@ -9530,7 +9654,7 @@
                           <a:latin typeface="Times New Roman" panose="02020603050405020304" pitchFamily="18" charset="0"/>
                           <a:cs typeface="Times New Roman" panose="02020603050405020304" pitchFamily="18" charset="0"/>
                         </a:rPr>
-                        <a:t>подряд идущих слов</a:t>
+                        <a:t>подряд идущий слово</a:t>
                       </a:r>
                       <a:r>
                         <a:rPr lang="en-US" sz="1800" dirty="0">
@@ -9595,284 +9719,6 @@
 </p:sld>
 </file>
 
-<file path=ppt/slides/slide6.xml><?xml version="1.0" encoding="utf-8"?>
-<p:sld xmlns:a="http://schemas.openxmlformats.org/drawingml/2006/main" xmlns:r="http://schemas.openxmlformats.org/officeDocument/2006/relationships" xmlns:p="http://schemas.openxmlformats.org/presentationml/2006/main">
-  <p:cSld>
-    <p:spTree>
-      <p:nvGrpSpPr>
-        <p:cNvPr id="1" name=""/>
-        <p:cNvGrpSpPr/>
-        <p:nvPr/>
-      </p:nvGrpSpPr>
-      <p:grpSpPr>
-        <a:xfrm>
-          <a:off x="0" y="0"/>
-          <a:ext cx="0" cy="0"/>
-          <a:chOff x="0" y="0"/>
-          <a:chExt cx="0" cy="0"/>
-        </a:xfrm>
-      </p:grpSpPr>
-      <p:sp>
-        <p:nvSpPr>
-          <p:cNvPr id="2" name="Заголовок 1">
-            <a:extLst>
-              <a:ext uri="{FF2B5EF4-FFF2-40B4-BE49-F238E27FC236}">
-                <a16:creationId xmlns:a16="http://schemas.microsoft.com/office/drawing/2014/main" id="{5FBB8991-166F-486F-B1BE-57CF6CA9C6A5}"/>
-              </a:ext>
-            </a:extLst>
-          </p:cNvPr>
-          <p:cNvSpPr>
-            <a:spLocks noGrp="1"/>
-          </p:cNvSpPr>
-          <p:nvPr>
-            <p:ph type="title"/>
-          </p:nvPr>
-        </p:nvSpPr>
-        <p:spPr/>
-        <p:txBody>
-          <a:bodyPr/>
-          <a:lstStyle/>
-          <a:p>
-            <a:pPr algn="ctr"/>
-            <a:r>
-              <a:rPr lang="ru-RU" dirty="0">
-                <a:latin typeface="Times New Roman" panose="02020603050405020304" pitchFamily="18" charset="0"/>
-                <a:cs typeface="Times New Roman" panose="02020603050405020304" pitchFamily="18" charset="0"/>
-              </a:rPr>
-              <a:t>Авторский инвариант Чехова</a:t>
-            </a:r>
-          </a:p>
-        </p:txBody>
-      </p:sp>
-      <p:sp>
-        <p:nvSpPr>
-          <p:cNvPr id="4" name="Номер слайда 3">
-            <a:extLst>
-              <a:ext uri="{FF2B5EF4-FFF2-40B4-BE49-F238E27FC236}">
-                <a16:creationId xmlns:a16="http://schemas.microsoft.com/office/drawing/2014/main" id="{3690E022-ED8E-4C31-92F6-7E247E60D645}"/>
-              </a:ext>
-            </a:extLst>
-          </p:cNvPr>
-          <p:cNvSpPr>
-            <a:spLocks noGrp="1"/>
-          </p:cNvSpPr>
-          <p:nvPr>
-            <p:ph type="sldNum" sz="quarter" idx="12"/>
-          </p:nvPr>
-        </p:nvSpPr>
-        <p:spPr/>
-        <p:txBody>
-          <a:bodyPr vert="horz" lIns="91440" tIns="45720" rIns="91440" bIns="45720" rtlCol="0" anchor="ctr"/>
-          <a:lstStyle/>
-          <a:p>
-            <a:fld id="{8B784E8A-7D10-4AAF-929C-959B71E0249E}" type="slidenum">
-              <a:rPr lang="ru-RU" sz="2400" smtClean="0">
-                <a:solidFill>
-                  <a:schemeClr val="tx1"/>
-                </a:solidFill>
-                <a:latin typeface="Times New Roman" pitchFamily="18" charset="0"/>
-                <a:cs typeface="Times New Roman" pitchFamily="18" charset="0"/>
-              </a:rPr>
-              <a:pPr/>
-              <a:t>6</a:t>
-            </a:fld>
-            <a:endParaRPr lang="ru-RU" sz="2400">
-              <a:solidFill>
-                <a:schemeClr val="tx1"/>
-              </a:solidFill>
-              <a:latin typeface="Times New Roman" pitchFamily="18" charset="0"/>
-              <a:cs typeface="Times New Roman" pitchFamily="18" charset="0"/>
-            </a:endParaRPr>
-          </a:p>
-        </p:txBody>
-      </p:sp>
-      <p:pic>
-        <p:nvPicPr>
-          <p:cNvPr id="9" name="Объект 8">
-            <a:extLst>
-              <a:ext uri="{FF2B5EF4-FFF2-40B4-BE49-F238E27FC236}">
-                <a16:creationId xmlns:a16="http://schemas.microsoft.com/office/drawing/2014/main" id="{849115E7-1EA6-7A46-91B7-100E45811AC1}"/>
-              </a:ext>
-            </a:extLst>
-          </p:cNvPr>
-          <p:cNvPicPr>
-            <a:picLocks noGrp="1" noChangeAspect="1"/>
-          </p:cNvPicPr>
-          <p:nvPr>
-            <p:ph idx="1"/>
-          </p:nvPr>
-        </p:nvPicPr>
-        <p:blipFill>
-          <a:blip r:embed="rId2">
-            <a:extLst>
-              <a:ext uri="{28A0092B-C50C-407E-A947-70E740481C1C}">
-                <a14:useLocalDpi xmlns:a14="http://schemas.microsoft.com/office/drawing/2010/main" val="0"/>
-              </a:ext>
-            </a:extLst>
-          </a:blip>
-          <a:stretch>
-            <a:fillRect/>
-          </a:stretch>
-        </p:blipFill>
-        <p:spPr>
-          <a:xfrm>
-            <a:off x="1917031" y="1346168"/>
-            <a:ext cx="8357937" cy="5354703"/>
-          </a:xfrm>
-        </p:spPr>
-      </p:pic>
-    </p:spTree>
-    <p:extLst>
-      <p:ext uri="{BB962C8B-B14F-4D97-AF65-F5344CB8AC3E}">
-        <p14:creationId xmlns:p14="http://schemas.microsoft.com/office/powerpoint/2010/main" val="1322779687"/>
-      </p:ext>
-    </p:extLst>
-  </p:cSld>
-  <p:clrMapOvr>
-    <a:masterClrMapping/>
-  </p:clrMapOvr>
-</p:sld>
-</file>
-
-<file path=ppt/slides/slide7.xml><?xml version="1.0" encoding="utf-8"?>
-<p:sld xmlns:a="http://schemas.openxmlformats.org/drawingml/2006/main" xmlns:r="http://schemas.openxmlformats.org/officeDocument/2006/relationships" xmlns:p="http://schemas.openxmlformats.org/presentationml/2006/main">
-  <p:cSld>
-    <p:spTree>
-      <p:nvGrpSpPr>
-        <p:cNvPr id="1" name=""/>
-        <p:cNvGrpSpPr/>
-        <p:nvPr/>
-      </p:nvGrpSpPr>
-      <p:grpSpPr>
-        <a:xfrm>
-          <a:off x="0" y="0"/>
-          <a:ext cx="0" cy="0"/>
-          <a:chOff x="0" y="0"/>
-          <a:chExt cx="0" cy="0"/>
-        </a:xfrm>
-      </p:grpSpPr>
-      <p:sp>
-        <p:nvSpPr>
-          <p:cNvPr id="2" name="Заголовок 1">
-            <a:extLst>
-              <a:ext uri="{FF2B5EF4-FFF2-40B4-BE49-F238E27FC236}">
-                <a16:creationId xmlns:a16="http://schemas.microsoft.com/office/drawing/2014/main" id="{5FBB8991-166F-486F-B1BE-57CF6CA9C6A5}"/>
-              </a:ext>
-            </a:extLst>
-          </p:cNvPr>
-          <p:cNvSpPr>
-            <a:spLocks noGrp="1"/>
-          </p:cNvSpPr>
-          <p:nvPr>
-            <p:ph type="title"/>
-          </p:nvPr>
-        </p:nvSpPr>
-        <p:spPr/>
-        <p:txBody>
-          <a:bodyPr/>
-          <a:lstStyle/>
-          <a:p>
-            <a:pPr algn="ctr"/>
-            <a:r>
-              <a:rPr lang="ru-RU" dirty="0">
-                <a:latin typeface="Times New Roman" panose="02020603050405020304" pitchFamily="18" charset="0"/>
-                <a:cs typeface="Times New Roman" panose="02020603050405020304" pitchFamily="18" charset="0"/>
-              </a:rPr>
-              <a:t>Функциональная модель метода</a:t>
-            </a:r>
-          </a:p>
-        </p:txBody>
-      </p:sp>
-      <p:pic>
-        <p:nvPicPr>
-          <p:cNvPr id="6" name="Объект 5">
-            <a:extLst>
-              <a:ext uri="{FF2B5EF4-FFF2-40B4-BE49-F238E27FC236}">
-                <a16:creationId xmlns:a16="http://schemas.microsoft.com/office/drawing/2014/main" id="{7BB95BA6-941F-0B49-9035-48ED6B2766D1}"/>
-              </a:ext>
-            </a:extLst>
-          </p:cNvPr>
-          <p:cNvPicPr>
-            <a:picLocks noGrp="1" noChangeAspect="1"/>
-          </p:cNvPicPr>
-          <p:nvPr>
-            <p:ph idx="1"/>
-          </p:nvPr>
-        </p:nvPicPr>
-        <p:blipFill>
-          <a:blip r:embed="rId2">
-            <a:extLst>
-              <a:ext uri="{28A0092B-C50C-407E-A947-70E740481C1C}">
-                <a14:useLocalDpi xmlns:a14="http://schemas.microsoft.com/office/drawing/2010/main" val="0"/>
-              </a:ext>
-            </a:extLst>
-          </a:blip>
-          <a:stretch>
-            <a:fillRect/>
-          </a:stretch>
-        </p:blipFill>
-        <p:spPr>
-          <a:xfrm>
-            <a:off x="1717009" y="1497013"/>
-            <a:ext cx="8137925" cy="4859337"/>
-          </a:xfrm>
-        </p:spPr>
-      </p:pic>
-      <p:sp>
-        <p:nvSpPr>
-          <p:cNvPr id="4" name="Номер слайда 3">
-            <a:extLst>
-              <a:ext uri="{FF2B5EF4-FFF2-40B4-BE49-F238E27FC236}">
-                <a16:creationId xmlns:a16="http://schemas.microsoft.com/office/drawing/2014/main" id="{3690E022-ED8E-4C31-92F6-7E247E60D645}"/>
-              </a:ext>
-            </a:extLst>
-          </p:cNvPr>
-          <p:cNvSpPr>
-            <a:spLocks noGrp="1"/>
-          </p:cNvSpPr>
-          <p:nvPr>
-            <p:ph type="sldNum" sz="quarter" idx="12"/>
-          </p:nvPr>
-        </p:nvSpPr>
-        <p:spPr/>
-        <p:txBody>
-          <a:bodyPr vert="horz" lIns="91440" tIns="45720" rIns="91440" bIns="45720" rtlCol="0" anchor="ctr"/>
-          <a:lstStyle/>
-          <a:p>
-            <a:fld id="{8B784E8A-7D10-4AAF-929C-959B71E0249E}" type="slidenum">
-              <a:rPr lang="ru-RU" sz="2400" smtClean="0">
-                <a:solidFill>
-                  <a:schemeClr val="tx1"/>
-                </a:solidFill>
-                <a:latin typeface="Times New Roman" pitchFamily="18" charset="0"/>
-                <a:cs typeface="Times New Roman" pitchFamily="18" charset="0"/>
-              </a:rPr>
-              <a:pPr/>
-              <a:t>7</a:t>
-            </a:fld>
-            <a:endParaRPr lang="ru-RU" sz="2400" dirty="0">
-              <a:solidFill>
-                <a:schemeClr val="tx1"/>
-              </a:solidFill>
-              <a:latin typeface="Times New Roman" pitchFamily="18" charset="0"/>
-              <a:cs typeface="Times New Roman" pitchFamily="18" charset="0"/>
-            </a:endParaRPr>
-          </a:p>
-        </p:txBody>
-      </p:sp>
-    </p:spTree>
-    <p:extLst>
-      <p:ext uri="{BB962C8B-B14F-4D97-AF65-F5344CB8AC3E}">
-        <p14:creationId xmlns:p14="http://schemas.microsoft.com/office/powerpoint/2010/main" val="3157492762"/>
-      </p:ext>
-    </p:extLst>
-  </p:cSld>
-  <p:clrMapOvr>
-    <a:masterClrMapping/>
-  </p:clrMapOvr>
-</p:sld>
-</file>
-
 <file path=ppt/slides/slide8.xml><?xml version="1.0" encoding="utf-8"?>
 <p:sld xmlns:a="http://schemas.openxmlformats.org/drawingml/2006/main" xmlns:r="http://schemas.openxmlformats.org/officeDocument/2006/relationships" xmlns:p="http://schemas.openxmlformats.org/presentationml/2006/main">
   <p:cSld>
@@ -9895,7 +9741,7 @@
           <p:cNvPr id="2" name="Заголовок 1">
             <a:extLst>
               <a:ext uri="{FF2B5EF4-FFF2-40B4-BE49-F238E27FC236}">
-                <a16:creationId xmlns:a16="http://schemas.microsoft.com/office/drawing/2014/main" id="{68C510DA-43C2-BC42-9310-310510C61E15}"/>
+                <a16:creationId xmlns:a16="http://schemas.microsoft.com/office/drawing/2014/main" id="{5FBB8991-166F-486F-B1BE-57CF6CA9C6A5}"/>
               </a:ext>
             </a:extLst>
           </p:cNvPr>
@@ -9917,88 +9763,17 @@
                 <a:latin typeface="Times New Roman" panose="02020603050405020304" pitchFamily="18" charset="0"/>
                 <a:cs typeface="Times New Roman" panose="02020603050405020304" pitchFamily="18" charset="0"/>
               </a:rPr>
-              <a:t>Классификация текстов</a:t>
-            </a:r>
-          </a:p>
-        </p:txBody>
-      </p:sp>
-      <p:sp>
-        <p:nvSpPr>
-          <p:cNvPr id="3" name="Объект 2">
-            <a:extLst>
-              <a:ext uri="{FF2B5EF4-FFF2-40B4-BE49-F238E27FC236}">
-                <a16:creationId xmlns:a16="http://schemas.microsoft.com/office/drawing/2014/main" id="{2CA1D980-884A-AD4A-A267-4009569FB9A9}"/>
-              </a:ext>
-            </a:extLst>
-          </p:cNvPr>
-          <p:cNvSpPr>
-            <a:spLocks noGrp="1"/>
-          </p:cNvSpPr>
-          <p:nvPr>
-            <p:ph idx="1"/>
-          </p:nvPr>
-        </p:nvSpPr>
-        <p:spPr>
-          <a:xfrm>
-            <a:off x="838200" y="1562583"/>
-            <a:ext cx="10515600" cy="3222777"/>
-          </a:xfrm>
-        </p:spPr>
-        <p:txBody>
-          <a:bodyPr>
-            <a:normAutofit/>
-          </a:bodyPr>
-          <a:lstStyle/>
-          <a:p>
-            <a:pPr>
-              <a:lnSpc>
-                <a:spcPct val="110000"/>
-              </a:lnSpc>
-            </a:pPr>
-            <a:r>
-              <a:rPr lang="ru-RU" dirty="0">
-                <a:latin typeface="Times New Roman" panose="02020603050405020304" pitchFamily="18" charset="0"/>
-                <a:cs typeface="Times New Roman" panose="02020603050405020304" pitchFamily="18" charset="0"/>
-              </a:rPr>
-              <a:t>Классификация ––</a:t>
-            </a:r>
-            <a:r>
-              <a:rPr lang="en" dirty="0">
-                <a:latin typeface="Times New Roman" panose="02020603050405020304" pitchFamily="18" charset="0"/>
-                <a:cs typeface="Times New Roman" panose="02020603050405020304" pitchFamily="18" charset="0"/>
-              </a:rPr>
-              <a:t> </a:t>
-            </a:r>
-            <a:r>
-              <a:rPr lang="ru-RU" dirty="0">
-                <a:latin typeface="Times New Roman" panose="02020603050405020304" pitchFamily="18" charset="0"/>
-                <a:cs typeface="Times New Roman" panose="02020603050405020304" pitchFamily="18" charset="0"/>
-              </a:rPr>
-              <a:t>задача компьютерной лингвистики заключающаяся в отнесении документа к одной из нескольких категорий на основании содержания документа</a:t>
-            </a:r>
-          </a:p>
-          <a:p>
-            <a:pPr>
-              <a:lnSpc>
-                <a:spcPct val="110000"/>
-              </a:lnSpc>
-            </a:pPr>
-            <a:r>
-              <a:rPr lang="ru-RU" dirty="0">
-                <a:latin typeface="Times New Roman" panose="02020603050405020304" pitchFamily="18" charset="0"/>
-                <a:cs typeface="Times New Roman" panose="02020603050405020304" pitchFamily="18" charset="0"/>
-              </a:rPr>
-              <a:t>Классификатор обучается на размеченном корпусе документов</a:t>
-            </a:r>
-          </a:p>
-        </p:txBody>
-      </p:sp>
-      <p:sp>
-        <p:nvSpPr>
-          <p:cNvPr id="6" name="Номер слайда 3">
-            <a:extLst>
-              <a:ext uri="{FF2B5EF4-FFF2-40B4-BE49-F238E27FC236}">
-                <a16:creationId xmlns:a16="http://schemas.microsoft.com/office/drawing/2014/main" id="{544A2D44-1D99-684E-BA2B-B691E201E977}"/>
+              <a:t>Авторский инвариант Чехова</a:t>
+            </a:r>
+          </a:p>
+        </p:txBody>
+      </p:sp>
+      <p:sp>
+        <p:nvSpPr>
+          <p:cNvPr id="4" name="Номер слайда 3">
+            <a:extLst>
+              <a:ext uri="{FF2B5EF4-FFF2-40B4-BE49-F238E27FC236}">
+                <a16:creationId xmlns:a16="http://schemas.microsoft.com/office/drawing/2014/main" id="{3690E022-ED8E-4C31-92F6-7E247E60D645}"/>
               </a:ext>
             </a:extLst>
           </p:cNvPr>
@@ -10009,12 +9784,7 @@
             <p:ph type="sldNum" sz="quarter" idx="12"/>
           </p:nvPr>
         </p:nvSpPr>
-        <p:spPr>
-          <a:xfrm>
-            <a:off x="8610600" y="6356350"/>
-            <a:ext cx="2743200" cy="365125"/>
-          </a:xfrm>
-        </p:spPr>
+        <p:spPr/>
         <p:txBody>
           <a:bodyPr vert="horz" lIns="91440" tIns="45720" rIns="91440" bIns="45720" rtlCol="0" anchor="ctr"/>
           <a:lstStyle/>
@@ -10030,7 +9800,7 @@
               <a:pPr/>
               <a:t>8</a:t>
             </a:fld>
-            <a:endParaRPr lang="ru-RU" sz="2400" dirty="0">
+            <a:endParaRPr lang="ru-RU" sz="2400">
               <a:solidFill>
                 <a:schemeClr val="tx1"/>
               </a:solidFill>
@@ -10040,10 +9810,45 @@
           </a:p>
         </p:txBody>
       </p:sp>
+      <p:pic>
+        <p:nvPicPr>
+          <p:cNvPr id="16" name="Объект 15">
+            <a:extLst>
+              <a:ext uri="{FF2B5EF4-FFF2-40B4-BE49-F238E27FC236}">
+                <a16:creationId xmlns:a16="http://schemas.microsoft.com/office/drawing/2014/main" id="{3497A1CB-5227-704A-BFE7-C3CEBCC95AAC}"/>
+              </a:ext>
+            </a:extLst>
+          </p:cNvPr>
+          <p:cNvPicPr>
+            <a:picLocks noGrp="1" noChangeAspect="1"/>
+          </p:cNvPicPr>
+          <p:nvPr>
+            <p:ph idx="1"/>
+          </p:nvPr>
+        </p:nvPicPr>
+        <p:blipFill>
+          <a:blip r:embed="rId2">
+            <a:extLst>
+              <a:ext uri="{28A0092B-C50C-407E-A947-70E740481C1C}">
+                <a14:useLocalDpi xmlns:a14="http://schemas.microsoft.com/office/drawing/2010/main" val="0"/>
+              </a:ext>
+            </a:extLst>
+          </a:blip>
+          <a:stretch>
+            <a:fillRect/>
+          </a:stretch>
+        </p:blipFill>
+        <p:spPr>
+          <a:xfrm>
+            <a:off x="1754502" y="1442604"/>
+            <a:ext cx="8682995" cy="5096308"/>
+          </a:xfrm>
+        </p:spPr>
+      </p:pic>
     </p:spTree>
     <p:extLst>
       <p:ext uri="{BB962C8B-B14F-4D97-AF65-F5344CB8AC3E}">
-        <p14:creationId xmlns:p14="http://schemas.microsoft.com/office/powerpoint/2010/main" val="2352108798"/>
+        <p14:creationId xmlns:p14="http://schemas.microsoft.com/office/powerpoint/2010/main" val="1322779687"/>
       </p:ext>
     </p:extLst>
   </p:cSld>
@@ -10097,106 +9902,7 @@
                 <a:latin typeface="Times New Roman" panose="02020603050405020304" pitchFamily="18" charset="0"/>
                 <a:cs typeface="Times New Roman" panose="02020603050405020304" pitchFamily="18" charset="0"/>
               </a:rPr>
-              <a:t>Алгоритмы классификации</a:t>
-            </a:r>
-          </a:p>
-        </p:txBody>
-      </p:sp>
-      <p:sp>
-        <p:nvSpPr>
-          <p:cNvPr id="3" name="Объект 2">
-            <a:extLst>
-              <a:ext uri="{FF2B5EF4-FFF2-40B4-BE49-F238E27FC236}">
-                <a16:creationId xmlns:a16="http://schemas.microsoft.com/office/drawing/2014/main" id="{2CA1D980-884A-AD4A-A267-4009569FB9A9}"/>
-              </a:ext>
-            </a:extLst>
-          </p:cNvPr>
-          <p:cNvSpPr>
-            <a:spLocks noGrp="1"/>
-          </p:cNvSpPr>
-          <p:nvPr>
-            <p:ph idx="1"/>
-          </p:nvPr>
-        </p:nvSpPr>
-        <p:spPr>
-          <a:xfrm>
-            <a:off x="838200" y="1562583"/>
-            <a:ext cx="10515600" cy="4574746"/>
-          </a:xfrm>
-        </p:spPr>
-        <p:txBody>
-          <a:bodyPr>
-            <a:normAutofit/>
-          </a:bodyPr>
-          <a:lstStyle/>
-          <a:p>
-            <a:pPr>
-              <a:lnSpc>
-                <a:spcPct val="110000"/>
-              </a:lnSpc>
-            </a:pPr>
-            <a:r>
-              <a:rPr lang="ru-RU" dirty="0">
-                <a:latin typeface="Times New Roman" panose="02020603050405020304" pitchFamily="18" charset="0"/>
-                <a:cs typeface="Times New Roman" panose="02020603050405020304" pitchFamily="18" charset="0"/>
-              </a:rPr>
-              <a:t>Алгоритм «наивной» байесовской классификации</a:t>
-            </a:r>
-          </a:p>
-          <a:p>
-            <a:pPr>
-              <a:lnSpc>
-                <a:spcPct val="110000"/>
-              </a:lnSpc>
-            </a:pPr>
-            <a:r>
-              <a:rPr lang="ru-RU" dirty="0">
-                <a:latin typeface="Times New Roman" panose="02020603050405020304" pitchFamily="18" charset="0"/>
-                <a:cs typeface="Times New Roman" panose="02020603050405020304" pitchFamily="18" charset="0"/>
-              </a:rPr>
-              <a:t>Алгоритм </a:t>
-            </a:r>
-            <a:r>
-              <a:rPr lang="en" dirty="0">
-                <a:latin typeface="Times New Roman" panose="02020603050405020304" pitchFamily="18" charset="0"/>
-                <a:cs typeface="Times New Roman" panose="02020603050405020304" pitchFamily="18" charset="0"/>
-              </a:rPr>
-              <a:t>k-</a:t>
-            </a:r>
-            <a:r>
-              <a:rPr lang="ru-RU" dirty="0">
-                <a:latin typeface="Times New Roman" panose="02020603050405020304" pitchFamily="18" charset="0"/>
-                <a:cs typeface="Times New Roman" panose="02020603050405020304" pitchFamily="18" charset="0"/>
-              </a:rPr>
-              <a:t>ближайших соседей</a:t>
-            </a:r>
-          </a:p>
-          <a:p>
-            <a:pPr>
-              <a:lnSpc>
-                <a:spcPct val="110000"/>
-              </a:lnSpc>
-            </a:pPr>
-            <a:r>
-              <a:rPr lang="ru-RU" dirty="0">
-                <a:latin typeface="Times New Roman" panose="02020603050405020304" pitchFamily="18" charset="0"/>
-                <a:cs typeface="Times New Roman" panose="02020603050405020304" pitchFamily="18" charset="0"/>
-              </a:rPr>
-              <a:t>Алгоритм деревьев принятия решений</a:t>
-            </a:r>
-          </a:p>
-          <a:p>
-            <a:pPr>
-              <a:lnSpc>
-                <a:spcPct val="110000"/>
-              </a:lnSpc>
-            </a:pPr>
-            <a:r>
-              <a:rPr lang="ru-RU" dirty="0">
-                <a:latin typeface="Times New Roman" panose="02020603050405020304" pitchFamily="18" charset="0"/>
-                <a:cs typeface="Times New Roman" panose="02020603050405020304" pitchFamily="18" charset="0"/>
-              </a:rPr>
-              <a:t>Алгоритм опорных векторов</a:t>
+              <a:t>Извлечение признаков из текста</a:t>
             </a:r>
           </a:p>
         </p:txBody>
@@ -10248,10 +9954,1045 @@
           </a:p>
         </p:txBody>
       </p:sp>
+      <p:pic>
+        <p:nvPicPr>
+          <p:cNvPr id="11" name="Рисунок 10">
+            <a:extLst>
+              <a:ext uri="{FF2B5EF4-FFF2-40B4-BE49-F238E27FC236}">
+                <a16:creationId xmlns:a16="http://schemas.microsoft.com/office/drawing/2014/main" id="{1EEB965E-21A1-0448-8E0D-F41A143A054D}"/>
+              </a:ext>
+            </a:extLst>
+          </p:cNvPr>
+          <p:cNvPicPr>
+            <a:picLocks noChangeAspect="1"/>
+          </p:cNvPicPr>
+          <p:nvPr/>
+        </p:nvPicPr>
+        <p:blipFill rotWithShape="1">
+          <a:blip r:embed="rId3"/>
+          <a:srcRect t="9811"/>
+          <a:stretch/>
+        </p:blipFill>
+        <p:spPr>
+          <a:xfrm>
+            <a:off x="3755617" y="2026602"/>
+            <a:ext cx="1866900" cy="572700"/>
+          </a:xfrm>
+          <a:prstGeom prst="rect">
+            <a:avLst/>
+          </a:prstGeom>
+        </p:spPr>
+      </p:pic>
+      <p:pic>
+        <p:nvPicPr>
+          <p:cNvPr id="12" name="Рисунок 11">
+            <a:extLst>
+              <a:ext uri="{FF2B5EF4-FFF2-40B4-BE49-F238E27FC236}">
+                <a16:creationId xmlns:a16="http://schemas.microsoft.com/office/drawing/2014/main" id="{AABA7C3C-4D1D-6046-8002-5056C4ED6B25}"/>
+              </a:ext>
+            </a:extLst>
+          </p:cNvPr>
+          <p:cNvPicPr>
+            <a:picLocks noChangeAspect="1"/>
+          </p:cNvPicPr>
+          <p:nvPr/>
+        </p:nvPicPr>
+        <p:blipFill rotWithShape="1">
+          <a:blip r:embed="rId4"/>
+          <a:srcRect t="3215" b="12039"/>
+          <a:stretch/>
+        </p:blipFill>
+        <p:spPr>
+          <a:xfrm>
+            <a:off x="838200" y="5039225"/>
+            <a:ext cx="2387600" cy="635000"/>
+          </a:xfrm>
+          <a:prstGeom prst="rect">
+            <a:avLst/>
+          </a:prstGeom>
+        </p:spPr>
+      </p:pic>
+      <mc:AlternateContent xmlns:mc="http://schemas.openxmlformats.org/markup-compatibility/2006" xmlns:a14="http://schemas.microsoft.com/office/drawing/2010/main">
+        <mc:Choice Requires="a14">
+          <p:sp>
+            <p:nvSpPr>
+              <p:cNvPr id="13" name="Прямоугольник 12">
+                <a:extLst>
+                  <a:ext uri="{FF2B5EF4-FFF2-40B4-BE49-F238E27FC236}">
+                    <a16:creationId xmlns:a16="http://schemas.microsoft.com/office/drawing/2014/main" id="{4EFD70B9-64B8-7C47-842F-05DE36E3D8A6}"/>
+                  </a:ext>
+                </a:extLst>
+              </p:cNvPr>
+              <p:cNvSpPr/>
+              <p:nvPr/>
+            </p:nvSpPr>
+            <p:spPr>
+              <a:xfrm>
+                <a:off x="842074" y="2674840"/>
+                <a:ext cx="5253926" cy="1015663"/>
+              </a:xfrm>
+              <a:prstGeom prst="rect">
+                <a:avLst/>
+              </a:prstGeom>
+            </p:spPr>
+            <p:txBody>
+              <a:bodyPr wrap="square">
+                <a:spAutoFit/>
+              </a:bodyPr>
+              <a:lstStyle/>
+              <a:p>
+                <a14:m>
+                  <m:oMath xmlns:m="http://schemas.openxmlformats.org/officeDocument/2006/math">
+                    <m:r>
+                      <a:rPr lang="ru-RU" sz="2000" i="1">
+                        <a:latin typeface="Cambria Math" panose="02040503050406030204" pitchFamily="18" charset="0"/>
+                      </a:rPr>
+                      <m:t>г</m:t>
+                    </m:r>
+                    <m:r>
+                      <a:rPr lang="ru-RU" sz="2000" b="0" i="1" smtClean="0">
+                        <a:effectLst/>
+                        <a:latin typeface="Cambria Math" panose="02040503050406030204" pitchFamily="18" charset="0"/>
+                      </a:rPr>
+                      <m:t>де </m:t>
+                    </m:r>
+                    <m:sSub>
+                      <m:sSubPr>
+                        <m:ctrlPr>
+                          <a:rPr lang="ru-RU" sz="2000" i="1">
+                            <a:effectLst/>
+                            <a:latin typeface="Cambria Math" panose="02040503050406030204" pitchFamily="18" charset="0"/>
+                          </a:rPr>
+                        </m:ctrlPr>
+                      </m:sSubPr>
+                      <m:e>
+                        <m:r>
+                          <a:rPr lang="ru-RU" sz="2000" i="1">
+                            <a:latin typeface="Cambria Math" panose="02040503050406030204" pitchFamily="18" charset="0"/>
+                            <a:ea typeface="Times New Roman" panose="02020603050405020304" pitchFamily="18" charset="0"/>
+                            <a:cs typeface="Times New Roman" panose="02020603050405020304" pitchFamily="18" charset="0"/>
+                          </a:rPr>
+                          <m:t>𝑛</m:t>
+                        </m:r>
+                      </m:e>
+                      <m:sub>
+                        <m:r>
+                          <a:rPr lang="ru-RU" sz="2000" i="1">
+                            <a:latin typeface="Cambria Math" panose="02040503050406030204" pitchFamily="18" charset="0"/>
+                            <a:ea typeface="Times New Roman" panose="02020603050405020304" pitchFamily="18" charset="0"/>
+                            <a:cs typeface="Times New Roman" panose="02020603050405020304" pitchFamily="18" charset="0"/>
+                          </a:rPr>
+                          <m:t>𝑡</m:t>
+                        </m:r>
+                      </m:sub>
+                    </m:sSub>
+                  </m:oMath>
+                </a14:m>
+                <a:r>
+                  <a:rPr lang="ru-RU" sz="2000" dirty="0">
+                    <a:latin typeface="Times New Roman" panose="02020603050405020304" pitchFamily="18" charset="0"/>
+                    <a:ea typeface="Times New Roman" panose="02020603050405020304" pitchFamily="18" charset="0"/>
+                  </a:rPr>
+                  <a:t> – количество вхождений термина </a:t>
+                </a:r>
+                <a14:m>
+                  <m:oMath xmlns:m="http://schemas.openxmlformats.org/officeDocument/2006/math">
+                    <m:r>
+                      <a:rPr lang="ru-RU" sz="2000" i="1">
+                        <a:latin typeface="Cambria Math" panose="02040503050406030204" pitchFamily="18" charset="0"/>
+                        <a:ea typeface="Times New Roman" panose="02020603050405020304" pitchFamily="18" charset="0"/>
+                        <a:cs typeface="Times New Roman" panose="02020603050405020304" pitchFamily="18" charset="0"/>
+                      </a:rPr>
+                      <m:t>𝑡</m:t>
+                    </m:r>
+                  </m:oMath>
+                </a14:m>
+                <a:r>
+                  <a:rPr lang="ru-RU" sz="2000" dirty="0">
+                    <a:latin typeface="Times New Roman" panose="02020603050405020304" pitchFamily="18" charset="0"/>
+                    <a:ea typeface="Times New Roman" panose="02020603050405020304" pitchFamily="18" charset="0"/>
+                  </a:rPr>
+                  <a:t> в документ</a:t>
+                </a:r>
+                <a:r>
+                  <a:rPr lang="en-US" sz="2000" dirty="0">
+                    <a:latin typeface="Times New Roman" panose="02020603050405020304" pitchFamily="18" charset="0"/>
+                    <a:ea typeface="Times New Roman" panose="02020603050405020304" pitchFamily="18" charset="0"/>
+                  </a:rPr>
+                  <a:t>;</a:t>
+                </a:r>
+              </a:p>
+              <a:p>
+                <a14:m>
+                  <m:oMath xmlns:m="http://schemas.openxmlformats.org/officeDocument/2006/math">
+                    <m:nary>
+                      <m:naryPr>
+                        <m:chr m:val="∑"/>
+                        <m:limLoc m:val="undOvr"/>
+                        <m:supHide m:val="on"/>
+                        <m:ctrlPr>
+                          <a:rPr lang="ru-RU" sz="2000" i="1">
+                            <a:effectLst/>
+                            <a:latin typeface="Cambria Math" panose="02040503050406030204" pitchFamily="18" charset="0"/>
+                          </a:rPr>
+                        </m:ctrlPr>
+                      </m:naryPr>
+                      <m:sub>
+                        <m:r>
+                          <a:rPr lang="en-US" sz="2000" i="1">
+                            <a:latin typeface="Cambria Math" panose="02040503050406030204" pitchFamily="18" charset="0"/>
+                            <a:ea typeface="Times New Roman" panose="02020603050405020304" pitchFamily="18" charset="0"/>
+                            <a:cs typeface="Times New Roman" panose="02020603050405020304" pitchFamily="18" charset="0"/>
+                          </a:rPr>
+                          <m:t>𝑘</m:t>
+                        </m:r>
+                      </m:sub>
+                      <m:sup/>
+                      <m:e>
+                        <m:sSub>
+                          <m:sSubPr>
+                            <m:ctrlPr>
+                              <a:rPr lang="ru-RU" sz="2000" i="1">
+                                <a:effectLst/>
+                                <a:latin typeface="Cambria Math" panose="02040503050406030204" pitchFamily="18" charset="0"/>
+                              </a:rPr>
+                            </m:ctrlPr>
+                          </m:sSubPr>
+                          <m:e>
+                            <m:r>
+                              <a:rPr lang="en-US" sz="2000" i="1">
+                                <a:latin typeface="Cambria Math" panose="02040503050406030204" pitchFamily="18" charset="0"/>
+                                <a:ea typeface="Times New Roman" panose="02020603050405020304" pitchFamily="18" charset="0"/>
+                                <a:cs typeface="Times New Roman" panose="02020603050405020304" pitchFamily="18" charset="0"/>
+                              </a:rPr>
+                              <m:t>𝑛</m:t>
+                            </m:r>
+                          </m:e>
+                          <m:sub>
+                            <m:r>
+                              <a:rPr lang="en-US" sz="2000" i="1">
+                                <a:latin typeface="Cambria Math" panose="02040503050406030204" pitchFamily="18" charset="0"/>
+                                <a:ea typeface="Times New Roman" panose="02020603050405020304" pitchFamily="18" charset="0"/>
+                                <a:cs typeface="Times New Roman" panose="02020603050405020304" pitchFamily="18" charset="0"/>
+                              </a:rPr>
+                              <m:t>𝑘</m:t>
+                            </m:r>
+                          </m:sub>
+                        </m:sSub>
+                      </m:e>
+                    </m:nary>
+                  </m:oMath>
+                </a14:m>
+                <a:r>
+                  <a:rPr lang="ru-RU" sz="2000" dirty="0">
+                    <a:latin typeface="Times New Roman" panose="02020603050405020304" pitchFamily="18" charset="0"/>
+                    <a:ea typeface="Times New Roman" panose="02020603050405020304" pitchFamily="18" charset="0"/>
+                  </a:rPr>
+                  <a:t> – общее </a:t>
+                </a:r>
+                <a:r>
+                  <a:rPr lang="ru-RU" sz="2000" dirty="0">
+                    <a:latin typeface="Times New Roman" panose="02020603050405020304" pitchFamily="18" charset="0"/>
+                    <a:ea typeface="Times New Roman" panose="02020603050405020304" pitchFamily="18" charset="0"/>
+                    <a:cs typeface="Times New Roman" panose="02020603050405020304" pitchFamily="18" charset="0"/>
+                  </a:rPr>
+                  <a:t>количество слов в документе</a:t>
+                </a:r>
+                <a:r>
+                  <a:rPr lang="en-US" sz="2000" dirty="0">
+                    <a:latin typeface="Times New Roman" panose="02020603050405020304" pitchFamily="18" charset="0"/>
+                    <a:ea typeface="Times New Roman" panose="02020603050405020304" pitchFamily="18" charset="0"/>
+                    <a:cs typeface="Times New Roman" panose="02020603050405020304" pitchFamily="18" charset="0"/>
+                  </a:rPr>
+                  <a:t>.</a:t>
+                </a:r>
+                <a:r>
+                  <a:rPr lang="ru-RU" sz="2000" dirty="0">
+                    <a:effectLst/>
+                    <a:latin typeface="Times New Roman" panose="02020603050405020304" pitchFamily="18" charset="0"/>
+                    <a:cs typeface="Times New Roman" panose="02020603050405020304" pitchFamily="18" charset="0"/>
+                  </a:rPr>
+                  <a:t> </a:t>
+                </a:r>
+                <a:endParaRPr lang="ru-RU" sz="2000" dirty="0">
+                  <a:latin typeface="Times New Roman" panose="02020603050405020304" pitchFamily="18" charset="0"/>
+                  <a:cs typeface="Times New Roman" panose="02020603050405020304" pitchFamily="18" charset="0"/>
+                </a:endParaRPr>
+              </a:p>
+            </p:txBody>
+          </p:sp>
+        </mc:Choice>
+        <mc:Fallback xmlns="">
+          <p:sp>
+            <p:nvSpPr>
+              <p:cNvPr id="13" name="Прямоугольник 12">
+                <a:extLst>
+                  <a:ext uri="{FF2B5EF4-FFF2-40B4-BE49-F238E27FC236}">
+                    <a16:creationId xmlns:a16="http://schemas.microsoft.com/office/drawing/2014/main" id="{4EFD70B9-64B8-7C47-842F-05DE36E3D8A6}"/>
+                  </a:ext>
+                </a:extLst>
+              </p:cNvPr>
+              <p:cNvSpPr>
+                <a:spLocks noRot="1" noChangeAspect="1" noMove="1" noResize="1" noEditPoints="1" noAdjustHandles="1" noChangeArrowheads="1" noChangeShapeType="1" noTextEdit="1"/>
+              </p:cNvSpPr>
+              <p:nvPr/>
+            </p:nvSpPr>
+            <p:spPr>
+              <a:xfrm>
+                <a:off x="842074" y="2674840"/>
+                <a:ext cx="5253926" cy="1015663"/>
+              </a:xfrm>
+              <a:prstGeom prst="rect">
+                <a:avLst/>
+              </a:prstGeom>
+              <a:blipFill>
+                <a:blip r:embed="rId5"/>
+                <a:stretch>
+                  <a:fillRect l="-6747" t="-3704" b="-69136"/>
+                </a:stretch>
+              </a:blipFill>
+            </p:spPr>
+            <p:txBody>
+              <a:bodyPr/>
+              <a:lstStyle/>
+              <a:p>
+                <a:r>
+                  <a:rPr lang="ru-RU">
+                    <a:noFill/>
+                  </a:rPr>
+                  <a:t> </a:t>
+                </a:r>
+              </a:p>
+            </p:txBody>
+          </p:sp>
+        </mc:Fallback>
+      </mc:AlternateContent>
+      <mc:AlternateContent xmlns:mc="http://schemas.openxmlformats.org/markup-compatibility/2006" xmlns:a14="http://schemas.microsoft.com/office/drawing/2010/main">
+        <mc:Choice Requires="a14">
+          <p:sp>
+            <p:nvSpPr>
+              <p:cNvPr id="14" name="Прямоугольник 13">
+                <a:extLst>
+                  <a:ext uri="{FF2B5EF4-FFF2-40B4-BE49-F238E27FC236}">
+                    <a16:creationId xmlns:a16="http://schemas.microsoft.com/office/drawing/2014/main" id="{FE9659C3-1A5E-F643-B4C4-2942B5F6207F}"/>
+                  </a:ext>
+                </a:extLst>
+              </p:cNvPr>
+              <p:cNvSpPr/>
+              <p:nvPr/>
+            </p:nvSpPr>
+            <p:spPr>
+              <a:xfrm>
+                <a:off x="7057511" y="4779570"/>
+                <a:ext cx="4420530" cy="923330"/>
+              </a:xfrm>
+              <a:prstGeom prst="rect">
+                <a:avLst/>
+              </a:prstGeom>
+            </p:spPr>
+            <p:txBody>
+              <a:bodyPr wrap="square">
+                <a:spAutoFit/>
+              </a:bodyPr>
+              <a:lstStyle/>
+              <a:p>
+                <a:pPr algn="just"/>
+                <a14:m>
+                  <m:oMath xmlns:m="http://schemas.openxmlformats.org/officeDocument/2006/math">
+                    <m:r>
+                      <a:rPr lang="ru-RU" i="1">
+                        <a:latin typeface="Cambria Math" panose="02040503050406030204" pitchFamily="18" charset="0"/>
+                        <a:ea typeface="Times New Roman" panose="02020603050405020304" pitchFamily="18" charset="0"/>
+                      </a:rPr>
+                      <m:t>г</m:t>
+                    </m:r>
+                    <m:r>
+                      <a:rPr lang="ru-RU" b="0" i="1" smtClean="0">
+                        <a:latin typeface="Cambria Math" panose="02040503050406030204" pitchFamily="18" charset="0"/>
+                        <a:ea typeface="Times New Roman" panose="02020603050405020304" pitchFamily="18" charset="0"/>
+                      </a:rPr>
+                      <m:t>де </m:t>
+                    </m:r>
+                    <m:d>
+                      <m:dPr>
+                        <m:begChr m:val="|"/>
+                        <m:endChr m:val="|"/>
+                        <m:ctrlPr>
+                          <a:rPr lang="ru-RU" i="1">
+                            <a:latin typeface="Cambria Math" panose="02040503050406030204" pitchFamily="18" charset="0"/>
+                            <a:ea typeface="Times New Roman" panose="02020603050405020304" pitchFamily="18" charset="0"/>
+                          </a:rPr>
+                        </m:ctrlPr>
+                      </m:dPr>
+                      <m:e>
+                        <m:r>
+                          <a:rPr lang="en-US" i="1">
+                            <a:latin typeface="Cambria Math" panose="02040503050406030204" pitchFamily="18" charset="0"/>
+                            <a:ea typeface="Times New Roman" panose="02020603050405020304" pitchFamily="18" charset="0"/>
+                          </a:rPr>
+                          <m:t>𝐷</m:t>
+                        </m:r>
+                      </m:e>
+                    </m:d>
+                  </m:oMath>
+                </a14:m>
+                <a:r>
+                  <a:rPr lang="ru-RU" dirty="0">
+                    <a:latin typeface="Times New Roman" panose="02020603050405020304" pitchFamily="18" charset="0"/>
+                    <a:ea typeface="Times New Roman" panose="02020603050405020304" pitchFamily="18" charset="0"/>
+                  </a:rPr>
+                  <a:t> – количество документов</a:t>
+                </a:r>
+                <a:r>
+                  <a:rPr lang="en-US" dirty="0">
+                    <a:latin typeface="Times New Roman" panose="02020603050405020304" pitchFamily="18" charset="0"/>
+                    <a:ea typeface="Times New Roman" panose="02020603050405020304" pitchFamily="18" charset="0"/>
+                  </a:rPr>
+                  <a:t>;</a:t>
+                </a:r>
+              </a:p>
+              <a:p>
+                <a:pPr algn="just"/>
+                <a14:m>
+                  <m:oMath xmlns:m="http://schemas.openxmlformats.org/officeDocument/2006/math">
+                    <m:d>
+                      <m:dPr>
+                        <m:begChr m:val="|"/>
+                        <m:endChr m:val="|"/>
+                        <m:ctrlPr>
+                          <a:rPr lang="ru-RU" i="1">
+                            <a:latin typeface="Cambria Math" panose="02040503050406030204" pitchFamily="18" charset="0"/>
+                            <a:ea typeface="Times New Roman" panose="02020603050405020304" pitchFamily="18" charset="0"/>
+                          </a:rPr>
+                        </m:ctrlPr>
+                      </m:dPr>
+                      <m:e>
+                        <m:sSub>
+                          <m:sSubPr>
+                            <m:ctrlPr>
+                              <a:rPr lang="ru-RU" i="1">
+                                <a:latin typeface="Cambria Math" panose="02040503050406030204" pitchFamily="18" charset="0"/>
+                                <a:ea typeface="Times New Roman" panose="02020603050405020304" pitchFamily="18" charset="0"/>
+                              </a:rPr>
+                            </m:ctrlPr>
+                          </m:sSubPr>
+                          <m:e>
+                            <m:r>
+                              <a:rPr lang="en-US" i="1">
+                                <a:latin typeface="Cambria Math" panose="02040503050406030204" pitchFamily="18" charset="0"/>
+                                <a:ea typeface="Times New Roman" panose="02020603050405020304" pitchFamily="18" charset="0"/>
+                              </a:rPr>
+                              <m:t>𝐷</m:t>
+                            </m:r>
+                          </m:e>
+                          <m:sub>
+                            <m:r>
+                              <a:rPr lang="en-US" i="1">
+                                <a:latin typeface="Cambria Math" panose="02040503050406030204" pitchFamily="18" charset="0"/>
+                                <a:ea typeface="Times New Roman" panose="02020603050405020304" pitchFamily="18" charset="0"/>
+                              </a:rPr>
+                              <m:t>𝑖</m:t>
+                            </m:r>
+                          </m:sub>
+                        </m:sSub>
+                        <m:r>
+                          <a:rPr lang="ru-RU" i="1">
+                            <a:latin typeface="Cambria Math" panose="02040503050406030204" pitchFamily="18" charset="0"/>
+                            <a:ea typeface="Times New Roman" panose="02020603050405020304" pitchFamily="18" charset="0"/>
+                          </a:rPr>
+                          <m:t>∈</m:t>
+                        </m:r>
+                        <m:r>
+                          <a:rPr lang="en-US" i="1">
+                            <a:latin typeface="Cambria Math" panose="02040503050406030204" pitchFamily="18" charset="0"/>
+                            <a:ea typeface="Times New Roman" panose="02020603050405020304" pitchFamily="18" charset="0"/>
+                          </a:rPr>
+                          <m:t>𝐷</m:t>
+                        </m:r>
+                      </m:e>
+                    </m:d>
+                  </m:oMath>
+                </a14:m>
+                <a:r>
+                  <a:rPr lang="en-US" dirty="0">
+                    <a:latin typeface="Times New Roman" panose="02020603050405020304" pitchFamily="18" charset="0"/>
+                    <a:ea typeface="Times New Roman" panose="02020603050405020304" pitchFamily="18" charset="0"/>
+                  </a:rPr>
+                  <a:t> </a:t>
+                </a:r>
+                <a:r>
+                  <a:rPr lang="ru-RU" dirty="0">
+                    <a:latin typeface="Times New Roman" panose="02020603050405020304" pitchFamily="18" charset="0"/>
+                    <a:ea typeface="Times New Roman" panose="02020603050405020304" pitchFamily="18" charset="0"/>
+                  </a:rPr>
+                  <a:t>– число документов, где </a:t>
+                </a:r>
+                <a14:m>
+                  <m:oMath xmlns:m="http://schemas.openxmlformats.org/officeDocument/2006/math">
+                    <m:sSub>
+                      <m:sSubPr>
+                        <m:ctrlPr>
+                          <a:rPr lang="ru-RU" i="1">
+                            <a:latin typeface="Cambria Math" panose="02040503050406030204" pitchFamily="18" charset="0"/>
+                            <a:ea typeface="Times New Roman" panose="02020603050405020304" pitchFamily="18" charset="0"/>
+                          </a:rPr>
+                        </m:ctrlPr>
+                      </m:sSubPr>
+                      <m:e>
+                        <m:r>
+                          <a:rPr lang="ru-RU" i="1">
+                            <a:latin typeface="Cambria Math" panose="02040503050406030204" pitchFamily="18" charset="0"/>
+                            <a:ea typeface="Times New Roman" panose="02020603050405020304" pitchFamily="18" charset="0"/>
+                          </a:rPr>
+                          <m:t>𝑡</m:t>
+                        </m:r>
+                      </m:e>
+                      <m:sub>
+                        <m:r>
+                          <a:rPr lang="ru-RU" i="1">
+                            <a:latin typeface="Cambria Math" panose="02040503050406030204" pitchFamily="18" charset="0"/>
+                            <a:ea typeface="Times New Roman" panose="02020603050405020304" pitchFamily="18" charset="0"/>
+                          </a:rPr>
+                          <m:t>𝑖</m:t>
+                        </m:r>
+                      </m:sub>
+                    </m:sSub>
+                  </m:oMath>
+                </a14:m>
+                <a:r>
+                  <a:rPr lang="ru-RU" dirty="0">
+                    <a:latin typeface="Times New Roman" panose="02020603050405020304" pitchFamily="18" charset="0"/>
+                    <a:ea typeface="Times New Roman" panose="02020603050405020304" pitchFamily="18" charset="0"/>
+                  </a:rPr>
+                  <a:t> встретилось хотя бы один раз</a:t>
+                </a:r>
+                <a:r>
+                  <a:rPr lang="en-US" dirty="0">
+                    <a:latin typeface="Times New Roman" panose="02020603050405020304" pitchFamily="18" charset="0"/>
+                    <a:ea typeface="Times New Roman" panose="02020603050405020304" pitchFamily="18" charset="0"/>
+                  </a:rPr>
+                  <a:t>.</a:t>
+                </a:r>
+                <a:endParaRPr lang="ru-RU" dirty="0">
+                  <a:latin typeface="Times New Roman" panose="02020603050405020304" pitchFamily="18" charset="0"/>
+                  <a:ea typeface="Times New Roman" panose="02020603050405020304" pitchFamily="18" charset="0"/>
+                </a:endParaRPr>
+              </a:p>
+            </p:txBody>
+          </p:sp>
+        </mc:Choice>
+        <mc:Fallback xmlns="">
+          <p:sp>
+            <p:nvSpPr>
+              <p:cNvPr id="14" name="Прямоугольник 13">
+                <a:extLst>
+                  <a:ext uri="{FF2B5EF4-FFF2-40B4-BE49-F238E27FC236}">
+                    <a16:creationId xmlns:a16="http://schemas.microsoft.com/office/drawing/2014/main" id="{FE9659C3-1A5E-F643-B4C4-2942B5F6207F}"/>
+                  </a:ext>
+                </a:extLst>
+              </p:cNvPr>
+              <p:cNvSpPr>
+                <a:spLocks noRot="1" noChangeAspect="1" noMove="1" noResize="1" noEditPoints="1" noAdjustHandles="1" noChangeArrowheads="1" noChangeShapeType="1" noTextEdit="1"/>
+              </p:cNvSpPr>
+              <p:nvPr/>
+            </p:nvSpPr>
+            <p:spPr>
+              <a:xfrm>
+                <a:off x="7057511" y="4779570"/>
+                <a:ext cx="4420530" cy="923330"/>
+              </a:xfrm>
+              <a:prstGeom prst="rect">
+                <a:avLst/>
+              </a:prstGeom>
+              <a:blipFill>
+                <a:blip r:embed="rId6"/>
+                <a:stretch>
+                  <a:fillRect l="-1146" t="-1351" b="-9459"/>
+                </a:stretch>
+              </a:blipFill>
+            </p:spPr>
+            <p:txBody>
+              <a:bodyPr/>
+              <a:lstStyle/>
+              <a:p>
+                <a:r>
+                  <a:rPr lang="ru-RU">
+                    <a:noFill/>
+                  </a:rPr>
+                  <a:t> </a:t>
+                </a:r>
+              </a:p>
+            </p:txBody>
+          </p:sp>
+        </mc:Fallback>
+      </mc:AlternateContent>
+      <p:sp>
+        <p:nvSpPr>
+          <p:cNvPr id="23" name="Объект 2">
+            <a:extLst>
+              <a:ext uri="{FF2B5EF4-FFF2-40B4-BE49-F238E27FC236}">
+                <a16:creationId xmlns:a16="http://schemas.microsoft.com/office/drawing/2014/main" id="{92DF7FC3-0CC9-BC43-B0AE-AABE1A64010F}"/>
+              </a:ext>
+            </a:extLst>
+          </p:cNvPr>
+          <p:cNvSpPr>
+            <a:spLocks noGrp="1"/>
+          </p:cNvSpPr>
+          <p:nvPr>
+            <p:ph idx="1"/>
+          </p:nvPr>
+        </p:nvSpPr>
+        <p:spPr>
+          <a:xfrm>
+            <a:off x="838200" y="1407149"/>
+            <a:ext cx="10515600" cy="676835"/>
+          </a:xfrm>
+        </p:spPr>
+        <p:txBody>
+          <a:bodyPr>
+            <a:normAutofit/>
+          </a:bodyPr>
+          <a:lstStyle/>
+          <a:p>
+            <a:pPr marL="0" indent="0" algn="ctr">
+              <a:lnSpc>
+                <a:spcPct val="110000"/>
+              </a:lnSpc>
+              <a:buNone/>
+            </a:pPr>
+            <a:r>
+              <a:rPr lang="ru-RU" sz="2400" dirty="0">
+                <a:latin typeface="Times New Roman" panose="02020603050405020304" pitchFamily="18" charset="0"/>
+                <a:cs typeface="Times New Roman" panose="02020603050405020304" pitchFamily="18" charset="0"/>
+              </a:rPr>
+              <a:t>Документ представляется в виде вектора признаков</a:t>
+            </a:r>
+          </a:p>
+        </p:txBody>
+      </p:sp>
+      <p:pic>
+        <p:nvPicPr>
+          <p:cNvPr id="24" name="Google Shape;113;p21">
+            <a:extLst>
+              <a:ext uri="{FF2B5EF4-FFF2-40B4-BE49-F238E27FC236}">
+                <a16:creationId xmlns:a16="http://schemas.microsoft.com/office/drawing/2014/main" id="{DFAA8C2D-52A0-984B-A811-8F7857273437}"/>
+              </a:ext>
+            </a:extLst>
+          </p:cNvPr>
+          <p:cNvPicPr preferRelativeResize="0"/>
+          <p:nvPr/>
+        </p:nvPicPr>
+        <p:blipFill>
+          <a:blip r:embed="rId7">
+            <a:alphaModFix/>
+          </a:blip>
+          <a:stretch>
+            <a:fillRect/>
+          </a:stretch>
+        </p:blipFill>
+        <p:spPr>
+          <a:xfrm>
+            <a:off x="7057511" y="3840363"/>
+            <a:ext cx="4115939" cy="447797"/>
+          </a:xfrm>
+          <a:prstGeom prst="rect">
+            <a:avLst/>
+          </a:prstGeom>
+          <a:noFill/>
+          <a:ln>
+            <a:noFill/>
+          </a:ln>
+        </p:spPr>
+      </p:pic>
+      <mc:AlternateContent xmlns:mc="http://schemas.openxmlformats.org/markup-compatibility/2006" xmlns:a14="http://schemas.microsoft.com/office/drawing/2010/main">
+        <mc:Choice Requires="a14">
+          <p:sp>
+            <p:nvSpPr>
+              <p:cNvPr id="25" name="Прямоугольник 24">
+                <a:extLst>
+                  <a:ext uri="{FF2B5EF4-FFF2-40B4-BE49-F238E27FC236}">
+                    <a16:creationId xmlns:a16="http://schemas.microsoft.com/office/drawing/2014/main" id="{5CB14CA8-EA6D-2742-B2B0-ACC6E080B3DC}"/>
+                  </a:ext>
+                </a:extLst>
+              </p:cNvPr>
+              <p:cNvSpPr/>
+              <p:nvPr/>
+            </p:nvSpPr>
+            <p:spPr>
+              <a:xfrm>
+                <a:off x="838200" y="5702900"/>
+                <a:ext cx="4772186" cy="923330"/>
+              </a:xfrm>
+              <a:prstGeom prst="rect">
+                <a:avLst/>
+              </a:prstGeom>
+            </p:spPr>
+            <p:txBody>
+              <a:bodyPr wrap="square">
+                <a:spAutoFit/>
+              </a:bodyPr>
+              <a:lstStyle/>
+              <a:p>
+                <a14:m>
+                  <m:oMath xmlns:m="http://schemas.openxmlformats.org/officeDocument/2006/math">
+                    <m:r>
+                      <a:rPr lang="ru-RU" i="1" smtClean="0">
+                        <a:latin typeface="Cambria Math" panose="02040503050406030204" pitchFamily="18" charset="0"/>
+                        <a:ea typeface="Times New Roman" panose="02020603050405020304" pitchFamily="18" charset="0"/>
+                      </a:rPr>
+                      <m:t>г</m:t>
+                    </m:r>
+                    <m:r>
+                      <a:rPr lang="ru-RU" b="0" i="1" smtClean="0">
+                        <a:latin typeface="Cambria Math" panose="02040503050406030204" pitchFamily="18" charset="0"/>
+                        <a:ea typeface="Times New Roman" panose="02020603050405020304" pitchFamily="18" charset="0"/>
+                      </a:rPr>
+                      <m:t>де </m:t>
+                    </m:r>
+                    <m:r>
+                      <a:rPr lang="ru-RU" i="1">
+                        <a:latin typeface="Cambria Math" panose="02040503050406030204" pitchFamily="18" charset="0"/>
+                        <a:ea typeface="Times New Roman" panose="02020603050405020304" pitchFamily="18" charset="0"/>
+                      </a:rPr>
+                      <m:t>𝑡</m:t>
+                    </m:r>
+                  </m:oMath>
+                </a14:m>
+                <a:r>
+                  <a:rPr lang="ru-RU" dirty="0">
+                    <a:latin typeface="Times New Roman" panose="02020603050405020304" pitchFamily="18" charset="0"/>
+                    <a:ea typeface="Times New Roman" panose="02020603050405020304" pitchFamily="18" charset="0"/>
+                  </a:rPr>
+                  <a:t> </a:t>
+                </a:r>
+                <a:r>
+                  <a:rPr lang="en-US" dirty="0">
+                    <a:latin typeface="Times New Roman" panose="02020603050405020304" pitchFamily="18" charset="0"/>
+                    <a:ea typeface="Times New Roman" panose="02020603050405020304" pitchFamily="18" charset="0"/>
+                  </a:rPr>
+                  <a:t>– </a:t>
+                </a:r>
+                <a:r>
+                  <a:rPr lang="ru-RU" dirty="0">
+                    <a:latin typeface="Times New Roman" panose="02020603050405020304" pitchFamily="18" charset="0"/>
+                    <a:ea typeface="Times New Roman" panose="02020603050405020304" pitchFamily="18" charset="0"/>
+                  </a:rPr>
+                  <a:t>термин</a:t>
+                </a:r>
+                <a:r>
+                  <a:rPr lang="en-US" dirty="0">
+                    <a:latin typeface="Times New Roman" panose="02020603050405020304" pitchFamily="18" charset="0"/>
+                    <a:ea typeface="Times New Roman" panose="02020603050405020304" pitchFamily="18" charset="0"/>
+                  </a:rPr>
+                  <a:t>;</a:t>
+                </a:r>
+                <a:endParaRPr lang="ru-RU" dirty="0">
+                  <a:latin typeface="Times New Roman" panose="02020603050405020304" pitchFamily="18" charset="0"/>
+                  <a:ea typeface="Times New Roman" panose="02020603050405020304" pitchFamily="18" charset="0"/>
+                </a:endParaRPr>
+              </a:p>
+              <a:p>
+                <a14:m>
+                  <m:oMath xmlns:m="http://schemas.openxmlformats.org/officeDocument/2006/math">
+                    <m:r>
+                      <a:rPr lang="ru-RU" i="1">
+                        <a:latin typeface="Cambria Math" panose="02040503050406030204" pitchFamily="18" charset="0"/>
+                        <a:ea typeface="Times New Roman" panose="02020603050405020304" pitchFamily="18" charset="0"/>
+                      </a:rPr>
+                      <m:t>𝐷</m:t>
+                    </m:r>
+                  </m:oMath>
+                </a14:m>
+                <a:r>
+                  <a:rPr lang="ru-RU" dirty="0">
+                    <a:latin typeface="Times New Roman" panose="02020603050405020304" pitchFamily="18" charset="0"/>
+                    <a:ea typeface="Times New Roman" panose="02020603050405020304" pitchFamily="18" charset="0"/>
+                  </a:rPr>
+                  <a:t> </a:t>
+                </a:r>
+                <a:r>
+                  <a:rPr lang="en-US" dirty="0">
+                    <a:latin typeface="Times New Roman" panose="02020603050405020304" pitchFamily="18" charset="0"/>
+                    <a:ea typeface="Times New Roman" panose="02020603050405020304" pitchFamily="18" charset="0"/>
+                  </a:rPr>
+                  <a:t>– </a:t>
+                </a:r>
+                <a:r>
+                  <a:rPr lang="ru-RU" dirty="0">
+                    <a:latin typeface="Times New Roman" panose="02020603050405020304" pitchFamily="18" charset="0"/>
+                    <a:ea typeface="Times New Roman" panose="02020603050405020304" pitchFamily="18" charset="0"/>
+                  </a:rPr>
+                  <a:t>коллекция документов</a:t>
+                </a:r>
+                <a:r>
+                  <a:rPr lang="en-US" dirty="0">
+                    <a:latin typeface="Times New Roman" panose="02020603050405020304" pitchFamily="18" charset="0"/>
+                    <a:ea typeface="Times New Roman" panose="02020603050405020304" pitchFamily="18" charset="0"/>
+                  </a:rPr>
+                  <a:t>;</a:t>
+                </a:r>
+                <a:endParaRPr lang="ru-RU" dirty="0">
+                  <a:latin typeface="Times New Roman" panose="02020603050405020304" pitchFamily="18" charset="0"/>
+                  <a:ea typeface="Times New Roman" panose="02020603050405020304" pitchFamily="18" charset="0"/>
+                </a:endParaRPr>
+              </a:p>
+              <a:p>
+                <a14:m>
+                  <m:oMath xmlns:m="http://schemas.openxmlformats.org/officeDocument/2006/math">
+                    <m:r>
+                      <a:rPr lang="en-US" i="1">
+                        <a:latin typeface="Cambria Math" panose="02040503050406030204" pitchFamily="18" charset="0"/>
+                        <a:ea typeface="Times New Roman" panose="02020603050405020304" pitchFamily="18" charset="0"/>
+                      </a:rPr>
+                      <m:t>𝑑</m:t>
+                    </m:r>
+                  </m:oMath>
+                </a14:m>
+                <a:r>
+                  <a:rPr lang="en-US" dirty="0">
+                    <a:latin typeface="Times New Roman" panose="02020603050405020304" pitchFamily="18" charset="0"/>
+                    <a:ea typeface="Times New Roman" panose="02020603050405020304" pitchFamily="18" charset="0"/>
+                  </a:rPr>
+                  <a:t> </a:t>
+                </a:r>
+                <a:r>
+                  <a:rPr lang="ru-RU" dirty="0">
+                    <a:latin typeface="Times New Roman" panose="02020603050405020304" pitchFamily="18" charset="0"/>
+                    <a:ea typeface="Times New Roman" panose="02020603050405020304" pitchFamily="18" charset="0"/>
+                  </a:rPr>
+                  <a:t>– документ из коллекции </a:t>
+                </a:r>
+                <a14:m>
+                  <m:oMath xmlns:m="http://schemas.openxmlformats.org/officeDocument/2006/math">
+                    <m:r>
+                      <a:rPr lang="ru-RU" i="1">
+                        <a:latin typeface="Cambria Math" panose="02040503050406030204" pitchFamily="18" charset="0"/>
+                        <a:ea typeface="Times New Roman" panose="02020603050405020304" pitchFamily="18" charset="0"/>
+                      </a:rPr>
+                      <m:t>𝐷</m:t>
+                    </m:r>
+                    <m:r>
+                      <a:rPr lang="en-US" b="0" i="1" smtClean="0">
+                        <a:latin typeface="Cambria Math" panose="02040503050406030204" pitchFamily="18" charset="0"/>
+                        <a:ea typeface="Times New Roman" panose="02020603050405020304" pitchFamily="18" charset="0"/>
+                      </a:rPr>
+                      <m:t>.</m:t>
+                    </m:r>
+                  </m:oMath>
+                </a14:m>
+                <a:endParaRPr lang="ru-RU" dirty="0">
+                  <a:latin typeface="Times New Roman" panose="02020603050405020304" pitchFamily="18" charset="0"/>
+                  <a:ea typeface="Times New Roman" panose="02020603050405020304" pitchFamily="18" charset="0"/>
+                </a:endParaRPr>
+              </a:p>
+            </p:txBody>
+          </p:sp>
+        </mc:Choice>
+        <mc:Fallback xmlns="">
+          <p:sp>
+            <p:nvSpPr>
+              <p:cNvPr id="25" name="Прямоугольник 24">
+                <a:extLst>
+                  <a:ext uri="{FF2B5EF4-FFF2-40B4-BE49-F238E27FC236}">
+                    <a16:creationId xmlns:a16="http://schemas.microsoft.com/office/drawing/2014/main" id="{5CB14CA8-EA6D-2742-B2B0-ACC6E080B3DC}"/>
+                  </a:ext>
+                </a:extLst>
+              </p:cNvPr>
+              <p:cNvSpPr>
+                <a:spLocks noRot="1" noChangeAspect="1" noMove="1" noResize="1" noEditPoints="1" noAdjustHandles="1" noChangeArrowheads="1" noChangeShapeType="1" noTextEdit="1"/>
+              </p:cNvSpPr>
+              <p:nvPr/>
+            </p:nvSpPr>
+            <p:spPr>
+              <a:xfrm>
+                <a:off x="838200" y="5702900"/>
+                <a:ext cx="4772186" cy="923330"/>
+              </a:xfrm>
+              <a:prstGeom prst="rect">
+                <a:avLst/>
+              </a:prstGeom>
+              <a:blipFill>
+                <a:blip r:embed="rId8"/>
+                <a:stretch>
+                  <a:fillRect t="-2703" b="-8108"/>
+                </a:stretch>
+              </a:blipFill>
+            </p:spPr>
+            <p:txBody>
+              <a:bodyPr/>
+              <a:lstStyle/>
+              <a:p>
+                <a:r>
+                  <a:rPr lang="ru-RU">
+                    <a:noFill/>
+                  </a:rPr>
+                  <a:t> </a:t>
+                </a:r>
+              </a:p>
+            </p:txBody>
+          </p:sp>
+        </mc:Fallback>
+      </mc:AlternateContent>
+      <p:sp>
+        <p:nvSpPr>
+          <p:cNvPr id="4" name="TextBox 3">
+            <a:extLst>
+              <a:ext uri="{FF2B5EF4-FFF2-40B4-BE49-F238E27FC236}">
+                <a16:creationId xmlns:a16="http://schemas.microsoft.com/office/drawing/2014/main" id="{0320C78C-D1F9-E149-BDCA-5474F3A3A212}"/>
+              </a:ext>
+            </a:extLst>
+          </p:cNvPr>
+          <p:cNvSpPr txBox="1"/>
+          <p:nvPr/>
+        </p:nvSpPr>
+        <p:spPr>
+          <a:xfrm>
+            <a:off x="838200" y="2083984"/>
+            <a:ext cx="2917417" cy="646331"/>
+          </a:xfrm>
+          <a:prstGeom prst="rect">
+            <a:avLst/>
+          </a:prstGeom>
+          <a:noFill/>
+        </p:spPr>
+        <p:txBody>
+          <a:bodyPr wrap="square" rtlCol="0">
+            <a:spAutoFit/>
+          </a:bodyPr>
+          <a:lstStyle/>
+          <a:p>
+            <a:r>
+              <a:rPr lang="en" b="1" dirty="0">
+                <a:latin typeface="Times New Roman" panose="02020603050405020304" pitchFamily="18" charset="0"/>
+                <a:cs typeface="Times New Roman" panose="02020603050405020304" pitchFamily="18" charset="0"/>
+              </a:rPr>
+              <a:t>TF</a:t>
+            </a:r>
+            <a:r>
+              <a:rPr lang="en" dirty="0">
+                <a:latin typeface="Times New Roman" panose="02020603050405020304" pitchFamily="18" charset="0"/>
+                <a:cs typeface="Times New Roman" panose="02020603050405020304" pitchFamily="18" charset="0"/>
+              </a:rPr>
+              <a:t> — </a:t>
+            </a:r>
+            <a:r>
+              <a:rPr lang="ru-RU" dirty="0">
+                <a:latin typeface="Times New Roman" panose="02020603050405020304" pitchFamily="18" charset="0"/>
+                <a:cs typeface="Times New Roman" panose="02020603050405020304" pitchFamily="18" charset="0"/>
+              </a:rPr>
+              <a:t>частотность термина:</a:t>
+            </a:r>
+            <a:endParaRPr lang="en-US" dirty="0">
+              <a:latin typeface="Times New Roman" panose="02020603050405020304" pitchFamily="18" charset="0"/>
+              <a:cs typeface="Times New Roman" panose="02020603050405020304" pitchFamily="18" charset="0"/>
+            </a:endParaRPr>
+          </a:p>
+          <a:p>
+            <a:endParaRPr lang="ru-RU" dirty="0"/>
+          </a:p>
+        </p:txBody>
+      </p:sp>
+      <p:sp>
+        <p:nvSpPr>
+          <p:cNvPr id="5" name="TextBox 4">
+            <a:extLst>
+              <a:ext uri="{FF2B5EF4-FFF2-40B4-BE49-F238E27FC236}">
+                <a16:creationId xmlns:a16="http://schemas.microsoft.com/office/drawing/2014/main" id="{D06208F9-32BE-1C41-844A-A73BB259147E}"/>
+              </a:ext>
+            </a:extLst>
+          </p:cNvPr>
+          <p:cNvSpPr txBox="1"/>
+          <p:nvPr/>
+        </p:nvSpPr>
+        <p:spPr>
+          <a:xfrm>
+            <a:off x="838200" y="4288160"/>
+            <a:ext cx="5393411" cy="646331"/>
+          </a:xfrm>
+          <a:prstGeom prst="rect">
+            <a:avLst/>
+          </a:prstGeom>
+          <a:noFill/>
+        </p:spPr>
+        <p:txBody>
+          <a:bodyPr wrap="square" rtlCol="0">
+            <a:spAutoFit/>
+          </a:bodyPr>
+          <a:lstStyle/>
+          <a:p>
+            <a:r>
+              <a:rPr lang="en-US" b="1" dirty="0">
+                <a:latin typeface="Times New Roman" panose="02020603050405020304" pitchFamily="18" charset="0"/>
+                <a:cs typeface="Times New Roman" panose="02020603050405020304" pitchFamily="18" charset="0"/>
+              </a:rPr>
+              <a:t>IDF</a:t>
+            </a:r>
+            <a:r>
+              <a:rPr lang="ru-RU" dirty="0">
+                <a:latin typeface="Times New Roman" panose="02020603050405020304" pitchFamily="18" charset="0"/>
+                <a:cs typeface="Times New Roman" panose="02020603050405020304" pitchFamily="18" charset="0"/>
+              </a:rPr>
+              <a:t> — инверсия частоты, с которой некоторое слово встречается в документах коллекции </a:t>
+            </a:r>
+          </a:p>
+        </p:txBody>
+      </p:sp>
+      <p:sp>
+        <p:nvSpPr>
+          <p:cNvPr id="7" name="TextBox 6">
+            <a:extLst>
+              <a:ext uri="{FF2B5EF4-FFF2-40B4-BE49-F238E27FC236}">
+                <a16:creationId xmlns:a16="http://schemas.microsoft.com/office/drawing/2014/main" id="{2E9EF2D0-752C-0348-B55C-A87CC4772B20}"/>
+              </a:ext>
+            </a:extLst>
+          </p:cNvPr>
+          <p:cNvSpPr txBox="1"/>
+          <p:nvPr/>
+        </p:nvSpPr>
+        <p:spPr>
+          <a:xfrm>
+            <a:off x="7057511" y="2625885"/>
+            <a:ext cx="4499058" cy="646331"/>
+          </a:xfrm>
+          <a:prstGeom prst="rect">
+            <a:avLst/>
+          </a:prstGeom>
+          <a:noFill/>
+        </p:spPr>
+        <p:txBody>
+          <a:bodyPr wrap="square" rtlCol="0">
+            <a:spAutoFit/>
+          </a:bodyPr>
+          <a:lstStyle/>
+          <a:p>
+            <a:r>
+              <a:rPr lang="en-US" b="1" dirty="0">
+                <a:latin typeface="Times New Roman" panose="02020603050405020304" pitchFamily="18" charset="0"/>
+                <a:cs typeface="Times New Roman" panose="02020603050405020304" pitchFamily="18" charset="0"/>
+              </a:rPr>
+              <a:t>TF-IDF</a:t>
+            </a:r>
+            <a:r>
+              <a:rPr lang="en-US" dirty="0">
+                <a:latin typeface="Times New Roman" panose="02020603050405020304" pitchFamily="18" charset="0"/>
+                <a:cs typeface="Times New Roman" panose="02020603050405020304" pitchFamily="18" charset="0"/>
+              </a:rPr>
+              <a:t> – </a:t>
+            </a:r>
+            <a:r>
+              <a:rPr lang="ru-RU" dirty="0">
+                <a:latin typeface="Times New Roman" panose="02020603050405020304" pitchFamily="18" charset="0"/>
+                <a:cs typeface="Times New Roman" panose="02020603050405020304" pitchFamily="18" charset="0"/>
+              </a:rPr>
+              <a:t>статистическая мера, используемая для оценки важности термина</a:t>
+            </a:r>
+          </a:p>
+        </p:txBody>
+      </p:sp>
     </p:spTree>
     <p:extLst>
       <p:ext uri="{BB962C8B-B14F-4D97-AF65-F5344CB8AC3E}">
-        <p14:creationId xmlns:p14="http://schemas.microsoft.com/office/powerpoint/2010/main" val="3386598274"/>
+        <p14:creationId xmlns:p14="http://schemas.microsoft.com/office/powerpoint/2010/main" val="2350653239"/>
       </p:ext>
     </p:extLst>
   </p:cSld>

--- a/РПЗ/презентация_Кондрашова.pptx
+++ b/РПЗ/презентация_Кондрашова.pptx
@@ -19,8 +19,8 @@
     <p:sldId id="297" r:id="rId10"/>
     <p:sldId id="285" r:id="rId11"/>
     <p:sldId id="296" r:id="rId12"/>
-    <p:sldId id="293" r:id="rId13"/>
-    <p:sldId id="294" r:id="rId14"/>
+    <p:sldId id="294" r:id="rId13"/>
+    <p:sldId id="293" r:id="rId14"/>
     <p:sldId id="282" r:id="rId15"/>
     <p:sldId id="289" r:id="rId16"/>
     <p:sldId id="290" r:id="rId17"/>
@@ -227,7 +227,7 @@
             <a:fld id="{B24C1625-D5FD-4961-8EAB-1FA61EEA71E7}" type="datetimeFigureOut">
               <a:rPr lang="ru-RU" smtClean="0"/>
               <a:pPr/>
-              <a:t>05.06.2021</a:t>
+              <a:t>06.06.2021</a:t>
             </a:fld>
             <a:endParaRPr lang="ru-RU"/>
           </a:p>
@@ -752,7 +752,7 @@
             <a:fld id="{6289C4F5-5BFF-4154-922C-ABB746440172}" type="slidenum">
               <a:rPr lang="ru-RU" smtClean="0"/>
               <a:pPr/>
-              <a:t>13</a:t>
+              <a:t>12</a:t>
             </a:fld>
             <a:endParaRPr lang="ru-RU"/>
           </a:p>
@@ -919,7 +919,7 @@
             <a:fld id="{703E3709-A417-4BA4-9DB9-C03B4C8BAA4E}" type="datetime1">
               <a:rPr lang="ru-RU" smtClean="0"/>
               <a:pPr/>
-              <a:t>05.06.2021</a:t>
+              <a:t>06.06.2021</a:t>
             </a:fld>
             <a:endParaRPr lang="ru-RU"/>
           </a:p>
@@ -1119,7 +1119,7 @@
             <a:fld id="{E84E5E01-CA5B-494A-9C4C-0A4511EEFE60}" type="datetime1">
               <a:rPr lang="ru-RU" smtClean="0"/>
               <a:pPr/>
-              <a:t>05.06.2021</a:t>
+              <a:t>06.06.2021</a:t>
             </a:fld>
             <a:endParaRPr lang="ru-RU"/>
           </a:p>
@@ -1329,7 +1329,7 @@
             <a:fld id="{EC69EC0E-4C6D-4D35-9720-ED568FE3BC26}" type="datetime1">
               <a:rPr lang="ru-RU" smtClean="0"/>
               <a:pPr/>
-              <a:t>05.06.2021</a:t>
+              <a:t>06.06.2021</a:t>
             </a:fld>
             <a:endParaRPr lang="ru-RU"/>
           </a:p>
@@ -1529,7 +1529,7 @@
             <a:fld id="{BA3139B0-C124-44CF-B8D5-1CDD431F5F1F}" type="datetime1">
               <a:rPr lang="ru-RU" smtClean="0"/>
               <a:pPr/>
-              <a:t>05.06.2021</a:t>
+              <a:t>06.06.2021</a:t>
             </a:fld>
             <a:endParaRPr lang="ru-RU"/>
           </a:p>
@@ -1806,7 +1806,7 @@
             <a:fld id="{1D59D3DA-E4B9-44AC-A369-0B4DC908419D}" type="datetime1">
               <a:rPr lang="ru-RU" smtClean="0"/>
               <a:pPr/>
-              <a:t>05.06.2021</a:t>
+              <a:t>06.06.2021</a:t>
             </a:fld>
             <a:endParaRPr lang="ru-RU"/>
           </a:p>
@@ -2073,7 +2073,7 @@
             <a:fld id="{50A031DE-CB04-4870-9C75-1465DCB69FDB}" type="datetime1">
               <a:rPr lang="ru-RU" smtClean="0"/>
               <a:pPr/>
-              <a:t>05.06.2021</a:t>
+              <a:t>06.06.2021</a:t>
             </a:fld>
             <a:endParaRPr lang="ru-RU"/>
           </a:p>
@@ -2487,7 +2487,7 @@
             <a:fld id="{4FEFF6B4-3589-4899-AAF7-4B76B13265E9}" type="datetime1">
               <a:rPr lang="ru-RU" smtClean="0"/>
               <a:pPr/>
-              <a:t>05.06.2021</a:t>
+              <a:t>06.06.2021</a:t>
             </a:fld>
             <a:endParaRPr lang="ru-RU"/>
           </a:p>
@@ -2630,7 +2630,7 @@
             <a:fld id="{D891499A-FB2B-4995-8E9F-E0E46C8EE9B4}" type="datetime1">
               <a:rPr lang="ru-RU" smtClean="0"/>
               <a:pPr/>
-              <a:t>05.06.2021</a:t>
+              <a:t>06.06.2021</a:t>
             </a:fld>
             <a:endParaRPr lang="ru-RU"/>
           </a:p>
@@ -2745,7 +2745,7 @@
             <a:fld id="{A8980C0B-7E8C-4609-A955-3F89959A46DA}" type="datetime1">
               <a:rPr lang="ru-RU" smtClean="0"/>
               <a:pPr/>
-              <a:t>05.06.2021</a:t>
+              <a:t>06.06.2021</a:t>
             </a:fld>
             <a:endParaRPr lang="ru-RU"/>
           </a:p>
@@ -3058,7 +3058,7 @@
             <a:fld id="{BE84B986-6865-4485-BDE5-D57B9DC994D2}" type="datetime1">
               <a:rPr lang="ru-RU" smtClean="0"/>
               <a:pPr/>
-              <a:t>05.06.2021</a:t>
+              <a:t>06.06.2021</a:t>
             </a:fld>
             <a:endParaRPr lang="ru-RU"/>
           </a:p>
@@ -3348,7 +3348,7 @@
             <a:fld id="{16CB19F2-C561-4971-B3DE-FECD1D4FDC6E}" type="datetime1">
               <a:rPr lang="ru-RU" smtClean="0"/>
               <a:pPr/>
-              <a:t>05.06.2021</a:t>
+              <a:t>06.06.2021</a:t>
             </a:fld>
             <a:endParaRPr lang="ru-RU"/>
           </a:p>
@@ -3591,7 +3591,7 @@
             <a:fld id="{2F1403D6-804E-451C-A4C8-E9FBB80237BA}" type="datetime1">
               <a:rPr lang="ru-RU" smtClean="0"/>
               <a:pPr/>
-              <a:t>05.06.2021</a:t>
+              <a:t>06.06.2021</a:t>
             </a:fld>
             <a:endParaRPr lang="ru-RU"/>
           </a:p>
@@ -4649,870 +4649,6 @@
                 <a:latin typeface="Times New Roman" panose="02020603050405020304" pitchFamily="18" charset="0"/>
                 <a:cs typeface="Times New Roman" panose="02020603050405020304" pitchFamily="18" charset="0"/>
               </a:rPr>
-              <a:t>Используемые метрики качества</a:t>
-            </a:r>
-          </a:p>
-        </p:txBody>
-      </p:sp>
-      <p:sp>
-        <p:nvSpPr>
-          <p:cNvPr id="3" name="Объект 2">
-            <a:extLst>
-              <a:ext uri="{FF2B5EF4-FFF2-40B4-BE49-F238E27FC236}">
-                <a16:creationId xmlns:a16="http://schemas.microsoft.com/office/drawing/2014/main" id="{2CA1D980-884A-AD4A-A267-4009569FB9A9}"/>
-              </a:ext>
-            </a:extLst>
-          </p:cNvPr>
-          <p:cNvSpPr>
-            <a:spLocks noGrp="1"/>
-          </p:cNvSpPr>
-          <p:nvPr>
-            <p:ph idx="1"/>
-          </p:nvPr>
-        </p:nvSpPr>
-        <p:spPr>
-          <a:xfrm>
-            <a:off x="838200" y="1562582"/>
-            <a:ext cx="10515600" cy="1576858"/>
-          </a:xfrm>
-        </p:spPr>
-        <p:txBody>
-          <a:bodyPr>
-            <a:normAutofit fontScale="25000" lnSpcReduction="20000"/>
-          </a:bodyPr>
-          <a:lstStyle/>
-          <a:p>
-            <a:pPr>
-              <a:lnSpc>
-                <a:spcPct val="100000"/>
-              </a:lnSpc>
-            </a:pPr>
-            <a:r>
-              <a:rPr lang="ru-RU" sz="9600" b="1" dirty="0">
-                <a:latin typeface="Times New Roman" panose="02020603050405020304" pitchFamily="18" charset="0"/>
-                <a:cs typeface="Times New Roman" panose="02020603050405020304" pitchFamily="18" charset="0"/>
-              </a:rPr>
-              <a:t>Точность </a:t>
-            </a:r>
-            <a:r>
-              <a:rPr lang="en-US" sz="9600" b="1" dirty="0">
-                <a:latin typeface="Times New Roman" panose="02020603050405020304" pitchFamily="18" charset="0"/>
-                <a:cs typeface="Times New Roman" panose="02020603050405020304" pitchFamily="18" charset="0"/>
-              </a:rPr>
-              <a:t>(accuracy)</a:t>
-            </a:r>
-            <a:r>
-              <a:rPr lang="ru-RU" sz="9600" b="1" dirty="0">
-                <a:latin typeface="Times New Roman" panose="02020603050405020304" pitchFamily="18" charset="0"/>
-                <a:cs typeface="Times New Roman" panose="02020603050405020304" pitchFamily="18" charset="0"/>
-              </a:rPr>
-              <a:t> </a:t>
-            </a:r>
-            <a:r>
-              <a:rPr lang="ru-RU" sz="9600" dirty="0">
-                <a:latin typeface="Times New Roman" panose="02020603050405020304" pitchFamily="18" charset="0"/>
-                <a:cs typeface="Times New Roman" panose="02020603050405020304" pitchFamily="18" charset="0"/>
-              </a:rPr>
-              <a:t>– доля правильно предсказанных классификатором классов среди всех предсказанных значений. </a:t>
-            </a:r>
-            <a:br>
-              <a:rPr lang="ru-RU" sz="9600" dirty="0">
-                <a:latin typeface="Times New Roman" panose="02020603050405020304" pitchFamily="18" charset="0"/>
-                <a:cs typeface="Times New Roman" panose="02020603050405020304" pitchFamily="18" charset="0"/>
-              </a:rPr>
-            </a:br>
-            <a:endParaRPr lang="ru-RU" sz="9600" dirty="0">
-              <a:latin typeface="Times New Roman" panose="02020603050405020304" pitchFamily="18" charset="0"/>
-              <a:cs typeface="Times New Roman" panose="02020603050405020304" pitchFamily="18" charset="0"/>
-            </a:endParaRPr>
-          </a:p>
-          <a:p>
-            <a:pPr>
-              <a:lnSpc>
-                <a:spcPct val="100000"/>
-              </a:lnSpc>
-            </a:pPr>
-            <a:r>
-              <a:rPr lang="en-US" sz="9600" b="1" dirty="0">
-                <a:latin typeface="Times New Roman" panose="02020603050405020304" pitchFamily="18" charset="0"/>
-                <a:cs typeface="Times New Roman" panose="02020603050405020304" pitchFamily="18" charset="0"/>
-              </a:rPr>
-              <a:t>F-</a:t>
-            </a:r>
-            <a:r>
-              <a:rPr lang="ru-RU" sz="9600" b="1" dirty="0">
-                <a:latin typeface="Times New Roman" panose="02020603050405020304" pitchFamily="18" charset="0"/>
-                <a:cs typeface="Times New Roman" panose="02020603050405020304" pitchFamily="18" charset="0"/>
-              </a:rPr>
-              <a:t>мера</a:t>
-            </a:r>
-            <a:br>
-              <a:rPr lang="ru-RU" sz="7400" dirty="0">
-                <a:latin typeface="Times New Roman" panose="02020603050405020304" pitchFamily="18" charset="0"/>
-                <a:cs typeface="Times New Roman" panose="02020603050405020304" pitchFamily="18" charset="0"/>
-              </a:rPr>
-            </a:br>
-            <a:br>
-              <a:rPr lang="ru-RU" sz="7400" dirty="0">
-                <a:latin typeface="Times New Roman" panose="02020603050405020304" pitchFamily="18" charset="0"/>
-                <a:cs typeface="Times New Roman" panose="02020603050405020304" pitchFamily="18" charset="0"/>
-              </a:rPr>
-            </a:br>
-            <a:endParaRPr lang="ru-RU" sz="7400" dirty="0">
-              <a:latin typeface="Times New Roman" panose="02020603050405020304" pitchFamily="18" charset="0"/>
-              <a:cs typeface="Times New Roman" panose="02020603050405020304" pitchFamily="18" charset="0"/>
-            </a:endParaRPr>
-          </a:p>
-          <a:p>
-            <a:pPr marL="0" indent="0">
-              <a:lnSpc>
-                <a:spcPct val="100000"/>
-              </a:lnSpc>
-              <a:buNone/>
-            </a:pPr>
-            <a:endParaRPr lang="ru-RU" dirty="0">
-              <a:latin typeface="Times New Roman" panose="02020603050405020304" pitchFamily="18" charset="0"/>
-              <a:cs typeface="Times New Roman" panose="02020603050405020304" pitchFamily="18" charset="0"/>
-            </a:endParaRPr>
-          </a:p>
-          <a:p>
-            <a:pPr marL="0" indent="0">
-              <a:lnSpc>
-                <a:spcPct val="100000"/>
-              </a:lnSpc>
-              <a:buNone/>
-            </a:pPr>
-            <a:br>
-              <a:rPr lang="ru-RU" dirty="0">
-                <a:latin typeface="Times New Roman" panose="02020603050405020304" pitchFamily="18" charset="0"/>
-                <a:cs typeface="Times New Roman" panose="02020603050405020304" pitchFamily="18" charset="0"/>
-              </a:rPr>
-            </a:br>
-            <a:endParaRPr lang="ru-RU" dirty="0">
-              <a:latin typeface="Times New Roman" panose="02020603050405020304" pitchFamily="18" charset="0"/>
-              <a:cs typeface="Times New Roman" panose="02020603050405020304" pitchFamily="18" charset="0"/>
-            </a:endParaRPr>
-          </a:p>
-          <a:p>
-            <a:pPr marL="0" indent="0">
-              <a:lnSpc>
-                <a:spcPct val="100000"/>
-              </a:lnSpc>
-              <a:buNone/>
-            </a:pPr>
-            <a:br>
-              <a:rPr lang="ru-RU" sz="2800" dirty="0">
-                <a:latin typeface="Times New Roman" panose="02020603050405020304" pitchFamily="18" charset="0"/>
-                <a:cs typeface="Times New Roman" panose="02020603050405020304" pitchFamily="18" charset="0"/>
-              </a:rPr>
-            </a:br>
-            <a:endParaRPr lang="ru-RU" sz="2800" dirty="0">
-              <a:latin typeface="Times New Roman" panose="02020603050405020304" pitchFamily="18" charset="0"/>
-              <a:cs typeface="Times New Roman" panose="02020603050405020304" pitchFamily="18" charset="0"/>
-            </a:endParaRPr>
-          </a:p>
-        </p:txBody>
-      </p:sp>
-      <p:sp>
-        <p:nvSpPr>
-          <p:cNvPr id="5" name="Номер слайда 4">
-            <a:extLst>
-              <a:ext uri="{FF2B5EF4-FFF2-40B4-BE49-F238E27FC236}">
-                <a16:creationId xmlns:a16="http://schemas.microsoft.com/office/drawing/2014/main" id="{9F3495B7-380D-924A-86A4-09BFB46C044B}"/>
-              </a:ext>
-            </a:extLst>
-          </p:cNvPr>
-          <p:cNvSpPr>
-            <a:spLocks noGrp="1"/>
-          </p:cNvSpPr>
-          <p:nvPr>
-            <p:ph type="sldNum" sz="quarter" idx="12"/>
-          </p:nvPr>
-        </p:nvSpPr>
-        <p:spPr>
-          <a:xfrm>
-            <a:off x="5151120" y="4612805"/>
-            <a:ext cx="2743200" cy="365125"/>
-          </a:xfrm>
-        </p:spPr>
-        <p:txBody>
-          <a:bodyPr/>
-          <a:lstStyle/>
-          <a:p>
-            <a:fld id="{6BB697E3-DD58-B344-99E6-BC7A3ED9A2AD}" type="slidenum">
-              <a:rPr lang="ru-RU" smtClean="0"/>
-              <a:t>12</a:t>
-            </a:fld>
-            <a:endParaRPr lang="ru-RU"/>
-          </a:p>
-        </p:txBody>
-      </p:sp>
-      <p:pic>
-        <p:nvPicPr>
-          <p:cNvPr id="6" name="Рисунок 5">
-            <a:extLst>
-              <a:ext uri="{FF2B5EF4-FFF2-40B4-BE49-F238E27FC236}">
-                <a16:creationId xmlns:a16="http://schemas.microsoft.com/office/drawing/2014/main" id="{80D91F3A-5E5C-0B4A-BE7E-6C3D1FEEF654}"/>
-              </a:ext>
-            </a:extLst>
-          </p:cNvPr>
-          <p:cNvPicPr>
-            <a:picLocks noChangeAspect="1"/>
-          </p:cNvPicPr>
-          <p:nvPr/>
-        </p:nvPicPr>
-        <p:blipFill>
-          <a:blip r:embed="rId2">
-            <a:extLst>
-              <a:ext uri="{28A0092B-C50C-407E-A947-70E740481C1C}">
-                <a14:useLocalDpi xmlns:a14="http://schemas.microsoft.com/office/drawing/2010/main" val="0"/>
-              </a:ext>
-            </a:extLst>
-          </a:blip>
-          <a:stretch>
-            <a:fillRect/>
-          </a:stretch>
-        </p:blipFill>
-        <p:spPr>
-          <a:xfrm>
-            <a:off x="838200" y="3139440"/>
-            <a:ext cx="7327900" cy="1422400"/>
-          </a:xfrm>
-          <a:prstGeom prst="rect">
-            <a:avLst/>
-          </a:prstGeom>
-        </p:spPr>
-      </p:pic>
-      <mc:AlternateContent xmlns:mc="http://schemas.openxmlformats.org/markup-compatibility/2006" xmlns:a14="http://schemas.microsoft.com/office/drawing/2010/main">
-        <mc:Choice Requires="a14">
-          <p:sp>
-            <p:nvSpPr>
-              <p:cNvPr id="7" name="TextBox 6">
-                <a:extLst>
-                  <a:ext uri="{FF2B5EF4-FFF2-40B4-BE49-F238E27FC236}">
-                    <a16:creationId xmlns:a16="http://schemas.microsoft.com/office/drawing/2014/main" id="{72645B95-4DEE-DA43-B4A8-52696ABCD5DC}"/>
-                  </a:ext>
-                </a:extLst>
-              </p:cNvPr>
-              <p:cNvSpPr txBox="1"/>
-              <p:nvPr/>
-            </p:nvSpPr>
-            <p:spPr>
-              <a:xfrm>
-                <a:off x="685800" y="5033035"/>
-                <a:ext cx="3017520" cy="673711"/>
-              </a:xfrm>
-              <a:prstGeom prst="rect">
-                <a:avLst/>
-              </a:prstGeom>
-              <a:noFill/>
-            </p:spPr>
-            <p:txBody>
-              <a:bodyPr wrap="square" rtlCol="0">
-                <a:spAutoFit/>
-              </a:bodyPr>
-              <a:lstStyle/>
-              <a:p>
-                <a:pPr/>
-                <a14:m>
-                  <m:oMathPara xmlns:m="http://schemas.openxmlformats.org/officeDocument/2006/math">
-                    <m:oMathParaPr>
-                      <m:jc m:val="centerGroup"/>
-                    </m:oMathParaPr>
-                    <m:oMath xmlns:m="http://schemas.openxmlformats.org/officeDocument/2006/math">
-                      <m:r>
-                        <a:rPr lang="ru-RU" sz="2000" i="1">
-                          <a:latin typeface="Cambria Math" panose="02040503050406030204" pitchFamily="18" charset="0"/>
-                        </a:rPr>
-                        <m:t>𝑃𝑟𝑒𝑐𝑖𝑠𝑖𝑜𝑛</m:t>
-                      </m:r>
-                      <m:r>
-                        <a:rPr lang="ru-RU" sz="2000" i="1">
-                          <a:latin typeface="Cambria Math" panose="02040503050406030204" pitchFamily="18" charset="0"/>
-                        </a:rPr>
-                        <m:t>=</m:t>
-                      </m:r>
-                      <m:f>
-                        <m:fPr>
-                          <m:ctrlPr>
-                            <a:rPr lang="ru-RU" sz="2000" i="1">
-                              <a:latin typeface="Cambria Math" panose="02040503050406030204" pitchFamily="18" charset="0"/>
-                            </a:rPr>
-                          </m:ctrlPr>
-                        </m:fPr>
-                        <m:num>
-                          <m:r>
-                            <a:rPr lang="ru-RU" sz="2000" i="1">
-                              <a:latin typeface="Cambria Math" panose="02040503050406030204" pitchFamily="18" charset="0"/>
-                            </a:rPr>
-                            <m:t>𝑇𝑃</m:t>
-                          </m:r>
-                        </m:num>
-                        <m:den>
-                          <m:r>
-                            <a:rPr lang="ru-RU" sz="2000" i="1">
-                              <a:latin typeface="Cambria Math" panose="02040503050406030204" pitchFamily="18" charset="0"/>
-                            </a:rPr>
-                            <m:t>𝑇𝑃</m:t>
-                          </m:r>
-                          <m:r>
-                            <a:rPr lang="ru-RU" sz="2000" i="1">
-                              <a:latin typeface="Cambria Math" panose="02040503050406030204" pitchFamily="18" charset="0"/>
-                            </a:rPr>
-                            <m:t>+</m:t>
-                          </m:r>
-                          <m:r>
-                            <a:rPr lang="ru-RU" sz="2000" i="1">
-                              <a:latin typeface="Cambria Math" panose="02040503050406030204" pitchFamily="18" charset="0"/>
-                            </a:rPr>
-                            <m:t>𝐹𝑃</m:t>
-                          </m:r>
-                        </m:den>
-                      </m:f>
-                    </m:oMath>
-                  </m:oMathPara>
-                </a14:m>
-                <a:endParaRPr lang="ru-RU" sz="2000" dirty="0"/>
-              </a:p>
-            </p:txBody>
-          </p:sp>
-        </mc:Choice>
-        <mc:Fallback xmlns="">
-          <p:sp>
-            <p:nvSpPr>
-              <p:cNvPr id="7" name="TextBox 6">
-                <a:extLst>
-                  <a:ext uri="{FF2B5EF4-FFF2-40B4-BE49-F238E27FC236}">
-                    <a16:creationId xmlns:a16="http://schemas.microsoft.com/office/drawing/2014/main" id="{72645B95-4DEE-DA43-B4A8-52696ABCD5DC}"/>
-                  </a:ext>
-                </a:extLst>
-              </p:cNvPr>
-              <p:cNvSpPr txBox="1">
-                <a:spLocks noRot="1" noChangeAspect="1" noMove="1" noResize="1" noEditPoints="1" noAdjustHandles="1" noChangeArrowheads="1" noChangeShapeType="1" noTextEdit="1"/>
-              </p:cNvSpPr>
-              <p:nvPr/>
-            </p:nvSpPr>
-            <p:spPr>
-              <a:xfrm>
-                <a:off x="685800" y="5033035"/>
-                <a:ext cx="3017520" cy="673711"/>
-              </a:xfrm>
-              <a:prstGeom prst="rect">
-                <a:avLst/>
-              </a:prstGeom>
-              <a:blipFill>
-                <a:blip r:embed="rId3"/>
-                <a:stretch>
-                  <a:fillRect b="-3774"/>
-                </a:stretch>
-              </a:blipFill>
-            </p:spPr>
-            <p:txBody>
-              <a:bodyPr/>
-              <a:lstStyle/>
-              <a:p>
-                <a:r>
-                  <a:rPr lang="ru-RU">
-                    <a:noFill/>
-                  </a:rPr>
-                  <a:t> </a:t>
-                </a:r>
-              </a:p>
-            </p:txBody>
-          </p:sp>
-        </mc:Fallback>
-      </mc:AlternateContent>
-      <mc:AlternateContent xmlns:mc="http://schemas.openxmlformats.org/markup-compatibility/2006" xmlns:a14="http://schemas.microsoft.com/office/drawing/2010/main">
-        <mc:Choice Requires="a14">
-          <p:sp>
-            <p:nvSpPr>
-              <p:cNvPr id="8" name="TextBox 7">
-                <a:extLst>
-                  <a:ext uri="{FF2B5EF4-FFF2-40B4-BE49-F238E27FC236}">
-                    <a16:creationId xmlns:a16="http://schemas.microsoft.com/office/drawing/2014/main" id="{635ADA2D-F59B-A640-927D-DDDCF1FE98FA}"/>
-                  </a:ext>
-                </a:extLst>
-              </p:cNvPr>
-              <p:cNvSpPr txBox="1"/>
-              <p:nvPr/>
-            </p:nvSpPr>
-            <p:spPr>
-              <a:xfrm>
-                <a:off x="3916680" y="5038585"/>
-                <a:ext cx="2468880" cy="673711"/>
-              </a:xfrm>
-              <a:prstGeom prst="rect">
-                <a:avLst/>
-              </a:prstGeom>
-              <a:noFill/>
-            </p:spPr>
-            <p:txBody>
-              <a:bodyPr wrap="square" rtlCol="0">
-                <a:spAutoFit/>
-              </a:bodyPr>
-              <a:lstStyle/>
-              <a:p>
-                <a:pPr/>
-                <a14:m>
-                  <m:oMathPara xmlns:m="http://schemas.openxmlformats.org/officeDocument/2006/math">
-                    <m:oMathParaPr>
-                      <m:jc m:val="centerGroup"/>
-                    </m:oMathParaPr>
-                    <m:oMath xmlns:m="http://schemas.openxmlformats.org/officeDocument/2006/math">
-                      <m:r>
-                        <a:rPr lang="ru-RU" sz="2000" i="1">
-                          <a:latin typeface="Cambria Math" panose="02040503050406030204" pitchFamily="18" charset="0"/>
-                        </a:rPr>
-                        <m:t>𝑅𝑒𝑐𝑎𝑙𝑙</m:t>
-                      </m:r>
-                      <m:r>
-                        <a:rPr lang="ru-RU" sz="2000" i="1">
-                          <a:latin typeface="Cambria Math" panose="02040503050406030204" pitchFamily="18" charset="0"/>
-                        </a:rPr>
-                        <m:t>=</m:t>
-                      </m:r>
-                      <m:f>
-                        <m:fPr>
-                          <m:ctrlPr>
-                            <a:rPr lang="ru-RU" sz="2000" i="1">
-                              <a:latin typeface="Cambria Math" panose="02040503050406030204" pitchFamily="18" charset="0"/>
-                            </a:rPr>
-                          </m:ctrlPr>
-                        </m:fPr>
-                        <m:num>
-                          <m:r>
-                            <a:rPr lang="ru-RU" sz="2000" i="1">
-                              <a:latin typeface="Cambria Math" panose="02040503050406030204" pitchFamily="18" charset="0"/>
-                            </a:rPr>
-                            <m:t>𝑇𝑃</m:t>
-                          </m:r>
-                        </m:num>
-                        <m:den>
-                          <m:r>
-                            <a:rPr lang="ru-RU" sz="2000" i="1">
-                              <a:latin typeface="Cambria Math" panose="02040503050406030204" pitchFamily="18" charset="0"/>
-                            </a:rPr>
-                            <m:t>𝑇𝑃</m:t>
-                          </m:r>
-                          <m:r>
-                            <a:rPr lang="ru-RU" sz="2000" i="1">
-                              <a:latin typeface="Cambria Math" panose="02040503050406030204" pitchFamily="18" charset="0"/>
-                            </a:rPr>
-                            <m:t>+</m:t>
-                          </m:r>
-                          <m:r>
-                            <a:rPr lang="ru-RU" sz="2000" i="1">
-                              <a:latin typeface="Cambria Math" panose="02040503050406030204" pitchFamily="18" charset="0"/>
-                            </a:rPr>
-                            <m:t>𝐹𝑁</m:t>
-                          </m:r>
-                        </m:den>
-                      </m:f>
-                    </m:oMath>
-                  </m:oMathPara>
-                </a14:m>
-                <a:endParaRPr lang="ru-RU" sz="2000" dirty="0"/>
-              </a:p>
-            </p:txBody>
-          </p:sp>
-        </mc:Choice>
-        <mc:Fallback xmlns="">
-          <p:sp>
-            <p:nvSpPr>
-              <p:cNvPr id="8" name="TextBox 7">
-                <a:extLst>
-                  <a:ext uri="{FF2B5EF4-FFF2-40B4-BE49-F238E27FC236}">
-                    <a16:creationId xmlns:a16="http://schemas.microsoft.com/office/drawing/2014/main" id="{635ADA2D-F59B-A640-927D-DDDCF1FE98FA}"/>
-                  </a:ext>
-                </a:extLst>
-              </p:cNvPr>
-              <p:cNvSpPr txBox="1">
-                <a:spLocks noRot="1" noChangeAspect="1" noMove="1" noResize="1" noEditPoints="1" noAdjustHandles="1" noChangeArrowheads="1" noChangeShapeType="1" noTextEdit="1"/>
-              </p:cNvSpPr>
-              <p:nvPr/>
-            </p:nvSpPr>
-            <p:spPr>
-              <a:xfrm>
-                <a:off x="3916680" y="5038585"/>
-                <a:ext cx="2468880" cy="673711"/>
-              </a:xfrm>
-              <a:prstGeom prst="rect">
-                <a:avLst/>
-              </a:prstGeom>
-              <a:blipFill>
-                <a:blip r:embed="rId4"/>
-                <a:stretch>
-                  <a:fillRect b="-3704"/>
-                </a:stretch>
-              </a:blipFill>
-            </p:spPr>
-            <p:txBody>
-              <a:bodyPr/>
-              <a:lstStyle/>
-              <a:p>
-                <a:r>
-                  <a:rPr lang="ru-RU">
-                    <a:noFill/>
-                  </a:rPr>
-                  <a:t> </a:t>
-                </a:r>
-              </a:p>
-            </p:txBody>
-          </p:sp>
-        </mc:Fallback>
-      </mc:AlternateContent>
-      <mc:AlternateContent xmlns:mc="http://schemas.openxmlformats.org/markup-compatibility/2006" xmlns:a14="http://schemas.microsoft.com/office/drawing/2010/main">
-        <mc:Choice Requires="a14">
-          <p:sp>
-            <p:nvSpPr>
-              <p:cNvPr id="9" name="TextBox 8">
-                <a:extLst>
-                  <a:ext uri="{FF2B5EF4-FFF2-40B4-BE49-F238E27FC236}">
-                    <a16:creationId xmlns:a16="http://schemas.microsoft.com/office/drawing/2014/main" id="{C168057A-606C-4F40-A513-D04D0D8BF483}"/>
-                  </a:ext>
-                </a:extLst>
-              </p:cNvPr>
-              <p:cNvSpPr txBox="1"/>
-              <p:nvPr/>
-            </p:nvSpPr>
-            <p:spPr>
-              <a:xfrm>
-                <a:off x="7223760" y="5038585"/>
-                <a:ext cx="3916680" cy="681853"/>
-              </a:xfrm>
-              <a:prstGeom prst="rect">
-                <a:avLst/>
-              </a:prstGeom>
-              <a:noFill/>
-            </p:spPr>
-            <p:txBody>
-              <a:bodyPr wrap="square" rtlCol="0">
-                <a:spAutoFit/>
-              </a:bodyPr>
-              <a:lstStyle/>
-              <a:p>
-                <a:pPr/>
-                <a14:m>
-                  <m:oMathPara xmlns:m="http://schemas.openxmlformats.org/officeDocument/2006/math">
-                    <m:oMathParaPr>
-                      <m:jc m:val="centerGroup"/>
-                    </m:oMathParaPr>
-                    <m:oMath xmlns:m="http://schemas.openxmlformats.org/officeDocument/2006/math">
-                      <m:r>
-                        <a:rPr lang="ru-RU" sz="2000" i="1">
-                          <a:latin typeface="Cambria Math" panose="02040503050406030204" pitchFamily="18" charset="0"/>
-                        </a:rPr>
-                        <m:t>𝐹</m:t>
-                      </m:r>
-                      <m:r>
-                        <a:rPr lang="ru-RU" sz="2000" i="1">
-                          <a:latin typeface="Cambria Math" panose="02040503050406030204" pitchFamily="18" charset="0"/>
-                        </a:rPr>
-                        <m:t>=2</m:t>
-                      </m:r>
-                      <m:f>
-                        <m:fPr>
-                          <m:ctrlPr>
-                            <a:rPr lang="ru-RU" sz="2000" i="1">
-                              <a:latin typeface="Cambria Math" panose="02040503050406030204" pitchFamily="18" charset="0"/>
-                            </a:rPr>
-                          </m:ctrlPr>
-                        </m:fPr>
-                        <m:num>
-                          <m:r>
-                            <a:rPr lang="ru-RU" sz="2000" i="1">
-                              <a:latin typeface="Cambria Math" panose="02040503050406030204" pitchFamily="18" charset="0"/>
-                            </a:rPr>
-                            <m:t>𝑃𝑟𝑒𝑐𝑖𝑠𝑖𝑜𝑛</m:t>
-                          </m:r>
-                          <m:r>
-                            <a:rPr lang="ru-RU" sz="2000" i="1">
-                              <a:latin typeface="Cambria Math" panose="02040503050406030204" pitchFamily="18" charset="0"/>
-                            </a:rPr>
-                            <m:t>×</m:t>
-                          </m:r>
-                          <m:r>
-                            <a:rPr lang="ru-RU" sz="2000" i="1">
-                              <a:latin typeface="Cambria Math" panose="02040503050406030204" pitchFamily="18" charset="0"/>
-                            </a:rPr>
-                            <m:t>𝑅𝑒𝑐𝑎𝑙𝑙</m:t>
-                          </m:r>
-                        </m:num>
-                        <m:den>
-                          <m:r>
-                            <a:rPr lang="ru-RU" sz="2000" i="1">
-                              <a:latin typeface="Cambria Math" panose="02040503050406030204" pitchFamily="18" charset="0"/>
-                            </a:rPr>
-                            <m:t>𝑃𝑟𝑒𝑐𝑖𝑠𝑖𝑜𝑛</m:t>
-                          </m:r>
-                          <m:r>
-                            <a:rPr lang="ru-RU" sz="2000" i="1">
-                              <a:latin typeface="Cambria Math" panose="02040503050406030204" pitchFamily="18" charset="0"/>
-                            </a:rPr>
-                            <m:t>+</m:t>
-                          </m:r>
-                          <m:r>
-                            <a:rPr lang="ru-RU" sz="2000" i="1">
-                              <a:latin typeface="Cambria Math" panose="02040503050406030204" pitchFamily="18" charset="0"/>
-                            </a:rPr>
-                            <m:t>𝑅𝑒𝑐𝑎𝑙𝑙</m:t>
-                          </m:r>
-                        </m:den>
-                      </m:f>
-                    </m:oMath>
-                  </m:oMathPara>
-                </a14:m>
-                <a:endParaRPr lang="ru-RU" sz="2000" dirty="0"/>
-              </a:p>
-            </p:txBody>
-          </p:sp>
-        </mc:Choice>
-        <mc:Fallback xmlns="">
-          <p:sp>
-            <p:nvSpPr>
-              <p:cNvPr id="9" name="TextBox 8">
-                <a:extLst>
-                  <a:ext uri="{FF2B5EF4-FFF2-40B4-BE49-F238E27FC236}">
-                    <a16:creationId xmlns:a16="http://schemas.microsoft.com/office/drawing/2014/main" id="{C168057A-606C-4F40-A513-D04D0D8BF483}"/>
-                  </a:ext>
-                </a:extLst>
-              </p:cNvPr>
-              <p:cNvSpPr txBox="1">
-                <a:spLocks noRot="1" noChangeAspect="1" noMove="1" noResize="1" noEditPoints="1" noAdjustHandles="1" noChangeArrowheads="1" noChangeShapeType="1" noTextEdit="1"/>
-              </p:cNvSpPr>
-              <p:nvPr/>
-            </p:nvSpPr>
-            <p:spPr>
-              <a:xfrm>
-                <a:off x="7223760" y="5038585"/>
-                <a:ext cx="3916680" cy="681853"/>
-              </a:xfrm>
-              <a:prstGeom prst="rect">
-                <a:avLst/>
-              </a:prstGeom>
-              <a:blipFill>
-                <a:blip r:embed="rId5"/>
-                <a:stretch>
-                  <a:fillRect b="-5556"/>
-                </a:stretch>
-              </a:blipFill>
-            </p:spPr>
-            <p:txBody>
-              <a:bodyPr/>
-              <a:lstStyle/>
-              <a:p>
-                <a:r>
-                  <a:rPr lang="ru-RU">
-                    <a:noFill/>
-                  </a:rPr>
-                  <a:t> </a:t>
-                </a:r>
-              </a:p>
-            </p:txBody>
-          </p:sp>
-        </mc:Fallback>
-      </mc:AlternateContent>
-      <p:sp>
-        <p:nvSpPr>
-          <p:cNvPr id="10" name="Номер слайда 3">
-            <a:extLst>
-              <a:ext uri="{FF2B5EF4-FFF2-40B4-BE49-F238E27FC236}">
-                <a16:creationId xmlns:a16="http://schemas.microsoft.com/office/drawing/2014/main" id="{6A4DE3E8-8B63-0046-94E9-6EFEF8C751A9}"/>
-              </a:ext>
-            </a:extLst>
-          </p:cNvPr>
-          <p:cNvSpPr txBox="1">
-            <a:spLocks/>
-          </p:cNvSpPr>
-          <p:nvPr/>
-        </p:nvSpPr>
-        <p:spPr>
-          <a:xfrm>
-            <a:off x="8610600" y="6356350"/>
-            <a:ext cx="2743200" cy="365125"/>
-          </a:xfrm>
-          <a:prstGeom prst="rect">
-            <a:avLst/>
-          </a:prstGeom>
-        </p:spPr>
-        <p:txBody>
-          <a:bodyPr vert="horz" lIns="91440" tIns="45720" rIns="91440" bIns="45720" rtlCol="0" anchor="ctr"/>
-          <a:lstStyle>
-            <a:defPPr>
-              <a:defRPr lang="ru-RU"/>
-            </a:defPPr>
-            <a:lvl1pPr marL="0" algn="r" defTabSz="914400" rtl="0" eaLnBrk="1" latinLnBrk="0" hangingPunct="1">
-              <a:defRPr sz="1200" kern="1200">
-                <a:solidFill>
-                  <a:schemeClr val="tx1">
-                    <a:tint val="75000"/>
-                  </a:schemeClr>
-                </a:solidFill>
-                <a:latin typeface="+mn-lt"/>
-                <a:ea typeface="+mn-ea"/>
-                <a:cs typeface="+mn-cs"/>
-              </a:defRPr>
-            </a:lvl1pPr>
-            <a:lvl2pPr marL="457200" algn="l" defTabSz="914400" rtl="0" eaLnBrk="1" latinLnBrk="0" hangingPunct="1">
-              <a:defRPr sz="1800" kern="1200">
-                <a:solidFill>
-                  <a:schemeClr val="tx1"/>
-                </a:solidFill>
-                <a:latin typeface="+mn-lt"/>
-                <a:ea typeface="+mn-ea"/>
-                <a:cs typeface="+mn-cs"/>
-              </a:defRPr>
-            </a:lvl2pPr>
-            <a:lvl3pPr marL="914400" algn="l" defTabSz="914400" rtl="0" eaLnBrk="1" latinLnBrk="0" hangingPunct="1">
-              <a:defRPr sz="1800" kern="1200">
-                <a:solidFill>
-                  <a:schemeClr val="tx1"/>
-                </a:solidFill>
-                <a:latin typeface="+mn-lt"/>
-                <a:ea typeface="+mn-ea"/>
-                <a:cs typeface="+mn-cs"/>
-              </a:defRPr>
-            </a:lvl3pPr>
-            <a:lvl4pPr marL="1371600" algn="l" defTabSz="914400" rtl="0" eaLnBrk="1" latinLnBrk="0" hangingPunct="1">
-              <a:defRPr sz="1800" kern="1200">
-                <a:solidFill>
-                  <a:schemeClr val="tx1"/>
-                </a:solidFill>
-                <a:latin typeface="+mn-lt"/>
-                <a:ea typeface="+mn-ea"/>
-                <a:cs typeface="+mn-cs"/>
-              </a:defRPr>
-            </a:lvl4pPr>
-            <a:lvl5pPr marL="1828800" algn="l" defTabSz="914400" rtl="0" eaLnBrk="1" latinLnBrk="0" hangingPunct="1">
-              <a:defRPr sz="1800" kern="1200">
-                <a:solidFill>
-                  <a:schemeClr val="tx1"/>
-                </a:solidFill>
-                <a:latin typeface="+mn-lt"/>
-                <a:ea typeface="+mn-ea"/>
-                <a:cs typeface="+mn-cs"/>
-              </a:defRPr>
-            </a:lvl5pPr>
-            <a:lvl6pPr marL="2286000" algn="l" defTabSz="914400" rtl="0" eaLnBrk="1" latinLnBrk="0" hangingPunct="1">
-              <a:defRPr sz="1800" kern="1200">
-                <a:solidFill>
-                  <a:schemeClr val="tx1"/>
-                </a:solidFill>
-                <a:latin typeface="+mn-lt"/>
-                <a:ea typeface="+mn-ea"/>
-                <a:cs typeface="+mn-cs"/>
-              </a:defRPr>
-            </a:lvl6pPr>
-            <a:lvl7pPr marL="2743200" algn="l" defTabSz="914400" rtl="0" eaLnBrk="1" latinLnBrk="0" hangingPunct="1">
-              <a:defRPr sz="1800" kern="1200">
-                <a:solidFill>
-                  <a:schemeClr val="tx1"/>
-                </a:solidFill>
-                <a:latin typeface="+mn-lt"/>
-                <a:ea typeface="+mn-ea"/>
-                <a:cs typeface="+mn-cs"/>
-              </a:defRPr>
-            </a:lvl7pPr>
-            <a:lvl8pPr marL="3200400" algn="l" defTabSz="914400" rtl="0" eaLnBrk="1" latinLnBrk="0" hangingPunct="1">
-              <a:defRPr sz="1800" kern="1200">
-                <a:solidFill>
-                  <a:schemeClr val="tx1"/>
-                </a:solidFill>
-                <a:latin typeface="+mn-lt"/>
-                <a:ea typeface="+mn-ea"/>
-                <a:cs typeface="+mn-cs"/>
-              </a:defRPr>
-            </a:lvl8pPr>
-            <a:lvl9pPr marL="3657600" algn="l" defTabSz="914400" rtl="0" eaLnBrk="1" latinLnBrk="0" hangingPunct="1">
-              <a:defRPr sz="1800" kern="1200">
-                <a:solidFill>
-                  <a:schemeClr val="tx1"/>
-                </a:solidFill>
-                <a:latin typeface="+mn-lt"/>
-                <a:ea typeface="+mn-ea"/>
-                <a:cs typeface="+mn-cs"/>
-              </a:defRPr>
-            </a:lvl9pPr>
-          </a:lstStyle>
-          <a:p>
-            <a:fld id="{8B784E8A-7D10-4AAF-929C-959B71E0249E}" type="slidenum">
-              <a:rPr lang="ru-RU" sz="2400" smtClean="0">
-                <a:solidFill>
-                  <a:schemeClr val="tx1"/>
-                </a:solidFill>
-                <a:latin typeface="Times New Roman" pitchFamily="18" charset="0"/>
-                <a:cs typeface="Times New Roman" pitchFamily="18" charset="0"/>
-              </a:rPr>
-              <a:pPr/>
-              <a:t>12</a:t>
-            </a:fld>
-            <a:endParaRPr lang="ru-RU" sz="2400" dirty="0">
-              <a:solidFill>
-                <a:schemeClr val="tx1"/>
-              </a:solidFill>
-              <a:latin typeface="Times New Roman" pitchFamily="18" charset="0"/>
-              <a:cs typeface="Times New Roman" pitchFamily="18" charset="0"/>
-            </a:endParaRPr>
-          </a:p>
-        </p:txBody>
-      </p:sp>
-    </p:spTree>
-    <p:extLst>
-      <p:ext uri="{BB962C8B-B14F-4D97-AF65-F5344CB8AC3E}">
-        <p14:creationId xmlns:p14="http://schemas.microsoft.com/office/powerpoint/2010/main" val="3507773334"/>
-      </p:ext>
-    </p:extLst>
-  </p:cSld>
-  <p:clrMapOvr>
-    <a:masterClrMapping/>
-  </p:clrMapOvr>
-</p:sld>
-</file>
-
-<file path=ppt/slides/slide13.xml><?xml version="1.0" encoding="utf-8"?>
-<p:sld xmlns:a="http://schemas.openxmlformats.org/drawingml/2006/main" xmlns:r="http://schemas.openxmlformats.org/officeDocument/2006/relationships" xmlns:p="http://schemas.openxmlformats.org/presentationml/2006/main">
-  <p:cSld>
-    <p:spTree>
-      <p:nvGrpSpPr>
-        <p:cNvPr id="1" name=""/>
-        <p:cNvGrpSpPr/>
-        <p:nvPr/>
-      </p:nvGrpSpPr>
-      <p:grpSpPr>
-        <a:xfrm>
-          <a:off x="0" y="0"/>
-          <a:ext cx="0" cy="0"/>
-          <a:chOff x="0" y="0"/>
-          <a:chExt cx="0" cy="0"/>
-        </a:xfrm>
-      </p:grpSpPr>
-      <p:sp>
-        <p:nvSpPr>
-          <p:cNvPr id="2" name="Заголовок 1">
-            <a:extLst>
-              <a:ext uri="{FF2B5EF4-FFF2-40B4-BE49-F238E27FC236}">
-                <a16:creationId xmlns:a16="http://schemas.microsoft.com/office/drawing/2014/main" id="{68C510DA-43C2-BC42-9310-310510C61E15}"/>
-              </a:ext>
-            </a:extLst>
-          </p:cNvPr>
-          <p:cNvSpPr>
-            <a:spLocks noGrp="1"/>
-          </p:cNvSpPr>
-          <p:nvPr>
-            <p:ph type="title"/>
-          </p:nvPr>
-        </p:nvSpPr>
-        <p:spPr/>
-        <p:txBody>
-          <a:bodyPr/>
-          <a:lstStyle/>
-          <a:p>
-            <a:pPr algn="ctr"/>
-            <a:r>
-              <a:rPr lang="ru-RU" dirty="0">
-                <a:latin typeface="Times New Roman" panose="02020603050405020304" pitchFamily="18" charset="0"/>
-                <a:cs typeface="Times New Roman" panose="02020603050405020304" pitchFamily="18" charset="0"/>
-              </a:rPr>
               <a:t>Обучающая выборка</a:t>
             </a:r>
           </a:p>
@@ -5827,7 +4963,7 @@
                 <a:latin typeface="Times New Roman" panose="02020603050405020304" pitchFamily="18" charset="0"/>
                 <a:cs typeface="Times New Roman" panose="02020603050405020304" pitchFamily="18" charset="0"/>
               </a:rPr>
-              <a:t>13</a:t>
+              <a:t>12</a:t>
             </a:fld>
             <a:endParaRPr lang="ru-RU" sz="2400" dirty="0">
               <a:solidFill>
@@ -6509,6 +5645,870 @@
 </p:sld>
 </file>
 
+<file path=ppt/slides/slide13.xml><?xml version="1.0" encoding="utf-8"?>
+<p:sld xmlns:a="http://schemas.openxmlformats.org/drawingml/2006/main" xmlns:r="http://schemas.openxmlformats.org/officeDocument/2006/relationships" xmlns:p="http://schemas.openxmlformats.org/presentationml/2006/main">
+  <p:cSld>
+    <p:spTree>
+      <p:nvGrpSpPr>
+        <p:cNvPr id="1" name=""/>
+        <p:cNvGrpSpPr/>
+        <p:nvPr/>
+      </p:nvGrpSpPr>
+      <p:grpSpPr>
+        <a:xfrm>
+          <a:off x="0" y="0"/>
+          <a:ext cx="0" cy="0"/>
+          <a:chOff x="0" y="0"/>
+          <a:chExt cx="0" cy="0"/>
+        </a:xfrm>
+      </p:grpSpPr>
+      <p:sp>
+        <p:nvSpPr>
+          <p:cNvPr id="2" name="Заголовок 1">
+            <a:extLst>
+              <a:ext uri="{FF2B5EF4-FFF2-40B4-BE49-F238E27FC236}">
+                <a16:creationId xmlns:a16="http://schemas.microsoft.com/office/drawing/2014/main" id="{68C510DA-43C2-BC42-9310-310510C61E15}"/>
+              </a:ext>
+            </a:extLst>
+          </p:cNvPr>
+          <p:cNvSpPr>
+            <a:spLocks noGrp="1"/>
+          </p:cNvSpPr>
+          <p:nvPr>
+            <p:ph type="title"/>
+          </p:nvPr>
+        </p:nvSpPr>
+        <p:spPr/>
+        <p:txBody>
+          <a:bodyPr/>
+          <a:lstStyle/>
+          <a:p>
+            <a:pPr algn="ctr"/>
+            <a:r>
+              <a:rPr lang="ru-RU" dirty="0">
+                <a:latin typeface="Times New Roman" panose="02020603050405020304" pitchFamily="18" charset="0"/>
+                <a:cs typeface="Times New Roman" panose="02020603050405020304" pitchFamily="18" charset="0"/>
+              </a:rPr>
+              <a:t>Используемые метрики качества</a:t>
+            </a:r>
+          </a:p>
+        </p:txBody>
+      </p:sp>
+      <p:sp>
+        <p:nvSpPr>
+          <p:cNvPr id="3" name="Объект 2">
+            <a:extLst>
+              <a:ext uri="{FF2B5EF4-FFF2-40B4-BE49-F238E27FC236}">
+                <a16:creationId xmlns:a16="http://schemas.microsoft.com/office/drawing/2014/main" id="{2CA1D980-884A-AD4A-A267-4009569FB9A9}"/>
+              </a:ext>
+            </a:extLst>
+          </p:cNvPr>
+          <p:cNvSpPr>
+            <a:spLocks noGrp="1"/>
+          </p:cNvSpPr>
+          <p:nvPr>
+            <p:ph idx="1"/>
+          </p:nvPr>
+        </p:nvSpPr>
+        <p:spPr>
+          <a:xfrm>
+            <a:off x="838200" y="1562582"/>
+            <a:ext cx="10515600" cy="1576858"/>
+          </a:xfrm>
+        </p:spPr>
+        <p:txBody>
+          <a:bodyPr>
+            <a:normAutofit fontScale="25000" lnSpcReduction="20000"/>
+          </a:bodyPr>
+          <a:lstStyle/>
+          <a:p>
+            <a:pPr>
+              <a:lnSpc>
+                <a:spcPct val="100000"/>
+              </a:lnSpc>
+            </a:pPr>
+            <a:r>
+              <a:rPr lang="ru-RU" sz="9600" b="1" dirty="0">
+                <a:latin typeface="Times New Roman" panose="02020603050405020304" pitchFamily="18" charset="0"/>
+                <a:cs typeface="Times New Roman" panose="02020603050405020304" pitchFamily="18" charset="0"/>
+              </a:rPr>
+              <a:t>Точность </a:t>
+            </a:r>
+            <a:r>
+              <a:rPr lang="en-US" sz="9600" b="1" dirty="0">
+                <a:latin typeface="Times New Roman" panose="02020603050405020304" pitchFamily="18" charset="0"/>
+                <a:cs typeface="Times New Roman" panose="02020603050405020304" pitchFamily="18" charset="0"/>
+              </a:rPr>
+              <a:t>(accuracy)</a:t>
+            </a:r>
+            <a:r>
+              <a:rPr lang="ru-RU" sz="9600" b="1" dirty="0">
+                <a:latin typeface="Times New Roman" panose="02020603050405020304" pitchFamily="18" charset="0"/>
+                <a:cs typeface="Times New Roman" panose="02020603050405020304" pitchFamily="18" charset="0"/>
+              </a:rPr>
+              <a:t> </a:t>
+            </a:r>
+            <a:r>
+              <a:rPr lang="ru-RU" sz="9600" dirty="0">
+                <a:latin typeface="Times New Roman" panose="02020603050405020304" pitchFamily="18" charset="0"/>
+                <a:cs typeface="Times New Roman" panose="02020603050405020304" pitchFamily="18" charset="0"/>
+              </a:rPr>
+              <a:t>– доля правильно предсказанных классификатором классов среди всех предсказанных значений. </a:t>
+            </a:r>
+            <a:br>
+              <a:rPr lang="ru-RU" sz="9600" dirty="0">
+                <a:latin typeface="Times New Roman" panose="02020603050405020304" pitchFamily="18" charset="0"/>
+                <a:cs typeface="Times New Roman" panose="02020603050405020304" pitchFamily="18" charset="0"/>
+              </a:rPr>
+            </a:br>
+            <a:endParaRPr lang="ru-RU" sz="9600" dirty="0">
+              <a:latin typeface="Times New Roman" panose="02020603050405020304" pitchFamily="18" charset="0"/>
+              <a:cs typeface="Times New Roman" panose="02020603050405020304" pitchFamily="18" charset="0"/>
+            </a:endParaRPr>
+          </a:p>
+          <a:p>
+            <a:pPr>
+              <a:lnSpc>
+                <a:spcPct val="100000"/>
+              </a:lnSpc>
+            </a:pPr>
+            <a:r>
+              <a:rPr lang="en-US" sz="9600" b="1" dirty="0">
+                <a:latin typeface="Times New Roman" panose="02020603050405020304" pitchFamily="18" charset="0"/>
+                <a:cs typeface="Times New Roman" panose="02020603050405020304" pitchFamily="18" charset="0"/>
+              </a:rPr>
+              <a:t>F-</a:t>
+            </a:r>
+            <a:r>
+              <a:rPr lang="ru-RU" sz="9600" b="1" dirty="0">
+                <a:latin typeface="Times New Roman" panose="02020603050405020304" pitchFamily="18" charset="0"/>
+                <a:cs typeface="Times New Roman" panose="02020603050405020304" pitchFamily="18" charset="0"/>
+              </a:rPr>
+              <a:t>мера</a:t>
+            </a:r>
+            <a:br>
+              <a:rPr lang="ru-RU" sz="7400" dirty="0">
+                <a:latin typeface="Times New Roman" panose="02020603050405020304" pitchFamily="18" charset="0"/>
+                <a:cs typeface="Times New Roman" panose="02020603050405020304" pitchFamily="18" charset="0"/>
+              </a:rPr>
+            </a:br>
+            <a:br>
+              <a:rPr lang="ru-RU" sz="7400" dirty="0">
+                <a:latin typeface="Times New Roman" panose="02020603050405020304" pitchFamily="18" charset="0"/>
+                <a:cs typeface="Times New Roman" panose="02020603050405020304" pitchFamily="18" charset="0"/>
+              </a:rPr>
+            </a:br>
+            <a:endParaRPr lang="ru-RU" sz="7400" dirty="0">
+              <a:latin typeface="Times New Roman" panose="02020603050405020304" pitchFamily="18" charset="0"/>
+              <a:cs typeface="Times New Roman" panose="02020603050405020304" pitchFamily="18" charset="0"/>
+            </a:endParaRPr>
+          </a:p>
+          <a:p>
+            <a:pPr marL="0" indent="0">
+              <a:lnSpc>
+                <a:spcPct val="100000"/>
+              </a:lnSpc>
+              <a:buNone/>
+            </a:pPr>
+            <a:endParaRPr lang="ru-RU" dirty="0">
+              <a:latin typeface="Times New Roman" panose="02020603050405020304" pitchFamily="18" charset="0"/>
+              <a:cs typeface="Times New Roman" panose="02020603050405020304" pitchFamily="18" charset="0"/>
+            </a:endParaRPr>
+          </a:p>
+          <a:p>
+            <a:pPr marL="0" indent="0">
+              <a:lnSpc>
+                <a:spcPct val="100000"/>
+              </a:lnSpc>
+              <a:buNone/>
+            </a:pPr>
+            <a:br>
+              <a:rPr lang="ru-RU" dirty="0">
+                <a:latin typeface="Times New Roman" panose="02020603050405020304" pitchFamily="18" charset="0"/>
+                <a:cs typeface="Times New Roman" panose="02020603050405020304" pitchFamily="18" charset="0"/>
+              </a:rPr>
+            </a:br>
+            <a:endParaRPr lang="ru-RU" dirty="0">
+              <a:latin typeface="Times New Roman" panose="02020603050405020304" pitchFamily="18" charset="0"/>
+              <a:cs typeface="Times New Roman" panose="02020603050405020304" pitchFamily="18" charset="0"/>
+            </a:endParaRPr>
+          </a:p>
+          <a:p>
+            <a:pPr marL="0" indent="0">
+              <a:lnSpc>
+                <a:spcPct val="100000"/>
+              </a:lnSpc>
+              <a:buNone/>
+            </a:pPr>
+            <a:br>
+              <a:rPr lang="ru-RU" sz="2800" dirty="0">
+                <a:latin typeface="Times New Roman" panose="02020603050405020304" pitchFamily="18" charset="0"/>
+                <a:cs typeface="Times New Roman" panose="02020603050405020304" pitchFamily="18" charset="0"/>
+              </a:rPr>
+            </a:br>
+            <a:endParaRPr lang="ru-RU" sz="2800" dirty="0">
+              <a:latin typeface="Times New Roman" panose="02020603050405020304" pitchFamily="18" charset="0"/>
+              <a:cs typeface="Times New Roman" panose="02020603050405020304" pitchFamily="18" charset="0"/>
+            </a:endParaRPr>
+          </a:p>
+        </p:txBody>
+      </p:sp>
+      <p:sp>
+        <p:nvSpPr>
+          <p:cNvPr id="5" name="Номер слайда 4">
+            <a:extLst>
+              <a:ext uri="{FF2B5EF4-FFF2-40B4-BE49-F238E27FC236}">
+                <a16:creationId xmlns:a16="http://schemas.microsoft.com/office/drawing/2014/main" id="{9F3495B7-380D-924A-86A4-09BFB46C044B}"/>
+              </a:ext>
+            </a:extLst>
+          </p:cNvPr>
+          <p:cNvSpPr>
+            <a:spLocks noGrp="1"/>
+          </p:cNvSpPr>
+          <p:nvPr>
+            <p:ph type="sldNum" sz="quarter" idx="12"/>
+          </p:nvPr>
+        </p:nvSpPr>
+        <p:spPr>
+          <a:xfrm>
+            <a:off x="5151120" y="4612805"/>
+            <a:ext cx="2743200" cy="365125"/>
+          </a:xfrm>
+        </p:spPr>
+        <p:txBody>
+          <a:bodyPr/>
+          <a:lstStyle/>
+          <a:p>
+            <a:fld id="{6BB697E3-DD58-B344-99E6-BC7A3ED9A2AD}" type="slidenum">
+              <a:rPr lang="ru-RU" smtClean="0"/>
+              <a:t>13</a:t>
+            </a:fld>
+            <a:endParaRPr lang="ru-RU"/>
+          </a:p>
+        </p:txBody>
+      </p:sp>
+      <p:pic>
+        <p:nvPicPr>
+          <p:cNvPr id="6" name="Рисунок 5">
+            <a:extLst>
+              <a:ext uri="{FF2B5EF4-FFF2-40B4-BE49-F238E27FC236}">
+                <a16:creationId xmlns:a16="http://schemas.microsoft.com/office/drawing/2014/main" id="{80D91F3A-5E5C-0B4A-BE7E-6C3D1FEEF654}"/>
+              </a:ext>
+            </a:extLst>
+          </p:cNvPr>
+          <p:cNvPicPr>
+            <a:picLocks noChangeAspect="1"/>
+          </p:cNvPicPr>
+          <p:nvPr/>
+        </p:nvPicPr>
+        <p:blipFill>
+          <a:blip r:embed="rId2">
+            <a:extLst>
+              <a:ext uri="{28A0092B-C50C-407E-A947-70E740481C1C}">
+                <a14:useLocalDpi xmlns:a14="http://schemas.microsoft.com/office/drawing/2010/main" val="0"/>
+              </a:ext>
+            </a:extLst>
+          </a:blip>
+          <a:stretch>
+            <a:fillRect/>
+          </a:stretch>
+        </p:blipFill>
+        <p:spPr>
+          <a:xfrm>
+            <a:off x="838200" y="3139440"/>
+            <a:ext cx="7327900" cy="1422400"/>
+          </a:xfrm>
+          <a:prstGeom prst="rect">
+            <a:avLst/>
+          </a:prstGeom>
+        </p:spPr>
+      </p:pic>
+      <mc:AlternateContent xmlns:mc="http://schemas.openxmlformats.org/markup-compatibility/2006" xmlns:a14="http://schemas.microsoft.com/office/drawing/2010/main">
+        <mc:Choice Requires="a14">
+          <p:sp>
+            <p:nvSpPr>
+              <p:cNvPr id="7" name="TextBox 6">
+                <a:extLst>
+                  <a:ext uri="{FF2B5EF4-FFF2-40B4-BE49-F238E27FC236}">
+                    <a16:creationId xmlns:a16="http://schemas.microsoft.com/office/drawing/2014/main" id="{72645B95-4DEE-DA43-B4A8-52696ABCD5DC}"/>
+                  </a:ext>
+                </a:extLst>
+              </p:cNvPr>
+              <p:cNvSpPr txBox="1"/>
+              <p:nvPr/>
+            </p:nvSpPr>
+            <p:spPr>
+              <a:xfrm>
+                <a:off x="685800" y="5033035"/>
+                <a:ext cx="3017520" cy="673711"/>
+              </a:xfrm>
+              <a:prstGeom prst="rect">
+                <a:avLst/>
+              </a:prstGeom>
+              <a:noFill/>
+            </p:spPr>
+            <p:txBody>
+              <a:bodyPr wrap="square" rtlCol="0">
+                <a:spAutoFit/>
+              </a:bodyPr>
+              <a:lstStyle/>
+              <a:p>
+                <a:pPr/>
+                <a14:m>
+                  <m:oMathPara xmlns:m="http://schemas.openxmlformats.org/officeDocument/2006/math">
+                    <m:oMathParaPr>
+                      <m:jc m:val="centerGroup"/>
+                    </m:oMathParaPr>
+                    <m:oMath xmlns:m="http://schemas.openxmlformats.org/officeDocument/2006/math">
+                      <m:r>
+                        <a:rPr lang="ru-RU" sz="2000" i="1">
+                          <a:latin typeface="Cambria Math" panose="02040503050406030204" pitchFamily="18" charset="0"/>
+                        </a:rPr>
+                        <m:t>𝑃𝑟𝑒𝑐𝑖𝑠𝑖𝑜𝑛</m:t>
+                      </m:r>
+                      <m:r>
+                        <a:rPr lang="ru-RU" sz="2000" i="1">
+                          <a:latin typeface="Cambria Math" panose="02040503050406030204" pitchFamily="18" charset="0"/>
+                        </a:rPr>
+                        <m:t>=</m:t>
+                      </m:r>
+                      <m:f>
+                        <m:fPr>
+                          <m:ctrlPr>
+                            <a:rPr lang="ru-RU" sz="2000" i="1">
+                              <a:latin typeface="Cambria Math" panose="02040503050406030204" pitchFamily="18" charset="0"/>
+                            </a:rPr>
+                          </m:ctrlPr>
+                        </m:fPr>
+                        <m:num>
+                          <m:r>
+                            <a:rPr lang="ru-RU" sz="2000" i="1">
+                              <a:latin typeface="Cambria Math" panose="02040503050406030204" pitchFamily="18" charset="0"/>
+                            </a:rPr>
+                            <m:t>𝑇𝑃</m:t>
+                          </m:r>
+                        </m:num>
+                        <m:den>
+                          <m:r>
+                            <a:rPr lang="ru-RU" sz="2000" i="1">
+                              <a:latin typeface="Cambria Math" panose="02040503050406030204" pitchFamily="18" charset="0"/>
+                            </a:rPr>
+                            <m:t>𝑇𝑃</m:t>
+                          </m:r>
+                          <m:r>
+                            <a:rPr lang="ru-RU" sz="2000" i="1">
+                              <a:latin typeface="Cambria Math" panose="02040503050406030204" pitchFamily="18" charset="0"/>
+                            </a:rPr>
+                            <m:t>+</m:t>
+                          </m:r>
+                          <m:r>
+                            <a:rPr lang="ru-RU" sz="2000" i="1">
+                              <a:latin typeface="Cambria Math" panose="02040503050406030204" pitchFamily="18" charset="0"/>
+                            </a:rPr>
+                            <m:t>𝐹𝑃</m:t>
+                          </m:r>
+                        </m:den>
+                      </m:f>
+                    </m:oMath>
+                  </m:oMathPara>
+                </a14:m>
+                <a:endParaRPr lang="ru-RU" sz="2000" dirty="0"/>
+              </a:p>
+            </p:txBody>
+          </p:sp>
+        </mc:Choice>
+        <mc:Fallback xmlns="">
+          <p:sp>
+            <p:nvSpPr>
+              <p:cNvPr id="7" name="TextBox 6">
+                <a:extLst>
+                  <a:ext uri="{FF2B5EF4-FFF2-40B4-BE49-F238E27FC236}">
+                    <a16:creationId xmlns:a16="http://schemas.microsoft.com/office/drawing/2014/main" id="{72645B95-4DEE-DA43-B4A8-52696ABCD5DC}"/>
+                  </a:ext>
+                </a:extLst>
+              </p:cNvPr>
+              <p:cNvSpPr txBox="1">
+                <a:spLocks noRot="1" noChangeAspect="1" noMove="1" noResize="1" noEditPoints="1" noAdjustHandles="1" noChangeArrowheads="1" noChangeShapeType="1" noTextEdit="1"/>
+              </p:cNvSpPr>
+              <p:nvPr/>
+            </p:nvSpPr>
+            <p:spPr>
+              <a:xfrm>
+                <a:off x="685800" y="5033035"/>
+                <a:ext cx="3017520" cy="673711"/>
+              </a:xfrm>
+              <a:prstGeom prst="rect">
+                <a:avLst/>
+              </a:prstGeom>
+              <a:blipFill>
+                <a:blip r:embed="rId3"/>
+                <a:stretch>
+                  <a:fillRect b="-3774"/>
+                </a:stretch>
+              </a:blipFill>
+            </p:spPr>
+            <p:txBody>
+              <a:bodyPr/>
+              <a:lstStyle/>
+              <a:p>
+                <a:r>
+                  <a:rPr lang="ru-RU">
+                    <a:noFill/>
+                  </a:rPr>
+                  <a:t> </a:t>
+                </a:r>
+              </a:p>
+            </p:txBody>
+          </p:sp>
+        </mc:Fallback>
+      </mc:AlternateContent>
+      <mc:AlternateContent xmlns:mc="http://schemas.openxmlformats.org/markup-compatibility/2006" xmlns:a14="http://schemas.microsoft.com/office/drawing/2010/main">
+        <mc:Choice Requires="a14">
+          <p:sp>
+            <p:nvSpPr>
+              <p:cNvPr id="8" name="TextBox 7">
+                <a:extLst>
+                  <a:ext uri="{FF2B5EF4-FFF2-40B4-BE49-F238E27FC236}">
+                    <a16:creationId xmlns:a16="http://schemas.microsoft.com/office/drawing/2014/main" id="{635ADA2D-F59B-A640-927D-DDDCF1FE98FA}"/>
+                  </a:ext>
+                </a:extLst>
+              </p:cNvPr>
+              <p:cNvSpPr txBox="1"/>
+              <p:nvPr/>
+            </p:nvSpPr>
+            <p:spPr>
+              <a:xfrm>
+                <a:off x="3916680" y="5038585"/>
+                <a:ext cx="2468880" cy="673711"/>
+              </a:xfrm>
+              <a:prstGeom prst="rect">
+                <a:avLst/>
+              </a:prstGeom>
+              <a:noFill/>
+            </p:spPr>
+            <p:txBody>
+              <a:bodyPr wrap="square" rtlCol="0">
+                <a:spAutoFit/>
+              </a:bodyPr>
+              <a:lstStyle/>
+              <a:p>
+                <a:pPr/>
+                <a14:m>
+                  <m:oMathPara xmlns:m="http://schemas.openxmlformats.org/officeDocument/2006/math">
+                    <m:oMathParaPr>
+                      <m:jc m:val="centerGroup"/>
+                    </m:oMathParaPr>
+                    <m:oMath xmlns:m="http://schemas.openxmlformats.org/officeDocument/2006/math">
+                      <m:r>
+                        <a:rPr lang="ru-RU" sz="2000" i="1">
+                          <a:latin typeface="Cambria Math" panose="02040503050406030204" pitchFamily="18" charset="0"/>
+                        </a:rPr>
+                        <m:t>𝑅𝑒𝑐𝑎𝑙𝑙</m:t>
+                      </m:r>
+                      <m:r>
+                        <a:rPr lang="ru-RU" sz="2000" i="1">
+                          <a:latin typeface="Cambria Math" panose="02040503050406030204" pitchFamily="18" charset="0"/>
+                        </a:rPr>
+                        <m:t>=</m:t>
+                      </m:r>
+                      <m:f>
+                        <m:fPr>
+                          <m:ctrlPr>
+                            <a:rPr lang="ru-RU" sz="2000" i="1">
+                              <a:latin typeface="Cambria Math" panose="02040503050406030204" pitchFamily="18" charset="0"/>
+                            </a:rPr>
+                          </m:ctrlPr>
+                        </m:fPr>
+                        <m:num>
+                          <m:r>
+                            <a:rPr lang="ru-RU" sz="2000" i="1">
+                              <a:latin typeface="Cambria Math" panose="02040503050406030204" pitchFamily="18" charset="0"/>
+                            </a:rPr>
+                            <m:t>𝑇𝑃</m:t>
+                          </m:r>
+                        </m:num>
+                        <m:den>
+                          <m:r>
+                            <a:rPr lang="ru-RU" sz="2000" i="1">
+                              <a:latin typeface="Cambria Math" panose="02040503050406030204" pitchFamily="18" charset="0"/>
+                            </a:rPr>
+                            <m:t>𝑇𝑃</m:t>
+                          </m:r>
+                          <m:r>
+                            <a:rPr lang="ru-RU" sz="2000" i="1">
+                              <a:latin typeface="Cambria Math" panose="02040503050406030204" pitchFamily="18" charset="0"/>
+                            </a:rPr>
+                            <m:t>+</m:t>
+                          </m:r>
+                          <m:r>
+                            <a:rPr lang="ru-RU" sz="2000" i="1">
+                              <a:latin typeface="Cambria Math" panose="02040503050406030204" pitchFamily="18" charset="0"/>
+                            </a:rPr>
+                            <m:t>𝐹𝑁</m:t>
+                          </m:r>
+                        </m:den>
+                      </m:f>
+                    </m:oMath>
+                  </m:oMathPara>
+                </a14:m>
+                <a:endParaRPr lang="ru-RU" sz="2000" dirty="0"/>
+              </a:p>
+            </p:txBody>
+          </p:sp>
+        </mc:Choice>
+        <mc:Fallback xmlns="">
+          <p:sp>
+            <p:nvSpPr>
+              <p:cNvPr id="8" name="TextBox 7">
+                <a:extLst>
+                  <a:ext uri="{FF2B5EF4-FFF2-40B4-BE49-F238E27FC236}">
+                    <a16:creationId xmlns:a16="http://schemas.microsoft.com/office/drawing/2014/main" id="{635ADA2D-F59B-A640-927D-DDDCF1FE98FA}"/>
+                  </a:ext>
+                </a:extLst>
+              </p:cNvPr>
+              <p:cNvSpPr txBox="1">
+                <a:spLocks noRot="1" noChangeAspect="1" noMove="1" noResize="1" noEditPoints="1" noAdjustHandles="1" noChangeArrowheads="1" noChangeShapeType="1" noTextEdit="1"/>
+              </p:cNvSpPr>
+              <p:nvPr/>
+            </p:nvSpPr>
+            <p:spPr>
+              <a:xfrm>
+                <a:off x="3916680" y="5038585"/>
+                <a:ext cx="2468880" cy="673711"/>
+              </a:xfrm>
+              <a:prstGeom prst="rect">
+                <a:avLst/>
+              </a:prstGeom>
+              <a:blipFill>
+                <a:blip r:embed="rId4"/>
+                <a:stretch>
+                  <a:fillRect b="-3704"/>
+                </a:stretch>
+              </a:blipFill>
+            </p:spPr>
+            <p:txBody>
+              <a:bodyPr/>
+              <a:lstStyle/>
+              <a:p>
+                <a:r>
+                  <a:rPr lang="ru-RU">
+                    <a:noFill/>
+                  </a:rPr>
+                  <a:t> </a:t>
+                </a:r>
+              </a:p>
+            </p:txBody>
+          </p:sp>
+        </mc:Fallback>
+      </mc:AlternateContent>
+      <mc:AlternateContent xmlns:mc="http://schemas.openxmlformats.org/markup-compatibility/2006" xmlns:a14="http://schemas.microsoft.com/office/drawing/2010/main">
+        <mc:Choice Requires="a14">
+          <p:sp>
+            <p:nvSpPr>
+              <p:cNvPr id="9" name="TextBox 8">
+                <a:extLst>
+                  <a:ext uri="{FF2B5EF4-FFF2-40B4-BE49-F238E27FC236}">
+                    <a16:creationId xmlns:a16="http://schemas.microsoft.com/office/drawing/2014/main" id="{C168057A-606C-4F40-A513-D04D0D8BF483}"/>
+                  </a:ext>
+                </a:extLst>
+              </p:cNvPr>
+              <p:cNvSpPr txBox="1"/>
+              <p:nvPr/>
+            </p:nvSpPr>
+            <p:spPr>
+              <a:xfrm>
+                <a:off x="7223760" y="5038585"/>
+                <a:ext cx="3916680" cy="681853"/>
+              </a:xfrm>
+              <a:prstGeom prst="rect">
+                <a:avLst/>
+              </a:prstGeom>
+              <a:noFill/>
+            </p:spPr>
+            <p:txBody>
+              <a:bodyPr wrap="square" rtlCol="0">
+                <a:spAutoFit/>
+              </a:bodyPr>
+              <a:lstStyle/>
+              <a:p>
+                <a:pPr/>
+                <a14:m>
+                  <m:oMathPara xmlns:m="http://schemas.openxmlformats.org/officeDocument/2006/math">
+                    <m:oMathParaPr>
+                      <m:jc m:val="centerGroup"/>
+                    </m:oMathParaPr>
+                    <m:oMath xmlns:m="http://schemas.openxmlformats.org/officeDocument/2006/math">
+                      <m:r>
+                        <a:rPr lang="ru-RU" sz="2000" i="1">
+                          <a:latin typeface="Cambria Math" panose="02040503050406030204" pitchFamily="18" charset="0"/>
+                        </a:rPr>
+                        <m:t>𝐹</m:t>
+                      </m:r>
+                      <m:r>
+                        <a:rPr lang="ru-RU" sz="2000" i="1">
+                          <a:latin typeface="Cambria Math" panose="02040503050406030204" pitchFamily="18" charset="0"/>
+                        </a:rPr>
+                        <m:t>=2</m:t>
+                      </m:r>
+                      <m:f>
+                        <m:fPr>
+                          <m:ctrlPr>
+                            <a:rPr lang="ru-RU" sz="2000" i="1">
+                              <a:latin typeface="Cambria Math" panose="02040503050406030204" pitchFamily="18" charset="0"/>
+                            </a:rPr>
+                          </m:ctrlPr>
+                        </m:fPr>
+                        <m:num>
+                          <m:r>
+                            <a:rPr lang="ru-RU" sz="2000" i="1">
+                              <a:latin typeface="Cambria Math" panose="02040503050406030204" pitchFamily="18" charset="0"/>
+                            </a:rPr>
+                            <m:t>𝑃𝑟𝑒𝑐𝑖𝑠𝑖𝑜𝑛</m:t>
+                          </m:r>
+                          <m:r>
+                            <a:rPr lang="ru-RU" sz="2000" i="1">
+                              <a:latin typeface="Cambria Math" panose="02040503050406030204" pitchFamily="18" charset="0"/>
+                            </a:rPr>
+                            <m:t>×</m:t>
+                          </m:r>
+                          <m:r>
+                            <a:rPr lang="ru-RU" sz="2000" i="1">
+                              <a:latin typeface="Cambria Math" panose="02040503050406030204" pitchFamily="18" charset="0"/>
+                            </a:rPr>
+                            <m:t>𝑅𝑒𝑐𝑎𝑙𝑙</m:t>
+                          </m:r>
+                        </m:num>
+                        <m:den>
+                          <m:r>
+                            <a:rPr lang="ru-RU" sz="2000" i="1">
+                              <a:latin typeface="Cambria Math" panose="02040503050406030204" pitchFamily="18" charset="0"/>
+                            </a:rPr>
+                            <m:t>𝑃𝑟𝑒𝑐𝑖𝑠𝑖𝑜𝑛</m:t>
+                          </m:r>
+                          <m:r>
+                            <a:rPr lang="ru-RU" sz="2000" i="1">
+                              <a:latin typeface="Cambria Math" panose="02040503050406030204" pitchFamily="18" charset="0"/>
+                            </a:rPr>
+                            <m:t>+</m:t>
+                          </m:r>
+                          <m:r>
+                            <a:rPr lang="ru-RU" sz="2000" i="1">
+                              <a:latin typeface="Cambria Math" panose="02040503050406030204" pitchFamily="18" charset="0"/>
+                            </a:rPr>
+                            <m:t>𝑅𝑒𝑐𝑎𝑙𝑙</m:t>
+                          </m:r>
+                        </m:den>
+                      </m:f>
+                    </m:oMath>
+                  </m:oMathPara>
+                </a14:m>
+                <a:endParaRPr lang="ru-RU" sz="2000" dirty="0"/>
+              </a:p>
+            </p:txBody>
+          </p:sp>
+        </mc:Choice>
+        <mc:Fallback xmlns="">
+          <p:sp>
+            <p:nvSpPr>
+              <p:cNvPr id="9" name="TextBox 8">
+                <a:extLst>
+                  <a:ext uri="{FF2B5EF4-FFF2-40B4-BE49-F238E27FC236}">
+                    <a16:creationId xmlns:a16="http://schemas.microsoft.com/office/drawing/2014/main" id="{C168057A-606C-4F40-A513-D04D0D8BF483}"/>
+                  </a:ext>
+                </a:extLst>
+              </p:cNvPr>
+              <p:cNvSpPr txBox="1">
+                <a:spLocks noRot="1" noChangeAspect="1" noMove="1" noResize="1" noEditPoints="1" noAdjustHandles="1" noChangeArrowheads="1" noChangeShapeType="1" noTextEdit="1"/>
+              </p:cNvSpPr>
+              <p:nvPr/>
+            </p:nvSpPr>
+            <p:spPr>
+              <a:xfrm>
+                <a:off x="7223760" y="5038585"/>
+                <a:ext cx="3916680" cy="681853"/>
+              </a:xfrm>
+              <a:prstGeom prst="rect">
+                <a:avLst/>
+              </a:prstGeom>
+              <a:blipFill>
+                <a:blip r:embed="rId5"/>
+                <a:stretch>
+                  <a:fillRect b="-5556"/>
+                </a:stretch>
+              </a:blipFill>
+            </p:spPr>
+            <p:txBody>
+              <a:bodyPr/>
+              <a:lstStyle/>
+              <a:p>
+                <a:r>
+                  <a:rPr lang="ru-RU">
+                    <a:noFill/>
+                  </a:rPr>
+                  <a:t> </a:t>
+                </a:r>
+              </a:p>
+            </p:txBody>
+          </p:sp>
+        </mc:Fallback>
+      </mc:AlternateContent>
+      <p:sp>
+        <p:nvSpPr>
+          <p:cNvPr id="10" name="Номер слайда 3">
+            <a:extLst>
+              <a:ext uri="{FF2B5EF4-FFF2-40B4-BE49-F238E27FC236}">
+                <a16:creationId xmlns:a16="http://schemas.microsoft.com/office/drawing/2014/main" id="{6A4DE3E8-8B63-0046-94E9-6EFEF8C751A9}"/>
+              </a:ext>
+            </a:extLst>
+          </p:cNvPr>
+          <p:cNvSpPr txBox="1">
+            <a:spLocks/>
+          </p:cNvSpPr>
+          <p:nvPr/>
+        </p:nvSpPr>
+        <p:spPr>
+          <a:xfrm>
+            <a:off x="8610600" y="6356350"/>
+            <a:ext cx="2743200" cy="365125"/>
+          </a:xfrm>
+          <a:prstGeom prst="rect">
+            <a:avLst/>
+          </a:prstGeom>
+        </p:spPr>
+        <p:txBody>
+          <a:bodyPr vert="horz" lIns="91440" tIns="45720" rIns="91440" bIns="45720" rtlCol="0" anchor="ctr"/>
+          <a:lstStyle>
+            <a:defPPr>
+              <a:defRPr lang="ru-RU"/>
+            </a:defPPr>
+            <a:lvl1pPr marL="0" algn="r" defTabSz="914400" rtl="0" eaLnBrk="1" latinLnBrk="0" hangingPunct="1">
+              <a:defRPr sz="1200" kern="1200">
+                <a:solidFill>
+                  <a:schemeClr val="tx1">
+                    <a:tint val="75000"/>
+                  </a:schemeClr>
+                </a:solidFill>
+                <a:latin typeface="+mn-lt"/>
+                <a:ea typeface="+mn-ea"/>
+                <a:cs typeface="+mn-cs"/>
+              </a:defRPr>
+            </a:lvl1pPr>
+            <a:lvl2pPr marL="457200" algn="l" defTabSz="914400" rtl="0" eaLnBrk="1" latinLnBrk="0" hangingPunct="1">
+              <a:defRPr sz="1800" kern="1200">
+                <a:solidFill>
+                  <a:schemeClr val="tx1"/>
+                </a:solidFill>
+                <a:latin typeface="+mn-lt"/>
+                <a:ea typeface="+mn-ea"/>
+                <a:cs typeface="+mn-cs"/>
+              </a:defRPr>
+            </a:lvl2pPr>
+            <a:lvl3pPr marL="914400" algn="l" defTabSz="914400" rtl="0" eaLnBrk="1" latinLnBrk="0" hangingPunct="1">
+              <a:defRPr sz="1800" kern="1200">
+                <a:solidFill>
+                  <a:schemeClr val="tx1"/>
+                </a:solidFill>
+                <a:latin typeface="+mn-lt"/>
+                <a:ea typeface="+mn-ea"/>
+                <a:cs typeface="+mn-cs"/>
+              </a:defRPr>
+            </a:lvl3pPr>
+            <a:lvl4pPr marL="1371600" algn="l" defTabSz="914400" rtl="0" eaLnBrk="1" latinLnBrk="0" hangingPunct="1">
+              <a:defRPr sz="1800" kern="1200">
+                <a:solidFill>
+                  <a:schemeClr val="tx1"/>
+                </a:solidFill>
+                <a:latin typeface="+mn-lt"/>
+                <a:ea typeface="+mn-ea"/>
+                <a:cs typeface="+mn-cs"/>
+              </a:defRPr>
+            </a:lvl4pPr>
+            <a:lvl5pPr marL="1828800" algn="l" defTabSz="914400" rtl="0" eaLnBrk="1" latinLnBrk="0" hangingPunct="1">
+              <a:defRPr sz="1800" kern="1200">
+                <a:solidFill>
+                  <a:schemeClr val="tx1"/>
+                </a:solidFill>
+                <a:latin typeface="+mn-lt"/>
+                <a:ea typeface="+mn-ea"/>
+                <a:cs typeface="+mn-cs"/>
+              </a:defRPr>
+            </a:lvl5pPr>
+            <a:lvl6pPr marL="2286000" algn="l" defTabSz="914400" rtl="0" eaLnBrk="1" latinLnBrk="0" hangingPunct="1">
+              <a:defRPr sz="1800" kern="1200">
+                <a:solidFill>
+                  <a:schemeClr val="tx1"/>
+                </a:solidFill>
+                <a:latin typeface="+mn-lt"/>
+                <a:ea typeface="+mn-ea"/>
+                <a:cs typeface="+mn-cs"/>
+              </a:defRPr>
+            </a:lvl6pPr>
+            <a:lvl7pPr marL="2743200" algn="l" defTabSz="914400" rtl="0" eaLnBrk="1" latinLnBrk="0" hangingPunct="1">
+              <a:defRPr sz="1800" kern="1200">
+                <a:solidFill>
+                  <a:schemeClr val="tx1"/>
+                </a:solidFill>
+                <a:latin typeface="+mn-lt"/>
+                <a:ea typeface="+mn-ea"/>
+                <a:cs typeface="+mn-cs"/>
+              </a:defRPr>
+            </a:lvl7pPr>
+            <a:lvl8pPr marL="3200400" algn="l" defTabSz="914400" rtl="0" eaLnBrk="1" latinLnBrk="0" hangingPunct="1">
+              <a:defRPr sz="1800" kern="1200">
+                <a:solidFill>
+                  <a:schemeClr val="tx1"/>
+                </a:solidFill>
+                <a:latin typeface="+mn-lt"/>
+                <a:ea typeface="+mn-ea"/>
+                <a:cs typeface="+mn-cs"/>
+              </a:defRPr>
+            </a:lvl8pPr>
+            <a:lvl9pPr marL="3657600" algn="l" defTabSz="914400" rtl="0" eaLnBrk="1" latinLnBrk="0" hangingPunct="1">
+              <a:defRPr sz="1800" kern="1200">
+                <a:solidFill>
+                  <a:schemeClr val="tx1"/>
+                </a:solidFill>
+                <a:latin typeface="+mn-lt"/>
+                <a:ea typeface="+mn-ea"/>
+                <a:cs typeface="+mn-cs"/>
+              </a:defRPr>
+            </a:lvl9pPr>
+          </a:lstStyle>
+          <a:p>
+            <a:fld id="{8B784E8A-7D10-4AAF-929C-959B71E0249E}" type="slidenum">
+              <a:rPr lang="ru-RU" sz="2400" smtClean="0">
+                <a:solidFill>
+                  <a:schemeClr val="tx1"/>
+                </a:solidFill>
+                <a:latin typeface="Times New Roman" pitchFamily="18" charset="0"/>
+                <a:cs typeface="Times New Roman" pitchFamily="18" charset="0"/>
+              </a:rPr>
+              <a:pPr/>
+              <a:t>13</a:t>
+            </a:fld>
+            <a:endParaRPr lang="ru-RU" sz="2400" dirty="0">
+              <a:solidFill>
+                <a:schemeClr val="tx1"/>
+              </a:solidFill>
+              <a:latin typeface="Times New Roman" pitchFamily="18" charset="0"/>
+              <a:cs typeface="Times New Roman" pitchFamily="18" charset="0"/>
+            </a:endParaRPr>
+          </a:p>
+        </p:txBody>
+      </p:sp>
+    </p:spTree>
+    <p:extLst>
+      <p:ext uri="{BB962C8B-B14F-4D97-AF65-F5344CB8AC3E}">
+        <p14:creationId xmlns:p14="http://schemas.microsoft.com/office/powerpoint/2010/main" val="3507773334"/>
+      </p:ext>
+    </p:extLst>
+  </p:cSld>
+  <p:clrMapOvr>
+    <a:masterClrMapping/>
+  </p:clrMapOvr>
+</p:sld>
+</file>
+
 <file path=ppt/slides/slide14.xml><?xml version="1.0" encoding="utf-8"?>
 <p:sld xmlns:a="http://schemas.openxmlformats.org/drawingml/2006/main" xmlns:r="http://schemas.openxmlformats.org/officeDocument/2006/relationships" xmlns:p="http://schemas.openxmlformats.org/presentationml/2006/main">
   <p:cSld>
@@ -8003,7 +8003,7 @@
                 <a:latin typeface="Times New Roman" panose="02020603050405020304" pitchFamily="18" charset="0"/>
                 <a:cs typeface="Times New Roman" panose="02020603050405020304" pitchFamily="18" charset="0"/>
               </a:rPr>
-              <a:t>Проанализировать предметную область</a:t>
+              <a:t>Проанализировать предметную область и существующие методы</a:t>
             </a:r>
           </a:p>
           <a:p>
@@ -8188,7 +8188,7 @@
                 <a:latin typeface="Times New Roman" panose="02020603050405020304" pitchFamily="18" charset="0"/>
                 <a:cs typeface="Times New Roman" panose="02020603050405020304" pitchFamily="18" charset="0"/>
               </a:rPr>
-              <a:t> - раздел лингвистики, занимающийся измерением стилевых характеристик</a:t>
+              <a:t> – раздел лингвистики, занимающийся измерением стилевых характеристик</a:t>
             </a:r>
           </a:p>
           <a:p>
@@ -8320,7 +8320,7 @@
                 <a:latin typeface="Times New Roman" panose="02020603050405020304" pitchFamily="18" charset="0"/>
                 <a:cs typeface="Times New Roman" panose="02020603050405020304" pitchFamily="18" charset="0"/>
               </a:rPr>
-              <a:t>Существующие методы определения авторского инварианта</a:t>
+              <a:t>Существующие подходы к анализу текста</a:t>
             </a:r>
           </a:p>
         </p:txBody>
@@ -8371,7 +8371,7 @@
                 <a:latin typeface="Times New Roman" panose="02020603050405020304" pitchFamily="18" charset="0"/>
                 <a:cs typeface="Times New Roman" panose="02020603050405020304" pitchFamily="18" charset="0"/>
               </a:rPr>
-              <a:t>– требует вмешательства эксперта</a:t>
+              <a:t>– устанавливает связи между структурными единицами текста, требует вмешательства эксперта</a:t>
             </a:r>
           </a:p>
           <a:p>
@@ -10880,7 +10880,21 @@
                 <a:latin typeface="Times New Roman" panose="02020603050405020304" pitchFamily="18" charset="0"/>
                 <a:cs typeface="Times New Roman" panose="02020603050405020304" pitchFamily="18" charset="0"/>
               </a:rPr>
-              <a:t>частотность термина:</a:t>
+              <a:t>частотность </a:t>
+            </a:r>
+            <a:r>
+              <a:rPr lang="ru-RU" dirty="0" err="1">
+                <a:latin typeface="Times New Roman" panose="02020603050405020304" pitchFamily="18" charset="0"/>
+                <a:cs typeface="Times New Roman" panose="02020603050405020304" pitchFamily="18" charset="0"/>
+              </a:rPr>
+              <a:t>токена</a:t>
+            </a:r>
+            <a:r>
+              <a:rPr lang="ru-RU" dirty="0">
+                <a:latin typeface="Times New Roman" panose="02020603050405020304" pitchFamily="18" charset="0"/>
+                <a:cs typeface="Times New Roman" panose="02020603050405020304" pitchFamily="18" charset="0"/>
+              </a:rPr>
+              <a:t>:</a:t>
             </a:r>
             <a:endParaRPr lang="en-US" dirty="0">
               <a:latin typeface="Times New Roman" panose="02020603050405020304" pitchFamily="18" charset="0"/>
@@ -10932,7 +10946,21 @@
                 <a:latin typeface="Times New Roman" panose="02020603050405020304" pitchFamily="18" charset="0"/>
                 <a:cs typeface="Times New Roman" panose="02020603050405020304" pitchFamily="18" charset="0"/>
               </a:rPr>
-              <a:t> — инверсия частоты, с которой некоторое слово встречается в документах коллекции </a:t>
+              <a:t> — инверсия частоты, с которой некоторый </a:t>
+            </a:r>
+            <a:r>
+              <a:rPr lang="ru-RU" dirty="0" err="1">
+                <a:latin typeface="Times New Roman" panose="02020603050405020304" pitchFamily="18" charset="0"/>
+                <a:cs typeface="Times New Roman" panose="02020603050405020304" pitchFamily="18" charset="0"/>
+              </a:rPr>
+              <a:t>токен</a:t>
+            </a:r>
+            <a:r>
+              <a:rPr lang="ru-RU" dirty="0">
+                <a:latin typeface="Times New Roman" panose="02020603050405020304" pitchFamily="18" charset="0"/>
+                <a:cs typeface="Times New Roman" panose="02020603050405020304" pitchFamily="18" charset="0"/>
+              </a:rPr>
+              <a:t> встречается в документах коллекции </a:t>
             </a:r>
           </a:p>
         </p:txBody>
@@ -10984,8 +11012,19 @@
                 <a:latin typeface="Times New Roman" panose="02020603050405020304" pitchFamily="18" charset="0"/>
                 <a:cs typeface="Times New Roman" panose="02020603050405020304" pitchFamily="18" charset="0"/>
               </a:rPr>
-              <a:t>статистическая мера, используемая для оценки важности термина</a:t>
-            </a:r>
+              <a:t>статистическая мера, используемая для оценки важности </a:t>
+            </a:r>
+            <a:r>
+              <a:rPr lang="ru-RU" dirty="0" err="1">
+                <a:latin typeface="Times New Roman" panose="02020603050405020304" pitchFamily="18" charset="0"/>
+                <a:cs typeface="Times New Roman" panose="02020603050405020304" pitchFamily="18" charset="0"/>
+              </a:rPr>
+              <a:t>токена</a:t>
+            </a:r>
+            <a:endParaRPr lang="ru-RU" dirty="0">
+              <a:latin typeface="Times New Roman" panose="02020603050405020304" pitchFamily="18" charset="0"/>
+              <a:cs typeface="Times New Roman" panose="02020603050405020304" pitchFamily="18" charset="0"/>
+            </a:endParaRPr>
           </a:p>
         </p:txBody>
       </p:sp>

--- a/РПЗ/презентация_Кондрашова.pptx
+++ b/РПЗ/презентация_Кондрашова.pptx
@@ -227,7 +227,7 @@
             <a:fld id="{B24C1625-D5FD-4961-8EAB-1FA61EEA71E7}" type="datetimeFigureOut">
               <a:rPr lang="ru-RU" smtClean="0"/>
               <a:pPr/>
-              <a:t>06.06.2021</a:t>
+              <a:t>07.06.2021</a:t>
             </a:fld>
             <a:endParaRPr lang="ru-RU"/>
           </a:p>
@@ -549,7 +549,7 @@
             </a:r>
             <a:r>
               <a:rPr lang="ru-RU" dirty="0"/>
-              <a:t>/ формы</a:t>
+              <a:t>/ формы !! шапка</a:t>
             </a:r>
           </a:p>
         </p:txBody>
@@ -919,7 +919,7 @@
             <a:fld id="{703E3709-A417-4BA4-9DB9-C03B4C8BAA4E}" type="datetime1">
               <a:rPr lang="ru-RU" smtClean="0"/>
               <a:pPr/>
-              <a:t>06.06.2021</a:t>
+              <a:t>07.06.2021</a:t>
             </a:fld>
             <a:endParaRPr lang="ru-RU"/>
           </a:p>
@@ -1119,7 +1119,7 @@
             <a:fld id="{E84E5E01-CA5B-494A-9C4C-0A4511EEFE60}" type="datetime1">
               <a:rPr lang="ru-RU" smtClean="0"/>
               <a:pPr/>
-              <a:t>06.06.2021</a:t>
+              <a:t>07.06.2021</a:t>
             </a:fld>
             <a:endParaRPr lang="ru-RU"/>
           </a:p>
@@ -1329,7 +1329,7 @@
             <a:fld id="{EC69EC0E-4C6D-4D35-9720-ED568FE3BC26}" type="datetime1">
               <a:rPr lang="ru-RU" smtClean="0"/>
               <a:pPr/>
-              <a:t>06.06.2021</a:t>
+              <a:t>07.06.2021</a:t>
             </a:fld>
             <a:endParaRPr lang="ru-RU"/>
           </a:p>
@@ -1529,7 +1529,7 @@
             <a:fld id="{BA3139B0-C124-44CF-B8D5-1CDD431F5F1F}" type="datetime1">
               <a:rPr lang="ru-RU" smtClean="0"/>
               <a:pPr/>
-              <a:t>06.06.2021</a:t>
+              <a:t>07.06.2021</a:t>
             </a:fld>
             <a:endParaRPr lang="ru-RU"/>
           </a:p>
@@ -1806,7 +1806,7 @@
             <a:fld id="{1D59D3DA-E4B9-44AC-A369-0B4DC908419D}" type="datetime1">
               <a:rPr lang="ru-RU" smtClean="0"/>
               <a:pPr/>
-              <a:t>06.06.2021</a:t>
+              <a:t>07.06.2021</a:t>
             </a:fld>
             <a:endParaRPr lang="ru-RU"/>
           </a:p>
@@ -2073,7 +2073,7 @@
             <a:fld id="{50A031DE-CB04-4870-9C75-1465DCB69FDB}" type="datetime1">
               <a:rPr lang="ru-RU" smtClean="0"/>
               <a:pPr/>
-              <a:t>06.06.2021</a:t>
+              <a:t>07.06.2021</a:t>
             </a:fld>
             <a:endParaRPr lang="ru-RU"/>
           </a:p>
@@ -2487,7 +2487,7 @@
             <a:fld id="{4FEFF6B4-3589-4899-AAF7-4B76B13265E9}" type="datetime1">
               <a:rPr lang="ru-RU" smtClean="0"/>
               <a:pPr/>
-              <a:t>06.06.2021</a:t>
+              <a:t>07.06.2021</a:t>
             </a:fld>
             <a:endParaRPr lang="ru-RU"/>
           </a:p>
@@ -2630,7 +2630,7 @@
             <a:fld id="{D891499A-FB2B-4995-8E9F-E0E46C8EE9B4}" type="datetime1">
               <a:rPr lang="ru-RU" smtClean="0"/>
               <a:pPr/>
-              <a:t>06.06.2021</a:t>
+              <a:t>07.06.2021</a:t>
             </a:fld>
             <a:endParaRPr lang="ru-RU"/>
           </a:p>
@@ -2745,7 +2745,7 @@
             <a:fld id="{A8980C0B-7E8C-4609-A955-3F89959A46DA}" type="datetime1">
               <a:rPr lang="ru-RU" smtClean="0"/>
               <a:pPr/>
-              <a:t>06.06.2021</a:t>
+              <a:t>07.06.2021</a:t>
             </a:fld>
             <a:endParaRPr lang="ru-RU"/>
           </a:p>
@@ -3058,7 +3058,7 @@
             <a:fld id="{BE84B986-6865-4485-BDE5-D57B9DC994D2}" type="datetime1">
               <a:rPr lang="ru-RU" smtClean="0"/>
               <a:pPr/>
-              <a:t>06.06.2021</a:t>
+              <a:t>07.06.2021</a:t>
             </a:fld>
             <a:endParaRPr lang="ru-RU"/>
           </a:p>
@@ -3348,7 +3348,7 @@
             <a:fld id="{16CB19F2-C561-4971-B3DE-FECD1D4FDC6E}" type="datetime1">
               <a:rPr lang="ru-RU" smtClean="0"/>
               <a:pPr/>
-              <a:t>06.06.2021</a:t>
+              <a:t>07.06.2021</a:t>
             </a:fld>
             <a:endParaRPr lang="ru-RU"/>
           </a:p>
@@ -3591,7 +3591,7 @@
             <a:fld id="{2F1403D6-804E-451C-A4C8-E9FBB80237BA}" type="datetime1">
               <a:rPr lang="ru-RU" smtClean="0"/>
               <a:pPr/>
-              <a:t>06.06.2021</a:t>
+              <a:t>07.06.2021</a:t>
             </a:fld>
             <a:endParaRPr lang="ru-RU"/>
           </a:p>
@@ -4314,7 +4314,7 @@
         </p:nvSpPr>
         <p:spPr>
           <a:xfrm>
-            <a:off x="463139" y="365125"/>
+            <a:off x="463139" y="133477"/>
             <a:ext cx="11364684" cy="1325563"/>
           </a:xfrm>
         </p:spPr>
@@ -4328,7 +4328,7 @@
                 <a:latin typeface="Times New Roman" panose="02020603050405020304" pitchFamily="18" charset="0"/>
                 <a:cs typeface="Times New Roman" panose="02020603050405020304" pitchFamily="18" charset="0"/>
               </a:rPr>
-              <a:t>Функциональная схема метода классификации</a:t>
+              <a:t>Функциональная схема обучения и применения метода классификации</a:t>
             </a:r>
           </a:p>
         </p:txBody>
@@ -4990,7 +4990,7 @@
           <p:nvPr>
             <p:extLst>
               <p:ext uri="{D42A27DB-BD31-4B8C-83A1-F6EECF244321}">
-                <p14:modId xmlns:p14="http://schemas.microsoft.com/office/powerpoint/2010/main" val="821766391"/>
+                <p14:modId xmlns:p14="http://schemas.microsoft.com/office/powerpoint/2010/main" val="816184858"/>
               </p:ext>
             </p:extLst>
           </p:nvPr>
@@ -5050,6 +5050,30 @@
                           <a:cs typeface="Times New Roman" panose="02020603050405020304" pitchFamily="18" charset="0"/>
                         </a:rPr>
                         <a:t>N</a:t>
+                      </a:r>
+                      <a:r>
+                        <a:rPr lang="ru-RU" sz="1800" dirty="0">
+                          <a:effectLst/>
+                          <a:latin typeface="Times New Roman" panose="02020603050405020304" pitchFamily="18" charset="0"/>
+                          <a:cs typeface="Times New Roman" panose="02020603050405020304" pitchFamily="18" charset="0"/>
+                        </a:rPr>
+                        <a:t> для </a:t>
+                      </a:r>
+                      <a:r>
+                        <a:rPr lang="en-US" sz="1800" dirty="0">
+                          <a:effectLst/>
+                          <a:latin typeface="Times New Roman" panose="02020603050405020304" pitchFamily="18" charset="0"/>
+                          <a:cs typeface="Times New Roman" panose="02020603050405020304" pitchFamily="18" charset="0"/>
+                        </a:rPr>
+                        <a:t>N-</a:t>
+                      </a:r>
+                      <a:r>
+                        <a:rPr lang="ru-RU" sz="1800" dirty="0">
+                          <a:effectLst/>
+                          <a:latin typeface="Times New Roman" panose="02020603050405020304" pitchFamily="18" charset="0"/>
+                          <a:cs typeface="Times New Roman" panose="02020603050405020304" pitchFamily="18" charset="0"/>
+                        </a:rPr>
+                        <a:t>грамм</a:t>
                       </a:r>
                       <a:endParaRPr lang="ru-RU" sz="1600" dirty="0">
                         <a:effectLst/>
@@ -6693,7 +6717,7 @@
                 <a:latin typeface="Times New Roman" panose="02020603050405020304" pitchFamily="18" charset="0"/>
                 <a:cs typeface="Times New Roman" panose="02020603050405020304" pitchFamily="18" charset="0"/>
               </a:rPr>
-              <a:t>Исследование зависимости классификации от значения </a:t>
+              <a:t>Зависимость метрик качества классификации от значения </a:t>
             </a:r>
             <a:r>
               <a:rPr lang="en-US" dirty="0">
@@ -6727,8 +6751,8 @@
         </p:nvSpPr>
         <p:spPr>
           <a:xfrm>
-            <a:off x="838199" y="1825626"/>
-            <a:ext cx="10929079" cy="773195"/>
+            <a:off x="838200" y="1825626"/>
+            <a:ext cx="5515100" cy="773195"/>
           </a:xfrm>
         </p:spPr>
         <p:txBody>
@@ -6972,6 +6996,59 @@
           </a:prstGeom>
         </p:spPr>
       </p:pic>
+      <p:sp>
+        <p:nvSpPr>
+          <p:cNvPr id="5" name="TextBox 4">
+            <a:extLst>
+              <a:ext uri="{FF2B5EF4-FFF2-40B4-BE49-F238E27FC236}">
+                <a16:creationId xmlns:a16="http://schemas.microsoft.com/office/drawing/2014/main" id="{CC7AB82B-CA00-3749-9276-404950146D68}"/>
+              </a:ext>
+            </a:extLst>
+          </p:cNvPr>
+          <p:cNvSpPr txBox="1"/>
+          <p:nvPr/>
+        </p:nvSpPr>
+        <p:spPr>
+          <a:xfrm>
+            <a:off x="6995555" y="1825626"/>
+            <a:ext cx="3230089" cy="384721"/>
+          </a:xfrm>
+          <a:prstGeom prst="rect">
+            <a:avLst/>
+          </a:prstGeom>
+          <a:noFill/>
+        </p:spPr>
+        <p:txBody>
+          <a:bodyPr wrap="square" rtlCol="0">
+            <a:spAutoFit/>
+          </a:bodyPr>
+          <a:lstStyle/>
+          <a:p>
+            <a:pPr marL="285750" indent="-285750">
+              <a:buFont typeface="Arial" panose="020B0604020202020204" pitchFamily="34" charset="0"/>
+              <a:buChar char="•"/>
+            </a:pPr>
+            <a:r>
+              <a:rPr lang="ru-RU" sz="1900" dirty="0">
+                <a:latin typeface="Times New Roman" panose="02020603050405020304" pitchFamily="18" charset="0"/>
+                <a:cs typeface="Times New Roman" panose="02020603050405020304" pitchFamily="18" charset="0"/>
+              </a:rPr>
+              <a:t>Достигнута точность 80</a:t>
+            </a:r>
+            <a:r>
+              <a:rPr lang="en-US" sz="1900" dirty="0">
+                <a:latin typeface="Times New Roman" panose="02020603050405020304" pitchFamily="18" charset="0"/>
+                <a:cs typeface="Times New Roman" panose="02020603050405020304" pitchFamily="18" charset="0"/>
+              </a:rPr>
+              <a:t>%</a:t>
+            </a:r>
+            <a:endParaRPr lang="ru-RU" sz="1900" dirty="0">
+              <a:latin typeface="Times New Roman" panose="02020603050405020304" pitchFamily="18" charset="0"/>
+              <a:cs typeface="Times New Roman" panose="02020603050405020304" pitchFamily="18" charset="0"/>
+            </a:endParaRPr>
+          </a:p>
+        </p:txBody>
+      </p:sp>
     </p:spTree>
     <p:extLst>
       <p:ext uri="{BB962C8B-B14F-4D97-AF65-F5344CB8AC3E}">
@@ -7020,7 +7097,9 @@
         </p:nvSpPr>
         <p:spPr/>
         <p:txBody>
-          <a:bodyPr/>
+          <a:bodyPr>
+            <a:normAutofit/>
+          </a:bodyPr>
           <a:lstStyle/>
           <a:p>
             <a:pPr algn="ctr"/>
@@ -7029,7 +7108,7 @@
                 <a:latin typeface="Times New Roman" panose="02020603050405020304" pitchFamily="18" charset="0"/>
                 <a:cs typeface="Times New Roman" panose="02020603050405020304" pitchFamily="18" charset="0"/>
               </a:rPr>
-              <a:t>Исследование зависимости классификации от удаления стоп-слов</a:t>
+              <a:t>Зависимость метрик качества классификации от удаления стоп-слов</a:t>
             </a:r>
           </a:p>
         </p:txBody>
@@ -7239,7 +7318,9 @@
         </p:nvSpPr>
         <p:spPr/>
         <p:txBody>
-          <a:bodyPr/>
+          <a:bodyPr>
+            <a:normAutofit fontScale="90000"/>
+          </a:bodyPr>
           <a:lstStyle/>
           <a:p>
             <a:pPr algn="ctr"/>
@@ -7248,7 +7329,7 @@
                 <a:latin typeface="Times New Roman" panose="02020603050405020304" pitchFamily="18" charset="0"/>
                 <a:cs typeface="Times New Roman" panose="02020603050405020304" pitchFamily="18" charset="0"/>
               </a:rPr>
-              <a:t>Исследование зависимости классификации от морфологического анализа</a:t>
+              <a:t>Зависимость метрик качества классификации от морфологического анализа</a:t>
             </a:r>
           </a:p>
         </p:txBody>
@@ -7502,7 +7583,7 @@
           <a:p>
             <a:pPr>
               <a:lnSpc>
-                <a:spcPct val="110000"/>
+                <a:spcPct val="120000"/>
               </a:lnSpc>
             </a:pPr>
             <a:r>
@@ -7514,6 +7595,11 @@
             </a:r>
           </a:p>
           <a:p>
+            <a:pPr>
+              <a:lnSpc>
+                <a:spcPct val="120000"/>
+              </a:lnSpc>
+            </a:pPr>
             <a:r>
               <a:rPr lang="ru-RU" dirty="0">
                 <a:latin typeface="Times New Roman" panose="02020603050405020304" pitchFamily="18" charset="0"/>
@@ -7523,6 +7609,11 @@
             </a:r>
           </a:p>
           <a:p>
+            <a:pPr>
+              <a:lnSpc>
+                <a:spcPct val="120000"/>
+              </a:lnSpc>
+            </a:pPr>
             <a:r>
               <a:rPr lang="ru-RU" dirty="0">
                 <a:latin typeface="Times New Roman" panose="02020603050405020304" pitchFamily="18" charset="0"/>
@@ -7532,22 +7623,43 @@
             </a:r>
           </a:p>
           <a:p>
+            <a:pPr>
+              <a:lnSpc>
+                <a:spcPct val="120000"/>
+              </a:lnSpc>
+            </a:pPr>
             <a:r>
               <a:rPr lang="ru-RU" dirty="0">
                 <a:latin typeface="Times New Roman" panose="02020603050405020304" pitchFamily="18" charset="0"/>
                 <a:cs typeface="Times New Roman" panose="02020603050405020304" pitchFamily="18" charset="0"/>
               </a:rPr>
-              <a:t>Разработано ПО, реализующее метод</a:t>
-            </a:r>
-          </a:p>
-          <a:p>
+              <a:t>Разработано ПО, реализующее предложенные методы</a:t>
+            </a:r>
+          </a:p>
+          <a:p>
+            <a:pPr>
+              <a:lnSpc>
+                <a:spcPct val="120000"/>
+              </a:lnSpc>
+            </a:pPr>
             <a:r>
               <a:rPr lang="ru-RU" dirty="0">
                 <a:latin typeface="Times New Roman" panose="02020603050405020304" pitchFamily="18" charset="0"/>
                 <a:cs typeface="Times New Roman" panose="02020603050405020304" pitchFamily="18" charset="0"/>
               </a:rPr>
-              <a:t>Проведено исследование разработанного метода</a:t>
-            </a:r>
+              <a:t>Проведена оценка точности классификации прозаических текстов по выделяемым признакам, достигнута точность 80</a:t>
+            </a:r>
+            <a:r>
+              <a:rPr lang="en-US" dirty="0">
+                <a:latin typeface="Times New Roman" panose="02020603050405020304" pitchFamily="18" charset="0"/>
+                <a:cs typeface="Times New Roman" panose="02020603050405020304" pitchFamily="18" charset="0"/>
+              </a:rPr>
+              <a:t>%</a:t>
+            </a:r>
+            <a:endParaRPr lang="ru-RU" dirty="0">
+              <a:latin typeface="Times New Roman" panose="02020603050405020304" pitchFamily="18" charset="0"/>
+              <a:cs typeface="Times New Roman" panose="02020603050405020304" pitchFamily="18" charset="0"/>
+            </a:endParaRPr>
           </a:p>
           <a:p>
             <a:pPr marL="0" indent="0">
@@ -7556,6 +7668,13 @@
               </a:lnSpc>
               <a:buNone/>
             </a:pPr>
+            <a:r>
+              <a:rPr lang="ru-RU" sz="800" dirty="0">
+                <a:latin typeface="Times New Roman" panose="02020603050405020304" pitchFamily="18" charset="0"/>
+                <a:cs typeface="Times New Roman" panose="02020603050405020304" pitchFamily="18" charset="0"/>
+              </a:rPr>
+              <a:t> </a:t>
+            </a:r>
             <a:endParaRPr lang="ru-RU" dirty="0">
               <a:latin typeface="Times New Roman" panose="02020603050405020304" pitchFamily="18" charset="0"/>
               <a:cs typeface="Times New Roman" panose="02020603050405020304" pitchFamily="18" charset="0"/>
@@ -7601,34 +7720,8 @@
                 <a:latin typeface="Times New Roman" panose="02020603050405020304" pitchFamily="18" charset="0"/>
                 <a:cs typeface="Times New Roman" panose="02020603050405020304" pitchFamily="18" charset="0"/>
               </a:rPr>
-              <a:t>Создания обучающей выборки, обеспечивающей получение более высоких значений метрик качества</a:t>
-            </a:r>
-          </a:p>
-          <a:p>
-            <a:pPr>
-              <a:lnSpc>
-                <a:spcPct val="110000"/>
-              </a:lnSpc>
-            </a:pPr>
-            <a:r>
-              <a:rPr lang="ru-RU" dirty="0">
-                <a:latin typeface="Times New Roman" panose="02020603050405020304" pitchFamily="18" charset="0"/>
-                <a:cs typeface="Times New Roman" panose="02020603050405020304" pitchFamily="18" charset="0"/>
-              </a:rPr>
               <a:t>Ускорение работы метода</a:t>
             </a:r>
-          </a:p>
-          <a:p>
-            <a:pPr marL="0" indent="0">
-              <a:lnSpc>
-                <a:spcPct val="110000"/>
-              </a:lnSpc>
-              <a:buNone/>
-            </a:pPr>
-            <a:endParaRPr lang="ru-RU" b="1" dirty="0">
-              <a:latin typeface="Times New Roman" panose="02020603050405020304" pitchFamily="18" charset="0"/>
-              <a:cs typeface="Times New Roman" panose="02020603050405020304" pitchFamily="18" charset="0"/>
-            </a:endParaRPr>
           </a:p>
         </p:txBody>
       </p:sp>
@@ -7953,7 +8046,7 @@
         </p:spPr>
         <p:txBody>
           <a:bodyPr>
-            <a:normAutofit/>
+            <a:normAutofit lnSpcReduction="10000"/>
           </a:bodyPr>
           <a:lstStyle/>
           <a:p>
@@ -7975,7 +8068,7 @@
                 <a:latin typeface="Times New Roman" panose="02020603050405020304" pitchFamily="18" charset="0"/>
                 <a:cs typeface="Times New Roman" panose="02020603050405020304" pitchFamily="18" charset="0"/>
               </a:rPr>
-              <a:t>– разработка метода определения признаков авторского стиля для текстов на русском языке.</a:t>
+              <a:t>– разработка метода определения признаков авторского стиля для текстов на русском языке</a:t>
             </a:r>
           </a:p>
           <a:p>
@@ -8012,7 +8105,7 @@
                 <a:latin typeface="Times New Roman" panose="02020603050405020304" pitchFamily="18" charset="0"/>
                 <a:cs typeface="Times New Roman" panose="02020603050405020304" pitchFamily="18" charset="0"/>
               </a:rPr>
-              <a:t>Сформулировать основные положения разрабатываемого метода определения признаков авторского стиля и использующего его метода классификации</a:t>
+              <a:t>Сформулировать основные положения разрабатываемого метода определения признаков авторского стиля</a:t>
             </a:r>
           </a:p>
           <a:p>
@@ -8021,7 +8114,7 @@
                 <a:latin typeface="Times New Roman" panose="02020603050405020304" pitchFamily="18" charset="0"/>
                 <a:cs typeface="Times New Roman" panose="02020603050405020304" pitchFamily="18" charset="0"/>
               </a:rPr>
-              <a:t>Разработать ПО, реализующее метод</a:t>
+              <a:t>Описать использующий его метод классификации</a:t>
             </a:r>
           </a:p>
           <a:p>
@@ -8030,7 +8123,16 @@
                 <a:latin typeface="Times New Roman" panose="02020603050405020304" pitchFamily="18" charset="0"/>
                 <a:cs typeface="Times New Roman" panose="02020603050405020304" pitchFamily="18" charset="0"/>
               </a:rPr>
-              <a:t>Провести исследование разработанного метода</a:t>
+              <a:t>Разработать ПО, реализующее оба метода</a:t>
+            </a:r>
+          </a:p>
+          <a:p>
+            <a:r>
+              <a:rPr lang="ru-RU" dirty="0">
+                <a:latin typeface="Times New Roman" panose="02020603050405020304" pitchFamily="18" charset="0"/>
+                <a:cs typeface="Times New Roman" panose="02020603050405020304" pitchFamily="18" charset="0"/>
+              </a:rPr>
+              <a:t>Провести оценку точности классификации текстов по предложенным признакам</a:t>
             </a:r>
           </a:p>
         </p:txBody>
@@ -8320,7 +8422,7 @@
                 <a:latin typeface="Times New Roman" panose="02020603050405020304" pitchFamily="18" charset="0"/>
                 <a:cs typeface="Times New Roman" panose="02020603050405020304" pitchFamily="18" charset="0"/>
               </a:rPr>
-              <a:t>Существующие подходы к анализу текста</a:t>
+              <a:t>Существующие методы анализа текста</a:t>
             </a:r>
           </a:p>
         </p:txBody>
@@ -8540,6 +8642,13 @@
               <a:buNone/>
             </a:pPr>
             <a:r>
+              <a:rPr lang="ru-RU" sz="2000" b="1" dirty="0">
+                <a:latin typeface="Times New Roman" panose="02020603050405020304" pitchFamily="18" charset="0"/>
+                <a:cs typeface="Times New Roman" panose="02020603050405020304" pitchFamily="18" charset="0"/>
+              </a:rPr>
+              <a:t>Метод выделения </a:t>
+            </a:r>
+            <a:r>
               <a:rPr lang="en-US" sz="2000" b="1" dirty="0">
                 <a:latin typeface="Times New Roman" panose="02020603050405020304" pitchFamily="18" charset="0"/>
                 <a:cs typeface="Times New Roman" panose="02020603050405020304" pitchFamily="18" charset="0"/>
@@ -8551,7 +8660,7 @@
                 <a:latin typeface="Times New Roman" panose="02020603050405020304" pitchFamily="18" charset="0"/>
                 <a:cs typeface="Times New Roman" panose="02020603050405020304" pitchFamily="18" charset="0"/>
               </a:rPr>
-              <a:t>граммы </a:t>
+              <a:t>грамм </a:t>
             </a:r>
             <a:r>
               <a:rPr lang="ru-RU" sz="2000" dirty="0">
@@ -8693,7 +8802,9 @@
         </p:nvSpPr>
         <p:spPr/>
         <p:txBody>
-          <a:bodyPr/>
+          <a:bodyPr>
+            <a:normAutofit fontScale="90000"/>
+          </a:bodyPr>
           <a:lstStyle/>
           <a:p>
             <a:pPr algn="ctr"/>
@@ -8702,7 +8813,7 @@
                 <a:latin typeface="Times New Roman" panose="02020603050405020304" pitchFamily="18" charset="0"/>
                 <a:cs typeface="Times New Roman" panose="02020603050405020304" pitchFamily="18" charset="0"/>
               </a:rPr>
-              <a:t>Функциональная схема метода образования </a:t>
+              <a:t>Функциональная схема метода выделения признаков: образования </a:t>
             </a:r>
             <a:r>
               <a:rPr lang="ru-RU" dirty="0" err="1">
@@ -9384,14 +9495,14 @@
           <p:nvPr>
             <p:extLst>
               <p:ext uri="{D42A27DB-BD31-4B8C-83A1-F6EECF244321}">
-                <p14:modId xmlns:p14="http://schemas.microsoft.com/office/powerpoint/2010/main" val="1322200408"/>
+                <p14:modId xmlns:p14="http://schemas.microsoft.com/office/powerpoint/2010/main" val="476320240"/>
               </p:ext>
             </p:extLst>
           </p:nvPr>
         </p:nvGraphicFramePr>
         <p:xfrm>
-          <a:off x="838200" y="4226836"/>
-          <a:ext cx="10763992" cy="2129514"/>
+          <a:off x="740664" y="4129247"/>
+          <a:ext cx="10763992" cy="2052097"/>
         </p:xfrm>
         <a:graphic>
           <a:graphicData uri="http://schemas.openxmlformats.org/drawingml/2006/table">
@@ -9422,7 +9533,104 @@
                   </a:extLst>
                 </a:gridCol>
               </a:tblGrid>
-              <a:tr h="1064757">
+              <a:tr h="406124">
+                <a:tc>
+                  <a:txBody>
+                    <a:bodyPr/>
+                    <a:lstStyle/>
+                    <a:p>
+                      <a:endParaRPr lang="ru-RU" dirty="0">
+                        <a:latin typeface="Times New Roman" panose="02020603050405020304" pitchFamily="18" charset="0"/>
+                        <a:cs typeface="Times New Roman" panose="02020603050405020304" pitchFamily="18" charset="0"/>
+                      </a:endParaRPr>
+                    </a:p>
+                  </a:txBody>
+                  <a:tcPr/>
+                </a:tc>
+                <a:tc>
+                  <a:txBody>
+                    <a:bodyPr/>
+                    <a:lstStyle/>
+                    <a:p>
+                      <a:pPr marL="0" marR="0" lvl="0" indent="0" algn="l" defTabSz="914400" rtl="0" eaLnBrk="1" fontAlgn="auto" latinLnBrk="0" hangingPunct="1">
+                        <a:lnSpc>
+                          <a:spcPct val="100000"/>
+                        </a:lnSpc>
+                        <a:spcBef>
+                          <a:spcPts val="0"/>
+                        </a:spcBef>
+                        <a:spcAft>
+                          <a:spcPts val="0"/>
+                        </a:spcAft>
+                        <a:buClrTx/>
+                        <a:buSzTx/>
+                        <a:buFontTx/>
+                        <a:buNone/>
+                        <a:tabLst/>
+                        <a:defRPr/>
+                      </a:pPr>
+                      <a:r>
+                        <a:rPr lang="en-US" dirty="0">
+                          <a:latin typeface="Times New Roman" panose="02020603050405020304" pitchFamily="18" charset="0"/>
+                          <a:cs typeface="Times New Roman" panose="02020603050405020304" pitchFamily="18" charset="0"/>
+                        </a:rPr>
+                        <a:t>N</a:t>
+                      </a:r>
+                      <a:r>
+                        <a:rPr lang="ru-RU" dirty="0">
+                          <a:latin typeface="Times New Roman" panose="02020603050405020304" pitchFamily="18" charset="0"/>
+                          <a:cs typeface="Times New Roman" panose="02020603050405020304" pitchFamily="18" charset="0"/>
+                        </a:rPr>
+                        <a:t>-граммы из предложения</a:t>
+                      </a:r>
+                    </a:p>
+                  </a:txBody>
+                  <a:tcPr/>
+                </a:tc>
+                <a:tc>
+                  <a:txBody>
+                    <a:bodyPr/>
+                    <a:lstStyle/>
+                    <a:p>
+                      <a:r>
+                        <a:rPr lang="ru-RU" dirty="0" err="1">
+                          <a:latin typeface="Times New Roman" panose="02020603050405020304" pitchFamily="18" charset="0"/>
+                          <a:cs typeface="Times New Roman" panose="02020603050405020304" pitchFamily="18" charset="0"/>
+                        </a:rPr>
+                        <a:t>Частеречные</a:t>
+                      </a:r>
+                      <a:r>
+                        <a:rPr lang="ru-RU" dirty="0">
+                          <a:latin typeface="Times New Roman" panose="02020603050405020304" pitchFamily="18" charset="0"/>
+                          <a:cs typeface="Times New Roman" panose="02020603050405020304" pitchFamily="18" charset="0"/>
+                        </a:rPr>
+                        <a:t> </a:t>
+                      </a:r>
+                      <a:r>
+                        <a:rPr lang="en-US" dirty="0">
+                          <a:latin typeface="Times New Roman" panose="02020603050405020304" pitchFamily="18" charset="0"/>
+                          <a:cs typeface="Times New Roman" panose="02020603050405020304" pitchFamily="18" charset="0"/>
+                        </a:rPr>
+                        <a:t>N-</a:t>
+                      </a:r>
+                      <a:r>
+                        <a:rPr lang="ru-RU" dirty="0">
+                          <a:latin typeface="Times New Roman" panose="02020603050405020304" pitchFamily="18" charset="0"/>
+                          <a:cs typeface="Times New Roman" panose="02020603050405020304" pitchFamily="18" charset="0"/>
+                        </a:rPr>
+                        <a:t>граммы</a:t>
+                      </a:r>
+                    </a:p>
+                  </a:txBody>
+                  <a:tcPr/>
+                </a:tc>
+                <a:extLst>
+                  <a:ext uri="{0D108BD9-81ED-4DB2-BD59-A6C34878D82A}">
+                    <a16:rowId xmlns:a16="http://schemas.microsoft.com/office/drawing/2014/main" val="780939387"/>
+                  </a:ext>
+                </a:extLst>
+              </a:tr>
+              <a:tr h="938784">
                 <a:tc>
                   <a:txBody>
                     <a:bodyPr/>
@@ -9600,7 +9808,7 @@
                   </a:ext>
                 </a:extLst>
               </a:tr>
-              <a:tr h="1064757">
+              <a:tr h="707189">
                 <a:tc>
                   <a:txBody>
                     <a:bodyPr/>
@@ -9826,7 +10034,7 @@
             <p:ph idx="1"/>
           </p:nvPr>
         </p:nvPicPr>
-        <p:blipFill>
+        <p:blipFill rotWithShape="1">
           <a:blip r:embed="rId2">
             <a:extLst>
               <a:ext uri="{28A0092B-C50C-407E-A947-70E740481C1C}">
@@ -9834,15 +10042,17 @@
               </a:ext>
             </a:extLst>
           </a:blip>
-          <a:stretch>
-            <a:fillRect/>
-          </a:stretch>
+          <a:srcRect r="10225"/>
+          <a:stretch/>
         </p:blipFill>
         <p:spPr>
           <a:xfrm>
-            <a:off x="1754502" y="1442604"/>
-            <a:ext cx="8682995" cy="5096308"/>
+            <a:off x="72007" y="1816608"/>
+            <a:ext cx="6023993" cy="3978103"/>
           </a:xfrm>
+          <a:ln>
+            <a:noFill/>
+          </a:ln>
         </p:spPr>
       </p:pic>
     </p:spTree>
@@ -9902,7 +10112,7 @@
                 <a:latin typeface="Times New Roman" panose="02020603050405020304" pitchFamily="18" charset="0"/>
                 <a:cs typeface="Times New Roman" panose="02020603050405020304" pitchFamily="18" charset="0"/>
               </a:rPr>
-              <a:t>Извлечение признаков из текста</a:t>
+              <a:t>Извлечение численных значений признаков из текста</a:t>
             </a:r>
           </a:p>
         </p:txBody>
@@ -9975,7 +10185,7 @@
         </p:blipFill>
         <p:spPr>
           <a:xfrm>
-            <a:off x="3755617" y="2026602"/>
+            <a:off x="9358192" y="2438137"/>
             <a:ext cx="1866900" cy="572700"/>
           </a:xfrm>
           <a:prstGeom prst="rect">
@@ -10004,7 +10214,7 @@
         </p:blipFill>
         <p:spPr>
           <a:xfrm>
-            <a:off x="838200" y="5039225"/>
+            <a:off x="6253782" y="5070250"/>
             <a:ext cx="2387600" cy="635000"/>
           </a:xfrm>
           <a:prstGeom prst="rect">
@@ -10012,8 +10222,8 @@
           </a:prstGeom>
         </p:spPr>
       </p:pic>
-      <mc:AlternateContent xmlns:mc="http://schemas.openxmlformats.org/markup-compatibility/2006" xmlns:a14="http://schemas.microsoft.com/office/drawing/2010/main">
-        <mc:Choice Requires="a14">
+      <mc:AlternateContent xmlns:mc="http://schemas.openxmlformats.org/markup-compatibility/2006">
+        <mc:Choice xmlns:a14="http://schemas.microsoft.com/office/drawing/2010/main" Requires="a14">
           <p:sp>
             <p:nvSpPr>
               <p:cNvPr id="13" name="Прямоугольник 12">
@@ -10028,8 +10238,8 @@
             </p:nvSpPr>
             <p:spPr>
               <a:xfrm>
-                <a:off x="842074" y="2674840"/>
-                <a:ext cx="5253926" cy="1015663"/>
+                <a:off x="6257658" y="3068216"/>
+                <a:ext cx="5253926" cy="923330"/>
               </a:xfrm>
               <a:prstGeom prst="rect">
                 <a:avLst/>
@@ -10044,13 +10254,13 @@
                 <a14:m>
                   <m:oMath xmlns:m="http://schemas.openxmlformats.org/officeDocument/2006/math">
                     <m:r>
-                      <a:rPr lang="ru-RU" sz="2000" i="1">
+                      <a:rPr lang="ru-RU" i="1">
                         <a:latin typeface="Cambria Math" panose="02040503050406030204" pitchFamily="18" charset="0"/>
                       </a:rPr>
                       <m:t>г</m:t>
                     </m:r>
                     <m:r>
-                      <a:rPr lang="ru-RU" sz="2000" b="0" i="1" smtClean="0">
+                      <a:rPr lang="ru-RU" b="0" i="1" smtClean="0">
                         <a:effectLst/>
                         <a:latin typeface="Cambria Math" panose="02040503050406030204" pitchFamily="18" charset="0"/>
                       </a:rPr>
@@ -10059,7 +10269,7 @@
                     <m:sSub>
                       <m:sSubPr>
                         <m:ctrlPr>
-                          <a:rPr lang="ru-RU" sz="2000" i="1">
+                          <a:rPr lang="ru-RU" i="1">
                             <a:effectLst/>
                             <a:latin typeface="Cambria Math" panose="02040503050406030204" pitchFamily="18" charset="0"/>
                           </a:rPr>
@@ -10067,7 +10277,7 @@
                       </m:sSubPr>
                       <m:e>
                         <m:r>
-                          <a:rPr lang="ru-RU" sz="2000" i="1">
+                          <a:rPr lang="ru-RU" i="1">
                             <a:latin typeface="Cambria Math" panose="02040503050406030204" pitchFamily="18" charset="0"/>
                             <a:ea typeface="Times New Roman" panose="02020603050405020304" pitchFamily="18" charset="0"/>
                             <a:cs typeface="Times New Roman" panose="02020603050405020304" pitchFamily="18" charset="0"/>
@@ -10077,7 +10287,7 @@
                       </m:e>
                       <m:sub>
                         <m:r>
-                          <a:rPr lang="ru-RU" sz="2000" i="1">
+                          <a:rPr lang="ru-RU" i="1">
                             <a:latin typeface="Cambria Math" panose="02040503050406030204" pitchFamily="18" charset="0"/>
                             <a:ea typeface="Times New Roman" panose="02020603050405020304" pitchFamily="18" charset="0"/>
                             <a:cs typeface="Times New Roman" panose="02020603050405020304" pitchFamily="18" charset="0"/>
@@ -10089,16 +10299,37 @@
                   </m:oMath>
                 </a14:m>
                 <a:r>
-                  <a:rPr lang="ru-RU" sz="2000" dirty="0">
+                  <a:rPr lang="ru-RU" dirty="0">
                     <a:latin typeface="Times New Roman" panose="02020603050405020304" pitchFamily="18" charset="0"/>
                     <a:ea typeface="Times New Roman" panose="02020603050405020304" pitchFamily="18" charset="0"/>
                   </a:rPr>
-                  <a:t> – количество вхождений термина </a:t>
+                  <a:t> – количество вхождений </a:t>
+                </a:r>
+                <a:r>
+                  <a:rPr lang="en-US" dirty="0">
+                    <a:latin typeface="Times New Roman" panose="02020603050405020304" pitchFamily="18" charset="0"/>
+                    <a:cs typeface="Times New Roman" panose="02020603050405020304" pitchFamily="18" charset="0"/>
+                  </a:rPr>
+                  <a:t>N-</a:t>
+                </a:r>
+                <a:r>
+                  <a:rPr lang="ru-RU" dirty="0">
+                    <a:latin typeface="Times New Roman" panose="02020603050405020304" pitchFamily="18" charset="0"/>
+                    <a:cs typeface="Times New Roman" panose="02020603050405020304" pitchFamily="18" charset="0"/>
+                  </a:rPr>
+                  <a:t>граммы</a:t>
+                </a:r>
+                <a:r>
+                  <a:rPr lang="ru-RU" dirty="0">
+                    <a:latin typeface="Times New Roman" panose="02020603050405020304" pitchFamily="18" charset="0"/>
+                    <a:ea typeface="Times New Roman" panose="02020603050405020304" pitchFamily="18" charset="0"/>
+                  </a:rPr>
+                  <a:t> </a:t>
                 </a:r>
                 <a14:m>
                   <m:oMath xmlns:m="http://schemas.openxmlformats.org/officeDocument/2006/math">
                     <m:r>
-                      <a:rPr lang="ru-RU" sz="2000" i="1">
+                      <a:rPr lang="ru-RU" i="1">
                         <a:latin typeface="Cambria Math" panose="02040503050406030204" pitchFamily="18" charset="0"/>
                         <a:ea typeface="Times New Roman" panose="02020603050405020304" pitchFamily="18" charset="0"/>
                         <a:cs typeface="Times New Roman" panose="02020603050405020304" pitchFamily="18" charset="0"/>
@@ -10108,14 +10339,14 @@
                   </m:oMath>
                 </a14:m>
                 <a:r>
-                  <a:rPr lang="ru-RU" sz="2000" dirty="0">
+                  <a:rPr lang="ru-RU" dirty="0">
                     <a:latin typeface="Times New Roman" panose="02020603050405020304" pitchFamily="18" charset="0"/>
                     <a:ea typeface="Times New Roman" panose="02020603050405020304" pitchFamily="18" charset="0"/>
                   </a:rPr>
                   <a:t> в документ</a:t>
                 </a:r>
                 <a:r>
-                  <a:rPr lang="en-US" sz="2000" dirty="0">
+                  <a:rPr lang="en-US" dirty="0">
                     <a:latin typeface="Times New Roman" panose="02020603050405020304" pitchFamily="18" charset="0"/>
                     <a:ea typeface="Times New Roman" panose="02020603050405020304" pitchFamily="18" charset="0"/>
                   </a:rPr>
@@ -10131,7 +10362,7 @@
                         <m:limLoc m:val="undOvr"/>
                         <m:supHide m:val="on"/>
                         <m:ctrlPr>
-                          <a:rPr lang="ru-RU" sz="2000" i="1">
+                          <a:rPr lang="ru-RU" i="1">
                             <a:effectLst/>
                             <a:latin typeface="Cambria Math" panose="02040503050406030204" pitchFamily="18" charset="0"/>
                           </a:rPr>
@@ -10139,7 +10370,7 @@
                       </m:naryPr>
                       <m:sub>
                         <m:r>
-                          <a:rPr lang="en-US" sz="2000" i="1">
+                          <a:rPr lang="en-US" i="1">
                             <a:latin typeface="Cambria Math" panose="02040503050406030204" pitchFamily="18" charset="0"/>
                             <a:ea typeface="Times New Roman" panose="02020603050405020304" pitchFamily="18" charset="0"/>
                             <a:cs typeface="Times New Roman" panose="02020603050405020304" pitchFamily="18" charset="0"/>
@@ -10152,7 +10383,7 @@
                         <m:sSub>
                           <m:sSubPr>
                             <m:ctrlPr>
-                              <a:rPr lang="ru-RU" sz="2000" i="1">
+                              <a:rPr lang="ru-RU" i="1">
                                 <a:effectLst/>
                                 <a:latin typeface="Cambria Math" panose="02040503050406030204" pitchFamily="18" charset="0"/>
                               </a:rPr>
@@ -10160,7 +10391,7 @@
                           </m:sSubPr>
                           <m:e>
                             <m:r>
-                              <a:rPr lang="en-US" sz="2000" i="1">
+                              <a:rPr lang="en-US" i="1">
                                 <a:latin typeface="Cambria Math" panose="02040503050406030204" pitchFamily="18" charset="0"/>
                                 <a:ea typeface="Times New Roman" panose="02020603050405020304" pitchFamily="18" charset="0"/>
                                 <a:cs typeface="Times New Roman" panose="02020603050405020304" pitchFamily="18" charset="0"/>
@@ -10170,7 +10401,7 @@
                           </m:e>
                           <m:sub>
                             <m:r>
-                              <a:rPr lang="en-US" sz="2000" i="1">
+                              <a:rPr lang="en-US" i="1">
                                 <a:latin typeface="Cambria Math" panose="02040503050406030204" pitchFamily="18" charset="0"/>
                                 <a:ea typeface="Times New Roman" panose="02020603050405020304" pitchFamily="18" charset="0"/>
                                 <a:cs typeface="Times New Roman" panose="02020603050405020304" pitchFamily="18" charset="0"/>
@@ -10184,14 +10415,14 @@
                   </m:oMath>
                 </a14:m>
                 <a:r>
-                  <a:rPr lang="ru-RU" sz="2000" dirty="0">
+                  <a:rPr lang="ru-RU" dirty="0">
                     <a:latin typeface="Times New Roman" panose="02020603050405020304" pitchFamily="18" charset="0"/>
                     <a:ea typeface="Times New Roman" panose="02020603050405020304" pitchFamily="18" charset="0"/>
                   </a:rPr>
                   <a:t> – общее </a:t>
                 </a:r>
                 <a:r>
-                  <a:rPr lang="ru-RU" sz="2000" dirty="0">
+                  <a:rPr lang="ru-RU" dirty="0">
                     <a:latin typeface="Times New Roman" panose="02020603050405020304" pitchFamily="18" charset="0"/>
                     <a:ea typeface="Times New Roman" panose="02020603050405020304" pitchFamily="18" charset="0"/>
                     <a:cs typeface="Times New Roman" panose="02020603050405020304" pitchFamily="18" charset="0"/>
@@ -10199,7 +10430,7 @@
                   <a:t>количество слов в документе</a:t>
                 </a:r>
                 <a:r>
-                  <a:rPr lang="en-US" sz="2000" dirty="0">
+                  <a:rPr lang="en-US" dirty="0">
                     <a:latin typeface="Times New Roman" panose="02020603050405020304" pitchFamily="18" charset="0"/>
                     <a:ea typeface="Times New Roman" panose="02020603050405020304" pitchFamily="18" charset="0"/>
                     <a:cs typeface="Times New Roman" panose="02020603050405020304" pitchFamily="18" charset="0"/>
@@ -10207,14 +10438,14 @@
                   <a:t>.</a:t>
                 </a:r>
                 <a:r>
-                  <a:rPr lang="ru-RU" sz="2000" dirty="0">
+                  <a:rPr lang="ru-RU" dirty="0">
                     <a:effectLst/>
                     <a:latin typeface="Times New Roman" panose="02020603050405020304" pitchFamily="18" charset="0"/>
                     <a:cs typeface="Times New Roman" panose="02020603050405020304" pitchFamily="18" charset="0"/>
                   </a:rPr>
                   <a:t> </a:t>
                 </a:r>
-                <a:endParaRPr lang="ru-RU" sz="2000" dirty="0">
+                <a:endParaRPr lang="ru-RU" dirty="0">
                   <a:latin typeface="Times New Roman" panose="02020603050405020304" pitchFamily="18" charset="0"/>
                   <a:cs typeface="Times New Roman" panose="02020603050405020304" pitchFamily="18" charset="0"/>
                 </a:endParaRPr>
@@ -10222,7 +10453,7 @@
             </p:txBody>
           </p:sp>
         </mc:Choice>
-        <mc:Fallback xmlns="">
+        <mc:Fallback>
           <p:sp>
             <p:nvSpPr>
               <p:cNvPr id="13" name="Прямоугольник 12">
@@ -10239,8 +10470,8 @@
             </p:nvSpPr>
             <p:spPr>
               <a:xfrm>
-                <a:off x="842074" y="2674840"/>
-                <a:ext cx="5253926" cy="1015663"/>
+                <a:off x="6257658" y="3068216"/>
+                <a:ext cx="5253926" cy="923330"/>
               </a:xfrm>
               <a:prstGeom prst="rect">
                 <a:avLst/>
@@ -10248,7 +10479,7 @@
               <a:blipFill>
                 <a:blip r:embed="rId5"/>
                 <a:stretch>
-                  <a:fillRect l="-6747" t="-3704" b="-69136"/>
+                  <a:fillRect l="-6039" t="-2740" b="-67123"/>
                 </a:stretch>
               </a:blipFill>
             </p:spPr>
@@ -10267,8 +10498,8 @@
           </p:sp>
         </mc:Fallback>
       </mc:AlternateContent>
-      <mc:AlternateContent xmlns:mc="http://schemas.openxmlformats.org/markup-compatibility/2006" xmlns:a14="http://schemas.microsoft.com/office/drawing/2010/main">
-        <mc:Choice Requires="a14">
+      <mc:AlternateContent xmlns:mc="http://schemas.openxmlformats.org/markup-compatibility/2006">
+        <mc:Choice xmlns:a14="http://schemas.microsoft.com/office/drawing/2010/main" Requires="a14">
           <p:sp>
             <p:nvSpPr>
               <p:cNvPr id="14" name="Прямоугольник 13">
@@ -10283,7 +10514,7 @@
             </p:nvSpPr>
             <p:spPr>
               <a:xfrm>
-                <a:off x="7057511" y="4779570"/>
+                <a:off x="838200" y="4791744"/>
                 <a:ext cx="4420530" cy="923330"/>
               </a:xfrm>
               <a:prstGeom prst="rect">
@@ -10481,7 +10712,7 @@
             </p:txBody>
           </p:sp>
         </mc:Choice>
-        <mc:Fallback xmlns="">
+        <mc:Fallback>
           <p:sp>
             <p:nvSpPr>
               <p:cNvPr id="14" name="Прямоугольник 13">
@@ -10498,7 +10729,7 @@
             </p:nvSpPr>
             <p:spPr>
               <a:xfrm>
-                <a:off x="7057511" y="4779570"/>
+                <a:off x="838200" y="4791744"/>
                 <a:ext cx="4420530" cy="923330"/>
               </a:xfrm>
               <a:prstGeom prst="rect">
@@ -10507,7 +10738,7 @@
               <a:blipFill>
                 <a:blip r:embed="rId6"/>
                 <a:stretch>
-                  <a:fillRect l="-1146" t="-1351" b="-9459"/>
+                  <a:fillRect l="-1146" t="-1351" b="-8108"/>
                 </a:stretch>
               </a:blipFill>
             </p:spPr>
@@ -10544,17 +10775,17 @@
         </p:nvSpPr>
         <p:spPr>
           <a:xfrm>
-            <a:off x="838200" y="1407149"/>
+            <a:off x="838200" y="1699757"/>
             <a:ext cx="10515600" cy="676835"/>
           </a:xfrm>
         </p:spPr>
         <p:txBody>
           <a:bodyPr>
-            <a:normAutofit/>
+            <a:normAutofit fontScale="85000" lnSpcReduction="20000"/>
           </a:bodyPr>
           <a:lstStyle/>
           <a:p>
-            <a:pPr marL="0" indent="0" algn="ctr">
+            <a:pPr marL="0" indent="0">
               <a:lnSpc>
                 <a:spcPct val="110000"/>
               </a:lnSpc>
@@ -10565,8 +10796,33 @@
                 <a:latin typeface="Times New Roman" panose="02020603050405020304" pitchFamily="18" charset="0"/>
                 <a:cs typeface="Times New Roman" panose="02020603050405020304" pitchFamily="18" charset="0"/>
               </a:rPr>
-              <a:t>Документ представляется в виде вектора признаков</a:t>
-            </a:r>
+              <a:t>Документ представляется в виде вектора признаков, каждая </a:t>
+            </a:r>
+            <a:r>
+              <a:rPr lang="en-US" sz="2400" dirty="0">
+                <a:latin typeface="Times New Roman" panose="02020603050405020304" pitchFamily="18" charset="0"/>
+                <a:cs typeface="Times New Roman" panose="02020603050405020304" pitchFamily="18" charset="0"/>
+              </a:rPr>
+              <a:t>N</a:t>
+            </a:r>
+            <a:r>
+              <a:rPr lang="ru-RU" sz="2400" dirty="0">
+                <a:latin typeface="Times New Roman" panose="02020603050405020304" pitchFamily="18" charset="0"/>
+                <a:cs typeface="Times New Roman" panose="02020603050405020304" pitchFamily="18" charset="0"/>
+              </a:rPr>
+              <a:t>-грамма получает численную оценку по частотной мере </a:t>
+            </a:r>
+            <a:r>
+              <a:rPr lang="en-US" sz="2400" dirty="0">
+                <a:latin typeface="Times New Roman" panose="02020603050405020304" pitchFamily="18" charset="0"/>
+                <a:cs typeface="Times New Roman" panose="02020603050405020304" pitchFamily="18" charset="0"/>
+              </a:rPr>
+              <a:t>TF-IDF</a:t>
+            </a:r>
+            <a:endParaRPr lang="ru-RU" sz="2400" dirty="0">
+              <a:latin typeface="Times New Roman" panose="02020603050405020304" pitchFamily="18" charset="0"/>
+              <a:cs typeface="Times New Roman" panose="02020603050405020304" pitchFamily="18" charset="0"/>
+            </a:endParaRPr>
           </a:p>
         </p:txBody>
       </p:sp>
@@ -10592,7 +10848,7 @@
         </p:blipFill>
         <p:spPr>
           <a:xfrm>
-            <a:off x="7057511" y="3840363"/>
+            <a:off x="838200" y="3950806"/>
             <a:ext cx="4115939" cy="447797"/>
           </a:xfrm>
           <a:prstGeom prst="rect">
@@ -10604,8 +10860,8 @@
           </a:ln>
         </p:spPr>
       </p:pic>
-      <mc:AlternateContent xmlns:mc="http://schemas.openxmlformats.org/markup-compatibility/2006" xmlns:a14="http://schemas.microsoft.com/office/drawing/2010/main">
-        <mc:Choice Requires="a14">
+      <mc:AlternateContent xmlns:mc="http://schemas.openxmlformats.org/markup-compatibility/2006">
+        <mc:Choice xmlns:a14="http://schemas.microsoft.com/office/drawing/2010/main" Requires="a14">
           <p:sp>
             <p:nvSpPr>
               <p:cNvPr id="25" name="Прямоугольник 24">
@@ -10620,7 +10876,7 @@
             </p:nvSpPr>
             <p:spPr>
               <a:xfrm>
-                <a:off x="838200" y="5702900"/>
+                <a:off x="6253782" y="5733925"/>
                 <a:ext cx="4772186" cy="923330"/>
               </a:xfrm>
               <a:prstGeom prst="rect">
@@ -10673,11 +10929,18 @@
                   <a:t>– </a:t>
                 </a:r>
                 <a:r>
+                  <a:rPr lang="en-US" dirty="0">
+                    <a:latin typeface="Times New Roman" panose="02020603050405020304" pitchFamily="18" charset="0"/>
+                    <a:cs typeface="Times New Roman" panose="02020603050405020304" pitchFamily="18" charset="0"/>
+                  </a:rPr>
+                  <a:t>N-</a:t>
+                </a:r>
+                <a:r>
                   <a:rPr lang="ru-RU" dirty="0">
                     <a:latin typeface="Times New Roman" panose="02020603050405020304" pitchFamily="18" charset="0"/>
-                    <a:ea typeface="Times New Roman" panose="02020603050405020304" pitchFamily="18" charset="0"/>
+                    <a:cs typeface="Times New Roman" panose="02020603050405020304" pitchFamily="18" charset="0"/>
                   </a:rPr>
-                  <a:t>термин</a:t>
+                  <a:t>грамма</a:t>
                 </a:r>
                 <a:r>
                   <a:rPr lang="en-US" dirty="0">
@@ -10788,7 +11051,7 @@
             </p:txBody>
           </p:sp>
         </mc:Choice>
-        <mc:Fallback xmlns="">
+        <mc:Fallback>
           <p:sp>
             <p:nvSpPr>
               <p:cNvPr id="25" name="Прямоугольник 24">
@@ -10805,7 +11068,7 @@
             </p:nvSpPr>
             <p:spPr>
               <a:xfrm>
-                <a:off x="838200" y="5702900"/>
+                <a:off x="6253782" y="5733925"/>
                 <a:ext cx="4772186" cy="923330"/>
               </a:xfrm>
               <a:prstGeom prst="rect">
@@ -10814,7 +11077,7 @@
               <a:blipFill>
                 <a:blip r:embed="rId8"/>
                 <a:stretch>
-                  <a:fillRect t="-2703" b="-8108"/>
+                  <a:fillRect t="-1351" b="-9459"/>
                 </a:stretch>
               </a:blipFill>
             </p:spPr>
@@ -10847,8 +11110,8 @@
         </p:nvSpPr>
         <p:spPr>
           <a:xfrm>
-            <a:off x="838200" y="2083984"/>
-            <a:ext cx="2917417" cy="646331"/>
+            <a:off x="6253783" y="2477360"/>
+            <a:ext cx="3472543" cy="646331"/>
           </a:xfrm>
           <a:prstGeom prst="rect">
             <a:avLst/>
@@ -10883,18 +11146,18 @@
               <a:t>частотность </a:t>
             </a:r>
             <a:r>
-              <a:rPr lang="ru-RU" dirty="0" err="1">
-                <a:latin typeface="Times New Roman" panose="02020603050405020304" pitchFamily="18" charset="0"/>
-                <a:cs typeface="Times New Roman" panose="02020603050405020304" pitchFamily="18" charset="0"/>
-              </a:rPr>
-              <a:t>токена</a:t>
+              <a:rPr lang="en-US" dirty="0">
+                <a:latin typeface="Times New Roman" panose="02020603050405020304" pitchFamily="18" charset="0"/>
+                <a:cs typeface="Times New Roman" panose="02020603050405020304" pitchFamily="18" charset="0"/>
+              </a:rPr>
+              <a:t>N-</a:t>
             </a:r>
             <a:r>
               <a:rPr lang="ru-RU" dirty="0">
                 <a:latin typeface="Times New Roman" panose="02020603050405020304" pitchFamily="18" charset="0"/>
                 <a:cs typeface="Times New Roman" panose="02020603050405020304" pitchFamily="18" charset="0"/>
               </a:rPr>
-              <a:t>:</a:t>
+              <a:t>граммы:</a:t>
             </a:r>
             <a:endParaRPr lang="en-US" dirty="0">
               <a:latin typeface="Times New Roman" panose="02020603050405020304" pitchFamily="18" charset="0"/>
@@ -10920,8 +11183,8 @@
         </p:nvSpPr>
         <p:spPr>
           <a:xfrm>
-            <a:off x="838200" y="4288160"/>
-            <a:ext cx="5393411" cy="646331"/>
+            <a:off x="6253783" y="4319185"/>
+            <a:ext cx="4971308" cy="646331"/>
           </a:xfrm>
           <a:prstGeom prst="rect">
             <a:avLst/>
@@ -10946,21 +11209,21 @@
                 <a:latin typeface="Times New Roman" panose="02020603050405020304" pitchFamily="18" charset="0"/>
                 <a:cs typeface="Times New Roman" panose="02020603050405020304" pitchFamily="18" charset="0"/>
               </a:rPr>
-              <a:t> — инверсия частоты, с которой некоторый </a:t>
-            </a:r>
-            <a:r>
-              <a:rPr lang="ru-RU" dirty="0" err="1">
-                <a:latin typeface="Times New Roman" panose="02020603050405020304" pitchFamily="18" charset="0"/>
-                <a:cs typeface="Times New Roman" panose="02020603050405020304" pitchFamily="18" charset="0"/>
-              </a:rPr>
-              <a:t>токен</a:t>
+              <a:t> — инверсия частоты, с которой некоторая </a:t>
+            </a:r>
+            <a:r>
+              <a:rPr lang="en-US" dirty="0">
+                <a:latin typeface="Times New Roman" panose="02020603050405020304" pitchFamily="18" charset="0"/>
+                <a:cs typeface="Times New Roman" panose="02020603050405020304" pitchFamily="18" charset="0"/>
+              </a:rPr>
+              <a:t>N-</a:t>
             </a:r>
             <a:r>
               <a:rPr lang="ru-RU" dirty="0">
                 <a:latin typeface="Times New Roman" panose="02020603050405020304" pitchFamily="18" charset="0"/>
                 <a:cs typeface="Times New Roman" panose="02020603050405020304" pitchFamily="18" charset="0"/>
               </a:rPr>
-              <a:t> встречается в документах коллекции </a:t>
+              <a:t>грамма встречается в документах коллекции </a:t>
             </a:r>
           </a:p>
         </p:txBody>
@@ -10979,8 +11242,8 @@
         </p:nvSpPr>
         <p:spPr>
           <a:xfrm>
-            <a:off x="7057511" y="2625885"/>
-            <a:ext cx="4499058" cy="646331"/>
+            <a:off x="838200" y="2958680"/>
+            <a:ext cx="4865315" cy="646331"/>
           </a:xfrm>
           <a:prstGeom prst="rect">
             <a:avLst/>
@@ -11015,16 +11278,19 @@
               <a:t>статистическая мера, используемая для оценки важности </a:t>
             </a:r>
             <a:r>
-              <a:rPr lang="ru-RU" dirty="0" err="1">
-                <a:latin typeface="Times New Roman" panose="02020603050405020304" pitchFamily="18" charset="0"/>
-                <a:cs typeface="Times New Roman" panose="02020603050405020304" pitchFamily="18" charset="0"/>
-              </a:rPr>
-              <a:t>токена</a:t>
-            </a:r>
-            <a:endParaRPr lang="ru-RU" dirty="0">
-              <a:latin typeface="Times New Roman" panose="02020603050405020304" pitchFamily="18" charset="0"/>
-              <a:cs typeface="Times New Roman" panose="02020603050405020304" pitchFamily="18" charset="0"/>
-            </a:endParaRPr>
+              <a:rPr lang="en-US" dirty="0">
+                <a:latin typeface="Times New Roman" panose="02020603050405020304" pitchFamily="18" charset="0"/>
+                <a:cs typeface="Times New Roman" panose="02020603050405020304" pitchFamily="18" charset="0"/>
+              </a:rPr>
+              <a:t>N-</a:t>
+            </a:r>
+            <a:r>
+              <a:rPr lang="ru-RU" dirty="0">
+                <a:latin typeface="Times New Roman" panose="02020603050405020304" pitchFamily="18" charset="0"/>
+                <a:cs typeface="Times New Roman" panose="02020603050405020304" pitchFamily="18" charset="0"/>
+              </a:rPr>
+              <a:t>граммы</a:t>
+            </a:r>
           </a:p>
         </p:txBody>
       </p:sp>

--- a/РПЗ/презентация_Кондрашова.pptx
+++ b/РПЗ/презентация_Кондрашова.pptx
@@ -227,7 +227,7 @@
             <a:fld id="{B24C1625-D5FD-4961-8EAB-1FA61EEA71E7}" type="datetimeFigureOut">
               <a:rPr lang="ru-RU" smtClean="0"/>
               <a:pPr/>
-              <a:t>07.06.2021</a:t>
+              <a:t>08.06.2021</a:t>
             </a:fld>
             <a:endParaRPr lang="ru-RU"/>
           </a:p>
@@ -919,7 +919,7 @@
             <a:fld id="{703E3709-A417-4BA4-9DB9-C03B4C8BAA4E}" type="datetime1">
               <a:rPr lang="ru-RU" smtClean="0"/>
               <a:pPr/>
-              <a:t>07.06.2021</a:t>
+              <a:t>08.06.2021</a:t>
             </a:fld>
             <a:endParaRPr lang="ru-RU"/>
           </a:p>
@@ -1119,7 +1119,7 @@
             <a:fld id="{E84E5E01-CA5B-494A-9C4C-0A4511EEFE60}" type="datetime1">
               <a:rPr lang="ru-RU" smtClean="0"/>
               <a:pPr/>
-              <a:t>07.06.2021</a:t>
+              <a:t>08.06.2021</a:t>
             </a:fld>
             <a:endParaRPr lang="ru-RU"/>
           </a:p>
@@ -1329,7 +1329,7 @@
             <a:fld id="{EC69EC0E-4C6D-4D35-9720-ED568FE3BC26}" type="datetime1">
               <a:rPr lang="ru-RU" smtClean="0"/>
               <a:pPr/>
-              <a:t>07.06.2021</a:t>
+              <a:t>08.06.2021</a:t>
             </a:fld>
             <a:endParaRPr lang="ru-RU"/>
           </a:p>
@@ -1529,7 +1529,7 @@
             <a:fld id="{BA3139B0-C124-44CF-B8D5-1CDD431F5F1F}" type="datetime1">
               <a:rPr lang="ru-RU" smtClean="0"/>
               <a:pPr/>
-              <a:t>07.06.2021</a:t>
+              <a:t>08.06.2021</a:t>
             </a:fld>
             <a:endParaRPr lang="ru-RU"/>
           </a:p>
@@ -1806,7 +1806,7 @@
             <a:fld id="{1D59D3DA-E4B9-44AC-A369-0B4DC908419D}" type="datetime1">
               <a:rPr lang="ru-RU" smtClean="0"/>
               <a:pPr/>
-              <a:t>07.06.2021</a:t>
+              <a:t>08.06.2021</a:t>
             </a:fld>
             <a:endParaRPr lang="ru-RU"/>
           </a:p>
@@ -2073,7 +2073,7 @@
             <a:fld id="{50A031DE-CB04-4870-9C75-1465DCB69FDB}" type="datetime1">
               <a:rPr lang="ru-RU" smtClean="0"/>
               <a:pPr/>
-              <a:t>07.06.2021</a:t>
+              <a:t>08.06.2021</a:t>
             </a:fld>
             <a:endParaRPr lang="ru-RU"/>
           </a:p>
@@ -2487,7 +2487,7 @@
             <a:fld id="{4FEFF6B4-3589-4899-AAF7-4B76B13265E9}" type="datetime1">
               <a:rPr lang="ru-RU" smtClean="0"/>
               <a:pPr/>
-              <a:t>07.06.2021</a:t>
+              <a:t>08.06.2021</a:t>
             </a:fld>
             <a:endParaRPr lang="ru-RU"/>
           </a:p>
@@ -2630,7 +2630,7 @@
             <a:fld id="{D891499A-FB2B-4995-8E9F-E0E46C8EE9B4}" type="datetime1">
               <a:rPr lang="ru-RU" smtClean="0"/>
               <a:pPr/>
-              <a:t>07.06.2021</a:t>
+              <a:t>08.06.2021</a:t>
             </a:fld>
             <a:endParaRPr lang="ru-RU"/>
           </a:p>
@@ -2745,7 +2745,7 @@
             <a:fld id="{A8980C0B-7E8C-4609-A955-3F89959A46DA}" type="datetime1">
               <a:rPr lang="ru-RU" smtClean="0"/>
               <a:pPr/>
-              <a:t>07.06.2021</a:t>
+              <a:t>08.06.2021</a:t>
             </a:fld>
             <a:endParaRPr lang="ru-RU"/>
           </a:p>
@@ -3058,7 +3058,7 @@
             <a:fld id="{BE84B986-6865-4485-BDE5-D57B9DC994D2}" type="datetime1">
               <a:rPr lang="ru-RU" smtClean="0"/>
               <a:pPr/>
-              <a:t>07.06.2021</a:t>
+              <a:t>08.06.2021</a:t>
             </a:fld>
             <a:endParaRPr lang="ru-RU"/>
           </a:p>
@@ -3348,7 +3348,7 @@
             <a:fld id="{16CB19F2-C561-4971-B3DE-FECD1D4FDC6E}" type="datetime1">
               <a:rPr lang="ru-RU" smtClean="0"/>
               <a:pPr/>
-              <a:t>07.06.2021</a:t>
+              <a:t>08.06.2021</a:t>
             </a:fld>
             <a:endParaRPr lang="ru-RU"/>
           </a:p>
@@ -3591,7 +3591,7 @@
             <a:fld id="{2F1403D6-804E-451C-A4C8-E9FBB80237BA}" type="datetime1">
               <a:rPr lang="ru-RU" smtClean="0"/>
               <a:pPr/>
-              <a:t>07.06.2021</a:t>
+              <a:t>08.06.2021</a:t>
             </a:fld>
             <a:endParaRPr lang="ru-RU"/>
           </a:p>
@@ -4328,7 +4328,14 @@
                 <a:latin typeface="Times New Roman" panose="02020603050405020304" pitchFamily="18" charset="0"/>
                 <a:cs typeface="Times New Roman" panose="02020603050405020304" pitchFamily="18" charset="0"/>
               </a:rPr>
-              <a:t>Функциональная схема обучения и применения метода классификации</a:t>
+              <a:t>Ф</a:t>
+            </a:r>
+            <a:r>
+              <a:rPr lang="ru-RU" sz="4000" dirty="0">
+                <a:latin typeface="Times New Roman" panose="02020603050405020304" pitchFamily="18" charset="0"/>
+                <a:cs typeface="Times New Roman" panose="02020603050405020304" pitchFamily="18" charset="0"/>
+              </a:rPr>
+              <a:t>ункциональная схема обучения и применения метода классификации</a:t>
             </a:r>
           </a:p>
         </p:txBody>
@@ -4363,8 +4370,8 @@
         </p:blipFill>
         <p:spPr>
           <a:xfrm>
-            <a:off x="838200" y="1377538"/>
-            <a:ext cx="10145736" cy="5343937"/>
+            <a:off x="579000" y="1377538"/>
+            <a:ext cx="10404936" cy="5480462"/>
           </a:xfrm>
         </p:spPr>
       </p:pic>
@@ -8800,7 +8807,12 @@
             <p:ph type="title"/>
           </p:nvPr>
         </p:nvSpPr>
-        <p:spPr/>
+        <p:spPr>
+          <a:xfrm>
+            <a:off x="838200" y="228600"/>
+            <a:ext cx="10515600" cy="1325563"/>
+          </a:xfrm>
+        </p:spPr>
         <p:txBody>
           <a:bodyPr>
             <a:normAutofit fontScale="90000"/>
@@ -8876,8 +8888,8 @@
         </p:blipFill>
         <p:spPr>
           <a:xfrm>
-            <a:off x="1773324" y="1690688"/>
-            <a:ext cx="8653688" cy="5167312"/>
+            <a:off x="1436914" y="1492299"/>
+            <a:ext cx="8985930" cy="5365701"/>
           </a:xfrm>
         </p:spPr>
       </p:pic>
@@ -9944,6 +9956,195 @@
           <a:chExt cx="0" cy="0"/>
         </a:xfrm>
       </p:grpSpPr>
+      <p:pic>
+        <p:nvPicPr>
+          <p:cNvPr id="13" name="Объект 12">
+            <a:extLst>
+              <a:ext uri="{FF2B5EF4-FFF2-40B4-BE49-F238E27FC236}">
+                <a16:creationId xmlns:a16="http://schemas.microsoft.com/office/drawing/2014/main" id="{B785AB3C-51F3-8F4D-87D9-CA44477ABEA3}"/>
+              </a:ext>
+            </a:extLst>
+          </p:cNvPr>
+          <p:cNvPicPr>
+            <a:picLocks noGrp="1" noChangeAspect="1"/>
+          </p:cNvPicPr>
+          <p:nvPr>
+            <p:ph idx="1"/>
+          </p:nvPr>
+        </p:nvPicPr>
+        <p:blipFill>
+          <a:blip r:embed="rId2">
+            <a:extLst>
+              <a:ext uri="{28A0092B-C50C-407E-A947-70E740481C1C}">
+                <a14:useLocalDpi xmlns:a14="http://schemas.microsoft.com/office/drawing/2010/main" val="0"/>
+              </a:ext>
+            </a:extLst>
+          </a:blip>
+          <a:stretch>
+            <a:fillRect/>
+          </a:stretch>
+        </p:blipFill>
+        <p:spPr>
+          <a:xfrm>
+            <a:off x="635000" y="1568784"/>
+            <a:ext cx="5881914" cy="4621503"/>
+          </a:xfrm>
+        </p:spPr>
+      </p:pic>
+      <p:sp>
+        <p:nvSpPr>
+          <p:cNvPr id="3" name="TextBox 2">
+            <a:extLst>
+              <a:ext uri="{FF2B5EF4-FFF2-40B4-BE49-F238E27FC236}">
+                <a16:creationId xmlns:a16="http://schemas.microsoft.com/office/drawing/2014/main" id="{5AE7EE28-429C-EB4B-83B5-06415520C6A6}"/>
+              </a:ext>
+            </a:extLst>
+          </p:cNvPr>
+          <p:cNvSpPr txBox="1"/>
+          <p:nvPr/>
+        </p:nvSpPr>
+        <p:spPr>
+          <a:xfrm>
+            <a:off x="6815478" y="2452175"/>
+            <a:ext cx="4860472" cy="2585323"/>
+          </a:xfrm>
+          <a:prstGeom prst="rect">
+            <a:avLst/>
+          </a:prstGeom>
+          <a:noFill/>
+        </p:spPr>
+        <p:txBody>
+          <a:bodyPr wrap="square" rtlCol="0">
+            <a:spAutoFit/>
+          </a:bodyPr>
+          <a:lstStyle/>
+          <a:p>
+            <a:pPr algn="just"/>
+            <a:r>
+              <a:rPr lang="ru-RU" dirty="0">
+                <a:latin typeface="Times New Roman" panose="02020603050405020304" pitchFamily="18" charset="0"/>
+                <a:cs typeface="Times New Roman" panose="02020603050405020304" pitchFamily="18" charset="0"/>
+              </a:rPr>
+              <a:t>«Заказчики </a:t>
+            </a:r>
+            <a:r>
+              <a:rPr lang="ru-RU" dirty="0">
+                <a:solidFill>
+                  <a:srgbClr val="00B050"/>
+                </a:solidFill>
+                <a:latin typeface="Times New Roman" panose="02020603050405020304" pitchFamily="18" charset="0"/>
+                <a:cs typeface="Times New Roman" panose="02020603050405020304" pitchFamily="18" charset="0"/>
+              </a:rPr>
+              <a:t>Луки </a:t>
+            </a:r>
+            <a:r>
+              <a:rPr lang="ru-RU" dirty="0" err="1">
+                <a:solidFill>
+                  <a:srgbClr val="00B050"/>
+                </a:solidFill>
+                <a:latin typeface="Times New Roman" panose="02020603050405020304" pitchFamily="18" charset="0"/>
+                <a:cs typeface="Times New Roman" panose="02020603050405020304" pitchFamily="18" charset="0"/>
+              </a:rPr>
+              <a:t>Александрыча</a:t>
+            </a:r>
+            <a:r>
+              <a:rPr lang="ru-RU" dirty="0">
+                <a:solidFill>
+                  <a:srgbClr val="00B050"/>
+                </a:solidFill>
+                <a:latin typeface="Times New Roman" panose="02020603050405020304" pitchFamily="18" charset="0"/>
+                <a:cs typeface="Times New Roman" panose="02020603050405020304" pitchFamily="18" charset="0"/>
+              </a:rPr>
+              <a:t> жили </a:t>
+            </a:r>
+            <a:r>
+              <a:rPr lang="ru-RU" dirty="0">
+                <a:latin typeface="Times New Roman" panose="02020603050405020304" pitchFamily="18" charset="0"/>
+                <a:cs typeface="Times New Roman" panose="02020603050405020304" pitchFamily="18" charset="0"/>
+              </a:rPr>
+              <a:t>ужасно далеко, так что, прежде чем дойти до каждого из них, столяр должен был по нескольку раз заходить в трактир и подкрепляться. Каштанка помнила, что по дороге она вела себя крайне неприлично. От радости, что ее взяли гулять, она прыгала, </a:t>
+            </a:r>
+            <a:r>
+              <a:rPr lang="ru-RU" dirty="0">
+                <a:solidFill>
+                  <a:srgbClr val="7030A0"/>
+                </a:solidFill>
+                <a:latin typeface="Times New Roman" panose="02020603050405020304" pitchFamily="18" charset="0"/>
+                <a:cs typeface="Times New Roman" panose="02020603050405020304" pitchFamily="18" charset="0"/>
+              </a:rPr>
+              <a:t>бросалась с лаем</a:t>
+            </a:r>
+            <a:r>
+              <a:rPr lang="ru-RU" dirty="0">
+                <a:latin typeface="Times New Roman" panose="02020603050405020304" pitchFamily="18" charset="0"/>
+                <a:cs typeface="Times New Roman" panose="02020603050405020304" pitchFamily="18" charset="0"/>
+              </a:rPr>
+              <a:t> </a:t>
+            </a:r>
+            <a:r>
+              <a:rPr lang="ru-RU" dirty="0">
+                <a:solidFill>
+                  <a:srgbClr val="0070C0"/>
+                </a:solidFill>
+                <a:latin typeface="Times New Roman" panose="02020603050405020304" pitchFamily="18" charset="0"/>
+                <a:cs typeface="Times New Roman" panose="02020603050405020304" pitchFamily="18" charset="0"/>
+              </a:rPr>
+              <a:t>на вагоны </a:t>
+            </a:r>
+            <a:r>
+              <a:rPr lang="ru-RU" dirty="0" err="1">
+                <a:solidFill>
+                  <a:srgbClr val="0070C0"/>
+                </a:solidFill>
+                <a:latin typeface="Times New Roman" panose="02020603050405020304" pitchFamily="18" charset="0"/>
+                <a:cs typeface="Times New Roman" panose="02020603050405020304" pitchFamily="18" charset="0"/>
+              </a:rPr>
+              <a:t>конножелезки</a:t>
+            </a:r>
+            <a:r>
+              <a:rPr lang="ru-RU" dirty="0">
+                <a:latin typeface="Times New Roman" panose="02020603050405020304" pitchFamily="18" charset="0"/>
+                <a:cs typeface="Times New Roman" panose="02020603050405020304" pitchFamily="18" charset="0"/>
+              </a:rPr>
+              <a:t>, </a:t>
+            </a:r>
+            <a:r>
+              <a:rPr lang="ru-RU" dirty="0">
+                <a:solidFill>
+                  <a:srgbClr val="7030A0"/>
+                </a:solidFill>
+                <a:latin typeface="Times New Roman" panose="02020603050405020304" pitchFamily="18" charset="0"/>
+                <a:cs typeface="Times New Roman" panose="02020603050405020304" pitchFamily="18" charset="0"/>
+              </a:rPr>
+              <a:t>забегала во дворы</a:t>
+            </a:r>
+            <a:r>
+              <a:rPr lang="ru-RU" dirty="0">
+                <a:latin typeface="Times New Roman" panose="02020603050405020304" pitchFamily="18" charset="0"/>
+                <a:cs typeface="Times New Roman" panose="02020603050405020304" pitchFamily="18" charset="0"/>
+              </a:rPr>
+              <a:t> и </a:t>
+            </a:r>
+            <a:r>
+              <a:rPr lang="ru-RU" dirty="0">
+                <a:solidFill>
+                  <a:srgbClr val="7030A0"/>
+                </a:solidFill>
+                <a:latin typeface="Times New Roman" panose="02020603050405020304" pitchFamily="18" charset="0"/>
+                <a:cs typeface="Times New Roman" panose="02020603050405020304" pitchFamily="18" charset="0"/>
+              </a:rPr>
+              <a:t>гонялась за собаками</a:t>
+            </a:r>
+            <a:r>
+              <a:rPr lang="ru-RU" dirty="0">
+                <a:latin typeface="Times New Roman" panose="02020603050405020304" pitchFamily="18" charset="0"/>
+                <a:cs typeface="Times New Roman" panose="02020603050405020304" pitchFamily="18" charset="0"/>
+              </a:rPr>
+              <a:t>».</a:t>
+            </a:r>
+          </a:p>
+        </p:txBody>
+      </p:sp>
       <p:sp>
         <p:nvSpPr>
           <p:cNvPr id="2" name="Заголовок 1">
@@ -10008,7 +10209,7 @@
               <a:pPr/>
               <a:t>8</a:t>
             </a:fld>
-            <a:endParaRPr lang="ru-RU" sz="2400">
+            <a:endParaRPr lang="ru-RU" sz="2400" dirty="0">
               <a:solidFill>
                 <a:schemeClr val="tx1"/>
               </a:solidFill>
@@ -10018,43 +10219,53 @@
           </a:p>
         </p:txBody>
       </p:sp>
-      <p:pic>
-        <p:nvPicPr>
-          <p:cNvPr id="16" name="Объект 15">
-            <a:extLst>
-              <a:ext uri="{FF2B5EF4-FFF2-40B4-BE49-F238E27FC236}">
-                <a16:creationId xmlns:a16="http://schemas.microsoft.com/office/drawing/2014/main" id="{3497A1CB-5227-704A-BFE7-C3CEBCC95AAC}"/>
-              </a:ext>
-            </a:extLst>
-          </p:cNvPr>
-          <p:cNvPicPr>
-            <a:picLocks noGrp="1" noChangeAspect="1"/>
-          </p:cNvPicPr>
-          <p:nvPr>
-            <p:ph idx="1"/>
-          </p:nvPr>
-        </p:nvPicPr>
-        <p:blipFill rotWithShape="1">
-          <a:blip r:embed="rId2">
-            <a:extLst>
-              <a:ext uri="{28A0092B-C50C-407E-A947-70E740481C1C}">
-                <a14:useLocalDpi xmlns:a14="http://schemas.microsoft.com/office/drawing/2010/main" val="0"/>
-              </a:ext>
-            </a:extLst>
-          </a:blip>
-          <a:srcRect r="10225"/>
-          <a:stretch/>
-        </p:blipFill>
+      <p:sp>
+        <p:nvSpPr>
+          <p:cNvPr id="14" name="TextBox 13">
+            <a:extLst>
+              <a:ext uri="{FF2B5EF4-FFF2-40B4-BE49-F238E27FC236}">
+                <a16:creationId xmlns:a16="http://schemas.microsoft.com/office/drawing/2014/main" id="{C3D71009-24A0-2B46-803E-0D437A7300FC}"/>
+              </a:ext>
+            </a:extLst>
+          </p:cNvPr>
+          <p:cNvSpPr txBox="1"/>
+          <p:nvPr/>
+        </p:nvSpPr>
         <p:spPr>
           <a:xfrm>
-            <a:off x="72007" y="1816608"/>
-            <a:ext cx="6023993" cy="3978103"/>
+            <a:off x="10014065" y="4948532"/>
+            <a:ext cx="1661885" cy="646331"/>
           </a:xfrm>
-          <a:ln>
-            <a:noFill/>
-          </a:ln>
+          <a:prstGeom prst="rect">
+            <a:avLst/>
+          </a:prstGeom>
+          <a:noFill/>
         </p:spPr>
-      </p:pic>
+        <p:txBody>
+          <a:bodyPr wrap="square" rtlCol="0">
+            <a:spAutoFit/>
+          </a:bodyPr>
+          <a:lstStyle/>
+          <a:p>
+            <a:r>
+              <a:rPr lang="ru-RU" dirty="0">
+                <a:latin typeface="Times New Roman" panose="02020603050405020304" pitchFamily="18" charset="0"/>
+                <a:cs typeface="Times New Roman" panose="02020603050405020304" pitchFamily="18" charset="0"/>
+              </a:rPr>
+              <a:t>А.П. Чехов</a:t>
+            </a:r>
+          </a:p>
+          <a:p>
+            <a:r>
+              <a:rPr lang="ru-RU" dirty="0">
+                <a:latin typeface="Times New Roman" panose="02020603050405020304" pitchFamily="18" charset="0"/>
+                <a:cs typeface="Times New Roman" panose="02020603050405020304" pitchFamily="18" charset="0"/>
+              </a:rPr>
+              <a:t>«Каштанка»</a:t>
+            </a:r>
+          </a:p>
+        </p:txBody>
+      </p:sp>
     </p:spTree>
     <p:extLst>
       <p:ext uri="{BB962C8B-B14F-4D97-AF65-F5344CB8AC3E}">
@@ -10222,8 +10433,8 @@
           </a:prstGeom>
         </p:spPr>
       </p:pic>
-      <mc:AlternateContent xmlns:mc="http://schemas.openxmlformats.org/markup-compatibility/2006">
-        <mc:Choice xmlns:a14="http://schemas.microsoft.com/office/drawing/2010/main" Requires="a14">
+      <mc:AlternateContent xmlns:mc="http://schemas.openxmlformats.org/markup-compatibility/2006" xmlns:a14="http://schemas.microsoft.com/office/drawing/2010/main">
+        <mc:Choice Requires="a14">
           <p:sp>
             <p:nvSpPr>
               <p:cNvPr id="13" name="Прямоугольник 12">
@@ -10453,7 +10664,7 @@
             </p:txBody>
           </p:sp>
         </mc:Choice>
-        <mc:Fallback>
+        <mc:Fallback xmlns="">
           <p:sp>
             <p:nvSpPr>
               <p:cNvPr id="13" name="Прямоугольник 12">
@@ -10498,8 +10709,8 @@
           </p:sp>
         </mc:Fallback>
       </mc:AlternateContent>
-      <mc:AlternateContent xmlns:mc="http://schemas.openxmlformats.org/markup-compatibility/2006">
-        <mc:Choice xmlns:a14="http://schemas.microsoft.com/office/drawing/2010/main" Requires="a14">
+      <mc:AlternateContent xmlns:mc="http://schemas.openxmlformats.org/markup-compatibility/2006" xmlns:a14="http://schemas.microsoft.com/office/drawing/2010/main">
+        <mc:Choice Requires="a14">
           <p:sp>
             <p:nvSpPr>
               <p:cNvPr id="14" name="Прямоугольник 13">
@@ -10712,7 +10923,7 @@
             </p:txBody>
           </p:sp>
         </mc:Choice>
-        <mc:Fallback>
+        <mc:Fallback xmlns="">
           <p:sp>
             <p:nvSpPr>
               <p:cNvPr id="14" name="Прямоугольник 13">
@@ -10860,8 +11071,8 @@
           </a:ln>
         </p:spPr>
       </p:pic>
-      <mc:AlternateContent xmlns:mc="http://schemas.openxmlformats.org/markup-compatibility/2006">
-        <mc:Choice xmlns:a14="http://schemas.microsoft.com/office/drawing/2010/main" Requires="a14">
+      <mc:AlternateContent xmlns:mc="http://schemas.openxmlformats.org/markup-compatibility/2006" xmlns:a14="http://schemas.microsoft.com/office/drawing/2010/main">
+        <mc:Choice Requires="a14">
           <p:sp>
             <p:nvSpPr>
               <p:cNvPr id="25" name="Прямоугольник 24">
@@ -11051,7 +11262,7 @@
             </p:txBody>
           </p:sp>
         </mc:Choice>
-        <mc:Fallback>
+        <mc:Fallback xmlns="">
           <p:sp>
             <p:nvSpPr>
               <p:cNvPr id="25" name="Прямоугольник 24">
